--- a/Diapositivas/2. Test Doubles.pptx
+++ b/Diapositivas/2. Test Doubles.pptx
@@ -5,7 +5,7 @@
     <p:sldMasterId id="2147483684" r:id="rId1"/>
   </p:sldMasterIdLst>
   <p:notesMasterIdLst>
-    <p:notesMasterId r:id="rId40"/>
+    <p:notesMasterId r:id="rId42"/>
   </p:notesMasterIdLst>
   <p:sldIdLst>
     <p:sldId id="684" r:id="rId2"/>
@@ -35,17 +35,19 @@
     <p:sldId id="495" r:id="rId26"/>
     <p:sldId id="686" r:id="rId27"/>
     <p:sldId id="496" r:id="rId28"/>
-    <p:sldId id="685" r:id="rId29"/>
-    <p:sldId id="683" r:id="rId30"/>
+    <p:sldId id="683" r:id="rId29"/>
+    <p:sldId id="685" r:id="rId30"/>
     <p:sldId id="655" r:id="rId31"/>
     <p:sldId id="656" r:id="rId32"/>
     <p:sldId id="657" r:id="rId33"/>
     <p:sldId id="628" r:id="rId34"/>
     <p:sldId id="624" r:id="rId35"/>
-    <p:sldId id="625" r:id="rId36"/>
-    <p:sldId id="626" r:id="rId37"/>
-    <p:sldId id="627" r:id="rId38"/>
-    <p:sldId id="586" r:id="rId39"/>
+    <p:sldId id="687" r:id="rId36"/>
+    <p:sldId id="625" r:id="rId37"/>
+    <p:sldId id="688" r:id="rId38"/>
+    <p:sldId id="626" r:id="rId39"/>
+    <p:sldId id="627" r:id="rId40"/>
+    <p:sldId id="586" r:id="rId41"/>
   </p:sldIdLst>
   <p:sldSz cx="9144000" cy="6858000" type="screen4x3"/>
   <p:notesSz cx="6858000" cy="9144000"/>
@@ -154,6 +156,198 @@
 </p:cmAuthorLst>
 </file>
 
+<file path=ppt/charts/chart1.xml><?xml version="1.0" encoding="utf-8"?>
+<c:chartSpace xmlns:c="http://schemas.openxmlformats.org/drawingml/2006/chart" xmlns:a="http://schemas.openxmlformats.org/drawingml/2006/main" xmlns:r="http://schemas.openxmlformats.org/officeDocument/2006/relationships">
+  <c:date1904 val="0"/>
+  <c:lang val="es-PE"/>
+  <c:roundedCorners val="0"/>
+  <mc:AlternateContent xmlns:mc="http://schemas.openxmlformats.org/markup-compatibility/2006">
+    <mc:Choice xmlns:c14="http://schemas.microsoft.com/office/drawing/2007/8/2/chart" Requires="c14">
+      <c14:style val="126"/>
+    </mc:Choice>
+    <mc:Fallback>
+      <c:style val="26"/>
+    </mc:Fallback>
+  </mc:AlternateContent>
+  <c:chart>
+    <c:autoTitleDeleted val="0"/>
+    <c:plotArea>
+      <c:layout/>
+      <c:barChart>
+        <c:barDir val="col"/>
+        <c:grouping val="clustered"/>
+        <c:varyColors val="0"/>
+        <c:ser>
+          <c:idx val="2"/>
+          <c:order val="0"/>
+          <c:tx>
+            <c:strRef>
+              <c:f>'Numero Defectos TDD'!$B$16</c:f>
+              <c:strCache>
+                <c:ptCount val="1"/>
+                <c:pt idx="0">
+                  <c:v>Tiempo en programar una funcionalidad usando TDD</c:v>
+                </c:pt>
+              </c:strCache>
+            </c:strRef>
+          </c:tx>
+          <c:invertIfNegative val="0"/>
+          <c:val>
+            <c:numRef>
+              <c:f>'Numero Defectos TDD'!$B$17:$B$20</c:f>
+              <c:numCache>
+                <c:formatCode>0%</c:formatCode>
+                <c:ptCount val="4"/>
+                <c:pt idx="0">
+                  <c:v>1.23</c:v>
+                </c:pt>
+                <c:pt idx="1">
+                  <c:v>1.1499999999999999</c:v>
+                </c:pt>
+                <c:pt idx="2">
+                  <c:v>1.3</c:v>
+                </c:pt>
+                <c:pt idx="3">
+                  <c:v>1.18</c:v>
+                </c:pt>
+              </c:numCache>
+            </c:numRef>
+          </c:val>
+        </c:ser>
+        <c:ser>
+          <c:idx val="1"/>
+          <c:order val="1"/>
+          <c:tx>
+            <c:strRef>
+              <c:f>'Numero Defectos TDD'!$D$16</c:f>
+              <c:strCache>
+                <c:ptCount val="1"/>
+                <c:pt idx="0">
+                  <c:v>Densidad de los defectos del equipo usando TDD</c:v>
+                </c:pt>
+              </c:strCache>
+            </c:strRef>
+          </c:tx>
+          <c:invertIfNegative val="0"/>
+          <c:val>
+            <c:numRef>
+              <c:f>'Numero Defectos TDD'!$D$17:$D$20</c:f>
+              <c:numCache>
+                <c:formatCode>0%</c:formatCode>
+                <c:ptCount val="4"/>
+                <c:pt idx="0">
+                  <c:v>0.09</c:v>
+                </c:pt>
+                <c:pt idx="1">
+                  <c:v>0.24</c:v>
+                </c:pt>
+                <c:pt idx="2">
+                  <c:v>0.38</c:v>
+                </c:pt>
+                <c:pt idx="3">
+                  <c:v>0.61</c:v>
+                </c:pt>
+              </c:numCache>
+            </c:numRef>
+          </c:val>
+        </c:ser>
+        <c:dLbls>
+          <c:showLegendKey val="0"/>
+          <c:showVal val="0"/>
+          <c:showCatName val="0"/>
+          <c:showSerName val="0"/>
+          <c:showPercent val="0"/>
+          <c:showBubbleSize val="0"/>
+        </c:dLbls>
+        <c:gapWidth val="150"/>
+        <c:axId val="144129536"/>
+        <c:axId val="99930624"/>
+      </c:barChart>
+      <c:catAx>
+        <c:axId val="144129536"/>
+        <c:scaling>
+          <c:orientation val="minMax"/>
+        </c:scaling>
+        <c:delete val="1"/>
+        <c:axPos val="b"/>
+        <c:title>
+          <c:tx>
+            <c:rich>
+              <a:bodyPr/>
+              <a:lstStyle/>
+              <a:p>
+                <a:pPr>
+                  <a:defRPr/>
+                </a:pPr>
+                <a:endParaRPr lang="es-PE" dirty="0"/>
+              </a:p>
+            </c:rich>
+          </c:tx>
+          <c:layout>
+            <c:manualLayout>
+              <c:xMode val="edge"/>
+              <c:yMode val="edge"/>
+              <c:x val="0.37070175262857863"/>
+              <c:y val="0.73906946291962639"/>
+            </c:manualLayout>
+          </c:layout>
+          <c:overlay val="0"/>
+        </c:title>
+        <c:majorTickMark val="out"/>
+        <c:minorTickMark val="none"/>
+        <c:tickLblPos val="nextTo"/>
+        <c:crossAx val="99930624"/>
+        <c:crosses val="autoZero"/>
+        <c:auto val="1"/>
+        <c:lblAlgn val="ctr"/>
+        <c:lblOffset val="100"/>
+        <c:noMultiLvlLbl val="0"/>
+      </c:catAx>
+      <c:valAx>
+        <c:axId val="99930624"/>
+        <c:scaling>
+          <c:orientation val="minMax"/>
+        </c:scaling>
+        <c:delete val="0"/>
+        <c:axPos val="l"/>
+        <c:majorGridlines/>
+        <c:numFmt formatCode="0%" sourceLinked="1"/>
+        <c:majorTickMark val="out"/>
+        <c:minorTickMark val="none"/>
+        <c:tickLblPos val="nextTo"/>
+        <c:crossAx val="144129536"/>
+        <c:crosses val="autoZero"/>
+        <c:crossBetween val="between"/>
+      </c:valAx>
+    </c:plotArea>
+    <c:legend>
+      <c:legendPos val="b"/>
+      <c:layout/>
+      <c:overlay val="0"/>
+    </c:legend>
+    <c:plotVisOnly val="1"/>
+    <c:dispBlanksAs val="gap"/>
+    <c:showDLblsOverMax val="0"/>
+  </c:chart>
+  <c:spPr>
+    <a:noFill/>
+  </c:spPr>
+  <c:txPr>
+    <a:bodyPr/>
+    <a:lstStyle/>
+    <a:p>
+      <a:pPr>
+        <a:defRPr sz="1800"/>
+      </a:pPr>
+      <a:endParaRPr lang="es-PE"/>
+    </a:p>
+  </c:txPr>
+  <c:externalData r:id="rId1">
+    <c:autoUpdate val="0"/>
+  </c:externalData>
+</c:chartSpace>
+</file>
+
 <file path=ppt/comments/comment1.xml><?xml version="1.0" encoding="utf-8"?>
 <p:cmLst xmlns:a="http://schemas.openxmlformats.org/drawingml/2006/main" xmlns:r="http://schemas.openxmlformats.org/officeDocument/2006/relationships" xmlns:p="http://schemas.openxmlformats.org/presentationml/2006/main">
   <p:cm authorId="0" dt="2010-10-02T00:07:50.295" idx="2">
@@ -254,7 +448,7 @@
           <a:p>
             <a:fld id="{63D5FC4C-9EE1-4746-A368-724F618FC790}" type="datetimeFigureOut">
               <a:rPr lang="es-PE" smtClean="0"/>
-              <a:t>17/04/2013</a:t>
+              <a:t>23/04/2013</a:t>
             </a:fld>
             <a:endParaRPr lang="es-PE"/>
           </a:p>
@@ -2878,7 +3072,11 @@
           <a:bodyPr/>
           <a:lstStyle/>
           <a:p>
-            <a:endParaRPr lang="es-PE" dirty="0"/>
+            <a:pPr marL="0" indent="0">
+              <a:buFontTx/>
+              <a:buNone/>
+            </a:pPr>
+            <a:endParaRPr lang="es-PE" noProof="0" dirty="0"/>
           </a:p>
         </p:txBody>
       </p:sp>
@@ -2962,11 +3160,7 @@
           <a:bodyPr/>
           <a:lstStyle/>
           <a:p>
-            <a:pPr marL="0" indent="0">
-              <a:buFontTx/>
-              <a:buNone/>
-            </a:pPr>
-            <a:endParaRPr lang="es-PE" noProof="0" dirty="0"/>
+            <a:endParaRPr lang="es-PE" dirty="0"/>
           </a:p>
         </p:txBody>
       </p:sp>
@@ -4633,7 +4827,11 @@
           <a:p>
             <a:r>
               <a:rPr lang="es-PE" baseline="0" dirty="0" smtClean="0"/>
-              <a:t>Para responder a esta pregunta tenemos que pensar en términos de todo el proyecto y no únicamente en el tiempo de programación o la programación de una funcionalidad específica.</a:t>
+              <a:t>Para responder a esta pregunta tenemos que pensar en términos de todo el proyecto y no únicamente en el tiempo de programación o la programación de una funcionalidad específica</a:t>
+            </a:r>
+            <a:r>
+              <a:rPr lang="es-PE" baseline="0" dirty="0" smtClean="0"/>
+              <a:t>.</a:t>
             </a:r>
           </a:p>
           <a:p>
@@ -4864,6 +5062,25 @@
           </a:p>
           <a:p>
             <a:endParaRPr lang="es-PE" baseline="0" dirty="0" smtClean="0"/>
+          </a:p>
+          <a:p>
+            <a:r>
+              <a:rPr lang="es-PE" dirty="0" smtClean="0"/>
+              <a:t>OTROS CASOS DE ESTUDIO</a:t>
+            </a:r>
+            <a:br>
+              <a:rPr lang="es-PE" dirty="0" smtClean="0"/>
+            </a:br>
+            <a:r>
+              <a:rPr lang="es-PE" dirty="0" smtClean="0">
+                <a:hlinkClick r:id="rId3"/>
+              </a:rPr>
+              <a:t>http://collaboration.csc.ncsu.edu/laurie/Papers/Unit_testing_cameraReady.pdf</a:t>
+            </a:r>
+            <a:endParaRPr lang="es-PE" dirty="0" smtClean="0"/>
+          </a:p>
+          <a:p>
+            <a:endParaRPr lang="es-PE" dirty="0" smtClean="0"/>
           </a:p>
           <a:p>
             <a:endParaRPr lang="es-PE" dirty="0"/>
@@ -4952,38 +5169,63 @@
           <a:p>
             <a:r>
               <a:rPr lang="es-PE" dirty="0" smtClean="0"/>
-              <a:t>Ya lo venimos haciendo solo que no estamos muy consientes de ellos.</a:t>
-            </a:r>
-          </a:p>
-          <a:p>
-            <a:endParaRPr lang="es-PE" dirty="0" smtClean="0"/>
-          </a:p>
-          <a:p>
-            <a:r>
-              <a:rPr lang="es-PE" dirty="0" smtClean="0"/>
-              <a:t>Escribimos</a:t>
+              <a:t>Seguramente</a:t>
             </a:r>
             <a:r>
               <a:rPr lang="es-PE" baseline="0" dirty="0" smtClean="0"/>
-              <a:t> una funcionalidad.</a:t>
-            </a:r>
+              <a:t> se preguntarán o cuando intenten aplicar esto en sus empresas les preguntarán en sus empresas, sobretodo las personas que les concierne mucho el tema del tiempo. ¿Cuánto tiempo más agrega esto a mi proyecto? </a:t>
+            </a:r>
+          </a:p>
+          <a:p>
+            <a:endParaRPr lang="es-PE" baseline="0" dirty="0" smtClean="0"/>
           </a:p>
           <a:p>
             <a:r>
               <a:rPr lang="es-PE" baseline="0" dirty="0" smtClean="0"/>
-              <a:t>Ejecutamos el programa.</a:t>
-            </a:r>
-          </a:p>
-          <a:p>
+              <a:t>Para responder a esta pregunta tenemos que pensar en términos de todo el proyecto y no únicamente en el tiempo de programación o la programación de una funcionalidad específica</a:t>
+            </a:r>
             <a:r>
               <a:rPr lang="es-PE" baseline="0" dirty="0" smtClean="0"/>
-              <a:t>Escribimos una funcionalidad</a:t>
-            </a:r>
+              <a:t>.</a:t>
+            </a:r>
+          </a:p>
+          <a:p>
+            <a:endParaRPr lang="es-PE" baseline="0" dirty="0" smtClean="0"/>
           </a:p>
           <a:p>
             <a:r>
               <a:rPr lang="es-PE" baseline="0" dirty="0" smtClean="0"/>
-              <a:t>….</a:t>
+              <a:t>Estas son estadísticas de una compañía que comenzó a adoptar </a:t>
+            </a:r>
+            <a:r>
+              <a:rPr lang="es-PE" baseline="0" dirty="0" err="1" smtClean="0"/>
+              <a:t>unit</a:t>
+            </a:r>
+            <a:r>
+              <a:rPr lang="es-PE" baseline="0" dirty="0" smtClean="0"/>
+              <a:t> </a:t>
+            </a:r>
+            <a:r>
+              <a:rPr lang="es-PE" baseline="0" dirty="0" err="1" smtClean="0"/>
+              <a:t>testing</a:t>
+            </a:r>
+            <a:r>
+              <a:rPr lang="es-PE" baseline="0" dirty="0" smtClean="0"/>
+              <a:t> en un proyecto piloto, el piloto consistía agregar funcionalidad a una gran aplicación de facturación y </a:t>
+            </a:r>
+            <a:r>
+              <a:rPr lang="es-PE" baseline="0" dirty="0" err="1" smtClean="0"/>
+              <a:t>customizar</a:t>
+            </a:r>
+            <a:r>
+              <a:rPr lang="es-PE" baseline="0" dirty="0" smtClean="0"/>
+              <a:t> algunas partes para sus diferentes clientes.</a:t>
+            </a:r>
+          </a:p>
+          <a:p>
+            <a:r>
+              <a:rPr lang="es-PE" baseline="0" dirty="0" smtClean="0"/>
+              <a:t>Esta compañía esta compuesta por una gran cantidad de desarrolladores alrededor de equipos y desarrolladores.</a:t>
             </a:r>
           </a:p>
           <a:p>
@@ -4992,15 +5234,169 @@
           <a:p>
             <a:r>
               <a:rPr lang="es-PE" baseline="0" dirty="0" smtClean="0"/>
-              <a:t>En vez de ejecutar el programa manualmente( no repetible, toma mucho tiempo, </a:t>
+              <a:t>Se colectaron estadísticas para 2 equipos diferentes que crearon 2 funcionalidades muy similares para diferentes clientes. (Ambas funcionalidades eran muy similares en características y tamaño, y ambos equipos tenían casi la misma habilidad y experiencia). La </a:t>
             </a:r>
             <a:r>
               <a:rPr lang="es-PE" baseline="0" dirty="0" err="1" smtClean="0"/>
-              <a:t>etc</a:t>
+              <a:t>punica</a:t>
             </a:r>
             <a:r>
               <a:rPr lang="es-PE" baseline="0" dirty="0" smtClean="0"/>
-              <a:t>) </a:t>
+              <a:t> diferencia fue q uno de los equipos utilizó </a:t>
+            </a:r>
+            <a:r>
+              <a:rPr lang="es-PE" baseline="0" dirty="0" err="1" smtClean="0"/>
+              <a:t>unit</a:t>
+            </a:r>
+            <a:r>
+              <a:rPr lang="es-PE" baseline="0" dirty="0" smtClean="0"/>
+              <a:t> </a:t>
+            </a:r>
+            <a:r>
+              <a:rPr lang="es-PE" baseline="0" dirty="0" err="1" smtClean="0"/>
+              <a:t>tests</a:t>
+            </a:r>
+            <a:r>
+              <a:rPr lang="es-PE" baseline="0" dirty="0" smtClean="0"/>
+              <a:t> y el otro no.</a:t>
+            </a:r>
+          </a:p>
+          <a:p>
+            <a:endParaRPr lang="es-PE" baseline="0" dirty="0" smtClean="0"/>
+          </a:p>
+          <a:p>
+            <a:r>
+              <a:rPr lang="es-PE" baseline="0" dirty="0" smtClean="0"/>
+              <a:t>Se tomaron 3 </a:t>
+            </a:r>
+            <a:r>
+              <a:rPr lang="es-PE" baseline="0" dirty="0" err="1" smtClean="0"/>
+              <a:t>estádisticas</a:t>
+            </a:r>
+            <a:r>
+              <a:rPr lang="es-PE" baseline="0" dirty="0" smtClean="0"/>
+              <a:t>:</a:t>
+            </a:r>
+          </a:p>
+          <a:p>
+            <a:pPr marL="171450" indent="-171450">
+              <a:buFontTx/>
+              <a:buChar char="-"/>
+            </a:pPr>
+            <a:r>
+              <a:rPr lang="es-PE" baseline="0" dirty="0" smtClean="0"/>
+              <a:t>El tiempo que le tomó a los equipos para cada fase del desarrollo del producto.</a:t>
+            </a:r>
+          </a:p>
+          <a:p>
+            <a:pPr marL="171450" indent="-171450">
+              <a:buFontTx/>
+              <a:buChar char="-"/>
+            </a:pPr>
+            <a:r>
+              <a:rPr lang="es-PE" baseline="0" dirty="0" smtClean="0"/>
+              <a:t>El tiempo total en el cuál el producto fue entregado a los clientes.</a:t>
+            </a:r>
+          </a:p>
+          <a:p>
+            <a:pPr marL="171450" indent="-171450">
+              <a:buFontTx/>
+              <a:buChar char="-"/>
+            </a:pPr>
+            <a:r>
+              <a:rPr lang="es-PE" baseline="0" dirty="0" smtClean="0"/>
+              <a:t>La cantidad de errores encontrados en el cliente luego del </a:t>
+            </a:r>
+            <a:r>
+              <a:rPr lang="es-PE" baseline="0" dirty="0" err="1" smtClean="0"/>
+              <a:t>release</a:t>
+            </a:r>
+            <a:r>
+              <a:rPr lang="es-PE" baseline="0" dirty="0" smtClean="0"/>
+              <a:t>.</a:t>
+            </a:r>
+          </a:p>
+          <a:p>
+            <a:pPr marL="171450" indent="-171450">
+              <a:buFontTx/>
+              <a:buChar char="-"/>
+            </a:pPr>
+            <a:endParaRPr lang="es-PE" baseline="0" dirty="0" smtClean="0"/>
+          </a:p>
+          <a:p>
+            <a:pPr marL="0" indent="0">
+              <a:buFontTx/>
+              <a:buNone/>
+            </a:pPr>
+            <a:r>
+              <a:rPr lang="es-PE" baseline="0" dirty="0" smtClean="0"/>
+              <a:t>Podemos observar que como ustedes suponían el tiempo del codificación es mayor cuando se realizan pruebas unitarias, e este caso era un equipo que recién estaba aprendiendo sobre pruebas unitarios y es por eso que el tiempo se duplicó.</a:t>
+            </a:r>
+          </a:p>
+          <a:p>
+            <a:pPr marL="0" indent="0">
+              <a:buFontTx/>
+              <a:buNone/>
+            </a:pPr>
+            <a:endParaRPr lang="es-PE" baseline="0" dirty="0" smtClean="0"/>
+          </a:p>
+          <a:p>
+            <a:pPr marL="0" indent="0">
+              <a:buFontTx/>
+              <a:buNone/>
+            </a:pPr>
+            <a:r>
+              <a:rPr lang="es-PE" baseline="0" dirty="0" smtClean="0"/>
+              <a:t>Pero podemos observar que el tiempo de las siguientes fases disminuyó considerablemente, inclusive el tiempo total de desarrollo del producto fue menor utilizando </a:t>
+            </a:r>
+            <a:r>
+              <a:rPr lang="es-PE" baseline="0" dirty="0" err="1" smtClean="0"/>
+              <a:t>unit</a:t>
+            </a:r>
+            <a:r>
+              <a:rPr lang="es-PE" baseline="0" dirty="0" smtClean="0"/>
+              <a:t> </a:t>
+            </a:r>
+            <a:r>
+              <a:rPr lang="es-PE" baseline="0" dirty="0" err="1" smtClean="0"/>
+              <a:t>tests</a:t>
+            </a:r>
+            <a:r>
+              <a:rPr lang="es-PE" baseline="0" dirty="0" smtClean="0"/>
+              <a:t>; y los bugs encontrados fueron muchísimo menores.</a:t>
+            </a:r>
+          </a:p>
+          <a:p>
+            <a:pPr marL="0" indent="0">
+              <a:buFontTx/>
+              <a:buNone/>
+            </a:pPr>
+            <a:endParaRPr lang="es-PE" baseline="0" dirty="0" smtClean="0"/>
+          </a:p>
+          <a:p>
+            <a:pPr marL="0" indent="0">
+              <a:buFontTx/>
+              <a:buNone/>
+            </a:pPr>
+            <a:r>
+              <a:rPr lang="es-PE" baseline="0" dirty="0" smtClean="0"/>
+              <a:t>Durante el proyecto piloto, los managers no creían que el piloto utilizando </a:t>
+            </a:r>
+            <a:r>
+              <a:rPr lang="es-PE" baseline="0" dirty="0" err="1" smtClean="0"/>
+              <a:t>unit</a:t>
+            </a:r>
+            <a:r>
+              <a:rPr lang="es-PE" baseline="0" dirty="0" smtClean="0"/>
+              <a:t> </a:t>
+            </a:r>
+            <a:r>
+              <a:rPr lang="es-PE" baseline="0" dirty="0" err="1" smtClean="0"/>
+              <a:t>tests</a:t>
+            </a:r>
+            <a:r>
+              <a:rPr lang="es-PE" baseline="0" dirty="0" smtClean="0"/>
+              <a:t> sería un éxito </a:t>
             </a:r>
             <a:r>
               <a:rPr lang="es-PE" baseline="0" dirty="0" err="1" smtClean="0"/>
@@ -5008,14 +5404,38 @@
             </a:r>
             <a:r>
               <a:rPr lang="es-PE" baseline="0" dirty="0" smtClean="0"/>
-              <a:t> no escribimos un pequeñito programa automatizado que haga lo mismo.</a:t>
+              <a:t> únicamente se fijaban en las estadísticas del tiempo de codificación. Es correcto pensar que utilizar UT incrementará el tiempo de programación </a:t>
+            </a:r>
+            <a:r>
+              <a:rPr lang="es-PE" baseline="0" dirty="0" err="1" smtClean="0"/>
+              <a:t>xq</a:t>
+            </a:r>
+            <a:r>
+              <a:rPr lang="es-PE" baseline="0" dirty="0" smtClean="0"/>
+              <a:t> estás escribiendo más código pero el tiempo total se ve reducido.</a:t>
             </a:r>
           </a:p>
           <a:p>
             <a:endParaRPr lang="es-PE" baseline="0" dirty="0" smtClean="0"/>
           </a:p>
           <a:p>
-            <a:endParaRPr lang="es-PE" baseline="0" dirty="0" smtClean="0"/>
+            <a:r>
+              <a:rPr lang="es-PE" dirty="0" smtClean="0"/>
+              <a:t>OTROS CASOS DE ESTUDIO</a:t>
+            </a:r>
+            <a:br>
+              <a:rPr lang="es-PE" dirty="0" smtClean="0"/>
+            </a:br>
+            <a:r>
+              <a:rPr lang="es-PE" dirty="0" smtClean="0">
+                <a:hlinkClick r:id="rId3"/>
+              </a:rPr>
+              <a:t>http://collaboration.csc.ncsu.edu/laurie/Papers/Unit_testing_cameraReady.pdf</a:t>
+            </a:r>
+            <a:endParaRPr lang="es-PE" dirty="0" smtClean="0"/>
+          </a:p>
+          <a:p>
+            <a:endParaRPr lang="es-PE" dirty="0" smtClean="0"/>
           </a:p>
           <a:p>
             <a:endParaRPr lang="es-PE" dirty="0"/>
@@ -5102,7 +5522,75 @@
           <a:bodyPr/>
           <a:lstStyle/>
           <a:p>
-            <a:endParaRPr lang="es-PE" noProof="0" dirty="0"/>
+            <a:r>
+              <a:rPr lang="es-PE" dirty="0" smtClean="0"/>
+              <a:t>Ya lo venimos haciendo solo que no estamos muy consientes de ellos.</a:t>
+            </a:r>
+          </a:p>
+          <a:p>
+            <a:endParaRPr lang="es-PE" dirty="0" smtClean="0"/>
+          </a:p>
+          <a:p>
+            <a:r>
+              <a:rPr lang="es-PE" dirty="0" smtClean="0"/>
+              <a:t>Escribimos</a:t>
+            </a:r>
+            <a:r>
+              <a:rPr lang="es-PE" baseline="0" dirty="0" smtClean="0"/>
+              <a:t> una funcionalidad.</a:t>
+            </a:r>
+          </a:p>
+          <a:p>
+            <a:r>
+              <a:rPr lang="es-PE" baseline="0" dirty="0" smtClean="0"/>
+              <a:t>Ejecutamos el programa.</a:t>
+            </a:r>
+          </a:p>
+          <a:p>
+            <a:r>
+              <a:rPr lang="es-PE" baseline="0" dirty="0" smtClean="0"/>
+              <a:t>Escribimos una funcionalidad</a:t>
+            </a:r>
+          </a:p>
+          <a:p>
+            <a:r>
+              <a:rPr lang="es-PE" baseline="0" dirty="0" smtClean="0"/>
+              <a:t>….</a:t>
+            </a:r>
+          </a:p>
+          <a:p>
+            <a:endParaRPr lang="es-PE" baseline="0" dirty="0" smtClean="0"/>
+          </a:p>
+          <a:p>
+            <a:r>
+              <a:rPr lang="es-PE" baseline="0" dirty="0" smtClean="0"/>
+              <a:t>En vez de ejecutar el programa manualmente( no repetible, toma mucho tiempo, </a:t>
+            </a:r>
+            <a:r>
+              <a:rPr lang="es-PE" baseline="0" dirty="0" err="1" smtClean="0"/>
+              <a:t>etc</a:t>
+            </a:r>
+            <a:r>
+              <a:rPr lang="es-PE" baseline="0" dirty="0" smtClean="0"/>
+              <a:t>) </a:t>
+            </a:r>
+            <a:r>
+              <a:rPr lang="es-PE" baseline="0" dirty="0" err="1" smtClean="0"/>
+              <a:t>xq</a:t>
+            </a:r>
+            <a:r>
+              <a:rPr lang="es-PE" baseline="0" dirty="0" smtClean="0"/>
+              <a:t> no escribimos un pequeñito programa automatizado que haga lo mismo.</a:t>
+            </a:r>
+          </a:p>
+          <a:p>
+            <a:endParaRPr lang="es-PE" baseline="0" dirty="0" smtClean="0"/>
+          </a:p>
+          <a:p>
+            <a:endParaRPr lang="es-PE" baseline="0" dirty="0" smtClean="0"/>
+          </a:p>
+          <a:p>
+            <a:endParaRPr lang="es-PE" dirty="0"/>
           </a:p>
         </p:txBody>
       </p:sp>
@@ -5121,7 +5609,7 @@
           <a:bodyPr/>
           <a:lstStyle/>
           <a:p>
-            <a:fld id="{80C14895-23C8-45AE-85D5-3B35E5980A68}" type="slidenum">
+            <a:fld id="{96DE5A63-0F1F-4DC0-ADE0-CC17EBA6F230}" type="slidenum">
               <a:rPr lang="es-PE" smtClean="0"/>
               <a:t>36</a:t>
             </a:fld>
@@ -5132,7 +5620,7 @@
     </p:spTree>
     <p:extLst>
       <p:ext uri="{BB962C8B-B14F-4D97-AF65-F5344CB8AC3E}">
-        <p14:creationId xmlns:p14="http://schemas.microsoft.com/office/powerpoint/2010/main" val="3432092158"/>
+        <p14:creationId xmlns:p14="http://schemas.microsoft.com/office/powerpoint/2010/main" val="1289502795"/>
       </p:ext>
     </p:extLst>
   </p:cSld>
@@ -5185,921 +5673,6 @@
         <p:txBody>
           <a:bodyPr/>
           <a:lstStyle/>
-          <a:p>
-            <a:r>
-              <a:rPr lang="en-US" sz="1200" b="0" i="0" kern="1200" dirty="0" smtClean="0">
-                <a:solidFill>
-                  <a:schemeClr val="tx1"/>
-                </a:solidFill>
-                <a:effectLst/>
-                <a:latin typeface="+mn-lt"/>
-                <a:ea typeface="+mn-ea"/>
-                <a:cs typeface="+mn-cs"/>
-              </a:rPr>
-              <a:t>En general </a:t>
-            </a:r>
-            <a:r>
-              <a:rPr lang="en-US" sz="1200" b="0" i="0" kern="1200" dirty="0" err="1" smtClean="0">
-                <a:solidFill>
-                  <a:schemeClr val="tx1"/>
-                </a:solidFill>
-                <a:effectLst/>
-                <a:latin typeface="+mn-lt"/>
-                <a:ea typeface="+mn-ea"/>
-                <a:cs typeface="+mn-cs"/>
-              </a:rPr>
-              <a:t>podemos</a:t>
-            </a:r>
-            <a:r>
-              <a:rPr lang="en-US" sz="1200" b="0" i="0" kern="1200" dirty="0" smtClean="0">
-                <a:solidFill>
-                  <a:schemeClr val="tx1"/>
-                </a:solidFill>
-                <a:effectLst/>
-                <a:latin typeface="+mn-lt"/>
-                <a:ea typeface="+mn-ea"/>
-                <a:cs typeface="+mn-cs"/>
-              </a:rPr>
-              <a:t> </a:t>
-            </a:r>
-            <a:r>
-              <a:rPr lang="en-US" sz="1200" b="0" i="0" kern="1200" dirty="0" err="1" smtClean="0">
-                <a:solidFill>
-                  <a:schemeClr val="tx1"/>
-                </a:solidFill>
-                <a:effectLst/>
-                <a:latin typeface="+mn-lt"/>
-                <a:ea typeface="+mn-ea"/>
-                <a:cs typeface="+mn-cs"/>
-              </a:rPr>
-              <a:t>decir</a:t>
-            </a:r>
-            <a:r>
-              <a:rPr lang="en-US" sz="1200" b="0" i="0" kern="1200" baseline="0" dirty="0" smtClean="0">
-                <a:solidFill>
-                  <a:schemeClr val="tx1"/>
-                </a:solidFill>
-                <a:effectLst/>
-                <a:latin typeface="+mn-lt"/>
-                <a:ea typeface="+mn-ea"/>
-                <a:cs typeface="+mn-cs"/>
-              </a:rPr>
-              <a:t> </a:t>
-            </a:r>
-            <a:r>
-              <a:rPr lang="en-US" sz="1200" b="0" i="0" kern="1200" baseline="0" dirty="0" err="1" smtClean="0">
-                <a:solidFill>
-                  <a:schemeClr val="tx1"/>
-                </a:solidFill>
-                <a:effectLst/>
-                <a:latin typeface="+mn-lt"/>
-                <a:ea typeface="+mn-ea"/>
-                <a:cs typeface="+mn-cs"/>
-              </a:rPr>
-              <a:t>que</a:t>
-            </a:r>
-            <a:r>
-              <a:rPr lang="en-US" sz="1200" b="0" i="0" kern="1200" baseline="0" dirty="0" smtClean="0">
-                <a:solidFill>
-                  <a:schemeClr val="tx1"/>
-                </a:solidFill>
-                <a:effectLst/>
-                <a:latin typeface="+mn-lt"/>
-                <a:ea typeface="+mn-ea"/>
-                <a:cs typeface="+mn-cs"/>
-              </a:rPr>
-              <a:t> </a:t>
-            </a:r>
-            <a:r>
-              <a:rPr lang="en-US" sz="1200" b="0" i="0" kern="1200" baseline="0" dirty="0" err="1" smtClean="0">
-                <a:solidFill>
-                  <a:schemeClr val="tx1"/>
-                </a:solidFill>
-                <a:effectLst/>
-                <a:latin typeface="+mn-lt"/>
-                <a:ea typeface="+mn-ea"/>
-                <a:cs typeface="+mn-cs"/>
-              </a:rPr>
-              <a:t>uno</a:t>
-            </a:r>
-            <a:r>
-              <a:rPr lang="en-US" sz="1200" b="0" i="0" kern="1200" baseline="0" dirty="0" smtClean="0">
-                <a:solidFill>
-                  <a:schemeClr val="tx1"/>
-                </a:solidFill>
-                <a:effectLst/>
-                <a:latin typeface="+mn-lt"/>
-                <a:ea typeface="+mn-ea"/>
-                <a:cs typeface="+mn-cs"/>
-              </a:rPr>
-              <a:t> de </a:t>
-            </a:r>
-            <a:r>
-              <a:rPr lang="en-US" sz="1200" b="0" i="0" kern="1200" baseline="0" dirty="0" err="1" smtClean="0">
-                <a:solidFill>
-                  <a:schemeClr val="tx1"/>
-                </a:solidFill>
-                <a:effectLst/>
-                <a:latin typeface="+mn-lt"/>
-                <a:ea typeface="+mn-ea"/>
-                <a:cs typeface="+mn-cs"/>
-              </a:rPr>
-              <a:t>lso</a:t>
-            </a:r>
-            <a:r>
-              <a:rPr lang="en-US" sz="1200" b="0" i="0" kern="1200" baseline="0" dirty="0" smtClean="0">
-                <a:solidFill>
-                  <a:schemeClr val="tx1"/>
-                </a:solidFill>
-                <a:effectLst/>
-                <a:latin typeface="+mn-lt"/>
-                <a:ea typeface="+mn-ea"/>
-                <a:cs typeface="+mn-cs"/>
-              </a:rPr>
-              <a:t> </a:t>
-            </a:r>
-            <a:r>
-              <a:rPr lang="en-US" sz="1200" b="0" i="0" kern="1200" baseline="0" dirty="0" err="1" smtClean="0">
-                <a:solidFill>
-                  <a:schemeClr val="tx1"/>
-                </a:solidFill>
-                <a:effectLst/>
-                <a:latin typeface="+mn-lt"/>
-                <a:ea typeface="+mn-ea"/>
-                <a:cs typeface="+mn-cs"/>
-              </a:rPr>
-              <a:t>beneficios</a:t>
-            </a:r>
-            <a:r>
-              <a:rPr lang="en-US" sz="1200" b="0" i="0" kern="1200" baseline="0" dirty="0" smtClean="0">
-                <a:solidFill>
-                  <a:schemeClr val="tx1"/>
-                </a:solidFill>
-                <a:effectLst/>
-                <a:latin typeface="+mn-lt"/>
-                <a:ea typeface="+mn-ea"/>
-                <a:cs typeface="+mn-cs"/>
-              </a:rPr>
-              <a:t> </a:t>
-            </a:r>
-            <a:r>
-              <a:rPr lang="en-US" sz="1200" b="0" i="0" kern="1200" baseline="0" dirty="0" err="1" smtClean="0">
-                <a:solidFill>
-                  <a:schemeClr val="tx1"/>
-                </a:solidFill>
-                <a:effectLst/>
-                <a:latin typeface="+mn-lt"/>
-                <a:ea typeface="+mn-ea"/>
-                <a:cs typeface="+mn-cs"/>
-              </a:rPr>
-              <a:t>es</a:t>
-            </a:r>
-            <a:r>
-              <a:rPr lang="en-US" sz="1200" b="0" i="0" kern="1200" baseline="0" dirty="0" smtClean="0">
-                <a:solidFill>
-                  <a:schemeClr val="tx1"/>
-                </a:solidFill>
-                <a:effectLst/>
-                <a:latin typeface="+mn-lt"/>
-                <a:ea typeface="+mn-ea"/>
-                <a:cs typeface="+mn-cs"/>
-              </a:rPr>
-              <a:t> </a:t>
-            </a:r>
-            <a:r>
-              <a:rPr lang="en-US" sz="1200" b="0" i="0" kern="1200" baseline="0" dirty="0" err="1" smtClean="0">
-                <a:solidFill>
-                  <a:schemeClr val="tx1"/>
-                </a:solidFill>
-                <a:effectLst/>
-                <a:latin typeface="+mn-lt"/>
-                <a:ea typeface="+mn-ea"/>
-                <a:cs typeface="+mn-cs"/>
-              </a:rPr>
-              <a:t>hacer</a:t>
-            </a:r>
-            <a:r>
-              <a:rPr lang="en-US" sz="1200" b="0" i="0" kern="1200" baseline="0" dirty="0" smtClean="0">
-                <a:solidFill>
-                  <a:schemeClr val="tx1"/>
-                </a:solidFill>
-                <a:effectLst/>
-                <a:latin typeface="+mn-lt"/>
-                <a:ea typeface="+mn-ea"/>
-                <a:cs typeface="+mn-cs"/>
-              </a:rPr>
-              <a:t> </a:t>
-            </a:r>
-            <a:r>
-              <a:rPr lang="en-US" sz="1200" b="0" i="0" kern="1200" baseline="0" dirty="0" err="1" smtClean="0">
-                <a:solidFill>
-                  <a:schemeClr val="tx1"/>
-                </a:solidFill>
-                <a:effectLst/>
-                <a:latin typeface="+mn-lt"/>
-                <a:ea typeface="+mn-ea"/>
-                <a:cs typeface="+mn-cs"/>
-              </a:rPr>
-              <a:t>que</a:t>
-            </a:r>
-            <a:r>
-              <a:rPr lang="en-US" sz="1200" b="0" i="0" kern="1200" baseline="0" dirty="0" smtClean="0">
-                <a:solidFill>
-                  <a:schemeClr val="tx1"/>
-                </a:solidFill>
-                <a:effectLst/>
-                <a:latin typeface="+mn-lt"/>
-                <a:ea typeface="+mn-ea"/>
-                <a:cs typeface="+mn-cs"/>
-              </a:rPr>
-              <a:t> el </a:t>
-            </a:r>
-            <a:r>
-              <a:rPr lang="en-US" sz="1200" b="0" i="0" kern="1200" baseline="0" dirty="0" err="1" smtClean="0">
-                <a:solidFill>
-                  <a:schemeClr val="tx1"/>
-                </a:solidFill>
-                <a:effectLst/>
-                <a:latin typeface="+mn-lt"/>
-                <a:ea typeface="+mn-ea"/>
-                <a:cs typeface="+mn-cs"/>
-              </a:rPr>
-              <a:t>cambio</a:t>
-            </a:r>
-            <a:r>
-              <a:rPr lang="en-US" sz="1200" b="0" i="0" kern="1200" baseline="0" dirty="0" smtClean="0">
-                <a:solidFill>
-                  <a:schemeClr val="tx1"/>
-                </a:solidFill>
-                <a:effectLst/>
-                <a:latin typeface="+mn-lt"/>
-                <a:ea typeface="+mn-ea"/>
-                <a:cs typeface="+mn-cs"/>
-              </a:rPr>
-              <a:t> se </a:t>
-            </a:r>
-            <a:r>
-              <a:rPr lang="en-US" sz="1200" b="0" i="0" kern="1200" baseline="0" dirty="0" err="1" smtClean="0">
-                <a:solidFill>
-                  <a:schemeClr val="tx1"/>
-                </a:solidFill>
-                <a:effectLst/>
-                <a:latin typeface="+mn-lt"/>
-                <a:ea typeface="+mn-ea"/>
-                <a:cs typeface="+mn-cs"/>
-              </a:rPr>
-              <a:t>más</a:t>
-            </a:r>
-            <a:r>
-              <a:rPr lang="en-US" sz="1200" b="0" i="0" kern="1200" baseline="0" dirty="0" smtClean="0">
-                <a:solidFill>
-                  <a:schemeClr val="tx1"/>
-                </a:solidFill>
-                <a:effectLst/>
-                <a:latin typeface="+mn-lt"/>
-                <a:ea typeface="+mn-ea"/>
-                <a:cs typeface="+mn-cs"/>
-              </a:rPr>
-              <a:t> </a:t>
-            </a:r>
-            <a:r>
-              <a:rPr lang="en-US" sz="1200" b="0" i="0" kern="1200" baseline="0" dirty="0" err="1" smtClean="0">
-                <a:solidFill>
-                  <a:schemeClr val="tx1"/>
-                </a:solidFill>
-                <a:effectLst/>
-                <a:latin typeface="+mn-lt"/>
-                <a:ea typeface="+mn-ea"/>
-                <a:cs typeface="+mn-cs"/>
-              </a:rPr>
-              <a:t>facil</a:t>
-            </a:r>
-            <a:r>
-              <a:rPr lang="en-US" sz="1200" b="0" i="0" kern="1200" baseline="0" dirty="0" smtClean="0">
-                <a:solidFill>
-                  <a:schemeClr val="tx1"/>
-                </a:solidFill>
-                <a:effectLst/>
-                <a:latin typeface="+mn-lt"/>
-                <a:ea typeface="+mn-ea"/>
-                <a:cs typeface="+mn-cs"/>
-              </a:rPr>
-              <a:t> de </a:t>
-            </a:r>
-            <a:r>
-              <a:rPr lang="en-US" sz="1200" b="0" i="0" kern="1200" baseline="0" dirty="0" err="1" smtClean="0">
-                <a:solidFill>
-                  <a:schemeClr val="tx1"/>
-                </a:solidFill>
-                <a:effectLst/>
-                <a:latin typeface="+mn-lt"/>
-                <a:ea typeface="+mn-ea"/>
-                <a:cs typeface="+mn-cs"/>
-              </a:rPr>
-              <a:t>realizar</a:t>
-            </a:r>
-            <a:r>
-              <a:rPr lang="en-US" sz="1200" b="0" i="0" kern="1200" baseline="0" dirty="0" smtClean="0">
-                <a:solidFill>
-                  <a:schemeClr val="tx1"/>
-                </a:solidFill>
-                <a:effectLst/>
-                <a:latin typeface="+mn-lt"/>
-                <a:ea typeface="+mn-ea"/>
-                <a:cs typeface="+mn-cs"/>
-              </a:rPr>
-              <a:t> (</a:t>
-            </a:r>
-            <a:r>
-              <a:rPr lang="en-US" sz="1200" b="0" i="0" kern="1200" baseline="0" dirty="0" err="1" smtClean="0">
-                <a:solidFill>
-                  <a:schemeClr val="tx1"/>
-                </a:solidFill>
-                <a:effectLst/>
-                <a:latin typeface="+mn-lt"/>
-                <a:ea typeface="+mn-ea"/>
-                <a:cs typeface="+mn-cs"/>
-              </a:rPr>
-              <a:t>funcional</a:t>
-            </a:r>
-            <a:r>
-              <a:rPr lang="en-US" sz="1200" b="0" i="0" kern="1200" baseline="0" dirty="0" smtClean="0">
-                <a:solidFill>
-                  <a:schemeClr val="tx1"/>
-                </a:solidFill>
-                <a:effectLst/>
-                <a:latin typeface="+mn-lt"/>
-                <a:ea typeface="+mn-ea"/>
-                <a:cs typeface="+mn-cs"/>
-              </a:rPr>
-              <a:t> o </a:t>
-            </a:r>
-            <a:r>
-              <a:rPr lang="en-US" sz="1200" b="0" i="0" kern="1200" baseline="0" dirty="0" err="1" smtClean="0">
-                <a:solidFill>
-                  <a:schemeClr val="tx1"/>
-                </a:solidFill>
-                <a:effectLst/>
-                <a:latin typeface="+mn-lt"/>
-                <a:ea typeface="+mn-ea"/>
-                <a:cs typeface="+mn-cs"/>
-              </a:rPr>
-              <a:t>diseño</a:t>
-            </a:r>
-            <a:r>
-              <a:rPr lang="en-US" sz="1200" b="0" i="0" kern="1200" baseline="0" dirty="0" smtClean="0">
-                <a:solidFill>
-                  <a:schemeClr val="tx1"/>
-                </a:solidFill>
-                <a:effectLst/>
-                <a:latin typeface="+mn-lt"/>
-                <a:ea typeface="+mn-ea"/>
-                <a:cs typeface="+mn-cs"/>
-              </a:rPr>
-              <a:t>). </a:t>
-            </a:r>
-            <a:r>
-              <a:rPr lang="en-US" sz="1200" b="0" i="0" kern="1200" baseline="0" dirty="0" err="1" smtClean="0">
-                <a:solidFill>
-                  <a:schemeClr val="tx1"/>
-                </a:solidFill>
-                <a:effectLst/>
-                <a:latin typeface="+mn-lt"/>
-                <a:ea typeface="+mn-ea"/>
-                <a:cs typeface="+mn-cs"/>
-              </a:rPr>
-              <a:t>Todos</a:t>
-            </a:r>
-            <a:r>
-              <a:rPr lang="en-US" sz="1200" b="0" i="0" kern="1200" baseline="0" dirty="0" smtClean="0">
-                <a:solidFill>
-                  <a:schemeClr val="tx1"/>
-                </a:solidFill>
-                <a:effectLst/>
-                <a:latin typeface="+mn-lt"/>
-                <a:ea typeface="+mn-ea"/>
-                <a:cs typeface="+mn-cs"/>
-              </a:rPr>
-              <a:t> </a:t>
-            </a:r>
-            <a:r>
-              <a:rPr lang="en-US" sz="1200" b="0" i="0" kern="1200" baseline="0" dirty="0" err="1" smtClean="0">
-                <a:solidFill>
-                  <a:schemeClr val="tx1"/>
-                </a:solidFill>
-                <a:effectLst/>
-                <a:latin typeface="+mn-lt"/>
-                <a:ea typeface="+mn-ea"/>
-                <a:cs typeface="+mn-cs"/>
-              </a:rPr>
-              <a:t>conocemos</a:t>
-            </a:r>
-            <a:r>
-              <a:rPr lang="en-US" sz="1200" b="0" i="0" kern="1200" baseline="0" dirty="0" smtClean="0">
-                <a:solidFill>
-                  <a:schemeClr val="tx1"/>
-                </a:solidFill>
-                <a:effectLst/>
-                <a:latin typeface="+mn-lt"/>
-                <a:ea typeface="+mn-ea"/>
-                <a:cs typeface="+mn-cs"/>
-              </a:rPr>
-              <a:t> la </a:t>
-            </a:r>
-            <a:r>
-              <a:rPr lang="en-US" sz="1200" b="0" i="0" kern="1200" baseline="0" dirty="0" err="1" smtClean="0">
-                <a:solidFill>
-                  <a:schemeClr val="tx1"/>
-                </a:solidFill>
-                <a:effectLst/>
-                <a:latin typeface="+mn-lt"/>
-                <a:ea typeface="+mn-ea"/>
-                <a:cs typeface="+mn-cs"/>
-              </a:rPr>
-              <a:t>curva</a:t>
-            </a:r>
-            <a:r>
-              <a:rPr lang="en-US" sz="1200" b="0" i="0" kern="1200" baseline="0" dirty="0" smtClean="0">
-                <a:solidFill>
-                  <a:schemeClr val="tx1"/>
-                </a:solidFill>
-                <a:effectLst/>
-                <a:latin typeface="+mn-lt"/>
-                <a:ea typeface="+mn-ea"/>
-                <a:cs typeface="+mn-cs"/>
-              </a:rPr>
-              <a:t> del </a:t>
-            </a:r>
-            <a:r>
-              <a:rPr lang="en-US" sz="1200" b="0" i="0" kern="1200" baseline="0" dirty="0" err="1" smtClean="0">
-                <a:solidFill>
-                  <a:schemeClr val="tx1"/>
-                </a:solidFill>
-                <a:effectLst/>
-                <a:latin typeface="+mn-lt"/>
-                <a:ea typeface="+mn-ea"/>
-                <a:cs typeface="+mn-cs"/>
-              </a:rPr>
-              <a:t>cambio</a:t>
-            </a:r>
-            <a:r>
-              <a:rPr lang="en-US" sz="1200" b="0" i="0" kern="1200" baseline="0" dirty="0" smtClean="0">
-                <a:solidFill>
-                  <a:schemeClr val="tx1"/>
-                </a:solidFill>
-                <a:effectLst/>
-                <a:latin typeface="+mn-lt"/>
-                <a:ea typeface="+mn-ea"/>
-                <a:cs typeface="+mn-cs"/>
-              </a:rPr>
-              <a:t>, </a:t>
-            </a:r>
-            <a:r>
-              <a:rPr lang="en-US" sz="1200" b="0" i="0" kern="1200" baseline="0" dirty="0" err="1" smtClean="0">
-                <a:solidFill>
-                  <a:schemeClr val="tx1"/>
-                </a:solidFill>
-                <a:effectLst/>
-                <a:latin typeface="+mn-lt"/>
-                <a:ea typeface="+mn-ea"/>
-                <a:cs typeface="+mn-cs"/>
-              </a:rPr>
-              <a:t>entonces</a:t>
-            </a:r>
-            <a:r>
-              <a:rPr lang="en-US" sz="1200" b="0" i="0" kern="1200" baseline="0" dirty="0" smtClean="0">
-                <a:solidFill>
-                  <a:schemeClr val="tx1"/>
-                </a:solidFill>
-                <a:effectLst/>
-                <a:latin typeface="+mn-lt"/>
-                <a:ea typeface="+mn-ea"/>
-                <a:cs typeface="+mn-cs"/>
-              </a:rPr>
-              <a:t> </a:t>
-            </a:r>
-            <a:r>
-              <a:rPr lang="en-US" sz="1200" b="0" i="0" kern="1200" baseline="0" dirty="0" err="1" smtClean="0">
-                <a:solidFill>
-                  <a:schemeClr val="tx1"/>
-                </a:solidFill>
-                <a:effectLst/>
-                <a:latin typeface="+mn-lt"/>
-                <a:ea typeface="+mn-ea"/>
-                <a:cs typeface="+mn-cs"/>
-              </a:rPr>
-              <a:t>cuando</a:t>
-            </a:r>
-            <a:r>
-              <a:rPr lang="en-US" sz="1200" b="0" i="0" kern="1200" baseline="0" dirty="0" smtClean="0">
-                <a:solidFill>
-                  <a:schemeClr val="tx1"/>
-                </a:solidFill>
-                <a:effectLst/>
-                <a:latin typeface="+mn-lt"/>
-                <a:ea typeface="+mn-ea"/>
-                <a:cs typeface="+mn-cs"/>
-              </a:rPr>
-              <a:t> </a:t>
-            </a:r>
-            <a:r>
-              <a:rPr lang="en-US" sz="1200" b="0" i="0" kern="1200" baseline="0" dirty="0" err="1" smtClean="0">
-                <a:solidFill>
-                  <a:schemeClr val="tx1"/>
-                </a:solidFill>
-                <a:effectLst/>
-                <a:latin typeface="+mn-lt"/>
-                <a:ea typeface="+mn-ea"/>
-                <a:cs typeface="+mn-cs"/>
-              </a:rPr>
-              <a:t>facilitamos</a:t>
-            </a:r>
-            <a:r>
-              <a:rPr lang="en-US" sz="1200" b="0" i="0" kern="1200" baseline="0" dirty="0" smtClean="0">
-                <a:solidFill>
-                  <a:schemeClr val="tx1"/>
-                </a:solidFill>
-                <a:effectLst/>
-                <a:latin typeface="+mn-lt"/>
-                <a:ea typeface="+mn-ea"/>
-                <a:cs typeface="+mn-cs"/>
-              </a:rPr>
-              <a:t> el </a:t>
-            </a:r>
-            <a:r>
-              <a:rPr lang="en-US" sz="1200" b="0" i="0" kern="1200" baseline="0" dirty="0" err="1" smtClean="0">
-                <a:solidFill>
-                  <a:schemeClr val="tx1"/>
-                </a:solidFill>
-                <a:effectLst/>
-                <a:latin typeface="+mn-lt"/>
-                <a:ea typeface="+mn-ea"/>
-                <a:cs typeface="+mn-cs"/>
-              </a:rPr>
-              <a:t>cambio</a:t>
-            </a:r>
-            <a:r>
-              <a:rPr lang="en-US" sz="1200" b="0" i="0" kern="1200" baseline="0" dirty="0" smtClean="0">
-                <a:solidFill>
-                  <a:schemeClr val="tx1"/>
-                </a:solidFill>
-                <a:effectLst/>
-                <a:latin typeface="+mn-lt"/>
-                <a:ea typeface="+mn-ea"/>
-                <a:cs typeface="+mn-cs"/>
-              </a:rPr>
-              <a:t>, </a:t>
-            </a:r>
-            <a:r>
-              <a:rPr lang="en-US" sz="1200" b="0" i="0" kern="1200" baseline="0" dirty="0" err="1" smtClean="0">
-                <a:solidFill>
-                  <a:schemeClr val="tx1"/>
-                </a:solidFill>
-                <a:effectLst/>
-                <a:latin typeface="+mn-lt"/>
-                <a:ea typeface="+mn-ea"/>
-                <a:cs typeface="+mn-cs"/>
-              </a:rPr>
-              <a:t>significa</a:t>
-            </a:r>
-            <a:r>
-              <a:rPr lang="en-US" sz="1200" b="0" i="0" kern="1200" baseline="0" dirty="0" smtClean="0">
-                <a:solidFill>
-                  <a:schemeClr val="tx1"/>
-                </a:solidFill>
-                <a:effectLst/>
-                <a:latin typeface="+mn-lt"/>
-                <a:ea typeface="+mn-ea"/>
-                <a:cs typeface="+mn-cs"/>
-              </a:rPr>
-              <a:t> </a:t>
-            </a:r>
-            <a:r>
-              <a:rPr lang="en-US" sz="1200" b="0" i="0" kern="1200" baseline="0" dirty="0" err="1" smtClean="0">
-                <a:solidFill>
-                  <a:schemeClr val="tx1"/>
-                </a:solidFill>
-                <a:effectLst/>
-                <a:latin typeface="+mn-lt"/>
-                <a:ea typeface="+mn-ea"/>
-                <a:cs typeface="+mn-cs"/>
-              </a:rPr>
-              <a:t>que</a:t>
-            </a:r>
-            <a:r>
-              <a:rPr lang="en-US" sz="1200" b="0" i="0" kern="1200" baseline="0" dirty="0" smtClean="0">
-                <a:solidFill>
-                  <a:schemeClr val="tx1"/>
-                </a:solidFill>
-                <a:effectLst/>
-                <a:latin typeface="+mn-lt"/>
-                <a:ea typeface="+mn-ea"/>
-                <a:cs typeface="+mn-cs"/>
-              </a:rPr>
-              <a:t> </a:t>
-            </a:r>
-            <a:r>
-              <a:rPr lang="en-US" sz="1200" b="0" i="0" kern="1200" baseline="0" dirty="0" err="1" smtClean="0">
-                <a:solidFill>
-                  <a:schemeClr val="tx1"/>
-                </a:solidFill>
-                <a:effectLst/>
-                <a:latin typeface="+mn-lt"/>
-                <a:ea typeface="+mn-ea"/>
-                <a:cs typeface="+mn-cs"/>
-              </a:rPr>
-              <a:t>estamos</a:t>
-            </a:r>
-            <a:r>
-              <a:rPr lang="en-US" sz="1200" b="0" i="0" kern="1200" baseline="0" dirty="0" smtClean="0">
-                <a:solidFill>
-                  <a:schemeClr val="tx1"/>
-                </a:solidFill>
-                <a:effectLst/>
-                <a:latin typeface="+mn-lt"/>
-                <a:ea typeface="+mn-ea"/>
-                <a:cs typeface="+mn-cs"/>
-              </a:rPr>
-              <a:t> </a:t>
-            </a:r>
-            <a:r>
-              <a:rPr lang="en-US" sz="1200" b="0" i="0" kern="1200" baseline="0" dirty="0" err="1" smtClean="0">
-                <a:solidFill>
-                  <a:schemeClr val="tx1"/>
-                </a:solidFill>
-                <a:effectLst/>
-                <a:latin typeface="+mn-lt"/>
-                <a:ea typeface="+mn-ea"/>
-                <a:cs typeface="+mn-cs"/>
-              </a:rPr>
-              <a:t>minimizando</a:t>
-            </a:r>
-            <a:r>
-              <a:rPr lang="en-US" sz="1200" b="0" i="0" kern="1200" baseline="0" dirty="0" smtClean="0">
-                <a:solidFill>
-                  <a:schemeClr val="tx1"/>
-                </a:solidFill>
-                <a:effectLst/>
-                <a:latin typeface="+mn-lt"/>
-                <a:ea typeface="+mn-ea"/>
-                <a:cs typeface="+mn-cs"/>
-              </a:rPr>
-              <a:t> el </a:t>
-            </a:r>
-            <a:r>
-              <a:rPr lang="en-US" sz="1200" b="0" i="0" kern="1200" baseline="0" dirty="0" err="1" smtClean="0">
-                <a:solidFill>
-                  <a:schemeClr val="tx1"/>
-                </a:solidFill>
-                <a:effectLst/>
-                <a:latin typeface="+mn-lt"/>
-                <a:ea typeface="+mn-ea"/>
-                <a:cs typeface="+mn-cs"/>
-              </a:rPr>
-              <a:t>costo</a:t>
-            </a:r>
-            <a:r>
-              <a:rPr lang="en-US" sz="1200" b="0" i="0" kern="1200" baseline="0" dirty="0" smtClean="0">
-                <a:solidFill>
-                  <a:schemeClr val="tx1"/>
-                </a:solidFill>
-                <a:effectLst/>
-                <a:latin typeface="+mn-lt"/>
-                <a:ea typeface="+mn-ea"/>
-                <a:cs typeface="+mn-cs"/>
-              </a:rPr>
-              <a:t> del </a:t>
-            </a:r>
-            <a:r>
-              <a:rPr lang="en-US" sz="1200" b="0" i="0" kern="1200" baseline="0" dirty="0" err="1" smtClean="0">
-                <a:solidFill>
-                  <a:schemeClr val="tx1"/>
-                </a:solidFill>
-                <a:effectLst/>
-                <a:latin typeface="+mn-lt"/>
-                <a:ea typeface="+mn-ea"/>
-                <a:cs typeface="+mn-cs"/>
-              </a:rPr>
-              <a:t>cambio</a:t>
-            </a:r>
-            <a:r>
-              <a:rPr lang="en-US" sz="1200" b="0" i="0" kern="1200" baseline="0" dirty="0" smtClean="0">
-                <a:solidFill>
-                  <a:schemeClr val="tx1"/>
-                </a:solidFill>
-                <a:effectLst/>
-                <a:latin typeface="+mn-lt"/>
-                <a:ea typeface="+mn-ea"/>
-                <a:cs typeface="+mn-cs"/>
-              </a:rPr>
-              <a:t>, lo </a:t>
-            </a:r>
-            <a:r>
-              <a:rPr lang="en-US" sz="1200" b="0" i="0" kern="1200" baseline="0" dirty="0" err="1" smtClean="0">
-                <a:solidFill>
-                  <a:schemeClr val="tx1"/>
-                </a:solidFill>
-                <a:effectLst/>
-                <a:latin typeface="+mn-lt"/>
-                <a:ea typeface="+mn-ea"/>
-                <a:cs typeface="+mn-cs"/>
-              </a:rPr>
-              <a:t>que</a:t>
-            </a:r>
-            <a:r>
-              <a:rPr lang="en-US" sz="1200" b="0" i="0" kern="1200" baseline="0" dirty="0" smtClean="0">
-                <a:solidFill>
-                  <a:schemeClr val="tx1"/>
-                </a:solidFill>
-                <a:effectLst/>
-                <a:latin typeface="+mn-lt"/>
-                <a:ea typeface="+mn-ea"/>
-                <a:cs typeface="+mn-cs"/>
-              </a:rPr>
-              <a:t> </a:t>
-            </a:r>
-            <a:r>
-              <a:rPr lang="en-US" sz="1200" b="0" i="0" kern="1200" baseline="0" dirty="0" err="1" smtClean="0">
-                <a:solidFill>
-                  <a:schemeClr val="tx1"/>
-                </a:solidFill>
-                <a:effectLst/>
-                <a:latin typeface="+mn-lt"/>
-                <a:ea typeface="+mn-ea"/>
-                <a:cs typeface="+mn-cs"/>
-              </a:rPr>
-              <a:t>brinda</a:t>
-            </a:r>
-            <a:r>
-              <a:rPr lang="en-US" sz="1200" b="0" i="0" kern="1200" baseline="0" dirty="0" smtClean="0">
-                <a:solidFill>
-                  <a:schemeClr val="tx1"/>
-                </a:solidFill>
-                <a:effectLst/>
-                <a:latin typeface="+mn-lt"/>
-                <a:ea typeface="+mn-ea"/>
-                <a:cs typeface="+mn-cs"/>
-              </a:rPr>
-              <a:t> </a:t>
-            </a:r>
-            <a:r>
-              <a:rPr lang="en-US" sz="1200" b="0" i="0" kern="1200" baseline="0" dirty="0" err="1" smtClean="0">
-                <a:solidFill>
-                  <a:schemeClr val="tx1"/>
-                </a:solidFill>
-                <a:effectLst/>
-                <a:latin typeface="+mn-lt"/>
-                <a:ea typeface="+mn-ea"/>
-                <a:cs typeface="+mn-cs"/>
-              </a:rPr>
-              <a:t>bastantes</a:t>
-            </a:r>
-            <a:r>
-              <a:rPr lang="en-US" sz="1200" b="0" i="0" kern="1200" baseline="0" dirty="0" smtClean="0">
-                <a:solidFill>
-                  <a:schemeClr val="tx1"/>
-                </a:solidFill>
-                <a:effectLst/>
-                <a:latin typeface="+mn-lt"/>
-                <a:ea typeface="+mn-ea"/>
-                <a:cs typeface="+mn-cs"/>
-              </a:rPr>
-              <a:t> </a:t>
-            </a:r>
-            <a:r>
-              <a:rPr lang="en-US" sz="1200" b="0" i="0" kern="1200" baseline="0" dirty="0" err="1" smtClean="0">
-                <a:solidFill>
-                  <a:schemeClr val="tx1"/>
-                </a:solidFill>
-                <a:effectLst/>
-                <a:latin typeface="+mn-lt"/>
-                <a:ea typeface="+mn-ea"/>
-                <a:cs typeface="+mn-cs"/>
-              </a:rPr>
-              <a:t>flexibilidad</a:t>
-            </a:r>
-            <a:r>
-              <a:rPr lang="en-US" sz="1200" b="0" i="0" kern="1200" baseline="0" dirty="0" smtClean="0">
-                <a:solidFill>
-                  <a:schemeClr val="tx1"/>
-                </a:solidFill>
-                <a:effectLst/>
-                <a:latin typeface="+mn-lt"/>
-                <a:ea typeface="+mn-ea"/>
-                <a:cs typeface="+mn-cs"/>
-              </a:rPr>
-              <a:t> a </a:t>
-            </a:r>
-            <a:r>
-              <a:rPr lang="en-US" sz="1200" b="0" i="0" kern="1200" baseline="0" dirty="0" err="1" smtClean="0">
-                <a:solidFill>
-                  <a:schemeClr val="tx1"/>
-                </a:solidFill>
-                <a:effectLst/>
-                <a:latin typeface="+mn-lt"/>
-                <a:ea typeface="+mn-ea"/>
-                <a:cs typeface="+mn-cs"/>
-              </a:rPr>
-              <a:t>nuestro</a:t>
-            </a:r>
-            <a:r>
-              <a:rPr lang="en-US" sz="1200" b="0" i="0" kern="1200" baseline="0" dirty="0" smtClean="0">
-                <a:solidFill>
-                  <a:schemeClr val="tx1"/>
-                </a:solidFill>
-                <a:effectLst/>
-                <a:latin typeface="+mn-lt"/>
-                <a:ea typeface="+mn-ea"/>
-                <a:cs typeface="+mn-cs"/>
-              </a:rPr>
-              <a:t> </a:t>
-            </a:r>
-            <a:r>
-              <a:rPr lang="en-US" sz="1200" b="0" i="0" kern="1200" baseline="0" dirty="0" err="1" smtClean="0">
-                <a:solidFill>
-                  <a:schemeClr val="tx1"/>
-                </a:solidFill>
-                <a:effectLst/>
-                <a:latin typeface="+mn-lt"/>
-                <a:ea typeface="+mn-ea"/>
-                <a:cs typeface="+mn-cs"/>
-              </a:rPr>
-              <a:t>proceso</a:t>
-            </a:r>
-            <a:r>
-              <a:rPr lang="en-US" sz="1200" b="0" i="0" kern="1200" baseline="0" dirty="0" smtClean="0">
-                <a:solidFill>
-                  <a:schemeClr val="tx1"/>
-                </a:solidFill>
-                <a:effectLst/>
-                <a:latin typeface="+mn-lt"/>
-                <a:ea typeface="+mn-ea"/>
-                <a:cs typeface="+mn-cs"/>
-              </a:rPr>
-              <a:t> de </a:t>
-            </a:r>
-            <a:r>
-              <a:rPr lang="en-US" sz="1200" b="0" i="0" kern="1200" baseline="0" dirty="0" err="1" smtClean="0">
-                <a:solidFill>
-                  <a:schemeClr val="tx1"/>
-                </a:solidFill>
-                <a:effectLst/>
-                <a:latin typeface="+mn-lt"/>
-                <a:ea typeface="+mn-ea"/>
-                <a:cs typeface="+mn-cs"/>
-              </a:rPr>
-              <a:t>desarrollo</a:t>
-            </a:r>
-            <a:r>
-              <a:rPr lang="en-US" sz="1200" b="0" i="0" kern="1200" baseline="0" dirty="0" smtClean="0">
-                <a:solidFill>
-                  <a:schemeClr val="tx1"/>
-                </a:solidFill>
-                <a:effectLst/>
-                <a:latin typeface="+mn-lt"/>
-                <a:ea typeface="+mn-ea"/>
-                <a:cs typeface="+mn-cs"/>
-              </a:rPr>
-              <a:t>.</a:t>
-            </a:r>
-          </a:p>
-          <a:p>
-            <a:endParaRPr lang="en-US" sz="1200" b="0" i="0" kern="1200" baseline="0" dirty="0" smtClean="0">
-              <a:solidFill>
-                <a:schemeClr val="tx1"/>
-              </a:solidFill>
-              <a:effectLst/>
-              <a:latin typeface="+mn-lt"/>
-              <a:ea typeface="+mn-ea"/>
-              <a:cs typeface="+mn-cs"/>
-            </a:endParaRPr>
-          </a:p>
-          <a:p>
-            <a:r>
-              <a:rPr lang="es-PE" dirty="0" smtClean="0">
-                <a:hlinkClick r:id="rId3"/>
-              </a:rPr>
-              <a:t>http://www.codeproject.com/Articles/5404/The-benefits-of-automated-unit-testing</a:t>
-            </a:r>
-            <a:endParaRPr lang="es-PE" dirty="0" smtClean="0"/>
-          </a:p>
-          <a:p>
-            <a:r>
-              <a:rPr lang="es-PE" dirty="0" smtClean="0">
-                <a:hlinkClick r:id="rId4"/>
-              </a:rPr>
-              <a:t>http://onjava.com/pub/a/onjava/2003/04/02/javaxpckbk.html</a:t>
-            </a:r>
-            <a:endParaRPr lang="en-US" sz="1200" b="0" i="0" kern="1200" dirty="0" smtClean="0">
-              <a:solidFill>
-                <a:schemeClr val="tx1"/>
-              </a:solidFill>
-              <a:effectLst/>
-              <a:latin typeface="+mn-lt"/>
-              <a:ea typeface="+mn-ea"/>
-              <a:cs typeface="+mn-cs"/>
-            </a:endParaRPr>
-          </a:p>
           <a:p>
             <a:endParaRPr lang="es-PE" noProof="0" dirty="0"/>
           </a:p>
@@ -6185,56 +5758,7 @@
           <a:bodyPr/>
           <a:lstStyle/>
           <a:p>
-            <a:pPr marL="0" marR="0" indent="0" algn="l" defTabSz="914400" rtl="0" eaLnBrk="1" fontAlgn="auto" latinLnBrk="0" hangingPunct="1">
-              <a:lnSpc>
-                <a:spcPct val="100000"/>
-              </a:lnSpc>
-              <a:spcBef>
-                <a:spcPts val="0"/>
-              </a:spcBef>
-              <a:spcAft>
-                <a:spcPts val="0"/>
-              </a:spcAft>
-              <a:buClrTx/>
-              <a:buSzTx/>
-              <a:buFontTx/>
-              <a:buNone/>
-              <a:tabLst/>
-              <a:defRPr/>
-            </a:pPr>
-            <a:r>
-              <a:rPr lang="es-PE" sz="1200" dirty="0" smtClean="0"/>
-              <a:t>Guide </a:t>
-            </a:r>
-            <a:r>
-              <a:rPr lang="es-PE" sz="1200" dirty="0" err="1" smtClean="0"/>
-              <a:t>Writing</a:t>
-            </a:r>
-            <a:r>
-              <a:rPr lang="es-PE" sz="1200" dirty="0" smtClean="0"/>
-              <a:t> Testeable </a:t>
-            </a:r>
-            <a:r>
-              <a:rPr lang="es-PE" sz="1200" dirty="0" err="1" smtClean="0"/>
-              <a:t>Code</a:t>
-            </a:r>
-            <a:r>
-              <a:rPr lang="es-PE" sz="1200" dirty="0" smtClean="0"/>
-              <a:t>:</a:t>
-            </a:r>
-            <a:br>
-              <a:rPr lang="es-PE" sz="1200" dirty="0" smtClean="0"/>
-            </a:br>
-            <a:r>
-              <a:rPr lang="es-PE" sz="1200" dirty="0" smtClean="0">
-                <a:hlinkClick r:id="rId3"/>
-              </a:rPr>
-              <a:t>http://misko.hevery.com/attachments/Guide-Writing%20Testable%20Code.pdf</a:t>
-            </a:r>
-            <a:endParaRPr lang="es-PE" sz="1200" dirty="0" smtClean="0"/>
-          </a:p>
-          <a:p>
-            <a:endParaRPr lang="es-PE" dirty="0"/>
+            <a:endParaRPr lang="es-PE" noProof="0" dirty="0"/>
           </a:p>
         </p:txBody>
       </p:sp>
@@ -6256,6 +5780,1005 @@
             <a:fld id="{80C14895-23C8-45AE-85D5-3B35E5980A68}" type="slidenum">
               <a:rPr lang="es-PE" smtClean="0"/>
               <a:t>38</a:t>
+            </a:fld>
+            <a:endParaRPr lang="es-PE"/>
+          </a:p>
+        </p:txBody>
+      </p:sp>
+    </p:spTree>
+    <p:extLst>
+      <p:ext uri="{BB962C8B-B14F-4D97-AF65-F5344CB8AC3E}">
+        <p14:creationId xmlns:p14="http://schemas.microsoft.com/office/powerpoint/2010/main" val="3432092158"/>
+      </p:ext>
+    </p:extLst>
+  </p:cSld>
+  <p:clrMapOvr>
+    <a:masterClrMapping/>
+  </p:clrMapOvr>
+</p:notes>
+</file>
+
+<file path=ppt/notesSlides/notesSlide39.xml><?xml version="1.0" encoding="utf-8"?>
+<p:notes xmlns:a="http://schemas.openxmlformats.org/drawingml/2006/main" xmlns:r="http://schemas.openxmlformats.org/officeDocument/2006/relationships" xmlns:p="http://schemas.openxmlformats.org/presentationml/2006/main">
+  <p:cSld>
+    <p:spTree>
+      <p:nvGrpSpPr>
+        <p:cNvPr id="1" name=""/>
+        <p:cNvGrpSpPr/>
+        <p:nvPr/>
+      </p:nvGrpSpPr>
+      <p:grpSpPr>
+        <a:xfrm>
+          <a:off x="0" y="0"/>
+          <a:ext cx="0" cy="0"/>
+          <a:chOff x="0" y="0"/>
+          <a:chExt cx="0" cy="0"/>
+        </a:xfrm>
+      </p:grpSpPr>
+      <p:sp>
+        <p:nvSpPr>
+          <p:cNvPr id="2" name="1 Marcador de imagen de diapositiva"/>
+          <p:cNvSpPr>
+            <a:spLocks noGrp="1" noRot="1" noChangeAspect="1"/>
+          </p:cNvSpPr>
+          <p:nvPr>
+            <p:ph type="sldImg"/>
+          </p:nvPr>
+        </p:nvSpPr>
+        <p:spPr/>
+      </p:sp>
+      <p:sp>
+        <p:nvSpPr>
+          <p:cNvPr id="3" name="2 Marcador de notas"/>
+          <p:cNvSpPr>
+            <a:spLocks noGrp="1"/>
+          </p:cNvSpPr>
+          <p:nvPr>
+            <p:ph type="body" idx="1"/>
+          </p:nvPr>
+        </p:nvSpPr>
+        <p:spPr/>
+        <p:txBody>
+          <a:bodyPr/>
+          <a:lstStyle/>
+          <a:p>
+            <a:r>
+              <a:rPr lang="en-US" sz="1200" b="0" i="0" kern="1200" dirty="0" smtClean="0">
+                <a:solidFill>
+                  <a:schemeClr val="tx1"/>
+                </a:solidFill>
+                <a:effectLst/>
+                <a:latin typeface="+mn-lt"/>
+                <a:ea typeface="+mn-ea"/>
+                <a:cs typeface="+mn-cs"/>
+              </a:rPr>
+              <a:t>En general </a:t>
+            </a:r>
+            <a:r>
+              <a:rPr lang="en-US" sz="1200" b="0" i="0" kern="1200" dirty="0" err="1" smtClean="0">
+                <a:solidFill>
+                  <a:schemeClr val="tx1"/>
+                </a:solidFill>
+                <a:effectLst/>
+                <a:latin typeface="+mn-lt"/>
+                <a:ea typeface="+mn-ea"/>
+                <a:cs typeface="+mn-cs"/>
+              </a:rPr>
+              <a:t>podemos</a:t>
+            </a:r>
+            <a:r>
+              <a:rPr lang="en-US" sz="1200" b="0" i="0" kern="1200" dirty="0" smtClean="0">
+                <a:solidFill>
+                  <a:schemeClr val="tx1"/>
+                </a:solidFill>
+                <a:effectLst/>
+                <a:latin typeface="+mn-lt"/>
+                <a:ea typeface="+mn-ea"/>
+                <a:cs typeface="+mn-cs"/>
+              </a:rPr>
+              <a:t> </a:t>
+            </a:r>
+            <a:r>
+              <a:rPr lang="en-US" sz="1200" b="0" i="0" kern="1200" dirty="0" err="1" smtClean="0">
+                <a:solidFill>
+                  <a:schemeClr val="tx1"/>
+                </a:solidFill>
+                <a:effectLst/>
+                <a:latin typeface="+mn-lt"/>
+                <a:ea typeface="+mn-ea"/>
+                <a:cs typeface="+mn-cs"/>
+              </a:rPr>
+              <a:t>decir</a:t>
+            </a:r>
+            <a:r>
+              <a:rPr lang="en-US" sz="1200" b="0" i="0" kern="1200" baseline="0" dirty="0" smtClean="0">
+                <a:solidFill>
+                  <a:schemeClr val="tx1"/>
+                </a:solidFill>
+                <a:effectLst/>
+                <a:latin typeface="+mn-lt"/>
+                <a:ea typeface="+mn-ea"/>
+                <a:cs typeface="+mn-cs"/>
+              </a:rPr>
+              <a:t> </a:t>
+            </a:r>
+            <a:r>
+              <a:rPr lang="en-US" sz="1200" b="0" i="0" kern="1200" baseline="0" dirty="0" err="1" smtClean="0">
+                <a:solidFill>
+                  <a:schemeClr val="tx1"/>
+                </a:solidFill>
+                <a:effectLst/>
+                <a:latin typeface="+mn-lt"/>
+                <a:ea typeface="+mn-ea"/>
+                <a:cs typeface="+mn-cs"/>
+              </a:rPr>
+              <a:t>que</a:t>
+            </a:r>
+            <a:r>
+              <a:rPr lang="en-US" sz="1200" b="0" i="0" kern="1200" baseline="0" dirty="0" smtClean="0">
+                <a:solidFill>
+                  <a:schemeClr val="tx1"/>
+                </a:solidFill>
+                <a:effectLst/>
+                <a:latin typeface="+mn-lt"/>
+                <a:ea typeface="+mn-ea"/>
+                <a:cs typeface="+mn-cs"/>
+              </a:rPr>
+              <a:t> </a:t>
+            </a:r>
+            <a:r>
+              <a:rPr lang="en-US" sz="1200" b="0" i="0" kern="1200" baseline="0" dirty="0" err="1" smtClean="0">
+                <a:solidFill>
+                  <a:schemeClr val="tx1"/>
+                </a:solidFill>
+                <a:effectLst/>
+                <a:latin typeface="+mn-lt"/>
+                <a:ea typeface="+mn-ea"/>
+                <a:cs typeface="+mn-cs"/>
+              </a:rPr>
+              <a:t>uno</a:t>
+            </a:r>
+            <a:r>
+              <a:rPr lang="en-US" sz="1200" b="0" i="0" kern="1200" baseline="0" dirty="0" smtClean="0">
+                <a:solidFill>
+                  <a:schemeClr val="tx1"/>
+                </a:solidFill>
+                <a:effectLst/>
+                <a:latin typeface="+mn-lt"/>
+                <a:ea typeface="+mn-ea"/>
+                <a:cs typeface="+mn-cs"/>
+              </a:rPr>
+              <a:t> de </a:t>
+            </a:r>
+            <a:r>
+              <a:rPr lang="en-US" sz="1200" b="0" i="0" kern="1200" baseline="0" dirty="0" err="1" smtClean="0">
+                <a:solidFill>
+                  <a:schemeClr val="tx1"/>
+                </a:solidFill>
+                <a:effectLst/>
+                <a:latin typeface="+mn-lt"/>
+                <a:ea typeface="+mn-ea"/>
+                <a:cs typeface="+mn-cs"/>
+              </a:rPr>
+              <a:t>lso</a:t>
+            </a:r>
+            <a:r>
+              <a:rPr lang="en-US" sz="1200" b="0" i="0" kern="1200" baseline="0" dirty="0" smtClean="0">
+                <a:solidFill>
+                  <a:schemeClr val="tx1"/>
+                </a:solidFill>
+                <a:effectLst/>
+                <a:latin typeface="+mn-lt"/>
+                <a:ea typeface="+mn-ea"/>
+                <a:cs typeface="+mn-cs"/>
+              </a:rPr>
+              <a:t> </a:t>
+            </a:r>
+            <a:r>
+              <a:rPr lang="en-US" sz="1200" b="0" i="0" kern="1200" baseline="0" dirty="0" err="1" smtClean="0">
+                <a:solidFill>
+                  <a:schemeClr val="tx1"/>
+                </a:solidFill>
+                <a:effectLst/>
+                <a:latin typeface="+mn-lt"/>
+                <a:ea typeface="+mn-ea"/>
+                <a:cs typeface="+mn-cs"/>
+              </a:rPr>
+              <a:t>beneficios</a:t>
+            </a:r>
+            <a:r>
+              <a:rPr lang="en-US" sz="1200" b="0" i="0" kern="1200" baseline="0" dirty="0" smtClean="0">
+                <a:solidFill>
+                  <a:schemeClr val="tx1"/>
+                </a:solidFill>
+                <a:effectLst/>
+                <a:latin typeface="+mn-lt"/>
+                <a:ea typeface="+mn-ea"/>
+                <a:cs typeface="+mn-cs"/>
+              </a:rPr>
+              <a:t> </a:t>
+            </a:r>
+            <a:r>
+              <a:rPr lang="en-US" sz="1200" b="0" i="0" kern="1200" baseline="0" dirty="0" err="1" smtClean="0">
+                <a:solidFill>
+                  <a:schemeClr val="tx1"/>
+                </a:solidFill>
+                <a:effectLst/>
+                <a:latin typeface="+mn-lt"/>
+                <a:ea typeface="+mn-ea"/>
+                <a:cs typeface="+mn-cs"/>
+              </a:rPr>
+              <a:t>es</a:t>
+            </a:r>
+            <a:r>
+              <a:rPr lang="en-US" sz="1200" b="0" i="0" kern="1200" baseline="0" dirty="0" smtClean="0">
+                <a:solidFill>
+                  <a:schemeClr val="tx1"/>
+                </a:solidFill>
+                <a:effectLst/>
+                <a:latin typeface="+mn-lt"/>
+                <a:ea typeface="+mn-ea"/>
+                <a:cs typeface="+mn-cs"/>
+              </a:rPr>
+              <a:t> </a:t>
+            </a:r>
+            <a:r>
+              <a:rPr lang="en-US" sz="1200" b="0" i="0" kern="1200" baseline="0" dirty="0" err="1" smtClean="0">
+                <a:solidFill>
+                  <a:schemeClr val="tx1"/>
+                </a:solidFill>
+                <a:effectLst/>
+                <a:latin typeface="+mn-lt"/>
+                <a:ea typeface="+mn-ea"/>
+                <a:cs typeface="+mn-cs"/>
+              </a:rPr>
+              <a:t>hacer</a:t>
+            </a:r>
+            <a:r>
+              <a:rPr lang="en-US" sz="1200" b="0" i="0" kern="1200" baseline="0" dirty="0" smtClean="0">
+                <a:solidFill>
+                  <a:schemeClr val="tx1"/>
+                </a:solidFill>
+                <a:effectLst/>
+                <a:latin typeface="+mn-lt"/>
+                <a:ea typeface="+mn-ea"/>
+                <a:cs typeface="+mn-cs"/>
+              </a:rPr>
+              <a:t> </a:t>
+            </a:r>
+            <a:r>
+              <a:rPr lang="en-US" sz="1200" b="0" i="0" kern="1200" baseline="0" dirty="0" err="1" smtClean="0">
+                <a:solidFill>
+                  <a:schemeClr val="tx1"/>
+                </a:solidFill>
+                <a:effectLst/>
+                <a:latin typeface="+mn-lt"/>
+                <a:ea typeface="+mn-ea"/>
+                <a:cs typeface="+mn-cs"/>
+              </a:rPr>
+              <a:t>que</a:t>
+            </a:r>
+            <a:r>
+              <a:rPr lang="en-US" sz="1200" b="0" i="0" kern="1200" baseline="0" dirty="0" smtClean="0">
+                <a:solidFill>
+                  <a:schemeClr val="tx1"/>
+                </a:solidFill>
+                <a:effectLst/>
+                <a:latin typeface="+mn-lt"/>
+                <a:ea typeface="+mn-ea"/>
+                <a:cs typeface="+mn-cs"/>
+              </a:rPr>
+              <a:t> el </a:t>
+            </a:r>
+            <a:r>
+              <a:rPr lang="en-US" sz="1200" b="0" i="0" kern="1200" baseline="0" dirty="0" err="1" smtClean="0">
+                <a:solidFill>
+                  <a:schemeClr val="tx1"/>
+                </a:solidFill>
+                <a:effectLst/>
+                <a:latin typeface="+mn-lt"/>
+                <a:ea typeface="+mn-ea"/>
+                <a:cs typeface="+mn-cs"/>
+              </a:rPr>
+              <a:t>cambio</a:t>
+            </a:r>
+            <a:r>
+              <a:rPr lang="en-US" sz="1200" b="0" i="0" kern="1200" baseline="0" dirty="0" smtClean="0">
+                <a:solidFill>
+                  <a:schemeClr val="tx1"/>
+                </a:solidFill>
+                <a:effectLst/>
+                <a:latin typeface="+mn-lt"/>
+                <a:ea typeface="+mn-ea"/>
+                <a:cs typeface="+mn-cs"/>
+              </a:rPr>
+              <a:t> se </a:t>
+            </a:r>
+            <a:r>
+              <a:rPr lang="en-US" sz="1200" b="0" i="0" kern="1200" baseline="0" dirty="0" err="1" smtClean="0">
+                <a:solidFill>
+                  <a:schemeClr val="tx1"/>
+                </a:solidFill>
+                <a:effectLst/>
+                <a:latin typeface="+mn-lt"/>
+                <a:ea typeface="+mn-ea"/>
+                <a:cs typeface="+mn-cs"/>
+              </a:rPr>
+              <a:t>más</a:t>
+            </a:r>
+            <a:r>
+              <a:rPr lang="en-US" sz="1200" b="0" i="0" kern="1200" baseline="0" dirty="0" smtClean="0">
+                <a:solidFill>
+                  <a:schemeClr val="tx1"/>
+                </a:solidFill>
+                <a:effectLst/>
+                <a:latin typeface="+mn-lt"/>
+                <a:ea typeface="+mn-ea"/>
+                <a:cs typeface="+mn-cs"/>
+              </a:rPr>
+              <a:t> </a:t>
+            </a:r>
+            <a:r>
+              <a:rPr lang="en-US" sz="1200" b="0" i="0" kern="1200" baseline="0" dirty="0" err="1" smtClean="0">
+                <a:solidFill>
+                  <a:schemeClr val="tx1"/>
+                </a:solidFill>
+                <a:effectLst/>
+                <a:latin typeface="+mn-lt"/>
+                <a:ea typeface="+mn-ea"/>
+                <a:cs typeface="+mn-cs"/>
+              </a:rPr>
+              <a:t>facil</a:t>
+            </a:r>
+            <a:r>
+              <a:rPr lang="en-US" sz="1200" b="0" i="0" kern="1200" baseline="0" dirty="0" smtClean="0">
+                <a:solidFill>
+                  <a:schemeClr val="tx1"/>
+                </a:solidFill>
+                <a:effectLst/>
+                <a:latin typeface="+mn-lt"/>
+                <a:ea typeface="+mn-ea"/>
+                <a:cs typeface="+mn-cs"/>
+              </a:rPr>
+              <a:t> de </a:t>
+            </a:r>
+            <a:r>
+              <a:rPr lang="en-US" sz="1200" b="0" i="0" kern="1200" baseline="0" dirty="0" err="1" smtClean="0">
+                <a:solidFill>
+                  <a:schemeClr val="tx1"/>
+                </a:solidFill>
+                <a:effectLst/>
+                <a:latin typeface="+mn-lt"/>
+                <a:ea typeface="+mn-ea"/>
+                <a:cs typeface="+mn-cs"/>
+              </a:rPr>
+              <a:t>realizar</a:t>
+            </a:r>
+            <a:r>
+              <a:rPr lang="en-US" sz="1200" b="0" i="0" kern="1200" baseline="0" dirty="0" smtClean="0">
+                <a:solidFill>
+                  <a:schemeClr val="tx1"/>
+                </a:solidFill>
+                <a:effectLst/>
+                <a:latin typeface="+mn-lt"/>
+                <a:ea typeface="+mn-ea"/>
+                <a:cs typeface="+mn-cs"/>
+              </a:rPr>
+              <a:t> (</a:t>
+            </a:r>
+            <a:r>
+              <a:rPr lang="en-US" sz="1200" b="0" i="0" kern="1200" baseline="0" dirty="0" err="1" smtClean="0">
+                <a:solidFill>
+                  <a:schemeClr val="tx1"/>
+                </a:solidFill>
+                <a:effectLst/>
+                <a:latin typeface="+mn-lt"/>
+                <a:ea typeface="+mn-ea"/>
+                <a:cs typeface="+mn-cs"/>
+              </a:rPr>
+              <a:t>funcional</a:t>
+            </a:r>
+            <a:r>
+              <a:rPr lang="en-US" sz="1200" b="0" i="0" kern="1200" baseline="0" dirty="0" smtClean="0">
+                <a:solidFill>
+                  <a:schemeClr val="tx1"/>
+                </a:solidFill>
+                <a:effectLst/>
+                <a:latin typeface="+mn-lt"/>
+                <a:ea typeface="+mn-ea"/>
+                <a:cs typeface="+mn-cs"/>
+              </a:rPr>
+              <a:t> o </a:t>
+            </a:r>
+            <a:r>
+              <a:rPr lang="en-US" sz="1200" b="0" i="0" kern="1200" baseline="0" dirty="0" err="1" smtClean="0">
+                <a:solidFill>
+                  <a:schemeClr val="tx1"/>
+                </a:solidFill>
+                <a:effectLst/>
+                <a:latin typeface="+mn-lt"/>
+                <a:ea typeface="+mn-ea"/>
+                <a:cs typeface="+mn-cs"/>
+              </a:rPr>
+              <a:t>diseño</a:t>
+            </a:r>
+            <a:r>
+              <a:rPr lang="en-US" sz="1200" b="0" i="0" kern="1200" baseline="0" dirty="0" smtClean="0">
+                <a:solidFill>
+                  <a:schemeClr val="tx1"/>
+                </a:solidFill>
+                <a:effectLst/>
+                <a:latin typeface="+mn-lt"/>
+                <a:ea typeface="+mn-ea"/>
+                <a:cs typeface="+mn-cs"/>
+              </a:rPr>
+              <a:t>). </a:t>
+            </a:r>
+            <a:r>
+              <a:rPr lang="en-US" sz="1200" b="0" i="0" kern="1200" baseline="0" dirty="0" err="1" smtClean="0">
+                <a:solidFill>
+                  <a:schemeClr val="tx1"/>
+                </a:solidFill>
+                <a:effectLst/>
+                <a:latin typeface="+mn-lt"/>
+                <a:ea typeface="+mn-ea"/>
+                <a:cs typeface="+mn-cs"/>
+              </a:rPr>
+              <a:t>Todos</a:t>
+            </a:r>
+            <a:r>
+              <a:rPr lang="en-US" sz="1200" b="0" i="0" kern="1200" baseline="0" dirty="0" smtClean="0">
+                <a:solidFill>
+                  <a:schemeClr val="tx1"/>
+                </a:solidFill>
+                <a:effectLst/>
+                <a:latin typeface="+mn-lt"/>
+                <a:ea typeface="+mn-ea"/>
+                <a:cs typeface="+mn-cs"/>
+              </a:rPr>
+              <a:t> </a:t>
+            </a:r>
+            <a:r>
+              <a:rPr lang="en-US" sz="1200" b="0" i="0" kern="1200" baseline="0" dirty="0" err="1" smtClean="0">
+                <a:solidFill>
+                  <a:schemeClr val="tx1"/>
+                </a:solidFill>
+                <a:effectLst/>
+                <a:latin typeface="+mn-lt"/>
+                <a:ea typeface="+mn-ea"/>
+                <a:cs typeface="+mn-cs"/>
+              </a:rPr>
+              <a:t>conocemos</a:t>
+            </a:r>
+            <a:r>
+              <a:rPr lang="en-US" sz="1200" b="0" i="0" kern="1200" baseline="0" dirty="0" smtClean="0">
+                <a:solidFill>
+                  <a:schemeClr val="tx1"/>
+                </a:solidFill>
+                <a:effectLst/>
+                <a:latin typeface="+mn-lt"/>
+                <a:ea typeface="+mn-ea"/>
+                <a:cs typeface="+mn-cs"/>
+              </a:rPr>
+              <a:t> la </a:t>
+            </a:r>
+            <a:r>
+              <a:rPr lang="en-US" sz="1200" b="0" i="0" kern="1200" baseline="0" dirty="0" err="1" smtClean="0">
+                <a:solidFill>
+                  <a:schemeClr val="tx1"/>
+                </a:solidFill>
+                <a:effectLst/>
+                <a:latin typeface="+mn-lt"/>
+                <a:ea typeface="+mn-ea"/>
+                <a:cs typeface="+mn-cs"/>
+              </a:rPr>
+              <a:t>curva</a:t>
+            </a:r>
+            <a:r>
+              <a:rPr lang="en-US" sz="1200" b="0" i="0" kern="1200" baseline="0" dirty="0" smtClean="0">
+                <a:solidFill>
+                  <a:schemeClr val="tx1"/>
+                </a:solidFill>
+                <a:effectLst/>
+                <a:latin typeface="+mn-lt"/>
+                <a:ea typeface="+mn-ea"/>
+                <a:cs typeface="+mn-cs"/>
+              </a:rPr>
+              <a:t> del </a:t>
+            </a:r>
+            <a:r>
+              <a:rPr lang="en-US" sz="1200" b="0" i="0" kern="1200" baseline="0" dirty="0" err="1" smtClean="0">
+                <a:solidFill>
+                  <a:schemeClr val="tx1"/>
+                </a:solidFill>
+                <a:effectLst/>
+                <a:latin typeface="+mn-lt"/>
+                <a:ea typeface="+mn-ea"/>
+                <a:cs typeface="+mn-cs"/>
+              </a:rPr>
+              <a:t>cambio</a:t>
+            </a:r>
+            <a:r>
+              <a:rPr lang="en-US" sz="1200" b="0" i="0" kern="1200" baseline="0" dirty="0" smtClean="0">
+                <a:solidFill>
+                  <a:schemeClr val="tx1"/>
+                </a:solidFill>
+                <a:effectLst/>
+                <a:latin typeface="+mn-lt"/>
+                <a:ea typeface="+mn-ea"/>
+                <a:cs typeface="+mn-cs"/>
+              </a:rPr>
+              <a:t>, </a:t>
+            </a:r>
+            <a:r>
+              <a:rPr lang="en-US" sz="1200" b="0" i="0" kern="1200" baseline="0" dirty="0" err="1" smtClean="0">
+                <a:solidFill>
+                  <a:schemeClr val="tx1"/>
+                </a:solidFill>
+                <a:effectLst/>
+                <a:latin typeface="+mn-lt"/>
+                <a:ea typeface="+mn-ea"/>
+                <a:cs typeface="+mn-cs"/>
+              </a:rPr>
+              <a:t>entonces</a:t>
+            </a:r>
+            <a:r>
+              <a:rPr lang="en-US" sz="1200" b="0" i="0" kern="1200" baseline="0" dirty="0" smtClean="0">
+                <a:solidFill>
+                  <a:schemeClr val="tx1"/>
+                </a:solidFill>
+                <a:effectLst/>
+                <a:latin typeface="+mn-lt"/>
+                <a:ea typeface="+mn-ea"/>
+                <a:cs typeface="+mn-cs"/>
+              </a:rPr>
+              <a:t> </a:t>
+            </a:r>
+            <a:r>
+              <a:rPr lang="en-US" sz="1200" b="0" i="0" kern="1200" baseline="0" dirty="0" err="1" smtClean="0">
+                <a:solidFill>
+                  <a:schemeClr val="tx1"/>
+                </a:solidFill>
+                <a:effectLst/>
+                <a:latin typeface="+mn-lt"/>
+                <a:ea typeface="+mn-ea"/>
+                <a:cs typeface="+mn-cs"/>
+              </a:rPr>
+              <a:t>cuando</a:t>
+            </a:r>
+            <a:r>
+              <a:rPr lang="en-US" sz="1200" b="0" i="0" kern="1200" baseline="0" dirty="0" smtClean="0">
+                <a:solidFill>
+                  <a:schemeClr val="tx1"/>
+                </a:solidFill>
+                <a:effectLst/>
+                <a:latin typeface="+mn-lt"/>
+                <a:ea typeface="+mn-ea"/>
+                <a:cs typeface="+mn-cs"/>
+              </a:rPr>
+              <a:t> </a:t>
+            </a:r>
+            <a:r>
+              <a:rPr lang="en-US" sz="1200" b="0" i="0" kern="1200" baseline="0" dirty="0" err="1" smtClean="0">
+                <a:solidFill>
+                  <a:schemeClr val="tx1"/>
+                </a:solidFill>
+                <a:effectLst/>
+                <a:latin typeface="+mn-lt"/>
+                <a:ea typeface="+mn-ea"/>
+                <a:cs typeface="+mn-cs"/>
+              </a:rPr>
+              <a:t>facilitamos</a:t>
+            </a:r>
+            <a:r>
+              <a:rPr lang="en-US" sz="1200" b="0" i="0" kern="1200" baseline="0" dirty="0" smtClean="0">
+                <a:solidFill>
+                  <a:schemeClr val="tx1"/>
+                </a:solidFill>
+                <a:effectLst/>
+                <a:latin typeface="+mn-lt"/>
+                <a:ea typeface="+mn-ea"/>
+                <a:cs typeface="+mn-cs"/>
+              </a:rPr>
+              <a:t> el </a:t>
+            </a:r>
+            <a:r>
+              <a:rPr lang="en-US" sz="1200" b="0" i="0" kern="1200" baseline="0" dirty="0" err="1" smtClean="0">
+                <a:solidFill>
+                  <a:schemeClr val="tx1"/>
+                </a:solidFill>
+                <a:effectLst/>
+                <a:latin typeface="+mn-lt"/>
+                <a:ea typeface="+mn-ea"/>
+                <a:cs typeface="+mn-cs"/>
+              </a:rPr>
+              <a:t>cambio</a:t>
+            </a:r>
+            <a:r>
+              <a:rPr lang="en-US" sz="1200" b="0" i="0" kern="1200" baseline="0" dirty="0" smtClean="0">
+                <a:solidFill>
+                  <a:schemeClr val="tx1"/>
+                </a:solidFill>
+                <a:effectLst/>
+                <a:latin typeface="+mn-lt"/>
+                <a:ea typeface="+mn-ea"/>
+                <a:cs typeface="+mn-cs"/>
+              </a:rPr>
+              <a:t>, </a:t>
+            </a:r>
+            <a:r>
+              <a:rPr lang="en-US" sz="1200" b="0" i="0" kern="1200" baseline="0" dirty="0" err="1" smtClean="0">
+                <a:solidFill>
+                  <a:schemeClr val="tx1"/>
+                </a:solidFill>
+                <a:effectLst/>
+                <a:latin typeface="+mn-lt"/>
+                <a:ea typeface="+mn-ea"/>
+                <a:cs typeface="+mn-cs"/>
+              </a:rPr>
+              <a:t>significa</a:t>
+            </a:r>
+            <a:r>
+              <a:rPr lang="en-US" sz="1200" b="0" i="0" kern="1200" baseline="0" dirty="0" smtClean="0">
+                <a:solidFill>
+                  <a:schemeClr val="tx1"/>
+                </a:solidFill>
+                <a:effectLst/>
+                <a:latin typeface="+mn-lt"/>
+                <a:ea typeface="+mn-ea"/>
+                <a:cs typeface="+mn-cs"/>
+              </a:rPr>
+              <a:t> </a:t>
+            </a:r>
+            <a:r>
+              <a:rPr lang="en-US" sz="1200" b="0" i="0" kern="1200" baseline="0" dirty="0" err="1" smtClean="0">
+                <a:solidFill>
+                  <a:schemeClr val="tx1"/>
+                </a:solidFill>
+                <a:effectLst/>
+                <a:latin typeface="+mn-lt"/>
+                <a:ea typeface="+mn-ea"/>
+                <a:cs typeface="+mn-cs"/>
+              </a:rPr>
+              <a:t>que</a:t>
+            </a:r>
+            <a:r>
+              <a:rPr lang="en-US" sz="1200" b="0" i="0" kern="1200" baseline="0" dirty="0" smtClean="0">
+                <a:solidFill>
+                  <a:schemeClr val="tx1"/>
+                </a:solidFill>
+                <a:effectLst/>
+                <a:latin typeface="+mn-lt"/>
+                <a:ea typeface="+mn-ea"/>
+                <a:cs typeface="+mn-cs"/>
+              </a:rPr>
+              <a:t> </a:t>
+            </a:r>
+            <a:r>
+              <a:rPr lang="en-US" sz="1200" b="0" i="0" kern="1200" baseline="0" dirty="0" err="1" smtClean="0">
+                <a:solidFill>
+                  <a:schemeClr val="tx1"/>
+                </a:solidFill>
+                <a:effectLst/>
+                <a:latin typeface="+mn-lt"/>
+                <a:ea typeface="+mn-ea"/>
+                <a:cs typeface="+mn-cs"/>
+              </a:rPr>
+              <a:t>estamos</a:t>
+            </a:r>
+            <a:r>
+              <a:rPr lang="en-US" sz="1200" b="0" i="0" kern="1200" baseline="0" dirty="0" smtClean="0">
+                <a:solidFill>
+                  <a:schemeClr val="tx1"/>
+                </a:solidFill>
+                <a:effectLst/>
+                <a:latin typeface="+mn-lt"/>
+                <a:ea typeface="+mn-ea"/>
+                <a:cs typeface="+mn-cs"/>
+              </a:rPr>
+              <a:t> </a:t>
+            </a:r>
+            <a:r>
+              <a:rPr lang="en-US" sz="1200" b="0" i="0" kern="1200" baseline="0" dirty="0" err="1" smtClean="0">
+                <a:solidFill>
+                  <a:schemeClr val="tx1"/>
+                </a:solidFill>
+                <a:effectLst/>
+                <a:latin typeface="+mn-lt"/>
+                <a:ea typeface="+mn-ea"/>
+                <a:cs typeface="+mn-cs"/>
+              </a:rPr>
+              <a:t>minimizando</a:t>
+            </a:r>
+            <a:r>
+              <a:rPr lang="en-US" sz="1200" b="0" i="0" kern="1200" baseline="0" dirty="0" smtClean="0">
+                <a:solidFill>
+                  <a:schemeClr val="tx1"/>
+                </a:solidFill>
+                <a:effectLst/>
+                <a:latin typeface="+mn-lt"/>
+                <a:ea typeface="+mn-ea"/>
+                <a:cs typeface="+mn-cs"/>
+              </a:rPr>
+              <a:t> el </a:t>
+            </a:r>
+            <a:r>
+              <a:rPr lang="en-US" sz="1200" b="0" i="0" kern="1200" baseline="0" dirty="0" err="1" smtClean="0">
+                <a:solidFill>
+                  <a:schemeClr val="tx1"/>
+                </a:solidFill>
+                <a:effectLst/>
+                <a:latin typeface="+mn-lt"/>
+                <a:ea typeface="+mn-ea"/>
+                <a:cs typeface="+mn-cs"/>
+              </a:rPr>
+              <a:t>costo</a:t>
+            </a:r>
+            <a:r>
+              <a:rPr lang="en-US" sz="1200" b="0" i="0" kern="1200" baseline="0" dirty="0" smtClean="0">
+                <a:solidFill>
+                  <a:schemeClr val="tx1"/>
+                </a:solidFill>
+                <a:effectLst/>
+                <a:latin typeface="+mn-lt"/>
+                <a:ea typeface="+mn-ea"/>
+                <a:cs typeface="+mn-cs"/>
+              </a:rPr>
+              <a:t> del </a:t>
+            </a:r>
+            <a:r>
+              <a:rPr lang="en-US" sz="1200" b="0" i="0" kern="1200" baseline="0" dirty="0" err="1" smtClean="0">
+                <a:solidFill>
+                  <a:schemeClr val="tx1"/>
+                </a:solidFill>
+                <a:effectLst/>
+                <a:latin typeface="+mn-lt"/>
+                <a:ea typeface="+mn-ea"/>
+                <a:cs typeface="+mn-cs"/>
+              </a:rPr>
+              <a:t>cambio</a:t>
+            </a:r>
+            <a:r>
+              <a:rPr lang="en-US" sz="1200" b="0" i="0" kern="1200" baseline="0" dirty="0" smtClean="0">
+                <a:solidFill>
+                  <a:schemeClr val="tx1"/>
+                </a:solidFill>
+                <a:effectLst/>
+                <a:latin typeface="+mn-lt"/>
+                <a:ea typeface="+mn-ea"/>
+                <a:cs typeface="+mn-cs"/>
+              </a:rPr>
+              <a:t>, lo </a:t>
+            </a:r>
+            <a:r>
+              <a:rPr lang="en-US" sz="1200" b="0" i="0" kern="1200" baseline="0" dirty="0" err="1" smtClean="0">
+                <a:solidFill>
+                  <a:schemeClr val="tx1"/>
+                </a:solidFill>
+                <a:effectLst/>
+                <a:latin typeface="+mn-lt"/>
+                <a:ea typeface="+mn-ea"/>
+                <a:cs typeface="+mn-cs"/>
+              </a:rPr>
+              <a:t>que</a:t>
+            </a:r>
+            <a:r>
+              <a:rPr lang="en-US" sz="1200" b="0" i="0" kern="1200" baseline="0" dirty="0" smtClean="0">
+                <a:solidFill>
+                  <a:schemeClr val="tx1"/>
+                </a:solidFill>
+                <a:effectLst/>
+                <a:latin typeface="+mn-lt"/>
+                <a:ea typeface="+mn-ea"/>
+                <a:cs typeface="+mn-cs"/>
+              </a:rPr>
+              <a:t> </a:t>
+            </a:r>
+            <a:r>
+              <a:rPr lang="en-US" sz="1200" b="0" i="0" kern="1200" baseline="0" dirty="0" err="1" smtClean="0">
+                <a:solidFill>
+                  <a:schemeClr val="tx1"/>
+                </a:solidFill>
+                <a:effectLst/>
+                <a:latin typeface="+mn-lt"/>
+                <a:ea typeface="+mn-ea"/>
+                <a:cs typeface="+mn-cs"/>
+              </a:rPr>
+              <a:t>brinda</a:t>
+            </a:r>
+            <a:r>
+              <a:rPr lang="en-US" sz="1200" b="0" i="0" kern="1200" baseline="0" dirty="0" smtClean="0">
+                <a:solidFill>
+                  <a:schemeClr val="tx1"/>
+                </a:solidFill>
+                <a:effectLst/>
+                <a:latin typeface="+mn-lt"/>
+                <a:ea typeface="+mn-ea"/>
+                <a:cs typeface="+mn-cs"/>
+              </a:rPr>
+              <a:t> </a:t>
+            </a:r>
+            <a:r>
+              <a:rPr lang="en-US" sz="1200" b="0" i="0" kern="1200" baseline="0" dirty="0" err="1" smtClean="0">
+                <a:solidFill>
+                  <a:schemeClr val="tx1"/>
+                </a:solidFill>
+                <a:effectLst/>
+                <a:latin typeface="+mn-lt"/>
+                <a:ea typeface="+mn-ea"/>
+                <a:cs typeface="+mn-cs"/>
+              </a:rPr>
+              <a:t>bastantes</a:t>
+            </a:r>
+            <a:r>
+              <a:rPr lang="en-US" sz="1200" b="0" i="0" kern="1200" baseline="0" dirty="0" smtClean="0">
+                <a:solidFill>
+                  <a:schemeClr val="tx1"/>
+                </a:solidFill>
+                <a:effectLst/>
+                <a:latin typeface="+mn-lt"/>
+                <a:ea typeface="+mn-ea"/>
+                <a:cs typeface="+mn-cs"/>
+              </a:rPr>
+              <a:t> </a:t>
+            </a:r>
+            <a:r>
+              <a:rPr lang="en-US" sz="1200" b="0" i="0" kern="1200" baseline="0" dirty="0" err="1" smtClean="0">
+                <a:solidFill>
+                  <a:schemeClr val="tx1"/>
+                </a:solidFill>
+                <a:effectLst/>
+                <a:latin typeface="+mn-lt"/>
+                <a:ea typeface="+mn-ea"/>
+                <a:cs typeface="+mn-cs"/>
+              </a:rPr>
+              <a:t>flexibilidad</a:t>
+            </a:r>
+            <a:r>
+              <a:rPr lang="en-US" sz="1200" b="0" i="0" kern="1200" baseline="0" dirty="0" smtClean="0">
+                <a:solidFill>
+                  <a:schemeClr val="tx1"/>
+                </a:solidFill>
+                <a:effectLst/>
+                <a:latin typeface="+mn-lt"/>
+                <a:ea typeface="+mn-ea"/>
+                <a:cs typeface="+mn-cs"/>
+              </a:rPr>
+              <a:t> a </a:t>
+            </a:r>
+            <a:r>
+              <a:rPr lang="en-US" sz="1200" b="0" i="0" kern="1200" baseline="0" dirty="0" err="1" smtClean="0">
+                <a:solidFill>
+                  <a:schemeClr val="tx1"/>
+                </a:solidFill>
+                <a:effectLst/>
+                <a:latin typeface="+mn-lt"/>
+                <a:ea typeface="+mn-ea"/>
+                <a:cs typeface="+mn-cs"/>
+              </a:rPr>
+              <a:t>nuestro</a:t>
+            </a:r>
+            <a:r>
+              <a:rPr lang="en-US" sz="1200" b="0" i="0" kern="1200" baseline="0" dirty="0" smtClean="0">
+                <a:solidFill>
+                  <a:schemeClr val="tx1"/>
+                </a:solidFill>
+                <a:effectLst/>
+                <a:latin typeface="+mn-lt"/>
+                <a:ea typeface="+mn-ea"/>
+                <a:cs typeface="+mn-cs"/>
+              </a:rPr>
+              <a:t> </a:t>
+            </a:r>
+            <a:r>
+              <a:rPr lang="en-US" sz="1200" b="0" i="0" kern="1200" baseline="0" dirty="0" err="1" smtClean="0">
+                <a:solidFill>
+                  <a:schemeClr val="tx1"/>
+                </a:solidFill>
+                <a:effectLst/>
+                <a:latin typeface="+mn-lt"/>
+                <a:ea typeface="+mn-ea"/>
+                <a:cs typeface="+mn-cs"/>
+              </a:rPr>
+              <a:t>proceso</a:t>
+            </a:r>
+            <a:r>
+              <a:rPr lang="en-US" sz="1200" b="0" i="0" kern="1200" baseline="0" dirty="0" smtClean="0">
+                <a:solidFill>
+                  <a:schemeClr val="tx1"/>
+                </a:solidFill>
+                <a:effectLst/>
+                <a:latin typeface="+mn-lt"/>
+                <a:ea typeface="+mn-ea"/>
+                <a:cs typeface="+mn-cs"/>
+              </a:rPr>
+              <a:t> de </a:t>
+            </a:r>
+            <a:r>
+              <a:rPr lang="en-US" sz="1200" b="0" i="0" kern="1200" baseline="0" dirty="0" err="1" smtClean="0">
+                <a:solidFill>
+                  <a:schemeClr val="tx1"/>
+                </a:solidFill>
+                <a:effectLst/>
+                <a:latin typeface="+mn-lt"/>
+                <a:ea typeface="+mn-ea"/>
+                <a:cs typeface="+mn-cs"/>
+              </a:rPr>
+              <a:t>desarrollo</a:t>
+            </a:r>
+            <a:r>
+              <a:rPr lang="en-US" sz="1200" b="0" i="0" kern="1200" baseline="0" dirty="0" smtClean="0">
+                <a:solidFill>
+                  <a:schemeClr val="tx1"/>
+                </a:solidFill>
+                <a:effectLst/>
+                <a:latin typeface="+mn-lt"/>
+                <a:ea typeface="+mn-ea"/>
+                <a:cs typeface="+mn-cs"/>
+              </a:rPr>
+              <a:t>.</a:t>
+            </a:r>
+          </a:p>
+          <a:p>
+            <a:endParaRPr lang="en-US" sz="1200" b="0" i="0" kern="1200" baseline="0" dirty="0" smtClean="0">
+              <a:solidFill>
+                <a:schemeClr val="tx1"/>
+              </a:solidFill>
+              <a:effectLst/>
+              <a:latin typeface="+mn-lt"/>
+              <a:ea typeface="+mn-ea"/>
+              <a:cs typeface="+mn-cs"/>
+            </a:endParaRPr>
+          </a:p>
+          <a:p>
+            <a:r>
+              <a:rPr lang="es-PE" dirty="0" smtClean="0">
+                <a:hlinkClick r:id="rId3"/>
+              </a:rPr>
+              <a:t>http://www.codeproject.com/Articles/5404/The-benefits-of-automated-unit-testing</a:t>
+            </a:r>
+            <a:endParaRPr lang="es-PE" dirty="0" smtClean="0"/>
+          </a:p>
+          <a:p>
+            <a:r>
+              <a:rPr lang="es-PE" dirty="0" smtClean="0">
+                <a:hlinkClick r:id="rId4"/>
+              </a:rPr>
+              <a:t>http://onjava.com/pub/a/onjava/2003/04/02/javaxpckbk.html</a:t>
+            </a:r>
+            <a:endParaRPr lang="en-US" sz="1200" b="0" i="0" kern="1200" dirty="0" smtClean="0">
+              <a:solidFill>
+                <a:schemeClr val="tx1"/>
+              </a:solidFill>
+              <a:effectLst/>
+              <a:latin typeface="+mn-lt"/>
+              <a:ea typeface="+mn-ea"/>
+              <a:cs typeface="+mn-cs"/>
+            </a:endParaRPr>
+          </a:p>
+          <a:p>
+            <a:endParaRPr lang="es-PE" noProof="0" dirty="0"/>
+          </a:p>
+        </p:txBody>
+      </p:sp>
+      <p:sp>
+        <p:nvSpPr>
+          <p:cNvPr id="4" name="3 Marcador de número de diapositiva"/>
+          <p:cNvSpPr>
+            <a:spLocks noGrp="1"/>
+          </p:cNvSpPr>
+          <p:nvPr>
+            <p:ph type="sldNum" sz="quarter" idx="10"/>
+          </p:nvPr>
+        </p:nvSpPr>
+        <p:spPr/>
+        <p:txBody>
+          <a:bodyPr/>
+          <a:lstStyle/>
+          <a:p>
+            <a:fld id="{80C14895-23C8-45AE-85D5-3B35E5980A68}" type="slidenum">
+              <a:rPr lang="es-PE" smtClean="0"/>
+              <a:t>39</a:t>
             </a:fld>
             <a:endParaRPr lang="es-PE"/>
           </a:p>
@@ -6471,6 +6994,139 @@
 </p:notes>
 </file>
 
+<file path=ppt/notesSlides/notesSlide40.xml><?xml version="1.0" encoding="utf-8"?>
+<p:notes xmlns:a="http://schemas.openxmlformats.org/drawingml/2006/main" xmlns:r="http://schemas.openxmlformats.org/officeDocument/2006/relationships" xmlns:p="http://schemas.openxmlformats.org/presentationml/2006/main">
+  <p:cSld>
+    <p:spTree>
+      <p:nvGrpSpPr>
+        <p:cNvPr id="1" name=""/>
+        <p:cNvGrpSpPr/>
+        <p:nvPr/>
+      </p:nvGrpSpPr>
+      <p:grpSpPr>
+        <a:xfrm>
+          <a:off x="0" y="0"/>
+          <a:ext cx="0" cy="0"/>
+          <a:chOff x="0" y="0"/>
+          <a:chExt cx="0" cy="0"/>
+        </a:xfrm>
+      </p:grpSpPr>
+      <p:sp>
+        <p:nvSpPr>
+          <p:cNvPr id="2" name="1 Marcador de imagen de diapositiva"/>
+          <p:cNvSpPr>
+            <a:spLocks noGrp="1" noRot="1" noChangeAspect="1"/>
+          </p:cNvSpPr>
+          <p:nvPr>
+            <p:ph type="sldImg"/>
+          </p:nvPr>
+        </p:nvSpPr>
+        <p:spPr/>
+      </p:sp>
+      <p:sp>
+        <p:nvSpPr>
+          <p:cNvPr id="3" name="2 Marcador de notas"/>
+          <p:cNvSpPr>
+            <a:spLocks noGrp="1"/>
+          </p:cNvSpPr>
+          <p:nvPr>
+            <p:ph type="body" idx="1"/>
+          </p:nvPr>
+        </p:nvSpPr>
+        <p:spPr/>
+        <p:txBody>
+          <a:bodyPr/>
+          <a:lstStyle/>
+          <a:p>
+            <a:pPr marL="0" marR="0" indent="0" algn="l" defTabSz="914400" rtl="0" eaLnBrk="1" fontAlgn="auto" latinLnBrk="0" hangingPunct="1">
+              <a:lnSpc>
+                <a:spcPct val="100000"/>
+              </a:lnSpc>
+              <a:spcBef>
+                <a:spcPts val="0"/>
+              </a:spcBef>
+              <a:spcAft>
+                <a:spcPts val="0"/>
+              </a:spcAft>
+              <a:buClrTx/>
+              <a:buSzTx/>
+              <a:buFontTx/>
+              <a:buNone/>
+              <a:tabLst/>
+              <a:defRPr/>
+            </a:pPr>
+            <a:r>
+              <a:rPr lang="es-PE" sz="1200" dirty="0" smtClean="0"/>
+              <a:t>Guide </a:t>
+            </a:r>
+            <a:r>
+              <a:rPr lang="es-PE" sz="1200" dirty="0" err="1" smtClean="0"/>
+              <a:t>Writing</a:t>
+            </a:r>
+            <a:r>
+              <a:rPr lang="es-PE" sz="1200" dirty="0" smtClean="0"/>
+              <a:t> Testeable </a:t>
+            </a:r>
+            <a:r>
+              <a:rPr lang="es-PE" sz="1200" dirty="0" err="1" smtClean="0"/>
+              <a:t>Code</a:t>
+            </a:r>
+            <a:r>
+              <a:rPr lang="es-PE" sz="1200" dirty="0" smtClean="0"/>
+              <a:t>:</a:t>
+            </a:r>
+            <a:br>
+              <a:rPr lang="es-PE" sz="1200" dirty="0" smtClean="0"/>
+            </a:br>
+            <a:r>
+              <a:rPr lang="es-PE" sz="1200" dirty="0" smtClean="0">
+                <a:hlinkClick r:id="rId3"/>
+              </a:rPr>
+              <a:t>http://misko.hevery.com/attachments/Guide-Writing%20Testable%20Code.pdf</a:t>
+            </a:r>
+            <a:endParaRPr lang="es-PE" sz="1200" dirty="0" smtClean="0"/>
+          </a:p>
+          <a:p>
+            <a:endParaRPr lang="es-PE" dirty="0"/>
+          </a:p>
+        </p:txBody>
+      </p:sp>
+      <p:sp>
+        <p:nvSpPr>
+          <p:cNvPr id="4" name="3 Marcador de número de diapositiva"/>
+          <p:cNvSpPr>
+            <a:spLocks noGrp="1"/>
+          </p:cNvSpPr>
+          <p:nvPr>
+            <p:ph type="sldNum" sz="quarter" idx="10"/>
+          </p:nvPr>
+        </p:nvSpPr>
+        <p:spPr/>
+        <p:txBody>
+          <a:bodyPr/>
+          <a:lstStyle/>
+          <a:p>
+            <a:fld id="{80C14895-23C8-45AE-85D5-3B35E5980A68}" type="slidenum">
+              <a:rPr lang="es-PE" smtClean="0"/>
+              <a:t>40</a:t>
+            </a:fld>
+            <a:endParaRPr lang="es-PE"/>
+          </a:p>
+        </p:txBody>
+      </p:sp>
+    </p:spTree>
+    <p:extLst>
+      <p:ext uri="{BB962C8B-B14F-4D97-AF65-F5344CB8AC3E}">
+        <p14:creationId xmlns:p14="http://schemas.microsoft.com/office/powerpoint/2010/main" val="3432092158"/>
+      </p:ext>
+    </p:extLst>
+  </p:cSld>
+  <p:clrMapOvr>
+    <a:masterClrMapping/>
+  </p:clrMapOvr>
+</p:notes>
+</file>
+
 <file path=ppt/notesSlides/notesSlide5.xml><?xml version="1.0" encoding="utf-8"?>
 <p:notes xmlns:a="http://schemas.openxmlformats.org/drawingml/2006/main" xmlns:r="http://schemas.openxmlformats.org/officeDocument/2006/relationships" xmlns:p="http://schemas.openxmlformats.org/presentationml/2006/main">
   <p:cSld>
@@ -7421,7 +8077,7 @@
             <a:fld id="{807CB568-C05F-482F-9F26-AA302B8892DF}" type="datetimeFigureOut">
               <a:rPr lang="es-ES" smtClean="0"/>
               <a:pPr/>
-              <a:t>17/04/2013</a:t>
+              <a:t>23/04/2013</a:t>
             </a:fld>
             <a:endParaRPr lang="es-ES"/>
           </a:p>
@@ -7600,7 +8256,7 @@
             <a:fld id="{807CB568-C05F-482F-9F26-AA302B8892DF}" type="datetimeFigureOut">
               <a:rPr lang="es-ES" smtClean="0"/>
               <a:pPr/>
-              <a:t>17/04/2013</a:t>
+              <a:t>23/04/2013</a:t>
             </a:fld>
             <a:endParaRPr lang="es-ES"/>
           </a:p>
@@ -7789,7 +8445,7 @@
             <a:fld id="{807CB568-C05F-482F-9F26-AA302B8892DF}" type="datetimeFigureOut">
               <a:rPr lang="es-ES" smtClean="0"/>
               <a:pPr/>
-              <a:t>17/04/2013</a:t>
+              <a:t>23/04/2013</a:t>
             </a:fld>
             <a:endParaRPr lang="es-ES"/>
           </a:p>
@@ -7968,7 +8624,7 @@
             <a:fld id="{807CB568-C05F-482F-9F26-AA302B8892DF}" type="datetimeFigureOut">
               <a:rPr lang="es-ES" smtClean="0"/>
               <a:pPr/>
-              <a:t>17/04/2013</a:t>
+              <a:t>23/04/2013</a:t>
             </a:fld>
             <a:endParaRPr lang="es-ES"/>
           </a:p>
@@ -8223,7 +8879,7 @@
             <a:fld id="{807CB568-C05F-482F-9F26-AA302B8892DF}" type="datetimeFigureOut">
               <a:rPr lang="es-ES" smtClean="0"/>
               <a:pPr/>
-              <a:t>17/04/2013</a:t>
+              <a:t>23/04/2013</a:t>
             </a:fld>
             <a:endParaRPr lang="es-ES"/>
           </a:p>
@@ -8520,7 +9176,7 @@
             <a:fld id="{807CB568-C05F-482F-9F26-AA302B8892DF}" type="datetimeFigureOut">
               <a:rPr lang="es-ES" smtClean="0"/>
               <a:pPr/>
-              <a:t>17/04/2013</a:t>
+              <a:t>23/04/2013</a:t>
             </a:fld>
             <a:endParaRPr lang="es-ES"/>
           </a:p>
@@ -8951,7 +9607,7 @@
             <a:fld id="{807CB568-C05F-482F-9F26-AA302B8892DF}" type="datetimeFigureOut">
               <a:rPr lang="es-ES" smtClean="0"/>
               <a:pPr/>
-              <a:t>17/04/2013</a:t>
+              <a:t>23/04/2013</a:t>
             </a:fld>
             <a:endParaRPr lang="es-ES"/>
           </a:p>
@@ -9078,7 +9734,7 @@
             <a:fld id="{807CB568-C05F-482F-9F26-AA302B8892DF}" type="datetimeFigureOut">
               <a:rPr lang="es-ES" smtClean="0"/>
               <a:pPr/>
-              <a:t>17/04/2013</a:t>
+              <a:t>23/04/2013</a:t>
             </a:fld>
             <a:endParaRPr lang="es-ES"/>
           </a:p>
@@ -9182,7 +9838,7 @@
             <a:fld id="{807CB568-C05F-482F-9F26-AA302B8892DF}" type="datetimeFigureOut">
               <a:rPr lang="es-ES" smtClean="0"/>
               <a:pPr/>
-              <a:t>17/04/2013</a:t>
+              <a:t>23/04/2013</a:t>
             </a:fld>
             <a:endParaRPr lang="es-ES"/>
           </a:p>
@@ -9468,7 +10124,7 @@
             <a:fld id="{807CB568-C05F-482F-9F26-AA302B8892DF}" type="datetimeFigureOut">
               <a:rPr lang="es-ES" smtClean="0"/>
               <a:pPr/>
-              <a:t>17/04/2013</a:t>
+              <a:t>23/04/2013</a:t>
             </a:fld>
             <a:endParaRPr lang="es-ES"/>
           </a:p>
@@ -9737,7 +10393,7 @@
             <a:fld id="{807CB568-C05F-482F-9F26-AA302B8892DF}" type="datetimeFigureOut">
               <a:rPr lang="es-ES" smtClean="0"/>
               <a:pPr/>
-              <a:t>17/04/2013</a:t>
+              <a:t>23/04/2013</a:t>
             </a:fld>
             <a:endParaRPr lang="es-ES"/>
           </a:p>
@@ -9988,7 +10644,7 @@
             <a:fld id="{807CB568-C05F-482F-9F26-AA302B8892DF}" type="datetimeFigureOut">
               <a:rPr lang="es-ES" smtClean="0"/>
               <a:pPr/>
-              <a:t>17/04/2013</a:t>
+              <a:t>23/04/2013</a:t>
             </a:fld>
             <a:endParaRPr lang="es-ES"/>
           </a:p>
@@ -10625,11 +11281,7 @@
           <a:p>
             <a:r>
               <a:rPr lang="en-US" sz="2200" dirty="0" smtClean="0"/>
-              <a:t>"Test </a:t>
-            </a:r>
-            <a:r>
-              <a:rPr lang="en-US" sz="2200" dirty="0" smtClean="0"/>
-              <a:t>Automation Java"</a:t>
+              <a:t>"Test Automation Java"</a:t>
             </a:r>
             <a:r>
               <a:rPr lang="en-US" sz="2200" dirty="0"/>
@@ -17582,7 +18234,7 @@
 </file>
 
 <file path=ppt/slides/slide25.xml><?xml version="1.0" encoding="utf-8"?>
-<p:sld xmlns:a="http://schemas.openxmlformats.org/drawingml/2006/main" xmlns:r="http://schemas.openxmlformats.org/officeDocument/2006/relationships" xmlns:p="http://schemas.openxmlformats.org/presentationml/2006/main">
+<p:sld xmlns:a="http://schemas.openxmlformats.org/drawingml/2006/main" xmlns:r="http://schemas.openxmlformats.org/officeDocument/2006/relationships" xmlns:p="http://schemas.openxmlformats.org/presentationml/2006/main" show="0">
   <p:cSld>
     <p:spTree>
       <p:nvGrpSpPr>
@@ -17731,6 +18383,14 @@
   <p:clrMapOvr>
     <a:masterClrMapping/>
   </p:clrMapOvr>
+  <mc:AlternateContent xmlns:mc="http://schemas.openxmlformats.org/markup-compatibility/2006">
+    <mc:Choice xmlns:p14="http://schemas.microsoft.com/office/powerpoint/2010/main" Requires="p14">
+      <p:transition spd="slow" p14:dur="2000"/>
+    </mc:Choice>
+    <mc:Fallback>
+      <p:transition spd="slow"/>
+    </mc:Fallback>
+  </mc:AlternateContent>
   <p:timing>
     <p:tnLst>
       <p:par>
@@ -18677,6 +19337,329 @@
 </file>
 
 <file path=ppt/slides/slide28.xml><?xml version="1.0" encoding="utf-8"?>
+<p:sld xmlns:a="http://schemas.openxmlformats.org/drawingml/2006/main" xmlns:r="http://schemas.openxmlformats.org/officeDocument/2006/relationships" xmlns:p="http://schemas.openxmlformats.org/presentationml/2006/main">
+  <p:cSld>
+    <p:spTree>
+      <p:nvGrpSpPr>
+        <p:cNvPr id="1" name=""/>
+        <p:cNvGrpSpPr/>
+        <p:nvPr/>
+      </p:nvGrpSpPr>
+      <p:grpSpPr>
+        <a:xfrm>
+          <a:off x="0" y="0"/>
+          <a:ext cx="0" cy="0"/>
+          <a:chOff x="0" y="0"/>
+          <a:chExt cx="0" cy="0"/>
+        </a:xfrm>
+      </p:grpSpPr>
+      <p:sp>
+        <p:nvSpPr>
+          <p:cNvPr id="5" name="2 Título"/>
+          <p:cNvSpPr>
+            <a:spLocks noGrp="1"/>
+          </p:cNvSpPr>
+          <p:nvPr>
+            <p:ph type="title"/>
+          </p:nvPr>
+        </p:nvSpPr>
+        <p:spPr>
+          <a:xfrm>
+            <a:off x="457200" y="1412776"/>
+            <a:ext cx="8229600" cy="2016224"/>
+          </a:xfrm>
+        </p:spPr>
+        <p:txBody>
+          <a:bodyPr/>
+          <a:lstStyle/>
+          <a:p>
+            <a:r>
+              <a:rPr lang="es-PE" dirty="0" smtClean="0">
+                <a:solidFill>
+                  <a:srgbClr val="FFC000"/>
+                </a:solidFill>
+              </a:rPr>
+              <a:t>Ejercicio</a:t>
+            </a:r>
+            <a:br>
+              <a:rPr lang="es-PE" dirty="0" smtClean="0">
+                <a:solidFill>
+                  <a:srgbClr val="FFC000"/>
+                </a:solidFill>
+              </a:rPr>
+            </a:br>
+            <a:r>
+              <a:rPr lang="es-PE" dirty="0" smtClean="0">
+                <a:solidFill>
+                  <a:srgbClr val="00B050"/>
+                </a:solidFill>
+              </a:rPr>
+              <a:t>Realizar pruebas unitarias a clases con dependencias</a:t>
+            </a:r>
+            <a:endParaRPr lang="es-PE" dirty="0">
+              <a:solidFill>
+                <a:srgbClr val="00B050"/>
+              </a:solidFill>
+            </a:endParaRPr>
+          </a:p>
+        </p:txBody>
+      </p:sp>
+      <p:sp>
+        <p:nvSpPr>
+          <p:cNvPr id="4" name="5 Marcador de contenido"/>
+          <p:cNvSpPr txBox="1">
+            <a:spLocks/>
+          </p:cNvSpPr>
+          <p:nvPr/>
+        </p:nvSpPr>
+        <p:spPr bwMode="auto">
+          <a:xfrm>
+            <a:off x="467544" y="3615546"/>
+            <a:ext cx="8208912" cy="1253614"/>
+          </a:xfrm>
+          <a:prstGeom prst="rect">
+            <a:avLst/>
+          </a:prstGeom>
+          <a:noFill/>
+          <a:ln w="9525">
+            <a:noFill/>
+            <a:miter lim="800000"/>
+            <a:headEnd/>
+            <a:tailEnd/>
+          </a:ln>
+        </p:spPr>
+        <p:txBody>
+          <a:bodyPr vert="horz" wrap="square" lIns="91440" tIns="45720" rIns="91440" bIns="45720" numCol="1" anchor="t" anchorCtr="0" compatLnSpc="1">
+            <a:prstTxWarp prst="textNoShape">
+              <a:avLst/>
+            </a:prstTxWarp>
+          </a:bodyPr>
+          <a:lstStyle>
+            <a:lvl1pPr marL="342900" indent="-342900" algn="l" rtl="0" eaLnBrk="1" fontAlgn="base" hangingPunct="1">
+              <a:spcBef>
+                <a:spcPct val="20000"/>
+              </a:spcBef>
+              <a:spcAft>
+                <a:spcPct val="0"/>
+              </a:spcAft>
+              <a:buFont typeface="Arial" charset="0"/>
+              <a:buChar char="•"/>
+              <a:defRPr sz="3200" kern="1200">
+                <a:solidFill>
+                  <a:schemeClr val="tx1"/>
+                </a:solidFill>
+                <a:latin typeface="+mn-lt"/>
+                <a:ea typeface="+mn-ea"/>
+                <a:cs typeface="+mn-cs"/>
+              </a:defRPr>
+            </a:lvl1pPr>
+            <a:lvl2pPr marL="742950" indent="-285750" algn="l" rtl="0" eaLnBrk="1" fontAlgn="base" hangingPunct="1">
+              <a:spcBef>
+                <a:spcPct val="20000"/>
+              </a:spcBef>
+              <a:spcAft>
+                <a:spcPct val="0"/>
+              </a:spcAft>
+              <a:buFont typeface="Arial" charset="0"/>
+              <a:buChar char="–"/>
+              <a:defRPr sz="2800" kern="1200">
+                <a:solidFill>
+                  <a:schemeClr val="tx1"/>
+                </a:solidFill>
+                <a:latin typeface="+mn-lt"/>
+                <a:ea typeface="+mn-ea"/>
+                <a:cs typeface="+mn-cs"/>
+              </a:defRPr>
+            </a:lvl2pPr>
+            <a:lvl3pPr marL="1143000" indent="-228600" algn="l" rtl="0" eaLnBrk="1" fontAlgn="base" hangingPunct="1">
+              <a:spcBef>
+                <a:spcPct val="20000"/>
+              </a:spcBef>
+              <a:spcAft>
+                <a:spcPct val="0"/>
+              </a:spcAft>
+              <a:buFont typeface="Arial" charset="0"/>
+              <a:buChar char="•"/>
+              <a:defRPr sz="2400" kern="1200">
+                <a:solidFill>
+                  <a:schemeClr val="tx1"/>
+                </a:solidFill>
+                <a:latin typeface="+mn-lt"/>
+                <a:ea typeface="+mn-ea"/>
+                <a:cs typeface="+mn-cs"/>
+              </a:defRPr>
+            </a:lvl3pPr>
+            <a:lvl4pPr marL="1600200" indent="-228600" algn="l" rtl="0" eaLnBrk="1" fontAlgn="base" hangingPunct="1">
+              <a:spcBef>
+                <a:spcPct val="20000"/>
+              </a:spcBef>
+              <a:spcAft>
+                <a:spcPct val="0"/>
+              </a:spcAft>
+              <a:buFont typeface="Arial" charset="0"/>
+              <a:buChar char="–"/>
+              <a:defRPr sz="2000" kern="1200">
+                <a:solidFill>
+                  <a:schemeClr val="tx1"/>
+                </a:solidFill>
+                <a:latin typeface="+mn-lt"/>
+                <a:ea typeface="+mn-ea"/>
+                <a:cs typeface="+mn-cs"/>
+              </a:defRPr>
+            </a:lvl4pPr>
+            <a:lvl5pPr marL="2057400" indent="-228600" algn="l" rtl="0" eaLnBrk="1" fontAlgn="base" hangingPunct="1">
+              <a:spcBef>
+                <a:spcPct val="20000"/>
+              </a:spcBef>
+              <a:spcAft>
+                <a:spcPct val="0"/>
+              </a:spcAft>
+              <a:buFont typeface="Arial" charset="0"/>
+              <a:buChar char="»"/>
+              <a:defRPr sz="2000" kern="1200">
+                <a:solidFill>
+                  <a:schemeClr val="tx1"/>
+                </a:solidFill>
+                <a:latin typeface="+mn-lt"/>
+                <a:ea typeface="+mn-ea"/>
+                <a:cs typeface="+mn-cs"/>
+              </a:defRPr>
+            </a:lvl5pPr>
+            <a:lvl6pPr marL="2514600" indent="-228600" algn="l" defTabSz="914400" rtl="0" eaLnBrk="1" latinLnBrk="0" hangingPunct="1">
+              <a:spcBef>
+                <a:spcPct val="20000"/>
+              </a:spcBef>
+              <a:buFont typeface="Arial" pitchFamily="34" charset="0"/>
+              <a:buChar char="•"/>
+              <a:defRPr sz="2000" kern="1200">
+                <a:solidFill>
+                  <a:schemeClr val="tx1"/>
+                </a:solidFill>
+                <a:latin typeface="+mn-lt"/>
+                <a:ea typeface="+mn-ea"/>
+                <a:cs typeface="+mn-cs"/>
+              </a:defRPr>
+            </a:lvl6pPr>
+            <a:lvl7pPr marL="2971800" indent="-228600" algn="l" defTabSz="914400" rtl="0" eaLnBrk="1" latinLnBrk="0" hangingPunct="1">
+              <a:spcBef>
+                <a:spcPct val="20000"/>
+              </a:spcBef>
+              <a:buFont typeface="Arial" pitchFamily="34" charset="0"/>
+              <a:buChar char="•"/>
+              <a:defRPr sz="2000" kern="1200">
+                <a:solidFill>
+                  <a:schemeClr val="tx1"/>
+                </a:solidFill>
+                <a:latin typeface="+mn-lt"/>
+                <a:ea typeface="+mn-ea"/>
+                <a:cs typeface="+mn-cs"/>
+              </a:defRPr>
+            </a:lvl7pPr>
+            <a:lvl8pPr marL="3429000" indent="-228600" algn="l" defTabSz="914400" rtl="0" eaLnBrk="1" latinLnBrk="0" hangingPunct="1">
+              <a:spcBef>
+                <a:spcPct val="20000"/>
+              </a:spcBef>
+              <a:buFont typeface="Arial" pitchFamily="34" charset="0"/>
+              <a:buChar char="•"/>
+              <a:defRPr sz="2000" kern="1200">
+                <a:solidFill>
+                  <a:schemeClr val="tx1"/>
+                </a:solidFill>
+                <a:latin typeface="+mn-lt"/>
+                <a:ea typeface="+mn-ea"/>
+                <a:cs typeface="+mn-cs"/>
+              </a:defRPr>
+            </a:lvl8pPr>
+            <a:lvl9pPr marL="3886200" indent="-228600" algn="l" defTabSz="914400" rtl="0" eaLnBrk="1" latinLnBrk="0" hangingPunct="1">
+              <a:spcBef>
+                <a:spcPct val="20000"/>
+              </a:spcBef>
+              <a:buFont typeface="Arial" pitchFamily="34" charset="0"/>
+              <a:buChar char="•"/>
+              <a:defRPr sz="2000" kern="1200">
+                <a:solidFill>
+                  <a:schemeClr val="tx1"/>
+                </a:solidFill>
+                <a:latin typeface="+mn-lt"/>
+                <a:ea typeface="+mn-ea"/>
+                <a:cs typeface="+mn-cs"/>
+              </a:defRPr>
+            </a:lvl9pPr>
+          </a:lstStyle>
+          <a:p>
+            <a:r>
+              <a:rPr lang="es-PE" sz="2800" dirty="0" smtClean="0"/>
+              <a:t>Utilizar </a:t>
+            </a:r>
+            <a:r>
+              <a:rPr lang="es-PE" sz="2800" dirty="0" err="1" smtClean="0"/>
+              <a:t>stubs</a:t>
+            </a:r>
+            <a:r>
+              <a:rPr lang="es-PE" sz="2800" dirty="0" smtClean="0"/>
+              <a:t> y </a:t>
+            </a:r>
+            <a:r>
+              <a:rPr lang="es-PE" sz="2800" dirty="0" err="1" smtClean="0"/>
+              <a:t>mocks</a:t>
+            </a:r>
+            <a:r>
+              <a:rPr lang="es-PE" sz="2800" dirty="0" smtClean="0"/>
+              <a:t> para realizar pruebas unitarias a la clase </a:t>
+            </a:r>
+            <a:r>
+              <a:rPr lang="es-PE" sz="2800" dirty="0" smtClean="0"/>
+              <a:t>"</a:t>
+            </a:r>
+            <a:r>
+              <a:rPr lang="es-PE" sz="2800" dirty="0" err="1" smtClean="0"/>
+              <a:t>CostoEnvioService</a:t>
+            </a:r>
+            <a:r>
+              <a:rPr lang="es-PE" sz="2800" dirty="0" smtClean="0"/>
+              <a:t>" </a:t>
+            </a:r>
+            <a:r>
+              <a:rPr lang="es-PE" sz="2800" dirty="0" smtClean="0"/>
+              <a:t>y </a:t>
+            </a:r>
+            <a:r>
+              <a:rPr lang="es-PE" sz="2800" dirty="0" smtClean="0"/>
+              <a:t>"</a:t>
+            </a:r>
+            <a:r>
+              <a:rPr lang="es-PE" sz="2800" dirty="0" err="1" smtClean="0"/>
+              <a:t>AlmacenService</a:t>
+            </a:r>
+            <a:r>
+              <a:rPr lang="es-PE" sz="2800" dirty="0" smtClean="0"/>
+              <a:t>"</a:t>
+            </a:r>
+            <a:endParaRPr lang="es-PE" sz="2800" dirty="0" smtClean="0"/>
+          </a:p>
+        </p:txBody>
+      </p:sp>
+    </p:spTree>
+    <p:extLst>
+      <p:ext uri="{BB962C8B-B14F-4D97-AF65-F5344CB8AC3E}">
+        <p14:creationId xmlns:p14="http://schemas.microsoft.com/office/powerpoint/2010/main" val="3006028064"/>
+      </p:ext>
+    </p:extLst>
+  </p:cSld>
+  <p:clrMapOvr>
+    <a:masterClrMapping/>
+  </p:clrMapOvr>
+  <p:timing>
+    <p:tnLst>
+      <p:par>
+        <p:cTn id="1" dur="indefinite" restart="never" nodeType="tmRoot"/>
+      </p:par>
+    </p:tnLst>
+  </p:timing>
+</p:sld>
+</file>
+
+<file path=ppt/slides/slide29.xml><?xml version="1.0" encoding="utf-8"?>
 <p:sld xmlns:a="http://schemas.openxmlformats.org/drawingml/2006/main" xmlns:r="http://schemas.openxmlformats.org/officeDocument/2006/relationships" xmlns:p="http://schemas.openxmlformats.org/presentationml/2006/main">
   <p:cSld>
     <p:spTree>
@@ -19131,316 +20114,6 @@
 </p:sld>
 </file>
 
-<file path=ppt/slides/slide29.xml><?xml version="1.0" encoding="utf-8"?>
-<p:sld xmlns:a="http://schemas.openxmlformats.org/drawingml/2006/main" xmlns:r="http://schemas.openxmlformats.org/officeDocument/2006/relationships" xmlns:p="http://schemas.openxmlformats.org/presentationml/2006/main">
-  <p:cSld>
-    <p:spTree>
-      <p:nvGrpSpPr>
-        <p:cNvPr id="1" name=""/>
-        <p:cNvGrpSpPr/>
-        <p:nvPr/>
-      </p:nvGrpSpPr>
-      <p:grpSpPr>
-        <a:xfrm>
-          <a:off x="0" y="0"/>
-          <a:ext cx="0" cy="0"/>
-          <a:chOff x="0" y="0"/>
-          <a:chExt cx="0" cy="0"/>
-        </a:xfrm>
-      </p:grpSpPr>
-      <p:sp>
-        <p:nvSpPr>
-          <p:cNvPr id="5" name="2 Título"/>
-          <p:cNvSpPr>
-            <a:spLocks noGrp="1"/>
-          </p:cNvSpPr>
-          <p:nvPr>
-            <p:ph type="title"/>
-          </p:nvPr>
-        </p:nvSpPr>
-        <p:spPr>
-          <a:xfrm>
-            <a:off x="457200" y="1412776"/>
-            <a:ext cx="8229600" cy="2016224"/>
-          </a:xfrm>
-        </p:spPr>
-        <p:txBody>
-          <a:bodyPr/>
-          <a:lstStyle/>
-          <a:p>
-            <a:r>
-              <a:rPr lang="es-PE" dirty="0" smtClean="0">
-                <a:solidFill>
-                  <a:srgbClr val="FFC000"/>
-                </a:solidFill>
-              </a:rPr>
-              <a:t>Ejercicio</a:t>
-            </a:r>
-            <a:br>
-              <a:rPr lang="es-PE" dirty="0" smtClean="0">
-                <a:solidFill>
-                  <a:srgbClr val="FFC000"/>
-                </a:solidFill>
-              </a:rPr>
-            </a:br>
-            <a:r>
-              <a:rPr lang="es-PE" dirty="0" smtClean="0">
-                <a:solidFill>
-                  <a:srgbClr val="00B050"/>
-                </a:solidFill>
-              </a:rPr>
-              <a:t>Realizar pruebas unitarias a clases con dependencias</a:t>
-            </a:r>
-            <a:endParaRPr lang="es-PE" dirty="0">
-              <a:solidFill>
-                <a:srgbClr val="00B050"/>
-              </a:solidFill>
-            </a:endParaRPr>
-          </a:p>
-        </p:txBody>
-      </p:sp>
-      <p:sp>
-        <p:nvSpPr>
-          <p:cNvPr id="4" name="5 Marcador de contenido"/>
-          <p:cNvSpPr txBox="1">
-            <a:spLocks/>
-          </p:cNvSpPr>
-          <p:nvPr/>
-        </p:nvSpPr>
-        <p:spPr bwMode="auto">
-          <a:xfrm>
-            <a:off x="467544" y="3615546"/>
-            <a:ext cx="8208912" cy="1253614"/>
-          </a:xfrm>
-          <a:prstGeom prst="rect">
-            <a:avLst/>
-          </a:prstGeom>
-          <a:noFill/>
-          <a:ln w="9525">
-            <a:noFill/>
-            <a:miter lim="800000"/>
-            <a:headEnd/>
-            <a:tailEnd/>
-          </a:ln>
-        </p:spPr>
-        <p:txBody>
-          <a:bodyPr vert="horz" wrap="square" lIns="91440" tIns="45720" rIns="91440" bIns="45720" numCol="1" anchor="t" anchorCtr="0" compatLnSpc="1">
-            <a:prstTxWarp prst="textNoShape">
-              <a:avLst/>
-            </a:prstTxWarp>
-          </a:bodyPr>
-          <a:lstStyle>
-            <a:lvl1pPr marL="342900" indent="-342900" algn="l" rtl="0" eaLnBrk="1" fontAlgn="base" hangingPunct="1">
-              <a:spcBef>
-                <a:spcPct val="20000"/>
-              </a:spcBef>
-              <a:spcAft>
-                <a:spcPct val="0"/>
-              </a:spcAft>
-              <a:buFont typeface="Arial" charset="0"/>
-              <a:buChar char="•"/>
-              <a:defRPr sz="3200" kern="1200">
-                <a:solidFill>
-                  <a:schemeClr val="tx1"/>
-                </a:solidFill>
-                <a:latin typeface="+mn-lt"/>
-                <a:ea typeface="+mn-ea"/>
-                <a:cs typeface="+mn-cs"/>
-              </a:defRPr>
-            </a:lvl1pPr>
-            <a:lvl2pPr marL="742950" indent="-285750" algn="l" rtl="0" eaLnBrk="1" fontAlgn="base" hangingPunct="1">
-              <a:spcBef>
-                <a:spcPct val="20000"/>
-              </a:spcBef>
-              <a:spcAft>
-                <a:spcPct val="0"/>
-              </a:spcAft>
-              <a:buFont typeface="Arial" charset="0"/>
-              <a:buChar char="–"/>
-              <a:defRPr sz="2800" kern="1200">
-                <a:solidFill>
-                  <a:schemeClr val="tx1"/>
-                </a:solidFill>
-                <a:latin typeface="+mn-lt"/>
-                <a:ea typeface="+mn-ea"/>
-                <a:cs typeface="+mn-cs"/>
-              </a:defRPr>
-            </a:lvl2pPr>
-            <a:lvl3pPr marL="1143000" indent="-228600" algn="l" rtl="0" eaLnBrk="1" fontAlgn="base" hangingPunct="1">
-              <a:spcBef>
-                <a:spcPct val="20000"/>
-              </a:spcBef>
-              <a:spcAft>
-                <a:spcPct val="0"/>
-              </a:spcAft>
-              <a:buFont typeface="Arial" charset="0"/>
-              <a:buChar char="•"/>
-              <a:defRPr sz="2400" kern="1200">
-                <a:solidFill>
-                  <a:schemeClr val="tx1"/>
-                </a:solidFill>
-                <a:latin typeface="+mn-lt"/>
-                <a:ea typeface="+mn-ea"/>
-                <a:cs typeface="+mn-cs"/>
-              </a:defRPr>
-            </a:lvl3pPr>
-            <a:lvl4pPr marL="1600200" indent="-228600" algn="l" rtl="0" eaLnBrk="1" fontAlgn="base" hangingPunct="1">
-              <a:spcBef>
-                <a:spcPct val="20000"/>
-              </a:spcBef>
-              <a:spcAft>
-                <a:spcPct val="0"/>
-              </a:spcAft>
-              <a:buFont typeface="Arial" charset="0"/>
-              <a:buChar char="–"/>
-              <a:defRPr sz="2000" kern="1200">
-                <a:solidFill>
-                  <a:schemeClr val="tx1"/>
-                </a:solidFill>
-                <a:latin typeface="+mn-lt"/>
-                <a:ea typeface="+mn-ea"/>
-                <a:cs typeface="+mn-cs"/>
-              </a:defRPr>
-            </a:lvl4pPr>
-            <a:lvl5pPr marL="2057400" indent="-228600" algn="l" rtl="0" eaLnBrk="1" fontAlgn="base" hangingPunct="1">
-              <a:spcBef>
-                <a:spcPct val="20000"/>
-              </a:spcBef>
-              <a:spcAft>
-                <a:spcPct val="0"/>
-              </a:spcAft>
-              <a:buFont typeface="Arial" charset="0"/>
-              <a:buChar char="»"/>
-              <a:defRPr sz="2000" kern="1200">
-                <a:solidFill>
-                  <a:schemeClr val="tx1"/>
-                </a:solidFill>
-                <a:latin typeface="+mn-lt"/>
-                <a:ea typeface="+mn-ea"/>
-                <a:cs typeface="+mn-cs"/>
-              </a:defRPr>
-            </a:lvl5pPr>
-            <a:lvl6pPr marL="2514600" indent="-228600" algn="l" defTabSz="914400" rtl="0" eaLnBrk="1" latinLnBrk="0" hangingPunct="1">
-              <a:spcBef>
-                <a:spcPct val="20000"/>
-              </a:spcBef>
-              <a:buFont typeface="Arial" pitchFamily="34" charset="0"/>
-              <a:buChar char="•"/>
-              <a:defRPr sz="2000" kern="1200">
-                <a:solidFill>
-                  <a:schemeClr val="tx1"/>
-                </a:solidFill>
-                <a:latin typeface="+mn-lt"/>
-                <a:ea typeface="+mn-ea"/>
-                <a:cs typeface="+mn-cs"/>
-              </a:defRPr>
-            </a:lvl6pPr>
-            <a:lvl7pPr marL="2971800" indent="-228600" algn="l" defTabSz="914400" rtl="0" eaLnBrk="1" latinLnBrk="0" hangingPunct="1">
-              <a:spcBef>
-                <a:spcPct val="20000"/>
-              </a:spcBef>
-              <a:buFont typeface="Arial" pitchFamily="34" charset="0"/>
-              <a:buChar char="•"/>
-              <a:defRPr sz="2000" kern="1200">
-                <a:solidFill>
-                  <a:schemeClr val="tx1"/>
-                </a:solidFill>
-                <a:latin typeface="+mn-lt"/>
-                <a:ea typeface="+mn-ea"/>
-                <a:cs typeface="+mn-cs"/>
-              </a:defRPr>
-            </a:lvl7pPr>
-            <a:lvl8pPr marL="3429000" indent="-228600" algn="l" defTabSz="914400" rtl="0" eaLnBrk="1" latinLnBrk="0" hangingPunct="1">
-              <a:spcBef>
-                <a:spcPct val="20000"/>
-              </a:spcBef>
-              <a:buFont typeface="Arial" pitchFamily="34" charset="0"/>
-              <a:buChar char="•"/>
-              <a:defRPr sz="2000" kern="1200">
-                <a:solidFill>
-                  <a:schemeClr val="tx1"/>
-                </a:solidFill>
-                <a:latin typeface="+mn-lt"/>
-                <a:ea typeface="+mn-ea"/>
-                <a:cs typeface="+mn-cs"/>
-              </a:defRPr>
-            </a:lvl8pPr>
-            <a:lvl9pPr marL="3886200" indent="-228600" algn="l" defTabSz="914400" rtl="0" eaLnBrk="1" latinLnBrk="0" hangingPunct="1">
-              <a:spcBef>
-                <a:spcPct val="20000"/>
-              </a:spcBef>
-              <a:buFont typeface="Arial" pitchFamily="34" charset="0"/>
-              <a:buChar char="•"/>
-              <a:defRPr sz="2000" kern="1200">
-                <a:solidFill>
-                  <a:schemeClr val="tx1"/>
-                </a:solidFill>
-                <a:latin typeface="+mn-lt"/>
-                <a:ea typeface="+mn-ea"/>
-                <a:cs typeface="+mn-cs"/>
-              </a:defRPr>
-            </a:lvl9pPr>
-          </a:lstStyle>
-          <a:p>
-            <a:r>
-              <a:rPr lang="es-PE" sz="2800" dirty="0" smtClean="0"/>
-              <a:t>Utilizar </a:t>
-            </a:r>
-            <a:r>
-              <a:rPr lang="es-PE" sz="2800" dirty="0" err="1" smtClean="0"/>
-              <a:t>stubs</a:t>
-            </a:r>
-            <a:r>
-              <a:rPr lang="es-PE" sz="2800" dirty="0" smtClean="0"/>
-              <a:t> y </a:t>
-            </a:r>
-            <a:r>
-              <a:rPr lang="es-PE" sz="2800" dirty="0" err="1" smtClean="0"/>
-              <a:t>mocks</a:t>
-            </a:r>
-            <a:r>
-              <a:rPr lang="es-PE" sz="2800" dirty="0" smtClean="0"/>
-              <a:t> para realizar pruebas unitarias a la clase "</a:t>
-            </a:r>
-            <a:r>
-              <a:rPr lang="es-PE" sz="2800" dirty="0" err="1" smtClean="0"/>
-              <a:t>CostoEnvioService</a:t>
-            </a:r>
-            <a:r>
-              <a:rPr lang="es-PE" sz="2800" dirty="0" smtClean="0"/>
-              <a:t>" y "</a:t>
-            </a:r>
-            <a:r>
-              <a:rPr lang="es-PE" sz="2800" dirty="0" err="1" smtClean="0"/>
-              <a:t>OrdenService</a:t>
-            </a:r>
-            <a:r>
-              <a:rPr lang="es-PE" sz="2800" dirty="0" smtClean="0"/>
-              <a:t>"</a:t>
-            </a:r>
-          </a:p>
-        </p:txBody>
-      </p:sp>
-    </p:spTree>
-    <p:extLst>
-      <p:ext uri="{BB962C8B-B14F-4D97-AF65-F5344CB8AC3E}">
-        <p14:creationId xmlns:p14="http://schemas.microsoft.com/office/powerpoint/2010/main" val="3006028064"/>
-      </p:ext>
-    </p:extLst>
-  </p:cSld>
-  <p:clrMapOvr>
-    <a:masterClrMapping/>
-  </p:clrMapOvr>
-  <p:timing>
-    <p:tnLst>
-      <p:par>
-        <p:cTn id="1" dur="indefinite" restart="never" nodeType="tmRoot"/>
-      </p:par>
-    </p:tnLst>
-  </p:timing>
-</p:sld>
-</file>
-
 <file path=ppt/slides/slide3.xml><?xml version="1.0" encoding="utf-8"?>
 <p:sld xmlns:a="http://schemas.openxmlformats.org/drawingml/2006/main" xmlns:r="http://schemas.openxmlformats.org/officeDocument/2006/relationships" xmlns:p="http://schemas.openxmlformats.org/presentationml/2006/main">
   <p:cSld>
@@ -20263,11 +20936,7 @@
             </a:r>
             <a:r>
               <a:rPr lang="es-PE" sz="2400" dirty="0" smtClean="0"/>
-              <a:t>, Visual </a:t>
-            </a:r>
-            <a:r>
-              <a:rPr lang="es-PE" sz="2400" dirty="0" smtClean="0"/>
-              <a:t>Studio, </a:t>
+              <a:t>, Visual Studio, </a:t>
             </a:r>
             <a:r>
               <a:rPr lang="es-PE" sz="2400" dirty="0" err="1"/>
@@ -20289,13 +20958,22 @@
               <a:t>Java:  </a:t>
             </a:r>
             <a:r>
+              <a:rPr lang="es-PE" sz="2400" dirty="0"/>
+              <a:t>Cobertura, </a:t>
+            </a:r>
+            <a:r>
+              <a:rPr lang="es-PE" sz="2400" dirty="0" smtClean="0"/>
+              <a:t>EMMA, </a:t>
+            </a:r>
+            <a:r>
               <a:rPr lang="es-PE" sz="2400" dirty="0" err="1" smtClean="0"/>
               <a:t>Clover</a:t>
             </a:r>
             <a:r>
               <a:rPr lang="es-PE" sz="2400" dirty="0" smtClean="0"/>
-              <a:t>, EMMA, Cobertura</a:t>
-            </a:r>
+              <a:t>.</a:t>
+            </a:r>
+            <a:endParaRPr lang="es-PE" sz="2400" dirty="0" smtClean="0"/>
           </a:p>
           <a:p>
             <a:pPr marL="457200" indent="-457200">
@@ -22888,92 +23566,6 @@
       </p:grpSpPr>
       <p:sp>
         <p:nvSpPr>
-          <p:cNvPr id="5" name="4 Rectángulo"/>
-          <p:cNvSpPr/>
-          <p:nvPr/>
-        </p:nvSpPr>
-        <p:spPr>
-          <a:xfrm>
-            <a:off x="539552" y="1484784"/>
-            <a:ext cx="8208912" cy="3970318"/>
-          </a:xfrm>
-          <a:prstGeom prst="rect">
-            <a:avLst/>
-          </a:prstGeom>
-        </p:spPr>
-        <p:txBody>
-          <a:bodyPr wrap="square">
-            <a:spAutoFit/>
-          </a:bodyPr>
-          <a:lstStyle/>
-          <a:p>
-            <a:r>
-              <a:rPr lang="es-PE" sz="3600" dirty="0" smtClean="0"/>
-              <a:t>……. pero no ha sido:</a:t>
-            </a:r>
-          </a:p>
-          <a:p>
-            <a:endParaRPr lang="es-PE" sz="3600" dirty="0" smtClean="0"/>
-          </a:p>
-          <a:p>
-            <a:pPr marL="342900" indent="-342900">
-              <a:buFont typeface="Arial" pitchFamily="34" charset="0"/>
-              <a:buChar char="•"/>
-            </a:pPr>
-            <a:r>
-              <a:rPr lang="es-PE" sz="3600" dirty="0" smtClean="0"/>
-              <a:t>Estructurado</a:t>
-            </a:r>
-          </a:p>
-          <a:p>
-            <a:pPr marL="342900" indent="-342900">
-              <a:buFont typeface="Arial" pitchFamily="34" charset="0"/>
-              <a:buChar char="•"/>
-            </a:pPr>
-            <a:r>
-              <a:rPr lang="es-PE" sz="3600" dirty="0" smtClean="0"/>
-              <a:t>Consistente</a:t>
-            </a:r>
-          </a:p>
-          <a:p>
-            <a:pPr marL="342900" indent="-342900">
-              <a:buFont typeface="Arial" pitchFamily="34" charset="0"/>
-              <a:buChar char="•"/>
-            </a:pPr>
-            <a:r>
-              <a:rPr lang="es-PE" sz="3600" dirty="0" smtClean="0"/>
-              <a:t>Repetible</a:t>
-            </a:r>
-          </a:p>
-          <a:p>
-            <a:pPr marL="342900" indent="-342900">
-              <a:buFont typeface="Arial" pitchFamily="34" charset="0"/>
-              <a:buChar char="•"/>
-            </a:pPr>
-            <a:r>
-              <a:rPr lang="es-PE" sz="3600" dirty="0" smtClean="0"/>
-              <a:t>Fácil</a:t>
-            </a:r>
-          </a:p>
-          <a:p>
-            <a:pPr marL="342900" indent="-342900">
-              <a:buFont typeface="Arial" pitchFamily="34" charset="0"/>
-              <a:buChar char="•"/>
-            </a:pPr>
-            <a:r>
-              <a:rPr lang="es-PE" sz="3600" dirty="0"/>
-              <a:t>En todo el </a:t>
-            </a:r>
-            <a:r>
-              <a:rPr lang="es-PE" sz="3600" dirty="0" smtClean="0"/>
-              <a:t>código</a:t>
-            </a:r>
-            <a:endParaRPr lang="es-PE" sz="3600" dirty="0"/>
-          </a:p>
-        </p:txBody>
-      </p:sp>
-      <p:sp>
-        <p:nvSpPr>
           <p:cNvPr id="6" name="2 Título"/>
           <p:cNvSpPr>
             <a:spLocks noGrp="1"/>
@@ -22984,8 +23576,8 @@
         </p:nvSpPr>
         <p:spPr>
           <a:xfrm>
-            <a:off x="395536" y="260648"/>
-            <a:ext cx="8461539" cy="936104"/>
+            <a:off x="483459" y="260648"/>
+            <a:ext cx="8229600" cy="1224136"/>
           </a:xfrm>
         </p:spPr>
         <p:txBody>
@@ -22998,7 +23590,15 @@
                   <a:srgbClr val="00823B"/>
                 </a:solidFill>
               </a:rPr>
-              <a:t>Todos ya lo venimos haciendo</a:t>
+              <a:t>IBM y Microsoft – Case of </a:t>
+            </a:r>
+            <a:r>
+              <a:rPr lang="es-PE" dirty="0" err="1" smtClean="0">
+                <a:solidFill>
+                  <a:srgbClr val="00823B"/>
+                </a:solidFill>
+              </a:rPr>
+              <a:t>Study</a:t>
             </a:r>
             <a:endParaRPr lang="es-PE" dirty="0">
               <a:solidFill>
@@ -23008,10 +23608,154 @@
           </a:p>
         </p:txBody>
       </p:sp>
+      <p:graphicFrame>
+        <p:nvGraphicFramePr>
+          <p:cNvPr id="7" name="3 Gráfico"/>
+          <p:cNvGraphicFramePr>
+            <a:graphicFrameLocks/>
+          </p:cNvGraphicFramePr>
+          <p:nvPr>
+            <p:extLst>
+              <p:ext uri="{D42A27DB-BD31-4B8C-83A1-F6EECF244321}">
+                <p14:modId xmlns:p14="http://schemas.microsoft.com/office/powerpoint/2010/main" val="4052208735"/>
+              </p:ext>
+            </p:extLst>
+          </p:nvPr>
+        </p:nvGraphicFramePr>
+        <p:xfrm>
+          <a:off x="179512" y="1556792"/>
+          <a:ext cx="8784976" cy="4574455"/>
+        </p:xfrm>
+        <a:graphic>
+          <a:graphicData uri="http://schemas.openxmlformats.org/drawingml/2006/chart">
+            <c:chart xmlns:c="http://schemas.openxmlformats.org/drawingml/2006/chart" xmlns:r="http://schemas.openxmlformats.org/officeDocument/2006/relationships" r:id="rId3"/>
+          </a:graphicData>
+        </a:graphic>
+      </p:graphicFrame>
+      <p:sp>
+        <p:nvSpPr>
+          <p:cNvPr id="8" name="7 CuadroTexto"/>
+          <p:cNvSpPr txBox="1"/>
+          <p:nvPr/>
+        </p:nvSpPr>
+        <p:spPr>
+          <a:xfrm>
+            <a:off x="1537642" y="4941168"/>
+            <a:ext cx="838948" cy="369332"/>
+          </a:xfrm>
+          <a:prstGeom prst="rect">
+            <a:avLst/>
+          </a:prstGeom>
+          <a:noFill/>
+        </p:spPr>
+        <p:txBody>
+          <a:bodyPr wrap="none" rtlCol="0">
+            <a:spAutoFit/>
+          </a:bodyPr>
+          <a:lstStyle/>
+          <a:p>
+            <a:r>
+              <a:rPr lang="es-PE" dirty="0" smtClean="0"/>
+              <a:t>MS: VS</a:t>
+            </a:r>
+            <a:endParaRPr lang="es-PE" dirty="0"/>
+          </a:p>
+        </p:txBody>
+      </p:sp>
+      <p:sp>
+        <p:nvSpPr>
+          <p:cNvPr id="9" name="8 CuadroTexto"/>
+          <p:cNvSpPr txBox="1"/>
+          <p:nvPr/>
+        </p:nvSpPr>
+        <p:spPr>
+          <a:xfrm>
+            <a:off x="3365558" y="4941168"/>
+            <a:ext cx="1055097" cy="369332"/>
+          </a:xfrm>
+          <a:prstGeom prst="rect">
+            <a:avLst/>
+          </a:prstGeom>
+          <a:noFill/>
+        </p:spPr>
+        <p:txBody>
+          <a:bodyPr wrap="none" rtlCol="0">
+            <a:spAutoFit/>
+          </a:bodyPr>
+          <a:lstStyle/>
+          <a:p>
+            <a:r>
+              <a:rPr lang="es-PE" dirty="0" smtClean="0"/>
+              <a:t>MS: MSN</a:t>
+            </a:r>
+            <a:endParaRPr lang="es-PE" dirty="0"/>
+          </a:p>
+        </p:txBody>
+      </p:sp>
+      <p:sp>
+        <p:nvSpPr>
+          <p:cNvPr id="10" name="9 CuadroTexto"/>
+          <p:cNvSpPr txBox="1"/>
+          <p:nvPr/>
+        </p:nvSpPr>
+        <p:spPr>
+          <a:xfrm>
+            <a:off x="5148064" y="4941168"/>
+            <a:ext cx="1478546" cy="369332"/>
+          </a:xfrm>
+          <a:prstGeom prst="rect">
+            <a:avLst/>
+          </a:prstGeom>
+          <a:noFill/>
+        </p:spPr>
+        <p:txBody>
+          <a:bodyPr wrap="none" rtlCol="0">
+            <a:spAutoFit/>
+          </a:bodyPr>
+          <a:lstStyle/>
+          <a:p>
+            <a:r>
+              <a:rPr lang="es-PE" dirty="0" smtClean="0"/>
+              <a:t>MS: Windows</a:t>
+            </a:r>
+            <a:endParaRPr lang="es-PE" dirty="0"/>
+          </a:p>
+        </p:txBody>
+      </p:sp>
+      <p:sp>
+        <p:nvSpPr>
+          <p:cNvPr id="11" name="10 CuadroTexto"/>
+          <p:cNvSpPr txBox="1"/>
+          <p:nvPr/>
+        </p:nvSpPr>
+        <p:spPr>
+          <a:xfrm>
+            <a:off x="7164288" y="4941168"/>
+            <a:ext cx="1339021" cy="369332"/>
+          </a:xfrm>
+          <a:prstGeom prst="rect">
+            <a:avLst/>
+          </a:prstGeom>
+          <a:noFill/>
+        </p:spPr>
+        <p:txBody>
+          <a:bodyPr wrap="none" rtlCol="0">
+            <a:spAutoFit/>
+          </a:bodyPr>
+          <a:lstStyle/>
+          <a:p>
+            <a:r>
+              <a:rPr lang="es-PE" dirty="0" smtClean="0"/>
+              <a:t>IBM: Drivers</a:t>
+            </a:r>
+            <a:endParaRPr lang="es-PE" dirty="0"/>
+          </a:p>
+        </p:txBody>
+      </p:sp>
     </p:spTree>
     <p:extLst>
       <p:ext uri="{BB962C8B-B14F-4D97-AF65-F5344CB8AC3E}">
-        <p14:creationId xmlns:p14="http://schemas.microsoft.com/office/powerpoint/2010/main" val="3798265847"/>
+        <p14:creationId xmlns:p14="http://schemas.microsoft.com/office/powerpoint/2010/main" val="1482453935"/>
       </p:ext>
     </p:extLst>
   </p:cSld>
@@ -23047,6 +23791,165 @@
       </p:grpSpPr>
       <p:sp>
         <p:nvSpPr>
+          <p:cNvPr id="5" name="4 Rectángulo"/>
+          <p:cNvSpPr/>
+          <p:nvPr/>
+        </p:nvSpPr>
+        <p:spPr>
+          <a:xfrm>
+            <a:off x="539552" y="1484784"/>
+            <a:ext cx="8208912" cy="3970318"/>
+          </a:xfrm>
+          <a:prstGeom prst="rect">
+            <a:avLst/>
+          </a:prstGeom>
+        </p:spPr>
+        <p:txBody>
+          <a:bodyPr wrap="square">
+            <a:spAutoFit/>
+          </a:bodyPr>
+          <a:lstStyle/>
+          <a:p>
+            <a:r>
+              <a:rPr lang="es-PE" sz="3600" dirty="0" smtClean="0"/>
+              <a:t>……. pero no ha sido:</a:t>
+            </a:r>
+          </a:p>
+          <a:p>
+            <a:endParaRPr lang="es-PE" sz="3600" dirty="0" smtClean="0"/>
+          </a:p>
+          <a:p>
+            <a:pPr marL="342900" indent="-342900">
+              <a:buFont typeface="Arial" pitchFamily="34" charset="0"/>
+              <a:buChar char="•"/>
+            </a:pPr>
+            <a:r>
+              <a:rPr lang="es-PE" sz="3600" dirty="0" smtClean="0"/>
+              <a:t>Estructurado</a:t>
+            </a:r>
+          </a:p>
+          <a:p>
+            <a:pPr marL="342900" indent="-342900">
+              <a:buFont typeface="Arial" pitchFamily="34" charset="0"/>
+              <a:buChar char="•"/>
+            </a:pPr>
+            <a:r>
+              <a:rPr lang="es-PE" sz="3600" dirty="0" smtClean="0"/>
+              <a:t>Consistente</a:t>
+            </a:r>
+          </a:p>
+          <a:p>
+            <a:pPr marL="342900" indent="-342900">
+              <a:buFont typeface="Arial" pitchFamily="34" charset="0"/>
+              <a:buChar char="•"/>
+            </a:pPr>
+            <a:r>
+              <a:rPr lang="es-PE" sz="3600" dirty="0" smtClean="0"/>
+              <a:t>Repetible</a:t>
+            </a:r>
+          </a:p>
+          <a:p>
+            <a:pPr marL="342900" indent="-342900">
+              <a:buFont typeface="Arial" pitchFamily="34" charset="0"/>
+              <a:buChar char="•"/>
+            </a:pPr>
+            <a:r>
+              <a:rPr lang="es-PE" sz="3600" dirty="0" smtClean="0"/>
+              <a:t>Fácil</a:t>
+            </a:r>
+          </a:p>
+          <a:p>
+            <a:pPr marL="342900" indent="-342900">
+              <a:buFont typeface="Arial" pitchFamily="34" charset="0"/>
+              <a:buChar char="•"/>
+            </a:pPr>
+            <a:r>
+              <a:rPr lang="es-PE" sz="3600" dirty="0"/>
+              <a:t>En todo el </a:t>
+            </a:r>
+            <a:r>
+              <a:rPr lang="es-PE" sz="3600" dirty="0" smtClean="0"/>
+              <a:t>código</a:t>
+            </a:r>
+            <a:endParaRPr lang="es-PE" sz="3600" dirty="0"/>
+          </a:p>
+        </p:txBody>
+      </p:sp>
+      <p:sp>
+        <p:nvSpPr>
+          <p:cNvPr id="6" name="2 Título"/>
+          <p:cNvSpPr>
+            <a:spLocks noGrp="1"/>
+          </p:cNvSpPr>
+          <p:nvPr>
+            <p:ph type="title"/>
+          </p:nvPr>
+        </p:nvSpPr>
+        <p:spPr>
+          <a:xfrm>
+            <a:off x="395536" y="260648"/>
+            <a:ext cx="8461539" cy="936104"/>
+          </a:xfrm>
+        </p:spPr>
+        <p:txBody>
+          <a:bodyPr/>
+          <a:lstStyle/>
+          <a:p>
+            <a:r>
+              <a:rPr lang="es-PE" dirty="0" smtClean="0">
+                <a:solidFill>
+                  <a:srgbClr val="00823B"/>
+                </a:solidFill>
+              </a:rPr>
+              <a:t>Todos ya lo venimos haciendo</a:t>
+            </a:r>
+            <a:endParaRPr lang="es-PE" dirty="0">
+              <a:solidFill>
+                <a:srgbClr val="00823B"/>
+              </a:solidFill>
+            </a:endParaRPr>
+          </a:p>
+        </p:txBody>
+      </p:sp>
+    </p:spTree>
+    <p:extLst>
+      <p:ext uri="{BB962C8B-B14F-4D97-AF65-F5344CB8AC3E}">
+        <p14:creationId xmlns:p14="http://schemas.microsoft.com/office/powerpoint/2010/main" val="3798265847"/>
+      </p:ext>
+    </p:extLst>
+  </p:cSld>
+  <p:clrMapOvr>
+    <a:masterClrMapping/>
+  </p:clrMapOvr>
+  <p:timing>
+    <p:tnLst>
+      <p:par>
+        <p:cTn id="1" dur="indefinite" restart="never" nodeType="tmRoot"/>
+      </p:par>
+    </p:tnLst>
+  </p:timing>
+</p:sld>
+</file>
+
+<file path=ppt/slides/slide37.xml><?xml version="1.0" encoding="utf-8"?>
+<p:sld xmlns:a="http://schemas.openxmlformats.org/drawingml/2006/main" xmlns:r="http://schemas.openxmlformats.org/officeDocument/2006/relationships" xmlns:p="http://schemas.openxmlformats.org/presentationml/2006/main" show="0">
+  <p:cSld>
+    <p:spTree>
+      <p:nvGrpSpPr>
+        <p:cNvPr id="1" name=""/>
+        <p:cNvGrpSpPr/>
+        <p:nvPr/>
+      </p:nvGrpSpPr>
+      <p:grpSpPr>
+        <a:xfrm>
+          <a:off x="0" y="0"/>
+          <a:ext cx="0" cy="0"/>
+          <a:chOff x="0" y="0"/>
+          <a:chExt cx="0" cy="0"/>
+        </a:xfrm>
+      </p:grpSpPr>
+      <p:sp>
+        <p:nvSpPr>
           <p:cNvPr id="5" name="2 Título"/>
           <p:cNvSpPr>
             <a:spLocks noGrp="1"/>
@@ -23057,7 +23960,7 @@
         </p:nvSpPr>
         <p:spPr>
           <a:xfrm>
-            <a:off x="457200" y="548680"/>
+            <a:off x="457200" y="629816"/>
             <a:ext cx="8229600" cy="1143000"/>
           </a:xfrm>
         </p:spPr>
@@ -23153,8 +24056,8 @@
         </p:nvSpPr>
         <p:spPr bwMode="auto">
           <a:xfrm>
-            <a:off x="395536" y="2195736"/>
-            <a:ext cx="8424936" cy="4329608"/>
+            <a:off x="395536" y="2555776"/>
+            <a:ext cx="8424936" cy="3825552"/>
           </a:xfrm>
           <a:prstGeom prst="rect">
             <a:avLst/>
@@ -23326,7 +24229,7 @@
             </a:lvl9pPr>
           </a:lstStyle>
           <a:p>
-            <a:pPr marL="0" indent="0">
+            <a:pPr marL="0" indent="0" algn="ctr">
               <a:buNone/>
             </a:pPr>
             <a:r>
@@ -23349,25 +24252,30 @@
               <a:rPr lang="es-PE" sz="2800" dirty="0" smtClean="0"/>
               <a:t> a su equipo debe estar preparado para responder toda clase de preguntas. </a:t>
             </a:r>
-          </a:p>
-          <a:p>
-            <a:pPr marL="0" indent="0">
+            <a:endParaRPr lang="es-PE" sz="2800" dirty="0" smtClean="0"/>
+          </a:p>
+          <a:p>
+            <a:pPr marL="0" indent="0" algn="ctr">
               <a:buNone/>
             </a:pPr>
-            <a:endParaRPr lang="es-PE" sz="2800" dirty="0" smtClean="0"/>
+            <a:endParaRPr lang="es-PE" sz="1100" dirty="0" smtClean="0"/>
           </a:p>
           <a:p>
             <a:r>
               <a:rPr lang="es-PE" sz="2800" dirty="0" smtClean="0"/>
-              <a:t>Cada uno debe pensar en alguna pregunta o algún argumento en contra que le podrían hacer . </a:t>
-            </a:r>
-            <a:r>
-              <a:rPr lang="es-PE" sz="2800" dirty="0" err="1" smtClean="0"/>
-              <a:t>Ejm</a:t>
+              <a:t>Pensar en preguntas </a:t>
             </a:r>
             <a:r>
               <a:rPr lang="es-PE" sz="2800" dirty="0" smtClean="0"/>
-              <a:t>:</a:t>
+              <a:t>o argumento </a:t>
+            </a:r>
+            <a:r>
+              <a:rPr lang="es-PE" sz="2800" dirty="0" smtClean="0"/>
+              <a:t>en contra que le podrían hacer </a:t>
+            </a:r>
+            <a:r>
+              <a:rPr lang="es-PE" sz="2800" dirty="0" smtClean="0"/>
+              <a:t>.</a:t>
             </a:r>
           </a:p>
           <a:p>
@@ -23377,11 +24285,109 @@
               <a:t>¿ Las personas de QA ya no son necesarias ?</a:t>
             </a:r>
           </a:p>
-          <a:p>
-            <a:r>
-              <a:rPr lang="es-PE" sz="2800" dirty="0" smtClean="0"/>
-              <a:t>Compartirlo y discutirlo con el resto del grupo.</a:t>
-            </a:r>
+        </p:txBody>
+      </p:sp>
+    </p:spTree>
+    <p:extLst>
+      <p:ext uri="{BB962C8B-B14F-4D97-AF65-F5344CB8AC3E}">
+        <p14:creationId xmlns:p14="http://schemas.microsoft.com/office/powerpoint/2010/main" val="282484897"/>
+      </p:ext>
+    </p:extLst>
+  </p:cSld>
+  <p:clrMapOvr>
+    <a:masterClrMapping/>
+  </p:clrMapOvr>
+  <mc:AlternateContent xmlns:mc="http://schemas.openxmlformats.org/markup-compatibility/2006">
+    <mc:Choice xmlns:p14="http://schemas.microsoft.com/office/powerpoint/2010/main" Requires="p14">
+      <p:transition spd="slow" p14:dur="2000"/>
+    </mc:Choice>
+    <mc:Fallback>
+      <p:transition spd="slow"/>
+    </mc:Fallback>
+  </mc:AlternateContent>
+  <p:timing>
+    <p:tnLst>
+      <p:par>
+        <p:cTn id="1" dur="indefinite" restart="never" nodeType="tmRoot"/>
+      </p:par>
+    </p:tnLst>
+  </p:timing>
+</p:sld>
+</file>
+
+<file path=ppt/slides/slide38.xml><?xml version="1.0" encoding="utf-8"?>
+<p:sld xmlns:a="http://schemas.openxmlformats.org/drawingml/2006/main" xmlns:r="http://schemas.openxmlformats.org/officeDocument/2006/relationships" xmlns:p="http://schemas.openxmlformats.org/presentationml/2006/main">
+  <p:cSld>
+    <p:spTree>
+      <p:nvGrpSpPr>
+        <p:cNvPr id="1" name=""/>
+        <p:cNvGrpSpPr/>
+        <p:nvPr/>
+      </p:nvGrpSpPr>
+      <p:grpSpPr>
+        <a:xfrm>
+          <a:off x="0" y="0"/>
+          <a:ext cx="0" cy="0"/>
+          <a:chOff x="0" y="0"/>
+          <a:chExt cx="0" cy="0"/>
+        </a:xfrm>
+      </p:grpSpPr>
+      <p:sp>
+        <p:nvSpPr>
+          <p:cNvPr id="5" name="2 Título"/>
+          <p:cNvSpPr>
+            <a:spLocks noGrp="1"/>
+          </p:cNvSpPr>
+          <p:nvPr>
+            <p:ph type="title"/>
+          </p:nvPr>
+        </p:nvSpPr>
+        <p:spPr>
+          <a:xfrm>
+            <a:off x="457200" y="2502024"/>
+            <a:ext cx="8229600" cy="1143000"/>
+          </a:xfrm>
+        </p:spPr>
+        <p:txBody>
+          <a:bodyPr/>
+          <a:lstStyle/>
+          <a:p>
+            <a:r>
+              <a:rPr lang="es-PE" sz="6000" dirty="0" smtClean="0">
+                <a:solidFill>
+                  <a:srgbClr val="FFC000"/>
+                </a:solidFill>
+              </a:rPr>
+              <a:t>Ejercicio</a:t>
+            </a:r>
+            <a:r>
+              <a:rPr lang="es-PE" sz="6000" dirty="0" smtClean="0">
+                <a:solidFill>
+                  <a:srgbClr val="FFC000"/>
+                </a:solidFill>
+              </a:rPr>
+              <a:t/>
+            </a:r>
+            <a:br>
+              <a:rPr lang="es-PE" sz="6000" dirty="0" smtClean="0">
+                <a:solidFill>
+                  <a:srgbClr val="FFC000"/>
+                </a:solidFill>
+              </a:rPr>
+            </a:br>
+            <a:r>
+              <a:rPr lang="es-PE" sz="6000" dirty="0" smtClean="0">
+                <a:solidFill>
+                  <a:srgbClr val="00B050"/>
+                </a:solidFill>
+              </a:rPr>
+              <a:t>Preguntas y Beneficios</a:t>
+            </a:r>
+            <a:endParaRPr lang="es-PE" sz="6000" dirty="0">
+              <a:solidFill>
+                <a:srgbClr val="00B050"/>
+              </a:solidFill>
+            </a:endParaRPr>
           </a:p>
         </p:txBody>
       </p:sp>
@@ -23405,7 +24411,7 @@
 </p:sld>
 </file>
 
-<file path=ppt/slides/slide37.xml><?xml version="1.0" encoding="utf-8"?>
+<file path=ppt/slides/slide39.xml><?xml version="1.0" encoding="utf-8"?>
 <p:sld xmlns:a="http://schemas.openxmlformats.org/drawingml/2006/main" xmlns:r="http://schemas.openxmlformats.org/officeDocument/2006/relationships" xmlns:p="http://schemas.openxmlformats.org/presentationml/2006/main">
   <p:cSld>
     <p:spTree>
@@ -23865,214 +24871,6 @@
 </p:sld>
 </file>
 
-<file path=ppt/slides/slide38.xml><?xml version="1.0" encoding="utf-8"?>
-<p:sld xmlns:a="http://schemas.openxmlformats.org/drawingml/2006/main" xmlns:r="http://schemas.openxmlformats.org/officeDocument/2006/relationships" xmlns:p="http://schemas.openxmlformats.org/presentationml/2006/main">
-  <p:cSld>
-    <p:spTree>
-      <p:nvGrpSpPr>
-        <p:cNvPr id="1" name=""/>
-        <p:cNvGrpSpPr/>
-        <p:nvPr/>
-      </p:nvGrpSpPr>
-      <p:grpSpPr>
-        <a:xfrm>
-          <a:off x="0" y="0"/>
-          <a:ext cx="0" cy="0"/>
-          <a:chOff x="0" y="0"/>
-          <a:chExt cx="0" cy="0"/>
-        </a:xfrm>
-      </p:grpSpPr>
-      <p:sp>
-        <p:nvSpPr>
-          <p:cNvPr id="3" name="2 Título"/>
-          <p:cNvSpPr>
-            <a:spLocks noGrp="1"/>
-          </p:cNvSpPr>
-          <p:nvPr>
-            <p:ph type="title"/>
-          </p:nvPr>
-        </p:nvSpPr>
-        <p:spPr>
-          <a:xfrm>
-            <a:off x="524338" y="216030"/>
-            <a:ext cx="8229600" cy="724942"/>
-          </a:xfrm>
-        </p:spPr>
-        <p:txBody>
-          <a:bodyPr/>
-          <a:lstStyle/>
-          <a:p>
-            <a:r>
-              <a:rPr lang="es-PE" dirty="0" smtClean="0">
-                <a:solidFill>
-                  <a:srgbClr val="00823B"/>
-                </a:solidFill>
-              </a:rPr>
-              <a:t>Información Adicional</a:t>
-            </a:r>
-            <a:endParaRPr lang="es-PE" dirty="0">
-              <a:solidFill>
-                <a:srgbClr val="00823B"/>
-              </a:solidFill>
-            </a:endParaRPr>
-          </a:p>
-        </p:txBody>
-      </p:sp>
-      <p:sp>
-        <p:nvSpPr>
-          <p:cNvPr id="13" name="12 CuadroTexto"/>
-          <p:cNvSpPr txBox="1"/>
-          <p:nvPr/>
-        </p:nvSpPr>
-        <p:spPr>
-          <a:xfrm>
-            <a:off x="209672" y="1124744"/>
-            <a:ext cx="8712968" cy="2677656"/>
-          </a:xfrm>
-          <a:prstGeom prst="rect">
-            <a:avLst/>
-          </a:prstGeom>
-          <a:noFill/>
-        </p:spPr>
-        <p:txBody>
-          <a:bodyPr wrap="square" rtlCol="0">
-            <a:spAutoFit/>
-          </a:bodyPr>
-          <a:lstStyle/>
-          <a:p>
-            <a:pPr marL="457200" indent="-457200">
-              <a:buFont typeface="Arial" pitchFamily="34" charset="0"/>
-              <a:buChar char="•"/>
-            </a:pPr>
-            <a:r>
-              <a:rPr lang="es-PE" sz="2400" dirty="0" err="1" smtClean="0"/>
-              <a:t>Moq</a:t>
-            </a:r>
-            <a:r>
-              <a:rPr lang="es-PE" sz="2400" dirty="0" smtClean="0"/>
-              <a:t>: </a:t>
-            </a:r>
-            <a:r>
-              <a:rPr lang="es-PE" sz="2400" dirty="0" smtClean="0">
-                <a:solidFill>
-                  <a:srgbClr val="FFC000"/>
-                </a:solidFill>
-              </a:rPr>
-              <a:t>http</a:t>
-            </a:r>
-            <a:r>
-              <a:rPr lang="es-PE" sz="2400" dirty="0">
-                <a:solidFill>
-                  <a:srgbClr val="FFC000"/>
-                </a:solidFill>
-              </a:rPr>
-              <a:t>://code.google.com/p/moq/</a:t>
-            </a:r>
-          </a:p>
-          <a:p>
-            <a:endParaRPr lang="es-PE" sz="2400" dirty="0" smtClean="0"/>
-          </a:p>
-          <a:p>
-            <a:pPr marL="457200" indent="-457200">
-              <a:buFont typeface="Arial" pitchFamily="34" charset="0"/>
-              <a:buChar char="•"/>
-            </a:pPr>
-            <a:r>
-              <a:rPr lang="es-PE" sz="2400" dirty="0" err="1" smtClean="0"/>
-              <a:t>Ncrunch</a:t>
-            </a:r>
-            <a:r>
-              <a:rPr lang="es-PE" sz="2400" dirty="0" smtClean="0"/>
-              <a:t>: </a:t>
-            </a:r>
-            <a:r>
-              <a:rPr lang="es-PE" sz="2400" dirty="0">
-                <a:solidFill>
-                  <a:srgbClr val="FFC000"/>
-                </a:solidFill>
-              </a:rPr>
-              <a:t>http://www.ncrunch.net/</a:t>
-            </a:r>
-          </a:p>
-          <a:p>
-            <a:endParaRPr lang="es-PE" sz="2400" dirty="0" smtClean="0"/>
-          </a:p>
-          <a:p>
-            <a:pPr marL="457200" indent="-457200">
-              <a:buFont typeface="Arial" pitchFamily="34" charset="0"/>
-              <a:buChar char="•"/>
-            </a:pPr>
-            <a:r>
-              <a:rPr lang="es-PE" sz="2400" dirty="0" err="1" smtClean="0"/>
-              <a:t>Mock</a:t>
-            </a:r>
-            <a:r>
-              <a:rPr lang="es-PE" sz="2400" dirty="0" smtClean="0"/>
-              <a:t> </a:t>
-            </a:r>
-            <a:r>
-              <a:rPr lang="es-PE" sz="2400" dirty="0" err="1" smtClean="0"/>
-              <a:t>Static</a:t>
-            </a:r>
-            <a:r>
-              <a:rPr lang="es-PE" sz="2400" dirty="0" smtClean="0"/>
-              <a:t> File </a:t>
-            </a:r>
-            <a:r>
-              <a:rPr lang="es-PE" sz="2400" dirty="0" err="1" smtClean="0"/>
-              <a:t>Class</a:t>
-            </a:r>
-            <a:r>
-              <a:rPr lang="es-PE" sz="2400" dirty="0" smtClean="0"/>
-              <a:t>:</a:t>
-            </a:r>
-            <a:br>
-              <a:rPr lang="es-PE" sz="2400" dirty="0" smtClean="0"/>
-            </a:br>
-            <a:r>
-              <a:rPr lang="es-PE" sz="2400" dirty="0" smtClean="0">
-                <a:solidFill>
-                  <a:srgbClr val="FFC000"/>
-                </a:solidFill>
-              </a:rPr>
-              <a:t>http</a:t>
-            </a:r>
-            <a:r>
-              <a:rPr lang="es-PE" sz="2400" dirty="0">
-                <a:solidFill>
-                  <a:srgbClr val="FFC000"/>
-                </a:solidFill>
-              </a:rPr>
-              <a:t>://stackoverflow.com/questions/6499871/mock-file-io-static-class-in-c-sharp</a:t>
-            </a:r>
-            <a:endParaRPr lang="es-PE" sz="2400" dirty="0" smtClean="0">
-              <a:solidFill>
-                <a:srgbClr val="FFC000"/>
-              </a:solidFill>
-            </a:endParaRPr>
-          </a:p>
-        </p:txBody>
-      </p:sp>
-    </p:spTree>
-    <p:extLst>
-      <p:ext uri="{BB962C8B-B14F-4D97-AF65-F5344CB8AC3E}">
-        <p14:creationId xmlns:p14="http://schemas.microsoft.com/office/powerpoint/2010/main" val="3913151488"/>
-      </p:ext>
-    </p:extLst>
-  </p:cSld>
-  <p:clrMapOvr>
-    <a:masterClrMapping/>
-  </p:clrMapOvr>
-  <p:timing>
-    <p:tnLst>
-      <p:par>
-        <p:cTn id="1" dur="indefinite" restart="never" nodeType="tmRoot"/>
-      </p:par>
-    </p:tnLst>
-  </p:timing>
-</p:sld>
-</file>
-
 <file path=ppt/slides/slide4.xml><?xml version="1.0" encoding="utf-8"?>
 <p:sld xmlns:a="http://schemas.openxmlformats.org/drawingml/2006/main" xmlns:r="http://schemas.openxmlformats.org/officeDocument/2006/relationships" xmlns:p="http://schemas.openxmlformats.org/presentationml/2006/main">
   <p:cSld>
@@ -24345,6 +25143,278 @@
     <p:extLst>
       <p:ext uri="{BB962C8B-B14F-4D97-AF65-F5344CB8AC3E}">
         <p14:creationId xmlns:p14="http://schemas.microsoft.com/office/powerpoint/2010/main" val="3858874753"/>
+      </p:ext>
+    </p:extLst>
+  </p:cSld>
+  <p:clrMapOvr>
+    <a:masterClrMapping/>
+  </p:clrMapOvr>
+  <p:timing>
+    <p:tnLst>
+      <p:par>
+        <p:cTn id="1" dur="indefinite" restart="never" nodeType="tmRoot"/>
+      </p:par>
+    </p:tnLst>
+  </p:timing>
+</p:sld>
+</file>
+
+<file path=ppt/slides/slide40.xml><?xml version="1.0" encoding="utf-8"?>
+<p:sld xmlns:a="http://schemas.openxmlformats.org/drawingml/2006/main" xmlns:r="http://schemas.openxmlformats.org/officeDocument/2006/relationships" xmlns:p="http://schemas.openxmlformats.org/presentationml/2006/main">
+  <p:cSld>
+    <p:spTree>
+      <p:nvGrpSpPr>
+        <p:cNvPr id="1" name=""/>
+        <p:cNvGrpSpPr/>
+        <p:nvPr/>
+      </p:nvGrpSpPr>
+      <p:grpSpPr>
+        <a:xfrm>
+          <a:off x="0" y="0"/>
+          <a:ext cx="0" cy="0"/>
+          <a:chOff x="0" y="0"/>
+          <a:chExt cx="0" cy="0"/>
+        </a:xfrm>
+      </p:grpSpPr>
+      <p:sp>
+        <p:nvSpPr>
+          <p:cNvPr id="3" name="2 Título"/>
+          <p:cNvSpPr>
+            <a:spLocks noGrp="1"/>
+          </p:cNvSpPr>
+          <p:nvPr>
+            <p:ph type="title"/>
+          </p:nvPr>
+        </p:nvSpPr>
+        <p:spPr>
+          <a:xfrm>
+            <a:off x="524338" y="216030"/>
+            <a:ext cx="8229600" cy="724942"/>
+          </a:xfrm>
+        </p:spPr>
+        <p:txBody>
+          <a:bodyPr/>
+          <a:lstStyle/>
+          <a:p>
+            <a:r>
+              <a:rPr lang="es-PE" dirty="0" smtClean="0">
+                <a:solidFill>
+                  <a:srgbClr val="00823B"/>
+                </a:solidFill>
+              </a:rPr>
+              <a:t>Información Adicional</a:t>
+            </a:r>
+            <a:endParaRPr lang="es-PE" dirty="0">
+              <a:solidFill>
+                <a:srgbClr val="00823B"/>
+              </a:solidFill>
+            </a:endParaRPr>
+          </a:p>
+        </p:txBody>
+      </p:sp>
+      <p:sp>
+        <p:nvSpPr>
+          <p:cNvPr id="13" name="12 CuadroTexto"/>
+          <p:cNvSpPr txBox="1"/>
+          <p:nvPr/>
+        </p:nvSpPr>
+        <p:spPr>
+          <a:xfrm>
+            <a:off x="209672" y="1124744"/>
+            <a:ext cx="8712968" cy="4893647"/>
+          </a:xfrm>
+          <a:prstGeom prst="rect">
+            <a:avLst/>
+          </a:prstGeom>
+          <a:noFill/>
+        </p:spPr>
+        <p:txBody>
+          <a:bodyPr wrap="square" rtlCol="0">
+            <a:spAutoFit/>
+          </a:bodyPr>
+          <a:lstStyle/>
+          <a:p>
+            <a:pPr marL="352425" indent="-352425">
+              <a:buFont typeface="Arial" pitchFamily="34" charset="0"/>
+              <a:buChar char="•"/>
+            </a:pPr>
+            <a:r>
+              <a:rPr lang="es-PE" sz="2400" dirty="0" err="1" smtClean="0"/>
+              <a:t>Moq</a:t>
+            </a:r>
+            <a:r>
+              <a:rPr lang="es-PE" sz="2400" dirty="0" smtClean="0"/>
+              <a:t>: </a:t>
+            </a:r>
+            <a:r>
+              <a:rPr lang="es-PE" sz="2400" dirty="0" smtClean="0"/>
+              <a:t/>
+            </a:r>
+            <a:br>
+              <a:rPr lang="es-PE" sz="2400" dirty="0" smtClean="0"/>
+            </a:br>
+            <a:r>
+              <a:rPr lang="es-PE" sz="2400" dirty="0" smtClean="0">
+                <a:solidFill>
+                  <a:srgbClr val="FFC000"/>
+                </a:solidFill>
+              </a:rPr>
+              <a:t>https</a:t>
+            </a:r>
+            <a:r>
+              <a:rPr lang="es-PE" sz="2400" dirty="0">
+                <a:solidFill>
+                  <a:srgbClr val="FFC000"/>
+                </a:solidFill>
+              </a:rPr>
+              <a:t>://code.google.com/p/mockito/</a:t>
+            </a:r>
+          </a:p>
+          <a:p>
+            <a:pPr marL="352425" indent="-352425"/>
+            <a:endParaRPr lang="es-PE" sz="2400" dirty="0" smtClean="0"/>
+          </a:p>
+          <a:p>
+            <a:pPr marL="352425" indent="-352425">
+              <a:buFont typeface="Arial" pitchFamily="34" charset="0"/>
+              <a:buChar char="•"/>
+            </a:pPr>
+            <a:r>
+              <a:rPr lang="es-PE" sz="2400" dirty="0" err="1" smtClean="0"/>
+              <a:t>eCobertura</a:t>
+            </a:r>
+            <a:r>
+              <a:rPr lang="es-PE" sz="2400" dirty="0"/>
+              <a:t/>
+            </a:r>
+            <a:br>
+              <a:rPr lang="es-PE" sz="2400" dirty="0"/>
+            </a:br>
+            <a:r>
+              <a:rPr lang="es-PE" sz="2400" dirty="0">
+                <a:solidFill>
+                  <a:srgbClr val="FFC000"/>
+                </a:solidFill>
+              </a:rPr>
+              <a:t>http://ecobertura.johoop.de</a:t>
+            </a:r>
+            <a:r>
+              <a:rPr lang="es-PE" sz="2400" dirty="0">
+                <a:solidFill>
+                  <a:srgbClr val="FFC000"/>
+                </a:solidFill>
+              </a:rPr>
+              <a:t>/</a:t>
+            </a:r>
+          </a:p>
+          <a:p>
+            <a:pPr marL="352425" indent="-352425">
+              <a:buFont typeface="Arial" pitchFamily="34" charset="0"/>
+              <a:buChar char="•"/>
+            </a:pPr>
+            <a:endParaRPr lang="es-PE" sz="2400" dirty="0" smtClean="0"/>
+          </a:p>
+          <a:p>
+            <a:pPr marL="352425" indent="-352425">
+              <a:buFont typeface="Arial" pitchFamily="34" charset="0"/>
+              <a:buChar char="•"/>
+            </a:pPr>
+            <a:r>
+              <a:rPr lang="es-PE" sz="2400" dirty="0" smtClean="0"/>
+              <a:t>Cobertura vs Emma vs </a:t>
+            </a:r>
+            <a:r>
+              <a:rPr lang="es-PE" sz="2400" dirty="0" err="1" smtClean="0"/>
+              <a:t>Clover</a:t>
+            </a:r>
+            <a:r>
+              <a:rPr lang="es-PE" sz="2400" dirty="0" smtClean="0"/>
+              <a:t>:</a:t>
+            </a:r>
+            <a:br>
+              <a:rPr lang="es-PE" sz="2400" dirty="0" smtClean="0"/>
+            </a:br>
+            <a:r>
+              <a:rPr lang="es-PE" sz="2400" dirty="0" smtClean="0">
+                <a:solidFill>
+                  <a:srgbClr val="FFC000"/>
+                </a:solidFill>
+              </a:rPr>
+              <a:t>http</a:t>
+            </a:r>
+            <a:r>
+              <a:rPr lang="es-PE" sz="2400" dirty="0">
+                <a:solidFill>
+                  <a:srgbClr val="FFC000"/>
+                </a:solidFill>
+              </a:rPr>
+              <a:t>://www.copperykeenclaws.com/notes-on-cobertura-vs-emma-vs-clover/</a:t>
+            </a:r>
+          </a:p>
+          <a:p>
+            <a:pPr marL="352425" indent="-352425"/>
+            <a:endParaRPr lang="es-PE" sz="2400" dirty="0" smtClean="0"/>
+          </a:p>
+          <a:p>
+            <a:pPr marL="352425" indent="-352425">
+              <a:buFont typeface="Arial" pitchFamily="34" charset="0"/>
+              <a:buChar char="•"/>
+            </a:pPr>
+            <a:r>
+              <a:rPr lang="es-PE" sz="2400" dirty="0" err="1" smtClean="0"/>
+              <a:t>Mock</a:t>
+            </a:r>
+            <a:r>
+              <a:rPr lang="es-PE" sz="2400" dirty="0" smtClean="0"/>
+              <a:t> </a:t>
+            </a:r>
+            <a:r>
+              <a:rPr lang="es-PE" sz="2400" dirty="0" err="1" smtClean="0"/>
+              <a:t>Static</a:t>
+            </a:r>
+            <a:r>
+              <a:rPr lang="es-PE" sz="2400" dirty="0" smtClean="0"/>
+              <a:t> File </a:t>
+            </a:r>
+            <a:r>
+              <a:rPr lang="es-PE" sz="2400" dirty="0" err="1" smtClean="0"/>
+              <a:t>Class</a:t>
+            </a:r>
+            <a:r>
+              <a:rPr lang="es-PE" sz="2400" dirty="0" smtClean="0"/>
+              <a:t>:</a:t>
+            </a:r>
+            <a:br>
+              <a:rPr lang="es-PE" sz="2400" dirty="0" smtClean="0"/>
+            </a:br>
+            <a:r>
+              <a:rPr lang="es-PE" sz="2400" dirty="0" smtClean="0">
+                <a:solidFill>
+                  <a:srgbClr val="FFC000"/>
+                </a:solidFill>
+              </a:rPr>
+              <a:t>http</a:t>
+            </a:r>
+            <a:r>
+              <a:rPr lang="es-PE" sz="2400" dirty="0">
+                <a:solidFill>
+                  <a:srgbClr val="FFC000"/>
+                </a:solidFill>
+              </a:rPr>
+              <a:t>://stackoverflow.com/questions/6499871/mock-file-io-static-class-in-c-sharp</a:t>
+            </a:r>
+            <a:endParaRPr lang="es-PE" sz="2400" dirty="0" smtClean="0">
+              <a:solidFill>
+                <a:srgbClr val="FFC000"/>
+              </a:solidFill>
+            </a:endParaRPr>
+          </a:p>
+        </p:txBody>
+      </p:sp>
+    </p:spTree>
+    <p:extLst>
+      <p:ext uri="{BB962C8B-B14F-4D97-AF65-F5344CB8AC3E}">
+        <p14:creationId xmlns:p14="http://schemas.microsoft.com/office/powerpoint/2010/main" val="3913151488"/>
       </p:ext>
     </p:extLst>
   </p:cSld>

--- a/Diapositivas/2. Test Doubles.pptx
+++ b/Diapositivas/2. Test Doubles.pptx
@@ -5,7 +5,7 @@
     <p:sldMasterId id="2147483684" r:id="rId1"/>
   </p:sldMasterIdLst>
   <p:notesMasterIdLst>
-    <p:notesMasterId r:id="rId42"/>
+    <p:notesMasterId r:id="rId40"/>
   </p:notesMasterIdLst>
   <p:sldIdLst>
     <p:sldId id="684" r:id="rId2"/>
@@ -42,12 +42,10 @@
     <p:sldId id="657" r:id="rId33"/>
     <p:sldId id="628" r:id="rId34"/>
     <p:sldId id="624" r:id="rId35"/>
-    <p:sldId id="687" r:id="rId36"/>
-    <p:sldId id="625" r:id="rId37"/>
-    <p:sldId id="688" r:id="rId38"/>
-    <p:sldId id="626" r:id="rId39"/>
-    <p:sldId id="627" r:id="rId40"/>
-    <p:sldId id="586" r:id="rId41"/>
+    <p:sldId id="625" r:id="rId36"/>
+    <p:sldId id="688" r:id="rId37"/>
+    <p:sldId id="627" r:id="rId38"/>
+    <p:sldId id="586" r:id="rId39"/>
   </p:sldIdLst>
   <p:sldSz cx="9144000" cy="6858000" type="screen4x3"/>
   <p:notesSz cx="6858000" cy="9144000"/>
@@ -156,198 +154,6 @@
 </p:cmAuthorLst>
 </file>
 
-<file path=ppt/charts/chart1.xml><?xml version="1.0" encoding="utf-8"?>
-<c:chartSpace xmlns:c="http://schemas.openxmlformats.org/drawingml/2006/chart" xmlns:a="http://schemas.openxmlformats.org/drawingml/2006/main" xmlns:r="http://schemas.openxmlformats.org/officeDocument/2006/relationships">
-  <c:date1904 val="0"/>
-  <c:lang val="es-PE"/>
-  <c:roundedCorners val="0"/>
-  <mc:AlternateContent xmlns:mc="http://schemas.openxmlformats.org/markup-compatibility/2006">
-    <mc:Choice xmlns:c14="http://schemas.microsoft.com/office/drawing/2007/8/2/chart" Requires="c14">
-      <c14:style val="126"/>
-    </mc:Choice>
-    <mc:Fallback>
-      <c:style val="26"/>
-    </mc:Fallback>
-  </mc:AlternateContent>
-  <c:chart>
-    <c:autoTitleDeleted val="0"/>
-    <c:plotArea>
-      <c:layout/>
-      <c:barChart>
-        <c:barDir val="col"/>
-        <c:grouping val="clustered"/>
-        <c:varyColors val="0"/>
-        <c:ser>
-          <c:idx val="2"/>
-          <c:order val="0"/>
-          <c:tx>
-            <c:strRef>
-              <c:f>'Numero Defectos TDD'!$B$16</c:f>
-              <c:strCache>
-                <c:ptCount val="1"/>
-                <c:pt idx="0">
-                  <c:v>Tiempo en programar una funcionalidad usando TDD</c:v>
-                </c:pt>
-              </c:strCache>
-            </c:strRef>
-          </c:tx>
-          <c:invertIfNegative val="0"/>
-          <c:val>
-            <c:numRef>
-              <c:f>'Numero Defectos TDD'!$B$17:$B$20</c:f>
-              <c:numCache>
-                <c:formatCode>0%</c:formatCode>
-                <c:ptCount val="4"/>
-                <c:pt idx="0">
-                  <c:v>1.23</c:v>
-                </c:pt>
-                <c:pt idx="1">
-                  <c:v>1.1499999999999999</c:v>
-                </c:pt>
-                <c:pt idx="2">
-                  <c:v>1.3</c:v>
-                </c:pt>
-                <c:pt idx="3">
-                  <c:v>1.18</c:v>
-                </c:pt>
-              </c:numCache>
-            </c:numRef>
-          </c:val>
-        </c:ser>
-        <c:ser>
-          <c:idx val="1"/>
-          <c:order val="1"/>
-          <c:tx>
-            <c:strRef>
-              <c:f>'Numero Defectos TDD'!$D$16</c:f>
-              <c:strCache>
-                <c:ptCount val="1"/>
-                <c:pt idx="0">
-                  <c:v>Densidad de los defectos del equipo usando TDD</c:v>
-                </c:pt>
-              </c:strCache>
-            </c:strRef>
-          </c:tx>
-          <c:invertIfNegative val="0"/>
-          <c:val>
-            <c:numRef>
-              <c:f>'Numero Defectos TDD'!$D$17:$D$20</c:f>
-              <c:numCache>
-                <c:formatCode>0%</c:formatCode>
-                <c:ptCount val="4"/>
-                <c:pt idx="0">
-                  <c:v>0.09</c:v>
-                </c:pt>
-                <c:pt idx="1">
-                  <c:v>0.24</c:v>
-                </c:pt>
-                <c:pt idx="2">
-                  <c:v>0.38</c:v>
-                </c:pt>
-                <c:pt idx="3">
-                  <c:v>0.61</c:v>
-                </c:pt>
-              </c:numCache>
-            </c:numRef>
-          </c:val>
-        </c:ser>
-        <c:dLbls>
-          <c:showLegendKey val="0"/>
-          <c:showVal val="0"/>
-          <c:showCatName val="0"/>
-          <c:showSerName val="0"/>
-          <c:showPercent val="0"/>
-          <c:showBubbleSize val="0"/>
-        </c:dLbls>
-        <c:gapWidth val="150"/>
-        <c:axId val="144129536"/>
-        <c:axId val="99930624"/>
-      </c:barChart>
-      <c:catAx>
-        <c:axId val="144129536"/>
-        <c:scaling>
-          <c:orientation val="minMax"/>
-        </c:scaling>
-        <c:delete val="1"/>
-        <c:axPos val="b"/>
-        <c:title>
-          <c:tx>
-            <c:rich>
-              <a:bodyPr/>
-              <a:lstStyle/>
-              <a:p>
-                <a:pPr>
-                  <a:defRPr/>
-                </a:pPr>
-                <a:endParaRPr lang="es-PE" dirty="0"/>
-              </a:p>
-            </c:rich>
-          </c:tx>
-          <c:layout>
-            <c:manualLayout>
-              <c:xMode val="edge"/>
-              <c:yMode val="edge"/>
-              <c:x val="0.37070175262857863"/>
-              <c:y val="0.73906946291962639"/>
-            </c:manualLayout>
-          </c:layout>
-          <c:overlay val="0"/>
-        </c:title>
-        <c:majorTickMark val="out"/>
-        <c:minorTickMark val="none"/>
-        <c:tickLblPos val="nextTo"/>
-        <c:crossAx val="99930624"/>
-        <c:crosses val="autoZero"/>
-        <c:auto val="1"/>
-        <c:lblAlgn val="ctr"/>
-        <c:lblOffset val="100"/>
-        <c:noMultiLvlLbl val="0"/>
-      </c:catAx>
-      <c:valAx>
-        <c:axId val="99930624"/>
-        <c:scaling>
-          <c:orientation val="minMax"/>
-        </c:scaling>
-        <c:delete val="0"/>
-        <c:axPos val="l"/>
-        <c:majorGridlines/>
-        <c:numFmt formatCode="0%" sourceLinked="1"/>
-        <c:majorTickMark val="out"/>
-        <c:minorTickMark val="none"/>
-        <c:tickLblPos val="nextTo"/>
-        <c:crossAx val="144129536"/>
-        <c:crosses val="autoZero"/>
-        <c:crossBetween val="between"/>
-      </c:valAx>
-    </c:plotArea>
-    <c:legend>
-      <c:legendPos val="b"/>
-      <c:layout/>
-      <c:overlay val="0"/>
-    </c:legend>
-    <c:plotVisOnly val="1"/>
-    <c:dispBlanksAs val="gap"/>
-    <c:showDLblsOverMax val="0"/>
-  </c:chart>
-  <c:spPr>
-    <a:noFill/>
-  </c:spPr>
-  <c:txPr>
-    <a:bodyPr/>
-    <a:lstStyle/>
-    <a:p>
-      <a:pPr>
-        <a:defRPr sz="1800"/>
-      </a:pPr>
-      <a:endParaRPr lang="es-PE"/>
-    </a:p>
-  </c:txPr>
-  <c:externalData r:id="rId1">
-    <c:autoUpdate val="0"/>
-  </c:externalData>
-</c:chartSpace>
-</file>
-
 <file path=ppt/comments/comment1.xml><?xml version="1.0" encoding="utf-8"?>
 <p:cmLst xmlns:a="http://schemas.openxmlformats.org/drawingml/2006/main" xmlns:r="http://schemas.openxmlformats.org/officeDocument/2006/relationships" xmlns:p="http://schemas.openxmlformats.org/presentationml/2006/main">
   <p:cm authorId="0" dt="2010-10-02T00:07:50.295" idx="2">
@@ -448,7 +254,7 @@
           <a:p>
             <a:fld id="{63D5FC4C-9EE1-4746-A368-724F618FC790}" type="datetimeFigureOut">
               <a:rPr lang="es-PE" smtClean="0"/>
-              <a:t>23/04/2013</a:t>
+              <a:t>24/04/2013</a:t>
             </a:fld>
             <a:endParaRPr lang="es-PE"/>
           </a:p>
@@ -4827,11 +4633,7 @@
           <a:p>
             <a:r>
               <a:rPr lang="es-PE" baseline="0" dirty="0" smtClean="0"/>
-              <a:t>Para responder a esta pregunta tenemos que pensar en términos de todo el proyecto y no únicamente en el tiempo de programación o la programación de una funcionalidad específica</a:t>
-            </a:r>
-            <a:r>
-              <a:rPr lang="es-PE" baseline="0" dirty="0" smtClean="0"/>
-              <a:t>.</a:t>
+              <a:t>Para responder a esta pregunta tenemos que pensar en términos de todo el proyecto y no únicamente en el tiempo de programación o la programación de una funcionalidad específica.</a:t>
             </a:r>
           </a:p>
           <a:p>
@@ -5169,11 +4971,38 @@
           <a:p>
             <a:r>
               <a:rPr lang="es-PE" dirty="0" smtClean="0"/>
-              <a:t>Seguramente</a:t>
+              <a:t>Ya lo venimos haciendo solo que no estamos muy consientes de ellos.</a:t>
+            </a:r>
+          </a:p>
+          <a:p>
+            <a:endParaRPr lang="es-PE" dirty="0" smtClean="0"/>
+          </a:p>
+          <a:p>
+            <a:r>
+              <a:rPr lang="es-PE" dirty="0" smtClean="0"/>
+              <a:t>Escribimos</a:t>
             </a:r>
             <a:r>
               <a:rPr lang="es-PE" baseline="0" dirty="0" smtClean="0"/>
-              <a:t> se preguntarán o cuando intenten aplicar esto en sus empresas les preguntarán en sus empresas, sobretodo las personas que les concierne mucho el tema del tiempo. ¿Cuánto tiempo más agrega esto a mi proyecto? </a:t>
+              <a:t> una funcionalidad.</a:t>
+            </a:r>
+          </a:p>
+          <a:p>
+            <a:r>
+              <a:rPr lang="es-PE" baseline="0" dirty="0" smtClean="0"/>
+              <a:t>Ejecutamos el programa.</a:t>
+            </a:r>
+          </a:p>
+          <a:p>
+            <a:r>
+              <a:rPr lang="es-PE" baseline="0" dirty="0" smtClean="0"/>
+              <a:t>Escribimos una funcionalidad</a:t>
+            </a:r>
+          </a:p>
+          <a:p>
+            <a:r>
+              <a:rPr lang="es-PE" baseline="0" dirty="0" smtClean="0"/>
+              <a:t>….</a:t>
             </a:r>
           </a:p>
           <a:p>
@@ -5182,221 +5011,15 @@
           <a:p>
             <a:r>
               <a:rPr lang="es-PE" baseline="0" dirty="0" smtClean="0"/>
-              <a:t>Para responder a esta pregunta tenemos que pensar en términos de todo el proyecto y no únicamente en el tiempo de programación o la programación de una funcionalidad específica</a:t>
+              <a:t>En vez de ejecutar el programa manualmente( no repetible, toma mucho tiempo, </a:t>
+            </a:r>
+            <a:r>
+              <a:rPr lang="es-PE" baseline="0" dirty="0" err="1" smtClean="0"/>
+              <a:t>etc</a:t>
             </a:r>
             <a:r>
               <a:rPr lang="es-PE" baseline="0" dirty="0" smtClean="0"/>
-              <a:t>.</a:t>
-            </a:r>
-          </a:p>
-          <a:p>
-            <a:endParaRPr lang="es-PE" baseline="0" dirty="0" smtClean="0"/>
-          </a:p>
-          <a:p>
-            <a:r>
-              <a:rPr lang="es-PE" baseline="0" dirty="0" smtClean="0"/>
-              <a:t>Estas son estadísticas de una compañía que comenzó a adoptar </a:t>
-            </a:r>
-            <a:r>
-              <a:rPr lang="es-PE" baseline="0" dirty="0" err="1" smtClean="0"/>
-              <a:t>unit</a:t>
-            </a:r>
-            <a:r>
-              <a:rPr lang="es-PE" baseline="0" dirty="0" smtClean="0"/>
-              <a:t> </a:t>
-            </a:r>
-            <a:r>
-              <a:rPr lang="es-PE" baseline="0" dirty="0" err="1" smtClean="0"/>
-              <a:t>testing</a:t>
-            </a:r>
-            <a:r>
-              <a:rPr lang="es-PE" baseline="0" dirty="0" smtClean="0"/>
-              <a:t> en un proyecto piloto, el piloto consistía agregar funcionalidad a una gran aplicación de facturación y </a:t>
-            </a:r>
-            <a:r>
-              <a:rPr lang="es-PE" baseline="0" dirty="0" err="1" smtClean="0"/>
-              <a:t>customizar</a:t>
-            </a:r>
-            <a:r>
-              <a:rPr lang="es-PE" baseline="0" dirty="0" smtClean="0"/>
-              <a:t> algunas partes para sus diferentes clientes.</a:t>
-            </a:r>
-          </a:p>
-          <a:p>
-            <a:r>
-              <a:rPr lang="es-PE" baseline="0" dirty="0" smtClean="0"/>
-              <a:t>Esta compañía esta compuesta por una gran cantidad de desarrolladores alrededor de equipos y desarrolladores.</a:t>
-            </a:r>
-          </a:p>
-          <a:p>
-            <a:endParaRPr lang="es-PE" baseline="0" dirty="0" smtClean="0"/>
-          </a:p>
-          <a:p>
-            <a:r>
-              <a:rPr lang="es-PE" baseline="0" dirty="0" smtClean="0"/>
-              <a:t>Se colectaron estadísticas para 2 equipos diferentes que crearon 2 funcionalidades muy similares para diferentes clientes. (Ambas funcionalidades eran muy similares en características y tamaño, y ambos equipos tenían casi la misma habilidad y experiencia). La </a:t>
-            </a:r>
-            <a:r>
-              <a:rPr lang="es-PE" baseline="0" dirty="0" err="1" smtClean="0"/>
-              <a:t>punica</a:t>
-            </a:r>
-            <a:r>
-              <a:rPr lang="es-PE" baseline="0" dirty="0" smtClean="0"/>
-              <a:t> diferencia fue q uno de los equipos utilizó </a:t>
-            </a:r>
-            <a:r>
-              <a:rPr lang="es-PE" baseline="0" dirty="0" err="1" smtClean="0"/>
-              <a:t>unit</a:t>
-            </a:r>
-            <a:r>
-              <a:rPr lang="es-PE" baseline="0" dirty="0" smtClean="0"/>
-              <a:t> </a:t>
-            </a:r>
-            <a:r>
-              <a:rPr lang="es-PE" baseline="0" dirty="0" err="1" smtClean="0"/>
-              <a:t>tests</a:t>
-            </a:r>
-            <a:r>
-              <a:rPr lang="es-PE" baseline="0" dirty="0" smtClean="0"/>
-              <a:t> y el otro no.</a:t>
-            </a:r>
-          </a:p>
-          <a:p>
-            <a:endParaRPr lang="es-PE" baseline="0" dirty="0" smtClean="0"/>
-          </a:p>
-          <a:p>
-            <a:r>
-              <a:rPr lang="es-PE" baseline="0" dirty="0" smtClean="0"/>
-              <a:t>Se tomaron 3 </a:t>
-            </a:r>
-            <a:r>
-              <a:rPr lang="es-PE" baseline="0" dirty="0" err="1" smtClean="0"/>
-              <a:t>estádisticas</a:t>
-            </a:r>
-            <a:r>
-              <a:rPr lang="es-PE" baseline="0" dirty="0" smtClean="0"/>
-              <a:t>:</a:t>
-            </a:r>
-          </a:p>
-          <a:p>
-            <a:pPr marL="171450" indent="-171450">
-              <a:buFontTx/>
-              <a:buChar char="-"/>
-            </a:pPr>
-            <a:r>
-              <a:rPr lang="es-PE" baseline="0" dirty="0" smtClean="0"/>
-              <a:t>El tiempo que le tomó a los equipos para cada fase del desarrollo del producto.</a:t>
-            </a:r>
-          </a:p>
-          <a:p>
-            <a:pPr marL="171450" indent="-171450">
-              <a:buFontTx/>
-              <a:buChar char="-"/>
-            </a:pPr>
-            <a:r>
-              <a:rPr lang="es-PE" baseline="0" dirty="0" smtClean="0"/>
-              <a:t>El tiempo total en el cuál el producto fue entregado a los clientes.</a:t>
-            </a:r>
-          </a:p>
-          <a:p>
-            <a:pPr marL="171450" indent="-171450">
-              <a:buFontTx/>
-              <a:buChar char="-"/>
-            </a:pPr>
-            <a:r>
-              <a:rPr lang="es-PE" baseline="0" dirty="0" smtClean="0"/>
-              <a:t>La cantidad de errores encontrados en el cliente luego del </a:t>
-            </a:r>
-            <a:r>
-              <a:rPr lang="es-PE" baseline="0" dirty="0" err="1" smtClean="0"/>
-              <a:t>release</a:t>
-            </a:r>
-            <a:r>
-              <a:rPr lang="es-PE" baseline="0" dirty="0" smtClean="0"/>
-              <a:t>.</a:t>
-            </a:r>
-          </a:p>
-          <a:p>
-            <a:pPr marL="171450" indent="-171450">
-              <a:buFontTx/>
-              <a:buChar char="-"/>
-            </a:pPr>
-            <a:endParaRPr lang="es-PE" baseline="0" dirty="0" smtClean="0"/>
-          </a:p>
-          <a:p>
-            <a:pPr marL="0" indent="0">
-              <a:buFontTx/>
-              <a:buNone/>
-            </a:pPr>
-            <a:r>
-              <a:rPr lang="es-PE" baseline="0" dirty="0" smtClean="0"/>
-              <a:t>Podemos observar que como ustedes suponían el tiempo del codificación es mayor cuando se realizan pruebas unitarias, e este caso era un equipo que recién estaba aprendiendo sobre pruebas unitarios y es por eso que el tiempo se duplicó.</a:t>
-            </a:r>
-          </a:p>
-          <a:p>
-            <a:pPr marL="0" indent="0">
-              <a:buFontTx/>
-              <a:buNone/>
-            </a:pPr>
-            <a:endParaRPr lang="es-PE" baseline="0" dirty="0" smtClean="0"/>
-          </a:p>
-          <a:p>
-            <a:pPr marL="0" indent="0">
-              <a:buFontTx/>
-              <a:buNone/>
-            </a:pPr>
-            <a:r>
-              <a:rPr lang="es-PE" baseline="0" dirty="0" smtClean="0"/>
-              <a:t>Pero podemos observar que el tiempo de las siguientes fases disminuyó considerablemente, inclusive el tiempo total de desarrollo del producto fue menor utilizando </a:t>
-            </a:r>
-            <a:r>
-              <a:rPr lang="es-PE" baseline="0" dirty="0" err="1" smtClean="0"/>
-              <a:t>unit</a:t>
-            </a:r>
-            <a:r>
-              <a:rPr lang="es-PE" baseline="0" dirty="0" smtClean="0"/>
-              <a:t> </a:t>
-            </a:r>
-            <a:r>
-              <a:rPr lang="es-PE" baseline="0" dirty="0" err="1" smtClean="0"/>
-              <a:t>tests</a:t>
-            </a:r>
-            <a:r>
-              <a:rPr lang="es-PE" baseline="0" dirty="0" smtClean="0"/>
-              <a:t>; y los bugs encontrados fueron muchísimo menores.</a:t>
-            </a:r>
-          </a:p>
-          <a:p>
-            <a:pPr marL="0" indent="0">
-              <a:buFontTx/>
-              <a:buNone/>
-            </a:pPr>
-            <a:endParaRPr lang="es-PE" baseline="0" dirty="0" smtClean="0"/>
-          </a:p>
-          <a:p>
-            <a:pPr marL="0" indent="0">
-              <a:buFontTx/>
-              <a:buNone/>
-            </a:pPr>
-            <a:r>
-              <a:rPr lang="es-PE" baseline="0" dirty="0" smtClean="0"/>
-              <a:t>Durante el proyecto piloto, los managers no creían que el piloto utilizando </a:t>
-            </a:r>
-            <a:r>
-              <a:rPr lang="es-PE" baseline="0" dirty="0" err="1" smtClean="0"/>
-              <a:t>unit</a:t>
-            </a:r>
-            <a:r>
-              <a:rPr lang="es-PE" baseline="0" dirty="0" smtClean="0"/>
-              <a:t> </a:t>
-            </a:r>
-            <a:r>
-              <a:rPr lang="es-PE" baseline="0" dirty="0" err="1" smtClean="0"/>
-              <a:t>tests</a:t>
-            </a:r>
-            <a:r>
-              <a:rPr lang="es-PE" baseline="0" dirty="0" smtClean="0"/>
-              <a:t> sería un éxito </a:t>
+              <a:t>) </a:t>
             </a:r>
             <a:r>
               <a:rPr lang="es-PE" baseline="0" dirty="0" err="1" smtClean="0"/>
@@ -5404,38 +5027,14 @@
             </a:r>
             <a:r>
               <a:rPr lang="es-PE" baseline="0" dirty="0" smtClean="0"/>
-              <a:t> únicamente se fijaban en las estadísticas del tiempo de codificación. Es correcto pensar que utilizar UT incrementará el tiempo de programación </a:t>
-            </a:r>
-            <a:r>
-              <a:rPr lang="es-PE" baseline="0" dirty="0" err="1" smtClean="0"/>
-              <a:t>xq</a:t>
-            </a:r>
-            <a:r>
-              <a:rPr lang="es-PE" baseline="0" dirty="0" smtClean="0"/>
-              <a:t> estás escribiendo más código pero el tiempo total se ve reducido.</a:t>
+              <a:t> no escribimos un pequeñito programa automatizado que haga lo mismo.</a:t>
             </a:r>
           </a:p>
           <a:p>
             <a:endParaRPr lang="es-PE" baseline="0" dirty="0" smtClean="0"/>
           </a:p>
           <a:p>
-            <a:r>
-              <a:rPr lang="es-PE" dirty="0" smtClean="0"/>
-              <a:t>OTROS CASOS DE ESTUDIO</a:t>
-            </a:r>
-            <a:br>
-              <a:rPr lang="es-PE" dirty="0" smtClean="0"/>
-            </a:br>
-            <a:r>
-              <a:rPr lang="es-PE" dirty="0" smtClean="0">
-                <a:hlinkClick r:id="rId3"/>
-              </a:rPr>
-              <a:t>http://collaboration.csc.ncsu.edu/laurie/Papers/Unit_testing_cameraReady.pdf</a:t>
-            </a:r>
-            <a:endParaRPr lang="es-PE" dirty="0" smtClean="0"/>
-          </a:p>
-          <a:p>
-            <a:endParaRPr lang="es-PE" dirty="0" smtClean="0"/>
+            <a:endParaRPr lang="es-PE" baseline="0" dirty="0" smtClean="0"/>
           </a:p>
           <a:p>
             <a:endParaRPr lang="es-PE" dirty="0"/>
@@ -5522,75 +5121,7 @@
           <a:bodyPr/>
           <a:lstStyle/>
           <a:p>
-            <a:r>
-              <a:rPr lang="es-PE" dirty="0" smtClean="0"/>
-              <a:t>Ya lo venimos haciendo solo que no estamos muy consientes de ellos.</a:t>
-            </a:r>
-          </a:p>
-          <a:p>
-            <a:endParaRPr lang="es-PE" dirty="0" smtClean="0"/>
-          </a:p>
-          <a:p>
-            <a:r>
-              <a:rPr lang="es-PE" dirty="0" smtClean="0"/>
-              <a:t>Escribimos</a:t>
-            </a:r>
-            <a:r>
-              <a:rPr lang="es-PE" baseline="0" dirty="0" smtClean="0"/>
-              <a:t> una funcionalidad.</a:t>
-            </a:r>
-          </a:p>
-          <a:p>
-            <a:r>
-              <a:rPr lang="es-PE" baseline="0" dirty="0" smtClean="0"/>
-              <a:t>Ejecutamos el programa.</a:t>
-            </a:r>
-          </a:p>
-          <a:p>
-            <a:r>
-              <a:rPr lang="es-PE" baseline="0" dirty="0" smtClean="0"/>
-              <a:t>Escribimos una funcionalidad</a:t>
-            </a:r>
-          </a:p>
-          <a:p>
-            <a:r>
-              <a:rPr lang="es-PE" baseline="0" dirty="0" smtClean="0"/>
-              <a:t>….</a:t>
-            </a:r>
-          </a:p>
-          <a:p>
-            <a:endParaRPr lang="es-PE" baseline="0" dirty="0" smtClean="0"/>
-          </a:p>
-          <a:p>
-            <a:r>
-              <a:rPr lang="es-PE" baseline="0" dirty="0" smtClean="0"/>
-              <a:t>En vez de ejecutar el programa manualmente( no repetible, toma mucho tiempo, </a:t>
-            </a:r>
-            <a:r>
-              <a:rPr lang="es-PE" baseline="0" dirty="0" err="1" smtClean="0"/>
-              <a:t>etc</a:t>
-            </a:r>
-            <a:r>
-              <a:rPr lang="es-PE" baseline="0" dirty="0" smtClean="0"/>
-              <a:t>) </a:t>
-            </a:r>
-            <a:r>
-              <a:rPr lang="es-PE" baseline="0" dirty="0" err="1" smtClean="0"/>
-              <a:t>xq</a:t>
-            </a:r>
-            <a:r>
-              <a:rPr lang="es-PE" baseline="0" dirty="0" smtClean="0"/>
-              <a:t> no escribimos un pequeñito programa automatizado que haga lo mismo.</a:t>
-            </a:r>
-          </a:p>
-          <a:p>
-            <a:endParaRPr lang="es-PE" baseline="0" dirty="0" smtClean="0"/>
-          </a:p>
-          <a:p>
-            <a:endParaRPr lang="es-PE" baseline="0" dirty="0" smtClean="0"/>
-          </a:p>
-          <a:p>
-            <a:endParaRPr lang="es-PE" dirty="0"/>
+            <a:endParaRPr lang="es-PE" noProof="0" dirty="0"/>
           </a:p>
         </p:txBody>
       </p:sp>
@@ -5609,7 +5140,7 @@
           <a:bodyPr/>
           <a:lstStyle/>
           <a:p>
-            <a:fld id="{96DE5A63-0F1F-4DC0-ADE0-CC17EBA6F230}" type="slidenum">
+            <a:fld id="{80C14895-23C8-45AE-85D5-3B35E5980A68}" type="slidenum">
               <a:rPr lang="es-PE" smtClean="0"/>
               <a:t>36</a:t>
             </a:fld>
@@ -5620,7 +5151,7 @@
     </p:spTree>
     <p:extLst>
       <p:ext uri="{BB962C8B-B14F-4D97-AF65-F5344CB8AC3E}">
-        <p14:creationId xmlns:p14="http://schemas.microsoft.com/office/powerpoint/2010/main" val="1289502795"/>
+        <p14:creationId xmlns:p14="http://schemas.microsoft.com/office/powerpoint/2010/main" val="3432092158"/>
       </p:ext>
     </p:extLst>
   </p:cSld>
@@ -5673,6 +5204,921 @@
         <p:txBody>
           <a:bodyPr/>
           <a:lstStyle/>
+          <a:p>
+            <a:r>
+              <a:rPr lang="en-US" sz="1200" b="0" i="0" kern="1200" dirty="0" smtClean="0">
+                <a:solidFill>
+                  <a:schemeClr val="tx1"/>
+                </a:solidFill>
+                <a:effectLst/>
+                <a:latin typeface="+mn-lt"/>
+                <a:ea typeface="+mn-ea"/>
+                <a:cs typeface="+mn-cs"/>
+              </a:rPr>
+              <a:t>En general </a:t>
+            </a:r>
+            <a:r>
+              <a:rPr lang="en-US" sz="1200" b="0" i="0" kern="1200" dirty="0" err="1" smtClean="0">
+                <a:solidFill>
+                  <a:schemeClr val="tx1"/>
+                </a:solidFill>
+                <a:effectLst/>
+                <a:latin typeface="+mn-lt"/>
+                <a:ea typeface="+mn-ea"/>
+                <a:cs typeface="+mn-cs"/>
+              </a:rPr>
+              <a:t>podemos</a:t>
+            </a:r>
+            <a:r>
+              <a:rPr lang="en-US" sz="1200" b="0" i="0" kern="1200" dirty="0" smtClean="0">
+                <a:solidFill>
+                  <a:schemeClr val="tx1"/>
+                </a:solidFill>
+                <a:effectLst/>
+                <a:latin typeface="+mn-lt"/>
+                <a:ea typeface="+mn-ea"/>
+                <a:cs typeface="+mn-cs"/>
+              </a:rPr>
+              <a:t> </a:t>
+            </a:r>
+            <a:r>
+              <a:rPr lang="en-US" sz="1200" b="0" i="0" kern="1200" dirty="0" err="1" smtClean="0">
+                <a:solidFill>
+                  <a:schemeClr val="tx1"/>
+                </a:solidFill>
+                <a:effectLst/>
+                <a:latin typeface="+mn-lt"/>
+                <a:ea typeface="+mn-ea"/>
+                <a:cs typeface="+mn-cs"/>
+              </a:rPr>
+              <a:t>decir</a:t>
+            </a:r>
+            <a:r>
+              <a:rPr lang="en-US" sz="1200" b="0" i="0" kern="1200" baseline="0" dirty="0" smtClean="0">
+                <a:solidFill>
+                  <a:schemeClr val="tx1"/>
+                </a:solidFill>
+                <a:effectLst/>
+                <a:latin typeface="+mn-lt"/>
+                <a:ea typeface="+mn-ea"/>
+                <a:cs typeface="+mn-cs"/>
+              </a:rPr>
+              <a:t> </a:t>
+            </a:r>
+            <a:r>
+              <a:rPr lang="en-US" sz="1200" b="0" i="0" kern="1200" baseline="0" dirty="0" err="1" smtClean="0">
+                <a:solidFill>
+                  <a:schemeClr val="tx1"/>
+                </a:solidFill>
+                <a:effectLst/>
+                <a:latin typeface="+mn-lt"/>
+                <a:ea typeface="+mn-ea"/>
+                <a:cs typeface="+mn-cs"/>
+              </a:rPr>
+              <a:t>que</a:t>
+            </a:r>
+            <a:r>
+              <a:rPr lang="en-US" sz="1200" b="0" i="0" kern="1200" baseline="0" dirty="0" smtClean="0">
+                <a:solidFill>
+                  <a:schemeClr val="tx1"/>
+                </a:solidFill>
+                <a:effectLst/>
+                <a:latin typeface="+mn-lt"/>
+                <a:ea typeface="+mn-ea"/>
+                <a:cs typeface="+mn-cs"/>
+              </a:rPr>
+              <a:t> </a:t>
+            </a:r>
+            <a:r>
+              <a:rPr lang="en-US" sz="1200" b="0" i="0" kern="1200" baseline="0" dirty="0" err="1" smtClean="0">
+                <a:solidFill>
+                  <a:schemeClr val="tx1"/>
+                </a:solidFill>
+                <a:effectLst/>
+                <a:latin typeface="+mn-lt"/>
+                <a:ea typeface="+mn-ea"/>
+                <a:cs typeface="+mn-cs"/>
+              </a:rPr>
+              <a:t>uno</a:t>
+            </a:r>
+            <a:r>
+              <a:rPr lang="en-US" sz="1200" b="0" i="0" kern="1200" baseline="0" dirty="0" smtClean="0">
+                <a:solidFill>
+                  <a:schemeClr val="tx1"/>
+                </a:solidFill>
+                <a:effectLst/>
+                <a:latin typeface="+mn-lt"/>
+                <a:ea typeface="+mn-ea"/>
+                <a:cs typeface="+mn-cs"/>
+              </a:rPr>
+              <a:t> de </a:t>
+            </a:r>
+            <a:r>
+              <a:rPr lang="en-US" sz="1200" b="0" i="0" kern="1200" baseline="0" dirty="0" err="1" smtClean="0">
+                <a:solidFill>
+                  <a:schemeClr val="tx1"/>
+                </a:solidFill>
+                <a:effectLst/>
+                <a:latin typeface="+mn-lt"/>
+                <a:ea typeface="+mn-ea"/>
+                <a:cs typeface="+mn-cs"/>
+              </a:rPr>
+              <a:t>lso</a:t>
+            </a:r>
+            <a:r>
+              <a:rPr lang="en-US" sz="1200" b="0" i="0" kern="1200" baseline="0" dirty="0" smtClean="0">
+                <a:solidFill>
+                  <a:schemeClr val="tx1"/>
+                </a:solidFill>
+                <a:effectLst/>
+                <a:latin typeface="+mn-lt"/>
+                <a:ea typeface="+mn-ea"/>
+                <a:cs typeface="+mn-cs"/>
+              </a:rPr>
+              <a:t> </a:t>
+            </a:r>
+            <a:r>
+              <a:rPr lang="en-US" sz="1200" b="0" i="0" kern="1200" baseline="0" dirty="0" err="1" smtClean="0">
+                <a:solidFill>
+                  <a:schemeClr val="tx1"/>
+                </a:solidFill>
+                <a:effectLst/>
+                <a:latin typeface="+mn-lt"/>
+                <a:ea typeface="+mn-ea"/>
+                <a:cs typeface="+mn-cs"/>
+              </a:rPr>
+              <a:t>beneficios</a:t>
+            </a:r>
+            <a:r>
+              <a:rPr lang="en-US" sz="1200" b="0" i="0" kern="1200" baseline="0" dirty="0" smtClean="0">
+                <a:solidFill>
+                  <a:schemeClr val="tx1"/>
+                </a:solidFill>
+                <a:effectLst/>
+                <a:latin typeface="+mn-lt"/>
+                <a:ea typeface="+mn-ea"/>
+                <a:cs typeface="+mn-cs"/>
+              </a:rPr>
+              <a:t> </a:t>
+            </a:r>
+            <a:r>
+              <a:rPr lang="en-US" sz="1200" b="0" i="0" kern="1200" baseline="0" dirty="0" err="1" smtClean="0">
+                <a:solidFill>
+                  <a:schemeClr val="tx1"/>
+                </a:solidFill>
+                <a:effectLst/>
+                <a:latin typeface="+mn-lt"/>
+                <a:ea typeface="+mn-ea"/>
+                <a:cs typeface="+mn-cs"/>
+              </a:rPr>
+              <a:t>es</a:t>
+            </a:r>
+            <a:r>
+              <a:rPr lang="en-US" sz="1200" b="0" i="0" kern="1200" baseline="0" dirty="0" smtClean="0">
+                <a:solidFill>
+                  <a:schemeClr val="tx1"/>
+                </a:solidFill>
+                <a:effectLst/>
+                <a:latin typeface="+mn-lt"/>
+                <a:ea typeface="+mn-ea"/>
+                <a:cs typeface="+mn-cs"/>
+              </a:rPr>
+              <a:t> </a:t>
+            </a:r>
+            <a:r>
+              <a:rPr lang="en-US" sz="1200" b="0" i="0" kern="1200" baseline="0" dirty="0" err="1" smtClean="0">
+                <a:solidFill>
+                  <a:schemeClr val="tx1"/>
+                </a:solidFill>
+                <a:effectLst/>
+                <a:latin typeface="+mn-lt"/>
+                <a:ea typeface="+mn-ea"/>
+                <a:cs typeface="+mn-cs"/>
+              </a:rPr>
+              <a:t>hacer</a:t>
+            </a:r>
+            <a:r>
+              <a:rPr lang="en-US" sz="1200" b="0" i="0" kern="1200" baseline="0" dirty="0" smtClean="0">
+                <a:solidFill>
+                  <a:schemeClr val="tx1"/>
+                </a:solidFill>
+                <a:effectLst/>
+                <a:latin typeface="+mn-lt"/>
+                <a:ea typeface="+mn-ea"/>
+                <a:cs typeface="+mn-cs"/>
+              </a:rPr>
+              <a:t> </a:t>
+            </a:r>
+            <a:r>
+              <a:rPr lang="en-US" sz="1200" b="0" i="0" kern="1200" baseline="0" dirty="0" err="1" smtClean="0">
+                <a:solidFill>
+                  <a:schemeClr val="tx1"/>
+                </a:solidFill>
+                <a:effectLst/>
+                <a:latin typeface="+mn-lt"/>
+                <a:ea typeface="+mn-ea"/>
+                <a:cs typeface="+mn-cs"/>
+              </a:rPr>
+              <a:t>que</a:t>
+            </a:r>
+            <a:r>
+              <a:rPr lang="en-US" sz="1200" b="0" i="0" kern="1200" baseline="0" dirty="0" smtClean="0">
+                <a:solidFill>
+                  <a:schemeClr val="tx1"/>
+                </a:solidFill>
+                <a:effectLst/>
+                <a:latin typeface="+mn-lt"/>
+                <a:ea typeface="+mn-ea"/>
+                <a:cs typeface="+mn-cs"/>
+              </a:rPr>
+              <a:t> el </a:t>
+            </a:r>
+            <a:r>
+              <a:rPr lang="en-US" sz="1200" b="0" i="0" kern="1200" baseline="0" dirty="0" err="1" smtClean="0">
+                <a:solidFill>
+                  <a:schemeClr val="tx1"/>
+                </a:solidFill>
+                <a:effectLst/>
+                <a:latin typeface="+mn-lt"/>
+                <a:ea typeface="+mn-ea"/>
+                <a:cs typeface="+mn-cs"/>
+              </a:rPr>
+              <a:t>cambio</a:t>
+            </a:r>
+            <a:r>
+              <a:rPr lang="en-US" sz="1200" b="0" i="0" kern="1200" baseline="0" dirty="0" smtClean="0">
+                <a:solidFill>
+                  <a:schemeClr val="tx1"/>
+                </a:solidFill>
+                <a:effectLst/>
+                <a:latin typeface="+mn-lt"/>
+                <a:ea typeface="+mn-ea"/>
+                <a:cs typeface="+mn-cs"/>
+              </a:rPr>
+              <a:t> se </a:t>
+            </a:r>
+            <a:r>
+              <a:rPr lang="en-US" sz="1200" b="0" i="0" kern="1200" baseline="0" dirty="0" err="1" smtClean="0">
+                <a:solidFill>
+                  <a:schemeClr val="tx1"/>
+                </a:solidFill>
+                <a:effectLst/>
+                <a:latin typeface="+mn-lt"/>
+                <a:ea typeface="+mn-ea"/>
+                <a:cs typeface="+mn-cs"/>
+              </a:rPr>
+              <a:t>más</a:t>
+            </a:r>
+            <a:r>
+              <a:rPr lang="en-US" sz="1200" b="0" i="0" kern="1200" baseline="0" dirty="0" smtClean="0">
+                <a:solidFill>
+                  <a:schemeClr val="tx1"/>
+                </a:solidFill>
+                <a:effectLst/>
+                <a:latin typeface="+mn-lt"/>
+                <a:ea typeface="+mn-ea"/>
+                <a:cs typeface="+mn-cs"/>
+              </a:rPr>
+              <a:t> </a:t>
+            </a:r>
+            <a:r>
+              <a:rPr lang="en-US" sz="1200" b="0" i="0" kern="1200" baseline="0" dirty="0" err="1" smtClean="0">
+                <a:solidFill>
+                  <a:schemeClr val="tx1"/>
+                </a:solidFill>
+                <a:effectLst/>
+                <a:latin typeface="+mn-lt"/>
+                <a:ea typeface="+mn-ea"/>
+                <a:cs typeface="+mn-cs"/>
+              </a:rPr>
+              <a:t>facil</a:t>
+            </a:r>
+            <a:r>
+              <a:rPr lang="en-US" sz="1200" b="0" i="0" kern="1200" baseline="0" dirty="0" smtClean="0">
+                <a:solidFill>
+                  <a:schemeClr val="tx1"/>
+                </a:solidFill>
+                <a:effectLst/>
+                <a:latin typeface="+mn-lt"/>
+                <a:ea typeface="+mn-ea"/>
+                <a:cs typeface="+mn-cs"/>
+              </a:rPr>
+              <a:t> de </a:t>
+            </a:r>
+            <a:r>
+              <a:rPr lang="en-US" sz="1200" b="0" i="0" kern="1200" baseline="0" dirty="0" err="1" smtClean="0">
+                <a:solidFill>
+                  <a:schemeClr val="tx1"/>
+                </a:solidFill>
+                <a:effectLst/>
+                <a:latin typeface="+mn-lt"/>
+                <a:ea typeface="+mn-ea"/>
+                <a:cs typeface="+mn-cs"/>
+              </a:rPr>
+              <a:t>realizar</a:t>
+            </a:r>
+            <a:r>
+              <a:rPr lang="en-US" sz="1200" b="0" i="0" kern="1200" baseline="0" dirty="0" smtClean="0">
+                <a:solidFill>
+                  <a:schemeClr val="tx1"/>
+                </a:solidFill>
+                <a:effectLst/>
+                <a:latin typeface="+mn-lt"/>
+                <a:ea typeface="+mn-ea"/>
+                <a:cs typeface="+mn-cs"/>
+              </a:rPr>
+              <a:t> (</a:t>
+            </a:r>
+            <a:r>
+              <a:rPr lang="en-US" sz="1200" b="0" i="0" kern="1200" baseline="0" dirty="0" err="1" smtClean="0">
+                <a:solidFill>
+                  <a:schemeClr val="tx1"/>
+                </a:solidFill>
+                <a:effectLst/>
+                <a:latin typeface="+mn-lt"/>
+                <a:ea typeface="+mn-ea"/>
+                <a:cs typeface="+mn-cs"/>
+              </a:rPr>
+              <a:t>funcional</a:t>
+            </a:r>
+            <a:r>
+              <a:rPr lang="en-US" sz="1200" b="0" i="0" kern="1200" baseline="0" dirty="0" smtClean="0">
+                <a:solidFill>
+                  <a:schemeClr val="tx1"/>
+                </a:solidFill>
+                <a:effectLst/>
+                <a:latin typeface="+mn-lt"/>
+                <a:ea typeface="+mn-ea"/>
+                <a:cs typeface="+mn-cs"/>
+              </a:rPr>
+              <a:t> o </a:t>
+            </a:r>
+            <a:r>
+              <a:rPr lang="en-US" sz="1200" b="0" i="0" kern="1200" baseline="0" dirty="0" err="1" smtClean="0">
+                <a:solidFill>
+                  <a:schemeClr val="tx1"/>
+                </a:solidFill>
+                <a:effectLst/>
+                <a:latin typeface="+mn-lt"/>
+                <a:ea typeface="+mn-ea"/>
+                <a:cs typeface="+mn-cs"/>
+              </a:rPr>
+              <a:t>diseño</a:t>
+            </a:r>
+            <a:r>
+              <a:rPr lang="en-US" sz="1200" b="0" i="0" kern="1200" baseline="0" dirty="0" smtClean="0">
+                <a:solidFill>
+                  <a:schemeClr val="tx1"/>
+                </a:solidFill>
+                <a:effectLst/>
+                <a:latin typeface="+mn-lt"/>
+                <a:ea typeface="+mn-ea"/>
+                <a:cs typeface="+mn-cs"/>
+              </a:rPr>
+              <a:t>). </a:t>
+            </a:r>
+            <a:r>
+              <a:rPr lang="en-US" sz="1200" b="0" i="0" kern="1200" baseline="0" dirty="0" err="1" smtClean="0">
+                <a:solidFill>
+                  <a:schemeClr val="tx1"/>
+                </a:solidFill>
+                <a:effectLst/>
+                <a:latin typeface="+mn-lt"/>
+                <a:ea typeface="+mn-ea"/>
+                <a:cs typeface="+mn-cs"/>
+              </a:rPr>
+              <a:t>Todos</a:t>
+            </a:r>
+            <a:r>
+              <a:rPr lang="en-US" sz="1200" b="0" i="0" kern="1200" baseline="0" dirty="0" smtClean="0">
+                <a:solidFill>
+                  <a:schemeClr val="tx1"/>
+                </a:solidFill>
+                <a:effectLst/>
+                <a:latin typeface="+mn-lt"/>
+                <a:ea typeface="+mn-ea"/>
+                <a:cs typeface="+mn-cs"/>
+              </a:rPr>
+              <a:t> </a:t>
+            </a:r>
+            <a:r>
+              <a:rPr lang="en-US" sz="1200" b="0" i="0" kern="1200" baseline="0" dirty="0" err="1" smtClean="0">
+                <a:solidFill>
+                  <a:schemeClr val="tx1"/>
+                </a:solidFill>
+                <a:effectLst/>
+                <a:latin typeface="+mn-lt"/>
+                <a:ea typeface="+mn-ea"/>
+                <a:cs typeface="+mn-cs"/>
+              </a:rPr>
+              <a:t>conocemos</a:t>
+            </a:r>
+            <a:r>
+              <a:rPr lang="en-US" sz="1200" b="0" i="0" kern="1200" baseline="0" dirty="0" smtClean="0">
+                <a:solidFill>
+                  <a:schemeClr val="tx1"/>
+                </a:solidFill>
+                <a:effectLst/>
+                <a:latin typeface="+mn-lt"/>
+                <a:ea typeface="+mn-ea"/>
+                <a:cs typeface="+mn-cs"/>
+              </a:rPr>
+              <a:t> la </a:t>
+            </a:r>
+            <a:r>
+              <a:rPr lang="en-US" sz="1200" b="0" i="0" kern="1200" baseline="0" dirty="0" err="1" smtClean="0">
+                <a:solidFill>
+                  <a:schemeClr val="tx1"/>
+                </a:solidFill>
+                <a:effectLst/>
+                <a:latin typeface="+mn-lt"/>
+                <a:ea typeface="+mn-ea"/>
+                <a:cs typeface="+mn-cs"/>
+              </a:rPr>
+              <a:t>curva</a:t>
+            </a:r>
+            <a:r>
+              <a:rPr lang="en-US" sz="1200" b="0" i="0" kern="1200" baseline="0" dirty="0" smtClean="0">
+                <a:solidFill>
+                  <a:schemeClr val="tx1"/>
+                </a:solidFill>
+                <a:effectLst/>
+                <a:latin typeface="+mn-lt"/>
+                <a:ea typeface="+mn-ea"/>
+                <a:cs typeface="+mn-cs"/>
+              </a:rPr>
+              <a:t> del </a:t>
+            </a:r>
+            <a:r>
+              <a:rPr lang="en-US" sz="1200" b="0" i="0" kern="1200" baseline="0" dirty="0" err="1" smtClean="0">
+                <a:solidFill>
+                  <a:schemeClr val="tx1"/>
+                </a:solidFill>
+                <a:effectLst/>
+                <a:latin typeface="+mn-lt"/>
+                <a:ea typeface="+mn-ea"/>
+                <a:cs typeface="+mn-cs"/>
+              </a:rPr>
+              <a:t>cambio</a:t>
+            </a:r>
+            <a:r>
+              <a:rPr lang="en-US" sz="1200" b="0" i="0" kern="1200" baseline="0" dirty="0" smtClean="0">
+                <a:solidFill>
+                  <a:schemeClr val="tx1"/>
+                </a:solidFill>
+                <a:effectLst/>
+                <a:latin typeface="+mn-lt"/>
+                <a:ea typeface="+mn-ea"/>
+                <a:cs typeface="+mn-cs"/>
+              </a:rPr>
+              <a:t>, </a:t>
+            </a:r>
+            <a:r>
+              <a:rPr lang="en-US" sz="1200" b="0" i="0" kern="1200" baseline="0" dirty="0" err="1" smtClean="0">
+                <a:solidFill>
+                  <a:schemeClr val="tx1"/>
+                </a:solidFill>
+                <a:effectLst/>
+                <a:latin typeface="+mn-lt"/>
+                <a:ea typeface="+mn-ea"/>
+                <a:cs typeface="+mn-cs"/>
+              </a:rPr>
+              <a:t>entonces</a:t>
+            </a:r>
+            <a:r>
+              <a:rPr lang="en-US" sz="1200" b="0" i="0" kern="1200" baseline="0" dirty="0" smtClean="0">
+                <a:solidFill>
+                  <a:schemeClr val="tx1"/>
+                </a:solidFill>
+                <a:effectLst/>
+                <a:latin typeface="+mn-lt"/>
+                <a:ea typeface="+mn-ea"/>
+                <a:cs typeface="+mn-cs"/>
+              </a:rPr>
+              <a:t> </a:t>
+            </a:r>
+            <a:r>
+              <a:rPr lang="en-US" sz="1200" b="0" i="0" kern="1200" baseline="0" dirty="0" err="1" smtClean="0">
+                <a:solidFill>
+                  <a:schemeClr val="tx1"/>
+                </a:solidFill>
+                <a:effectLst/>
+                <a:latin typeface="+mn-lt"/>
+                <a:ea typeface="+mn-ea"/>
+                <a:cs typeface="+mn-cs"/>
+              </a:rPr>
+              <a:t>cuando</a:t>
+            </a:r>
+            <a:r>
+              <a:rPr lang="en-US" sz="1200" b="0" i="0" kern="1200" baseline="0" dirty="0" smtClean="0">
+                <a:solidFill>
+                  <a:schemeClr val="tx1"/>
+                </a:solidFill>
+                <a:effectLst/>
+                <a:latin typeface="+mn-lt"/>
+                <a:ea typeface="+mn-ea"/>
+                <a:cs typeface="+mn-cs"/>
+              </a:rPr>
+              <a:t> </a:t>
+            </a:r>
+            <a:r>
+              <a:rPr lang="en-US" sz="1200" b="0" i="0" kern="1200" baseline="0" dirty="0" err="1" smtClean="0">
+                <a:solidFill>
+                  <a:schemeClr val="tx1"/>
+                </a:solidFill>
+                <a:effectLst/>
+                <a:latin typeface="+mn-lt"/>
+                <a:ea typeface="+mn-ea"/>
+                <a:cs typeface="+mn-cs"/>
+              </a:rPr>
+              <a:t>facilitamos</a:t>
+            </a:r>
+            <a:r>
+              <a:rPr lang="en-US" sz="1200" b="0" i="0" kern="1200" baseline="0" dirty="0" smtClean="0">
+                <a:solidFill>
+                  <a:schemeClr val="tx1"/>
+                </a:solidFill>
+                <a:effectLst/>
+                <a:latin typeface="+mn-lt"/>
+                <a:ea typeface="+mn-ea"/>
+                <a:cs typeface="+mn-cs"/>
+              </a:rPr>
+              <a:t> el </a:t>
+            </a:r>
+            <a:r>
+              <a:rPr lang="en-US" sz="1200" b="0" i="0" kern="1200" baseline="0" dirty="0" err="1" smtClean="0">
+                <a:solidFill>
+                  <a:schemeClr val="tx1"/>
+                </a:solidFill>
+                <a:effectLst/>
+                <a:latin typeface="+mn-lt"/>
+                <a:ea typeface="+mn-ea"/>
+                <a:cs typeface="+mn-cs"/>
+              </a:rPr>
+              <a:t>cambio</a:t>
+            </a:r>
+            <a:r>
+              <a:rPr lang="en-US" sz="1200" b="0" i="0" kern="1200" baseline="0" dirty="0" smtClean="0">
+                <a:solidFill>
+                  <a:schemeClr val="tx1"/>
+                </a:solidFill>
+                <a:effectLst/>
+                <a:latin typeface="+mn-lt"/>
+                <a:ea typeface="+mn-ea"/>
+                <a:cs typeface="+mn-cs"/>
+              </a:rPr>
+              <a:t>, </a:t>
+            </a:r>
+            <a:r>
+              <a:rPr lang="en-US" sz="1200" b="0" i="0" kern="1200" baseline="0" dirty="0" err="1" smtClean="0">
+                <a:solidFill>
+                  <a:schemeClr val="tx1"/>
+                </a:solidFill>
+                <a:effectLst/>
+                <a:latin typeface="+mn-lt"/>
+                <a:ea typeface="+mn-ea"/>
+                <a:cs typeface="+mn-cs"/>
+              </a:rPr>
+              <a:t>significa</a:t>
+            </a:r>
+            <a:r>
+              <a:rPr lang="en-US" sz="1200" b="0" i="0" kern="1200" baseline="0" dirty="0" smtClean="0">
+                <a:solidFill>
+                  <a:schemeClr val="tx1"/>
+                </a:solidFill>
+                <a:effectLst/>
+                <a:latin typeface="+mn-lt"/>
+                <a:ea typeface="+mn-ea"/>
+                <a:cs typeface="+mn-cs"/>
+              </a:rPr>
+              <a:t> </a:t>
+            </a:r>
+            <a:r>
+              <a:rPr lang="en-US" sz="1200" b="0" i="0" kern="1200" baseline="0" dirty="0" err="1" smtClean="0">
+                <a:solidFill>
+                  <a:schemeClr val="tx1"/>
+                </a:solidFill>
+                <a:effectLst/>
+                <a:latin typeface="+mn-lt"/>
+                <a:ea typeface="+mn-ea"/>
+                <a:cs typeface="+mn-cs"/>
+              </a:rPr>
+              <a:t>que</a:t>
+            </a:r>
+            <a:r>
+              <a:rPr lang="en-US" sz="1200" b="0" i="0" kern="1200" baseline="0" dirty="0" smtClean="0">
+                <a:solidFill>
+                  <a:schemeClr val="tx1"/>
+                </a:solidFill>
+                <a:effectLst/>
+                <a:latin typeface="+mn-lt"/>
+                <a:ea typeface="+mn-ea"/>
+                <a:cs typeface="+mn-cs"/>
+              </a:rPr>
+              <a:t> </a:t>
+            </a:r>
+            <a:r>
+              <a:rPr lang="en-US" sz="1200" b="0" i="0" kern="1200" baseline="0" dirty="0" err="1" smtClean="0">
+                <a:solidFill>
+                  <a:schemeClr val="tx1"/>
+                </a:solidFill>
+                <a:effectLst/>
+                <a:latin typeface="+mn-lt"/>
+                <a:ea typeface="+mn-ea"/>
+                <a:cs typeface="+mn-cs"/>
+              </a:rPr>
+              <a:t>estamos</a:t>
+            </a:r>
+            <a:r>
+              <a:rPr lang="en-US" sz="1200" b="0" i="0" kern="1200" baseline="0" dirty="0" smtClean="0">
+                <a:solidFill>
+                  <a:schemeClr val="tx1"/>
+                </a:solidFill>
+                <a:effectLst/>
+                <a:latin typeface="+mn-lt"/>
+                <a:ea typeface="+mn-ea"/>
+                <a:cs typeface="+mn-cs"/>
+              </a:rPr>
+              <a:t> </a:t>
+            </a:r>
+            <a:r>
+              <a:rPr lang="en-US" sz="1200" b="0" i="0" kern="1200" baseline="0" dirty="0" err="1" smtClean="0">
+                <a:solidFill>
+                  <a:schemeClr val="tx1"/>
+                </a:solidFill>
+                <a:effectLst/>
+                <a:latin typeface="+mn-lt"/>
+                <a:ea typeface="+mn-ea"/>
+                <a:cs typeface="+mn-cs"/>
+              </a:rPr>
+              <a:t>minimizando</a:t>
+            </a:r>
+            <a:r>
+              <a:rPr lang="en-US" sz="1200" b="0" i="0" kern="1200" baseline="0" dirty="0" smtClean="0">
+                <a:solidFill>
+                  <a:schemeClr val="tx1"/>
+                </a:solidFill>
+                <a:effectLst/>
+                <a:latin typeface="+mn-lt"/>
+                <a:ea typeface="+mn-ea"/>
+                <a:cs typeface="+mn-cs"/>
+              </a:rPr>
+              <a:t> el </a:t>
+            </a:r>
+            <a:r>
+              <a:rPr lang="en-US" sz="1200" b="0" i="0" kern="1200" baseline="0" dirty="0" err="1" smtClean="0">
+                <a:solidFill>
+                  <a:schemeClr val="tx1"/>
+                </a:solidFill>
+                <a:effectLst/>
+                <a:latin typeface="+mn-lt"/>
+                <a:ea typeface="+mn-ea"/>
+                <a:cs typeface="+mn-cs"/>
+              </a:rPr>
+              <a:t>costo</a:t>
+            </a:r>
+            <a:r>
+              <a:rPr lang="en-US" sz="1200" b="0" i="0" kern="1200" baseline="0" dirty="0" smtClean="0">
+                <a:solidFill>
+                  <a:schemeClr val="tx1"/>
+                </a:solidFill>
+                <a:effectLst/>
+                <a:latin typeface="+mn-lt"/>
+                <a:ea typeface="+mn-ea"/>
+                <a:cs typeface="+mn-cs"/>
+              </a:rPr>
+              <a:t> del </a:t>
+            </a:r>
+            <a:r>
+              <a:rPr lang="en-US" sz="1200" b="0" i="0" kern="1200" baseline="0" dirty="0" err="1" smtClean="0">
+                <a:solidFill>
+                  <a:schemeClr val="tx1"/>
+                </a:solidFill>
+                <a:effectLst/>
+                <a:latin typeface="+mn-lt"/>
+                <a:ea typeface="+mn-ea"/>
+                <a:cs typeface="+mn-cs"/>
+              </a:rPr>
+              <a:t>cambio</a:t>
+            </a:r>
+            <a:r>
+              <a:rPr lang="en-US" sz="1200" b="0" i="0" kern="1200" baseline="0" dirty="0" smtClean="0">
+                <a:solidFill>
+                  <a:schemeClr val="tx1"/>
+                </a:solidFill>
+                <a:effectLst/>
+                <a:latin typeface="+mn-lt"/>
+                <a:ea typeface="+mn-ea"/>
+                <a:cs typeface="+mn-cs"/>
+              </a:rPr>
+              <a:t>, lo </a:t>
+            </a:r>
+            <a:r>
+              <a:rPr lang="en-US" sz="1200" b="0" i="0" kern="1200" baseline="0" dirty="0" err="1" smtClean="0">
+                <a:solidFill>
+                  <a:schemeClr val="tx1"/>
+                </a:solidFill>
+                <a:effectLst/>
+                <a:latin typeface="+mn-lt"/>
+                <a:ea typeface="+mn-ea"/>
+                <a:cs typeface="+mn-cs"/>
+              </a:rPr>
+              <a:t>que</a:t>
+            </a:r>
+            <a:r>
+              <a:rPr lang="en-US" sz="1200" b="0" i="0" kern="1200" baseline="0" dirty="0" smtClean="0">
+                <a:solidFill>
+                  <a:schemeClr val="tx1"/>
+                </a:solidFill>
+                <a:effectLst/>
+                <a:latin typeface="+mn-lt"/>
+                <a:ea typeface="+mn-ea"/>
+                <a:cs typeface="+mn-cs"/>
+              </a:rPr>
+              <a:t> </a:t>
+            </a:r>
+            <a:r>
+              <a:rPr lang="en-US" sz="1200" b="0" i="0" kern="1200" baseline="0" dirty="0" err="1" smtClean="0">
+                <a:solidFill>
+                  <a:schemeClr val="tx1"/>
+                </a:solidFill>
+                <a:effectLst/>
+                <a:latin typeface="+mn-lt"/>
+                <a:ea typeface="+mn-ea"/>
+                <a:cs typeface="+mn-cs"/>
+              </a:rPr>
+              <a:t>brinda</a:t>
+            </a:r>
+            <a:r>
+              <a:rPr lang="en-US" sz="1200" b="0" i="0" kern="1200" baseline="0" dirty="0" smtClean="0">
+                <a:solidFill>
+                  <a:schemeClr val="tx1"/>
+                </a:solidFill>
+                <a:effectLst/>
+                <a:latin typeface="+mn-lt"/>
+                <a:ea typeface="+mn-ea"/>
+                <a:cs typeface="+mn-cs"/>
+              </a:rPr>
+              <a:t> </a:t>
+            </a:r>
+            <a:r>
+              <a:rPr lang="en-US" sz="1200" b="0" i="0" kern="1200" baseline="0" dirty="0" err="1" smtClean="0">
+                <a:solidFill>
+                  <a:schemeClr val="tx1"/>
+                </a:solidFill>
+                <a:effectLst/>
+                <a:latin typeface="+mn-lt"/>
+                <a:ea typeface="+mn-ea"/>
+                <a:cs typeface="+mn-cs"/>
+              </a:rPr>
+              <a:t>bastantes</a:t>
+            </a:r>
+            <a:r>
+              <a:rPr lang="en-US" sz="1200" b="0" i="0" kern="1200" baseline="0" dirty="0" smtClean="0">
+                <a:solidFill>
+                  <a:schemeClr val="tx1"/>
+                </a:solidFill>
+                <a:effectLst/>
+                <a:latin typeface="+mn-lt"/>
+                <a:ea typeface="+mn-ea"/>
+                <a:cs typeface="+mn-cs"/>
+              </a:rPr>
+              <a:t> </a:t>
+            </a:r>
+            <a:r>
+              <a:rPr lang="en-US" sz="1200" b="0" i="0" kern="1200" baseline="0" dirty="0" err="1" smtClean="0">
+                <a:solidFill>
+                  <a:schemeClr val="tx1"/>
+                </a:solidFill>
+                <a:effectLst/>
+                <a:latin typeface="+mn-lt"/>
+                <a:ea typeface="+mn-ea"/>
+                <a:cs typeface="+mn-cs"/>
+              </a:rPr>
+              <a:t>flexibilidad</a:t>
+            </a:r>
+            <a:r>
+              <a:rPr lang="en-US" sz="1200" b="0" i="0" kern="1200" baseline="0" dirty="0" smtClean="0">
+                <a:solidFill>
+                  <a:schemeClr val="tx1"/>
+                </a:solidFill>
+                <a:effectLst/>
+                <a:latin typeface="+mn-lt"/>
+                <a:ea typeface="+mn-ea"/>
+                <a:cs typeface="+mn-cs"/>
+              </a:rPr>
+              <a:t> a </a:t>
+            </a:r>
+            <a:r>
+              <a:rPr lang="en-US" sz="1200" b="0" i="0" kern="1200" baseline="0" dirty="0" err="1" smtClean="0">
+                <a:solidFill>
+                  <a:schemeClr val="tx1"/>
+                </a:solidFill>
+                <a:effectLst/>
+                <a:latin typeface="+mn-lt"/>
+                <a:ea typeface="+mn-ea"/>
+                <a:cs typeface="+mn-cs"/>
+              </a:rPr>
+              <a:t>nuestro</a:t>
+            </a:r>
+            <a:r>
+              <a:rPr lang="en-US" sz="1200" b="0" i="0" kern="1200" baseline="0" dirty="0" smtClean="0">
+                <a:solidFill>
+                  <a:schemeClr val="tx1"/>
+                </a:solidFill>
+                <a:effectLst/>
+                <a:latin typeface="+mn-lt"/>
+                <a:ea typeface="+mn-ea"/>
+                <a:cs typeface="+mn-cs"/>
+              </a:rPr>
+              <a:t> </a:t>
+            </a:r>
+            <a:r>
+              <a:rPr lang="en-US" sz="1200" b="0" i="0" kern="1200" baseline="0" dirty="0" err="1" smtClean="0">
+                <a:solidFill>
+                  <a:schemeClr val="tx1"/>
+                </a:solidFill>
+                <a:effectLst/>
+                <a:latin typeface="+mn-lt"/>
+                <a:ea typeface="+mn-ea"/>
+                <a:cs typeface="+mn-cs"/>
+              </a:rPr>
+              <a:t>proceso</a:t>
+            </a:r>
+            <a:r>
+              <a:rPr lang="en-US" sz="1200" b="0" i="0" kern="1200" baseline="0" dirty="0" smtClean="0">
+                <a:solidFill>
+                  <a:schemeClr val="tx1"/>
+                </a:solidFill>
+                <a:effectLst/>
+                <a:latin typeface="+mn-lt"/>
+                <a:ea typeface="+mn-ea"/>
+                <a:cs typeface="+mn-cs"/>
+              </a:rPr>
+              <a:t> de </a:t>
+            </a:r>
+            <a:r>
+              <a:rPr lang="en-US" sz="1200" b="0" i="0" kern="1200" baseline="0" dirty="0" err="1" smtClean="0">
+                <a:solidFill>
+                  <a:schemeClr val="tx1"/>
+                </a:solidFill>
+                <a:effectLst/>
+                <a:latin typeface="+mn-lt"/>
+                <a:ea typeface="+mn-ea"/>
+                <a:cs typeface="+mn-cs"/>
+              </a:rPr>
+              <a:t>desarrollo</a:t>
+            </a:r>
+            <a:r>
+              <a:rPr lang="en-US" sz="1200" b="0" i="0" kern="1200" baseline="0" dirty="0" smtClean="0">
+                <a:solidFill>
+                  <a:schemeClr val="tx1"/>
+                </a:solidFill>
+                <a:effectLst/>
+                <a:latin typeface="+mn-lt"/>
+                <a:ea typeface="+mn-ea"/>
+                <a:cs typeface="+mn-cs"/>
+              </a:rPr>
+              <a:t>.</a:t>
+            </a:r>
+          </a:p>
+          <a:p>
+            <a:endParaRPr lang="en-US" sz="1200" b="0" i="0" kern="1200" baseline="0" dirty="0" smtClean="0">
+              <a:solidFill>
+                <a:schemeClr val="tx1"/>
+              </a:solidFill>
+              <a:effectLst/>
+              <a:latin typeface="+mn-lt"/>
+              <a:ea typeface="+mn-ea"/>
+              <a:cs typeface="+mn-cs"/>
+            </a:endParaRPr>
+          </a:p>
+          <a:p>
+            <a:r>
+              <a:rPr lang="es-PE" dirty="0" smtClean="0">
+                <a:hlinkClick r:id="rId3"/>
+              </a:rPr>
+              <a:t>http://www.codeproject.com/Articles/5404/The-benefits-of-automated-unit-testing</a:t>
+            </a:r>
+            <a:endParaRPr lang="es-PE" dirty="0" smtClean="0"/>
+          </a:p>
+          <a:p>
+            <a:r>
+              <a:rPr lang="es-PE" dirty="0" smtClean="0">
+                <a:hlinkClick r:id="rId4"/>
+              </a:rPr>
+              <a:t>http://onjava.com/pub/a/onjava/2003/04/02/javaxpckbk.html</a:t>
+            </a:r>
+            <a:endParaRPr lang="en-US" sz="1200" b="0" i="0" kern="1200" dirty="0" smtClean="0">
+              <a:solidFill>
+                <a:schemeClr val="tx1"/>
+              </a:solidFill>
+              <a:effectLst/>
+              <a:latin typeface="+mn-lt"/>
+              <a:ea typeface="+mn-ea"/>
+              <a:cs typeface="+mn-cs"/>
+            </a:endParaRPr>
+          </a:p>
           <a:p>
             <a:endParaRPr lang="es-PE" noProof="0" dirty="0"/>
           </a:p>
@@ -5758,7 +6204,7 @@
           <a:bodyPr/>
           <a:lstStyle/>
           <a:p>
-            <a:endParaRPr lang="es-PE" noProof="0" dirty="0"/>
+            <a:endParaRPr lang="es-PE" dirty="0"/>
           </a:p>
         </p:txBody>
       </p:sp>
@@ -5780,1005 +6226,6 @@
             <a:fld id="{80C14895-23C8-45AE-85D5-3B35E5980A68}" type="slidenum">
               <a:rPr lang="es-PE" smtClean="0"/>
               <a:t>38</a:t>
-            </a:fld>
-            <a:endParaRPr lang="es-PE"/>
-          </a:p>
-        </p:txBody>
-      </p:sp>
-    </p:spTree>
-    <p:extLst>
-      <p:ext uri="{BB962C8B-B14F-4D97-AF65-F5344CB8AC3E}">
-        <p14:creationId xmlns:p14="http://schemas.microsoft.com/office/powerpoint/2010/main" val="3432092158"/>
-      </p:ext>
-    </p:extLst>
-  </p:cSld>
-  <p:clrMapOvr>
-    <a:masterClrMapping/>
-  </p:clrMapOvr>
-</p:notes>
-</file>
-
-<file path=ppt/notesSlides/notesSlide39.xml><?xml version="1.0" encoding="utf-8"?>
-<p:notes xmlns:a="http://schemas.openxmlformats.org/drawingml/2006/main" xmlns:r="http://schemas.openxmlformats.org/officeDocument/2006/relationships" xmlns:p="http://schemas.openxmlformats.org/presentationml/2006/main">
-  <p:cSld>
-    <p:spTree>
-      <p:nvGrpSpPr>
-        <p:cNvPr id="1" name=""/>
-        <p:cNvGrpSpPr/>
-        <p:nvPr/>
-      </p:nvGrpSpPr>
-      <p:grpSpPr>
-        <a:xfrm>
-          <a:off x="0" y="0"/>
-          <a:ext cx="0" cy="0"/>
-          <a:chOff x="0" y="0"/>
-          <a:chExt cx="0" cy="0"/>
-        </a:xfrm>
-      </p:grpSpPr>
-      <p:sp>
-        <p:nvSpPr>
-          <p:cNvPr id="2" name="1 Marcador de imagen de diapositiva"/>
-          <p:cNvSpPr>
-            <a:spLocks noGrp="1" noRot="1" noChangeAspect="1"/>
-          </p:cNvSpPr>
-          <p:nvPr>
-            <p:ph type="sldImg"/>
-          </p:nvPr>
-        </p:nvSpPr>
-        <p:spPr/>
-      </p:sp>
-      <p:sp>
-        <p:nvSpPr>
-          <p:cNvPr id="3" name="2 Marcador de notas"/>
-          <p:cNvSpPr>
-            <a:spLocks noGrp="1"/>
-          </p:cNvSpPr>
-          <p:nvPr>
-            <p:ph type="body" idx="1"/>
-          </p:nvPr>
-        </p:nvSpPr>
-        <p:spPr/>
-        <p:txBody>
-          <a:bodyPr/>
-          <a:lstStyle/>
-          <a:p>
-            <a:r>
-              <a:rPr lang="en-US" sz="1200" b="0" i="0" kern="1200" dirty="0" smtClean="0">
-                <a:solidFill>
-                  <a:schemeClr val="tx1"/>
-                </a:solidFill>
-                <a:effectLst/>
-                <a:latin typeface="+mn-lt"/>
-                <a:ea typeface="+mn-ea"/>
-                <a:cs typeface="+mn-cs"/>
-              </a:rPr>
-              <a:t>En general </a:t>
-            </a:r>
-            <a:r>
-              <a:rPr lang="en-US" sz="1200" b="0" i="0" kern="1200" dirty="0" err="1" smtClean="0">
-                <a:solidFill>
-                  <a:schemeClr val="tx1"/>
-                </a:solidFill>
-                <a:effectLst/>
-                <a:latin typeface="+mn-lt"/>
-                <a:ea typeface="+mn-ea"/>
-                <a:cs typeface="+mn-cs"/>
-              </a:rPr>
-              <a:t>podemos</a:t>
-            </a:r>
-            <a:r>
-              <a:rPr lang="en-US" sz="1200" b="0" i="0" kern="1200" dirty="0" smtClean="0">
-                <a:solidFill>
-                  <a:schemeClr val="tx1"/>
-                </a:solidFill>
-                <a:effectLst/>
-                <a:latin typeface="+mn-lt"/>
-                <a:ea typeface="+mn-ea"/>
-                <a:cs typeface="+mn-cs"/>
-              </a:rPr>
-              <a:t> </a:t>
-            </a:r>
-            <a:r>
-              <a:rPr lang="en-US" sz="1200" b="0" i="0" kern="1200" dirty="0" err="1" smtClean="0">
-                <a:solidFill>
-                  <a:schemeClr val="tx1"/>
-                </a:solidFill>
-                <a:effectLst/>
-                <a:latin typeface="+mn-lt"/>
-                <a:ea typeface="+mn-ea"/>
-                <a:cs typeface="+mn-cs"/>
-              </a:rPr>
-              <a:t>decir</a:t>
-            </a:r>
-            <a:r>
-              <a:rPr lang="en-US" sz="1200" b="0" i="0" kern="1200" baseline="0" dirty="0" smtClean="0">
-                <a:solidFill>
-                  <a:schemeClr val="tx1"/>
-                </a:solidFill>
-                <a:effectLst/>
-                <a:latin typeface="+mn-lt"/>
-                <a:ea typeface="+mn-ea"/>
-                <a:cs typeface="+mn-cs"/>
-              </a:rPr>
-              <a:t> </a:t>
-            </a:r>
-            <a:r>
-              <a:rPr lang="en-US" sz="1200" b="0" i="0" kern="1200" baseline="0" dirty="0" err="1" smtClean="0">
-                <a:solidFill>
-                  <a:schemeClr val="tx1"/>
-                </a:solidFill>
-                <a:effectLst/>
-                <a:latin typeface="+mn-lt"/>
-                <a:ea typeface="+mn-ea"/>
-                <a:cs typeface="+mn-cs"/>
-              </a:rPr>
-              <a:t>que</a:t>
-            </a:r>
-            <a:r>
-              <a:rPr lang="en-US" sz="1200" b="0" i="0" kern="1200" baseline="0" dirty="0" smtClean="0">
-                <a:solidFill>
-                  <a:schemeClr val="tx1"/>
-                </a:solidFill>
-                <a:effectLst/>
-                <a:latin typeface="+mn-lt"/>
-                <a:ea typeface="+mn-ea"/>
-                <a:cs typeface="+mn-cs"/>
-              </a:rPr>
-              <a:t> </a:t>
-            </a:r>
-            <a:r>
-              <a:rPr lang="en-US" sz="1200" b="0" i="0" kern="1200" baseline="0" dirty="0" err="1" smtClean="0">
-                <a:solidFill>
-                  <a:schemeClr val="tx1"/>
-                </a:solidFill>
-                <a:effectLst/>
-                <a:latin typeface="+mn-lt"/>
-                <a:ea typeface="+mn-ea"/>
-                <a:cs typeface="+mn-cs"/>
-              </a:rPr>
-              <a:t>uno</a:t>
-            </a:r>
-            <a:r>
-              <a:rPr lang="en-US" sz="1200" b="0" i="0" kern="1200" baseline="0" dirty="0" smtClean="0">
-                <a:solidFill>
-                  <a:schemeClr val="tx1"/>
-                </a:solidFill>
-                <a:effectLst/>
-                <a:latin typeface="+mn-lt"/>
-                <a:ea typeface="+mn-ea"/>
-                <a:cs typeface="+mn-cs"/>
-              </a:rPr>
-              <a:t> de </a:t>
-            </a:r>
-            <a:r>
-              <a:rPr lang="en-US" sz="1200" b="0" i="0" kern="1200" baseline="0" dirty="0" err="1" smtClean="0">
-                <a:solidFill>
-                  <a:schemeClr val="tx1"/>
-                </a:solidFill>
-                <a:effectLst/>
-                <a:latin typeface="+mn-lt"/>
-                <a:ea typeface="+mn-ea"/>
-                <a:cs typeface="+mn-cs"/>
-              </a:rPr>
-              <a:t>lso</a:t>
-            </a:r>
-            <a:r>
-              <a:rPr lang="en-US" sz="1200" b="0" i="0" kern="1200" baseline="0" dirty="0" smtClean="0">
-                <a:solidFill>
-                  <a:schemeClr val="tx1"/>
-                </a:solidFill>
-                <a:effectLst/>
-                <a:latin typeface="+mn-lt"/>
-                <a:ea typeface="+mn-ea"/>
-                <a:cs typeface="+mn-cs"/>
-              </a:rPr>
-              <a:t> </a:t>
-            </a:r>
-            <a:r>
-              <a:rPr lang="en-US" sz="1200" b="0" i="0" kern="1200" baseline="0" dirty="0" err="1" smtClean="0">
-                <a:solidFill>
-                  <a:schemeClr val="tx1"/>
-                </a:solidFill>
-                <a:effectLst/>
-                <a:latin typeface="+mn-lt"/>
-                <a:ea typeface="+mn-ea"/>
-                <a:cs typeface="+mn-cs"/>
-              </a:rPr>
-              <a:t>beneficios</a:t>
-            </a:r>
-            <a:r>
-              <a:rPr lang="en-US" sz="1200" b="0" i="0" kern="1200" baseline="0" dirty="0" smtClean="0">
-                <a:solidFill>
-                  <a:schemeClr val="tx1"/>
-                </a:solidFill>
-                <a:effectLst/>
-                <a:latin typeface="+mn-lt"/>
-                <a:ea typeface="+mn-ea"/>
-                <a:cs typeface="+mn-cs"/>
-              </a:rPr>
-              <a:t> </a:t>
-            </a:r>
-            <a:r>
-              <a:rPr lang="en-US" sz="1200" b="0" i="0" kern="1200" baseline="0" dirty="0" err="1" smtClean="0">
-                <a:solidFill>
-                  <a:schemeClr val="tx1"/>
-                </a:solidFill>
-                <a:effectLst/>
-                <a:latin typeface="+mn-lt"/>
-                <a:ea typeface="+mn-ea"/>
-                <a:cs typeface="+mn-cs"/>
-              </a:rPr>
-              <a:t>es</a:t>
-            </a:r>
-            <a:r>
-              <a:rPr lang="en-US" sz="1200" b="0" i="0" kern="1200" baseline="0" dirty="0" smtClean="0">
-                <a:solidFill>
-                  <a:schemeClr val="tx1"/>
-                </a:solidFill>
-                <a:effectLst/>
-                <a:latin typeface="+mn-lt"/>
-                <a:ea typeface="+mn-ea"/>
-                <a:cs typeface="+mn-cs"/>
-              </a:rPr>
-              <a:t> </a:t>
-            </a:r>
-            <a:r>
-              <a:rPr lang="en-US" sz="1200" b="0" i="0" kern="1200" baseline="0" dirty="0" err="1" smtClean="0">
-                <a:solidFill>
-                  <a:schemeClr val="tx1"/>
-                </a:solidFill>
-                <a:effectLst/>
-                <a:latin typeface="+mn-lt"/>
-                <a:ea typeface="+mn-ea"/>
-                <a:cs typeface="+mn-cs"/>
-              </a:rPr>
-              <a:t>hacer</a:t>
-            </a:r>
-            <a:r>
-              <a:rPr lang="en-US" sz="1200" b="0" i="0" kern="1200" baseline="0" dirty="0" smtClean="0">
-                <a:solidFill>
-                  <a:schemeClr val="tx1"/>
-                </a:solidFill>
-                <a:effectLst/>
-                <a:latin typeface="+mn-lt"/>
-                <a:ea typeface="+mn-ea"/>
-                <a:cs typeface="+mn-cs"/>
-              </a:rPr>
-              <a:t> </a:t>
-            </a:r>
-            <a:r>
-              <a:rPr lang="en-US" sz="1200" b="0" i="0" kern="1200" baseline="0" dirty="0" err="1" smtClean="0">
-                <a:solidFill>
-                  <a:schemeClr val="tx1"/>
-                </a:solidFill>
-                <a:effectLst/>
-                <a:latin typeface="+mn-lt"/>
-                <a:ea typeface="+mn-ea"/>
-                <a:cs typeface="+mn-cs"/>
-              </a:rPr>
-              <a:t>que</a:t>
-            </a:r>
-            <a:r>
-              <a:rPr lang="en-US" sz="1200" b="0" i="0" kern="1200" baseline="0" dirty="0" smtClean="0">
-                <a:solidFill>
-                  <a:schemeClr val="tx1"/>
-                </a:solidFill>
-                <a:effectLst/>
-                <a:latin typeface="+mn-lt"/>
-                <a:ea typeface="+mn-ea"/>
-                <a:cs typeface="+mn-cs"/>
-              </a:rPr>
-              <a:t> el </a:t>
-            </a:r>
-            <a:r>
-              <a:rPr lang="en-US" sz="1200" b="0" i="0" kern="1200" baseline="0" dirty="0" err="1" smtClean="0">
-                <a:solidFill>
-                  <a:schemeClr val="tx1"/>
-                </a:solidFill>
-                <a:effectLst/>
-                <a:latin typeface="+mn-lt"/>
-                <a:ea typeface="+mn-ea"/>
-                <a:cs typeface="+mn-cs"/>
-              </a:rPr>
-              <a:t>cambio</a:t>
-            </a:r>
-            <a:r>
-              <a:rPr lang="en-US" sz="1200" b="0" i="0" kern="1200" baseline="0" dirty="0" smtClean="0">
-                <a:solidFill>
-                  <a:schemeClr val="tx1"/>
-                </a:solidFill>
-                <a:effectLst/>
-                <a:latin typeface="+mn-lt"/>
-                <a:ea typeface="+mn-ea"/>
-                <a:cs typeface="+mn-cs"/>
-              </a:rPr>
-              <a:t> se </a:t>
-            </a:r>
-            <a:r>
-              <a:rPr lang="en-US" sz="1200" b="0" i="0" kern="1200" baseline="0" dirty="0" err="1" smtClean="0">
-                <a:solidFill>
-                  <a:schemeClr val="tx1"/>
-                </a:solidFill>
-                <a:effectLst/>
-                <a:latin typeface="+mn-lt"/>
-                <a:ea typeface="+mn-ea"/>
-                <a:cs typeface="+mn-cs"/>
-              </a:rPr>
-              <a:t>más</a:t>
-            </a:r>
-            <a:r>
-              <a:rPr lang="en-US" sz="1200" b="0" i="0" kern="1200" baseline="0" dirty="0" smtClean="0">
-                <a:solidFill>
-                  <a:schemeClr val="tx1"/>
-                </a:solidFill>
-                <a:effectLst/>
-                <a:latin typeface="+mn-lt"/>
-                <a:ea typeface="+mn-ea"/>
-                <a:cs typeface="+mn-cs"/>
-              </a:rPr>
-              <a:t> </a:t>
-            </a:r>
-            <a:r>
-              <a:rPr lang="en-US" sz="1200" b="0" i="0" kern="1200" baseline="0" dirty="0" err="1" smtClean="0">
-                <a:solidFill>
-                  <a:schemeClr val="tx1"/>
-                </a:solidFill>
-                <a:effectLst/>
-                <a:latin typeface="+mn-lt"/>
-                <a:ea typeface="+mn-ea"/>
-                <a:cs typeface="+mn-cs"/>
-              </a:rPr>
-              <a:t>facil</a:t>
-            </a:r>
-            <a:r>
-              <a:rPr lang="en-US" sz="1200" b="0" i="0" kern="1200" baseline="0" dirty="0" smtClean="0">
-                <a:solidFill>
-                  <a:schemeClr val="tx1"/>
-                </a:solidFill>
-                <a:effectLst/>
-                <a:latin typeface="+mn-lt"/>
-                <a:ea typeface="+mn-ea"/>
-                <a:cs typeface="+mn-cs"/>
-              </a:rPr>
-              <a:t> de </a:t>
-            </a:r>
-            <a:r>
-              <a:rPr lang="en-US" sz="1200" b="0" i="0" kern="1200" baseline="0" dirty="0" err="1" smtClean="0">
-                <a:solidFill>
-                  <a:schemeClr val="tx1"/>
-                </a:solidFill>
-                <a:effectLst/>
-                <a:latin typeface="+mn-lt"/>
-                <a:ea typeface="+mn-ea"/>
-                <a:cs typeface="+mn-cs"/>
-              </a:rPr>
-              <a:t>realizar</a:t>
-            </a:r>
-            <a:r>
-              <a:rPr lang="en-US" sz="1200" b="0" i="0" kern="1200" baseline="0" dirty="0" smtClean="0">
-                <a:solidFill>
-                  <a:schemeClr val="tx1"/>
-                </a:solidFill>
-                <a:effectLst/>
-                <a:latin typeface="+mn-lt"/>
-                <a:ea typeface="+mn-ea"/>
-                <a:cs typeface="+mn-cs"/>
-              </a:rPr>
-              <a:t> (</a:t>
-            </a:r>
-            <a:r>
-              <a:rPr lang="en-US" sz="1200" b="0" i="0" kern="1200" baseline="0" dirty="0" err="1" smtClean="0">
-                <a:solidFill>
-                  <a:schemeClr val="tx1"/>
-                </a:solidFill>
-                <a:effectLst/>
-                <a:latin typeface="+mn-lt"/>
-                <a:ea typeface="+mn-ea"/>
-                <a:cs typeface="+mn-cs"/>
-              </a:rPr>
-              <a:t>funcional</a:t>
-            </a:r>
-            <a:r>
-              <a:rPr lang="en-US" sz="1200" b="0" i="0" kern="1200" baseline="0" dirty="0" smtClean="0">
-                <a:solidFill>
-                  <a:schemeClr val="tx1"/>
-                </a:solidFill>
-                <a:effectLst/>
-                <a:latin typeface="+mn-lt"/>
-                <a:ea typeface="+mn-ea"/>
-                <a:cs typeface="+mn-cs"/>
-              </a:rPr>
-              <a:t> o </a:t>
-            </a:r>
-            <a:r>
-              <a:rPr lang="en-US" sz="1200" b="0" i="0" kern="1200" baseline="0" dirty="0" err="1" smtClean="0">
-                <a:solidFill>
-                  <a:schemeClr val="tx1"/>
-                </a:solidFill>
-                <a:effectLst/>
-                <a:latin typeface="+mn-lt"/>
-                <a:ea typeface="+mn-ea"/>
-                <a:cs typeface="+mn-cs"/>
-              </a:rPr>
-              <a:t>diseño</a:t>
-            </a:r>
-            <a:r>
-              <a:rPr lang="en-US" sz="1200" b="0" i="0" kern="1200" baseline="0" dirty="0" smtClean="0">
-                <a:solidFill>
-                  <a:schemeClr val="tx1"/>
-                </a:solidFill>
-                <a:effectLst/>
-                <a:latin typeface="+mn-lt"/>
-                <a:ea typeface="+mn-ea"/>
-                <a:cs typeface="+mn-cs"/>
-              </a:rPr>
-              <a:t>). </a:t>
-            </a:r>
-            <a:r>
-              <a:rPr lang="en-US" sz="1200" b="0" i="0" kern="1200" baseline="0" dirty="0" err="1" smtClean="0">
-                <a:solidFill>
-                  <a:schemeClr val="tx1"/>
-                </a:solidFill>
-                <a:effectLst/>
-                <a:latin typeface="+mn-lt"/>
-                <a:ea typeface="+mn-ea"/>
-                <a:cs typeface="+mn-cs"/>
-              </a:rPr>
-              <a:t>Todos</a:t>
-            </a:r>
-            <a:r>
-              <a:rPr lang="en-US" sz="1200" b="0" i="0" kern="1200" baseline="0" dirty="0" smtClean="0">
-                <a:solidFill>
-                  <a:schemeClr val="tx1"/>
-                </a:solidFill>
-                <a:effectLst/>
-                <a:latin typeface="+mn-lt"/>
-                <a:ea typeface="+mn-ea"/>
-                <a:cs typeface="+mn-cs"/>
-              </a:rPr>
-              <a:t> </a:t>
-            </a:r>
-            <a:r>
-              <a:rPr lang="en-US" sz="1200" b="0" i="0" kern="1200" baseline="0" dirty="0" err="1" smtClean="0">
-                <a:solidFill>
-                  <a:schemeClr val="tx1"/>
-                </a:solidFill>
-                <a:effectLst/>
-                <a:latin typeface="+mn-lt"/>
-                <a:ea typeface="+mn-ea"/>
-                <a:cs typeface="+mn-cs"/>
-              </a:rPr>
-              <a:t>conocemos</a:t>
-            </a:r>
-            <a:r>
-              <a:rPr lang="en-US" sz="1200" b="0" i="0" kern="1200" baseline="0" dirty="0" smtClean="0">
-                <a:solidFill>
-                  <a:schemeClr val="tx1"/>
-                </a:solidFill>
-                <a:effectLst/>
-                <a:latin typeface="+mn-lt"/>
-                <a:ea typeface="+mn-ea"/>
-                <a:cs typeface="+mn-cs"/>
-              </a:rPr>
-              <a:t> la </a:t>
-            </a:r>
-            <a:r>
-              <a:rPr lang="en-US" sz="1200" b="0" i="0" kern="1200" baseline="0" dirty="0" err="1" smtClean="0">
-                <a:solidFill>
-                  <a:schemeClr val="tx1"/>
-                </a:solidFill>
-                <a:effectLst/>
-                <a:latin typeface="+mn-lt"/>
-                <a:ea typeface="+mn-ea"/>
-                <a:cs typeface="+mn-cs"/>
-              </a:rPr>
-              <a:t>curva</a:t>
-            </a:r>
-            <a:r>
-              <a:rPr lang="en-US" sz="1200" b="0" i="0" kern="1200" baseline="0" dirty="0" smtClean="0">
-                <a:solidFill>
-                  <a:schemeClr val="tx1"/>
-                </a:solidFill>
-                <a:effectLst/>
-                <a:latin typeface="+mn-lt"/>
-                <a:ea typeface="+mn-ea"/>
-                <a:cs typeface="+mn-cs"/>
-              </a:rPr>
-              <a:t> del </a:t>
-            </a:r>
-            <a:r>
-              <a:rPr lang="en-US" sz="1200" b="0" i="0" kern="1200" baseline="0" dirty="0" err="1" smtClean="0">
-                <a:solidFill>
-                  <a:schemeClr val="tx1"/>
-                </a:solidFill>
-                <a:effectLst/>
-                <a:latin typeface="+mn-lt"/>
-                <a:ea typeface="+mn-ea"/>
-                <a:cs typeface="+mn-cs"/>
-              </a:rPr>
-              <a:t>cambio</a:t>
-            </a:r>
-            <a:r>
-              <a:rPr lang="en-US" sz="1200" b="0" i="0" kern="1200" baseline="0" dirty="0" smtClean="0">
-                <a:solidFill>
-                  <a:schemeClr val="tx1"/>
-                </a:solidFill>
-                <a:effectLst/>
-                <a:latin typeface="+mn-lt"/>
-                <a:ea typeface="+mn-ea"/>
-                <a:cs typeface="+mn-cs"/>
-              </a:rPr>
-              <a:t>, </a:t>
-            </a:r>
-            <a:r>
-              <a:rPr lang="en-US" sz="1200" b="0" i="0" kern="1200" baseline="0" dirty="0" err="1" smtClean="0">
-                <a:solidFill>
-                  <a:schemeClr val="tx1"/>
-                </a:solidFill>
-                <a:effectLst/>
-                <a:latin typeface="+mn-lt"/>
-                <a:ea typeface="+mn-ea"/>
-                <a:cs typeface="+mn-cs"/>
-              </a:rPr>
-              <a:t>entonces</a:t>
-            </a:r>
-            <a:r>
-              <a:rPr lang="en-US" sz="1200" b="0" i="0" kern="1200" baseline="0" dirty="0" smtClean="0">
-                <a:solidFill>
-                  <a:schemeClr val="tx1"/>
-                </a:solidFill>
-                <a:effectLst/>
-                <a:latin typeface="+mn-lt"/>
-                <a:ea typeface="+mn-ea"/>
-                <a:cs typeface="+mn-cs"/>
-              </a:rPr>
-              <a:t> </a:t>
-            </a:r>
-            <a:r>
-              <a:rPr lang="en-US" sz="1200" b="0" i="0" kern="1200" baseline="0" dirty="0" err="1" smtClean="0">
-                <a:solidFill>
-                  <a:schemeClr val="tx1"/>
-                </a:solidFill>
-                <a:effectLst/>
-                <a:latin typeface="+mn-lt"/>
-                <a:ea typeface="+mn-ea"/>
-                <a:cs typeface="+mn-cs"/>
-              </a:rPr>
-              <a:t>cuando</a:t>
-            </a:r>
-            <a:r>
-              <a:rPr lang="en-US" sz="1200" b="0" i="0" kern="1200" baseline="0" dirty="0" smtClean="0">
-                <a:solidFill>
-                  <a:schemeClr val="tx1"/>
-                </a:solidFill>
-                <a:effectLst/>
-                <a:latin typeface="+mn-lt"/>
-                <a:ea typeface="+mn-ea"/>
-                <a:cs typeface="+mn-cs"/>
-              </a:rPr>
-              <a:t> </a:t>
-            </a:r>
-            <a:r>
-              <a:rPr lang="en-US" sz="1200" b="0" i="0" kern="1200" baseline="0" dirty="0" err="1" smtClean="0">
-                <a:solidFill>
-                  <a:schemeClr val="tx1"/>
-                </a:solidFill>
-                <a:effectLst/>
-                <a:latin typeface="+mn-lt"/>
-                <a:ea typeface="+mn-ea"/>
-                <a:cs typeface="+mn-cs"/>
-              </a:rPr>
-              <a:t>facilitamos</a:t>
-            </a:r>
-            <a:r>
-              <a:rPr lang="en-US" sz="1200" b="0" i="0" kern="1200" baseline="0" dirty="0" smtClean="0">
-                <a:solidFill>
-                  <a:schemeClr val="tx1"/>
-                </a:solidFill>
-                <a:effectLst/>
-                <a:latin typeface="+mn-lt"/>
-                <a:ea typeface="+mn-ea"/>
-                <a:cs typeface="+mn-cs"/>
-              </a:rPr>
-              <a:t> el </a:t>
-            </a:r>
-            <a:r>
-              <a:rPr lang="en-US" sz="1200" b="0" i="0" kern="1200" baseline="0" dirty="0" err="1" smtClean="0">
-                <a:solidFill>
-                  <a:schemeClr val="tx1"/>
-                </a:solidFill>
-                <a:effectLst/>
-                <a:latin typeface="+mn-lt"/>
-                <a:ea typeface="+mn-ea"/>
-                <a:cs typeface="+mn-cs"/>
-              </a:rPr>
-              <a:t>cambio</a:t>
-            </a:r>
-            <a:r>
-              <a:rPr lang="en-US" sz="1200" b="0" i="0" kern="1200" baseline="0" dirty="0" smtClean="0">
-                <a:solidFill>
-                  <a:schemeClr val="tx1"/>
-                </a:solidFill>
-                <a:effectLst/>
-                <a:latin typeface="+mn-lt"/>
-                <a:ea typeface="+mn-ea"/>
-                <a:cs typeface="+mn-cs"/>
-              </a:rPr>
-              <a:t>, </a:t>
-            </a:r>
-            <a:r>
-              <a:rPr lang="en-US" sz="1200" b="0" i="0" kern="1200" baseline="0" dirty="0" err="1" smtClean="0">
-                <a:solidFill>
-                  <a:schemeClr val="tx1"/>
-                </a:solidFill>
-                <a:effectLst/>
-                <a:latin typeface="+mn-lt"/>
-                <a:ea typeface="+mn-ea"/>
-                <a:cs typeface="+mn-cs"/>
-              </a:rPr>
-              <a:t>significa</a:t>
-            </a:r>
-            <a:r>
-              <a:rPr lang="en-US" sz="1200" b="0" i="0" kern="1200" baseline="0" dirty="0" smtClean="0">
-                <a:solidFill>
-                  <a:schemeClr val="tx1"/>
-                </a:solidFill>
-                <a:effectLst/>
-                <a:latin typeface="+mn-lt"/>
-                <a:ea typeface="+mn-ea"/>
-                <a:cs typeface="+mn-cs"/>
-              </a:rPr>
-              <a:t> </a:t>
-            </a:r>
-            <a:r>
-              <a:rPr lang="en-US" sz="1200" b="0" i="0" kern="1200" baseline="0" dirty="0" err="1" smtClean="0">
-                <a:solidFill>
-                  <a:schemeClr val="tx1"/>
-                </a:solidFill>
-                <a:effectLst/>
-                <a:latin typeface="+mn-lt"/>
-                <a:ea typeface="+mn-ea"/>
-                <a:cs typeface="+mn-cs"/>
-              </a:rPr>
-              <a:t>que</a:t>
-            </a:r>
-            <a:r>
-              <a:rPr lang="en-US" sz="1200" b="0" i="0" kern="1200" baseline="0" dirty="0" smtClean="0">
-                <a:solidFill>
-                  <a:schemeClr val="tx1"/>
-                </a:solidFill>
-                <a:effectLst/>
-                <a:latin typeface="+mn-lt"/>
-                <a:ea typeface="+mn-ea"/>
-                <a:cs typeface="+mn-cs"/>
-              </a:rPr>
-              <a:t> </a:t>
-            </a:r>
-            <a:r>
-              <a:rPr lang="en-US" sz="1200" b="0" i="0" kern="1200" baseline="0" dirty="0" err="1" smtClean="0">
-                <a:solidFill>
-                  <a:schemeClr val="tx1"/>
-                </a:solidFill>
-                <a:effectLst/>
-                <a:latin typeface="+mn-lt"/>
-                <a:ea typeface="+mn-ea"/>
-                <a:cs typeface="+mn-cs"/>
-              </a:rPr>
-              <a:t>estamos</a:t>
-            </a:r>
-            <a:r>
-              <a:rPr lang="en-US" sz="1200" b="0" i="0" kern="1200" baseline="0" dirty="0" smtClean="0">
-                <a:solidFill>
-                  <a:schemeClr val="tx1"/>
-                </a:solidFill>
-                <a:effectLst/>
-                <a:latin typeface="+mn-lt"/>
-                <a:ea typeface="+mn-ea"/>
-                <a:cs typeface="+mn-cs"/>
-              </a:rPr>
-              <a:t> </a:t>
-            </a:r>
-            <a:r>
-              <a:rPr lang="en-US" sz="1200" b="0" i="0" kern="1200" baseline="0" dirty="0" err="1" smtClean="0">
-                <a:solidFill>
-                  <a:schemeClr val="tx1"/>
-                </a:solidFill>
-                <a:effectLst/>
-                <a:latin typeface="+mn-lt"/>
-                <a:ea typeface="+mn-ea"/>
-                <a:cs typeface="+mn-cs"/>
-              </a:rPr>
-              <a:t>minimizando</a:t>
-            </a:r>
-            <a:r>
-              <a:rPr lang="en-US" sz="1200" b="0" i="0" kern="1200" baseline="0" dirty="0" smtClean="0">
-                <a:solidFill>
-                  <a:schemeClr val="tx1"/>
-                </a:solidFill>
-                <a:effectLst/>
-                <a:latin typeface="+mn-lt"/>
-                <a:ea typeface="+mn-ea"/>
-                <a:cs typeface="+mn-cs"/>
-              </a:rPr>
-              <a:t> el </a:t>
-            </a:r>
-            <a:r>
-              <a:rPr lang="en-US" sz="1200" b="0" i="0" kern="1200" baseline="0" dirty="0" err="1" smtClean="0">
-                <a:solidFill>
-                  <a:schemeClr val="tx1"/>
-                </a:solidFill>
-                <a:effectLst/>
-                <a:latin typeface="+mn-lt"/>
-                <a:ea typeface="+mn-ea"/>
-                <a:cs typeface="+mn-cs"/>
-              </a:rPr>
-              <a:t>costo</a:t>
-            </a:r>
-            <a:r>
-              <a:rPr lang="en-US" sz="1200" b="0" i="0" kern="1200" baseline="0" dirty="0" smtClean="0">
-                <a:solidFill>
-                  <a:schemeClr val="tx1"/>
-                </a:solidFill>
-                <a:effectLst/>
-                <a:latin typeface="+mn-lt"/>
-                <a:ea typeface="+mn-ea"/>
-                <a:cs typeface="+mn-cs"/>
-              </a:rPr>
-              <a:t> del </a:t>
-            </a:r>
-            <a:r>
-              <a:rPr lang="en-US" sz="1200" b="0" i="0" kern="1200" baseline="0" dirty="0" err="1" smtClean="0">
-                <a:solidFill>
-                  <a:schemeClr val="tx1"/>
-                </a:solidFill>
-                <a:effectLst/>
-                <a:latin typeface="+mn-lt"/>
-                <a:ea typeface="+mn-ea"/>
-                <a:cs typeface="+mn-cs"/>
-              </a:rPr>
-              <a:t>cambio</a:t>
-            </a:r>
-            <a:r>
-              <a:rPr lang="en-US" sz="1200" b="0" i="0" kern="1200" baseline="0" dirty="0" smtClean="0">
-                <a:solidFill>
-                  <a:schemeClr val="tx1"/>
-                </a:solidFill>
-                <a:effectLst/>
-                <a:latin typeface="+mn-lt"/>
-                <a:ea typeface="+mn-ea"/>
-                <a:cs typeface="+mn-cs"/>
-              </a:rPr>
-              <a:t>, lo </a:t>
-            </a:r>
-            <a:r>
-              <a:rPr lang="en-US" sz="1200" b="0" i="0" kern="1200" baseline="0" dirty="0" err="1" smtClean="0">
-                <a:solidFill>
-                  <a:schemeClr val="tx1"/>
-                </a:solidFill>
-                <a:effectLst/>
-                <a:latin typeface="+mn-lt"/>
-                <a:ea typeface="+mn-ea"/>
-                <a:cs typeface="+mn-cs"/>
-              </a:rPr>
-              <a:t>que</a:t>
-            </a:r>
-            <a:r>
-              <a:rPr lang="en-US" sz="1200" b="0" i="0" kern="1200" baseline="0" dirty="0" smtClean="0">
-                <a:solidFill>
-                  <a:schemeClr val="tx1"/>
-                </a:solidFill>
-                <a:effectLst/>
-                <a:latin typeface="+mn-lt"/>
-                <a:ea typeface="+mn-ea"/>
-                <a:cs typeface="+mn-cs"/>
-              </a:rPr>
-              <a:t> </a:t>
-            </a:r>
-            <a:r>
-              <a:rPr lang="en-US" sz="1200" b="0" i="0" kern="1200" baseline="0" dirty="0" err="1" smtClean="0">
-                <a:solidFill>
-                  <a:schemeClr val="tx1"/>
-                </a:solidFill>
-                <a:effectLst/>
-                <a:latin typeface="+mn-lt"/>
-                <a:ea typeface="+mn-ea"/>
-                <a:cs typeface="+mn-cs"/>
-              </a:rPr>
-              <a:t>brinda</a:t>
-            </a:r>
-            <a:r>
-              <a:rPr lang="en-US" sz="1200" b="0" i="0" kern="1200" baseline="0" dirty="0" smtClean="0">
-                <a:solidFill>
-                  <a:schemeClr val="tx1"/>
-                </a:solidFill>
-                <a:effectLst/>
-                <a:latin typeface="+mn-lt"/>
-                <a:ea typeface="+mn-ea"/>
-                <a:cs typeface="+mn-cs"/>
-              </a:rPr>
-              <a:t> </a:t>
-            </a:r>
-            <a:r>
-              <a:rPr lang="en-US" sz="1200" b="0" i="0" kern="1200" baseline="0" dirty="0" err="1" smtClean="0">
-                <a:solidFill>
-                  <a:schemeClr val="tx1"/>
-                </a:solidFill>
-                <a:effectLst/>
-                <a:latin typeface="+mn-lt"/>
-                <a:ea typeface="+mn-ea"/>
-                <a:cs typeface="+mn-cs"/>
-              </a:rPr>
-              <a:t>bastantes</a:t>
-            </a:r>
-            <a:r>
-              <a:rPr lang="en-US" sz="1200" b="0" i="0" kern="1200" baseline="0" dirty="0" smtClean="0">
-                <a:solidFill>
-                  <a:schemeClr val="tx1"/>
-                </a:solidFill>
-                <a:effectLst/>
-                <a:latin typeface="+mn-lt"/>
-                <a:ea typeface="+mn-ea"/>
-                <a:cs typeface="+mn-cs"/>
-              </a:rPr>
-              <a:t> </a:t>
-            </a:r>
-            <a:r>
-              <a:rPr lang="en-US" sz="1200" b="0" i="0" kern="1200" baseline="0" dirty="0" err="1" smtClean="0">
-                <a:solidFill>
-                  <a:schemeClr val="tx1"/>
-                </a:solidFill>
-                <a:effectLst/>
-                <a:latin typeface="+mn-lt"/>
-                <a:ea typeface="+mn-ea"/>
-                <a:cs typeface="+mn-cs"/>
-              </a:rPr>
-              <a:t>flexibilidad</a:t>
-            </a:r>
-            <a:r>
-              <a:rPr lang="en-US" sz="1200" b="0" i="0" kern="1200" baseline="0" dirty="0" smtClean="0">
-                <a:solidFill>
-                  <a:schemeClr val="tx1"/>
-                </a:solidFill>
-                <a:effectLst/>
-                <a:latin typeface="+mn-lt"/>
-                <a:ea typeface="+mn-ea"/>
-                <a:cs typeface="+mn-cs"/>
-              </a:rPr>
-              <a:t> a </a:t>
-            </a:r>
-            <a:r>
-              <a:rPr lang="en-US" sz="1200" b="0" i="0" kern="1200" baseline="0" dirty="0" err="1" smtClean="0">
-                <a:solidFill>
-                  <a:schemeClr val="tx1"/>
-                </a:solidFill>
-                <a:effectLst/>
-                <a:latin typeface="+mn-lt"/>
-                <a:ea typeface="+mn-ea"/>
-                <a:cs typeface="+mn-cs"/>
-              </a:rPr>
-              <a:t>nuestro</a:t>
-            </a:r>
-            <a:r>
-              <a:rPr lang="en-US" sz="1200" b="0" i="0" kern="1200" baseline="0" dirty="0" smtClean="0">
-                <a:solidFill>
-                  <a:schemeClr val="tx1"/>
-                </a:solidFill>
-                <a:effectLst/>
-                <a:latin typeface="+mn-lt"/>
-                <a:ea typeface="+mn-ea"/>
-                <a:cs typeface="+mn-cs"/>
-              </a:rPr>
-              <a:t> </a:t>
-            </a:r>
-            <a:r>
-              <a:rPr lang="en-US" sz="1200" b="0" i="0" kern="1200" baseline="0" dirty="0" err="1" smtClean="0">
-                <a:solidFill>
-                  <a:schemeClr val="tx1"/>
-                </a:solidFill>
-                <a:effectLst/>
-                <a:latin typeface="+mn-lt"/>
-                <a:ea typeface="+mn-ea"/>
-                <a:cs typeface="+mn-cs"/>
-              </a:rPr>
-              <a:t>proceso</a:t>
-            </a:r>
-            <a:r>
-              <a:rPr lang="en-US" sz="1200" b="0" i="0" kern="1200" baseline="0" dirty="0" smtClean="0">
-                <a:solidFill>
-                  <a:schemeClr val="tx1"/>
-                </a:solidFill>
-                <a:effectLst/>
-                <a:latin typeface="+mn-lt"/>
-                <a:ea typeface="+mn-ea"/>
-                <a:cs typeface="+mn-cs"/>
-              </a:rPr>
-              <a:t> de </a:t>
-            </a:r>
-            <a:r>
-              <a:rPr lang="en-US" sz="1200" b="0" i="0" kern="1200" baseline="0" dirty="0" err="1" smtClean="0">
-                <a:solidFill>
-                  <a:schemeClr val="tx1"/>
-                </a:solidFill>
-                <a:effectLst/>
-                <a:latin typeface="+mn-lt"/>
-                <a:ea typeface="+mn-ea"/>
-                <a:cs typeface="+mn-cs"/>
-              </a:rPr>
-              <a:t>desarrollo</a:t>
-            </a:r>
-            <a:r>
-              <a:rPr lang="en-US" sz="1200" b="0" i="0" kern="1200" baseline="0" dirty="0" smtClean="0">
-                <a:solidFill>
-                  <a:schemeClr val="tx1"/>
-                </a:solidFill>
-                <a:effectLst/>
-                <a:latin typeface="+mn-lt"/>
-                <a:ea typeface="+mn-ea"/>
-                <a:cs typeface="+mn-cs"/>
-              </a:rPr>
-              <a:t>.</a:t>
-            </a:r>
-          </a:p>
-          <a:p>
-            <a:endParaRPr lang="en-US" sz="1200" b="0" i="0" kern="1200" baseline="0" dirty="0" smtClean="0">
-              <a:solidFill>
-                <a:schemeClr val="tx1"/>
-              </a:solidFill>
-              <a:effectLst/>
-              <a:latin typeface="+mn-lt"/>
-              <a:ea typeface="+mn-ea"/>
-              <a:cs typeface="+mn-cs"/>
-            </a:endParaRPr>
-          </a:p>
-          <a:p>
-            <a:r>
-              <a:rPr lang="es-PE" dirty="0" smtClean="0">
-                <a:hlinkClick r:id="rId3"/>
-              </a:rPr>
-              <a:t>http://www.codeproject.com/Articles/5404/The-benefits-of-automated-unit-testing</a:t>
-            </a:r>
-            <a:endParaRPr lang="es-PE" dirty="0" smtClean="0"/>
-          </a:p>
-          <a:p>
-            <a:r>
-              <a:rPr lang="es-PE" dirty="0" smtClean="0">
-                <a:hlinkClick r:id="rId4"/>
-              </a:rPr>
-              <a:t>http://onjava.com/pub/a/onjava/2003/04/02/javaxpckbk.html</a:t>
-            </a:r>
-            <a:endParaRPr lang="en-US" sz="1200" b="0" i="0" kern="1200" dirty="0" smtClean="0">
-              <a:solidFill>
-                <a:schemeClr val="tx1"/>
-              </a:solidFill>
-              <a:effectLst/>
-              <a:latin typeface="+mn-lt"/>
-              <a:ea typeface="+mn-ea"/>
-              <a:cs typeface="+mn-cs"/>
-            </a:endParaRPr>
-          </a:p>
-          <a:p>
-            <a:endParaRPr lang="es-PE" noProof="0" dirty="0"/>
-          </a:p>
-        </p:txBody>
-      </p:sp>
-      <p:sp>
-        <p:nvSpPr>
-          <p:cNvPr id="4" name="3 Marcador de número de diapositiva"/>
-          <p:cNvSpPr>
-            <a:spLocks noGrp="1"/>
-          </p:cNvSpPr>
-          <p:nvPr>
-            <p:ph type="sldNum" sz="quarter" idx="10"/>
-          </p:nvPr>
-        </p:nvSpPr>
-        <p:spPr/>
-        <p:txBody>
-          <a:bodyPr/>
-          <a:lstStyle/>
-          <a:p>
-            <a:fld id="{80C14895-23C8-45AE-85D5-3B35E5980A68}" type="slidenum">
-              <a:rPr lang="es-PE" smtClean="0"/>
-              <a:t>39</a:t>
             </a:fld>
             <a:endParaRPr lang="es-PE"/>
           </a:p>
@@ -6994,139 +6441,6 @@
 </p:notes>
 </file>
 
-<file path=ppt/notesSlides/notesSlide40.xml><?xml version="1.0" encoding="utf-8"?>
-<p:notes xmlns:a="http://schemas.openxmlformats.org/drawingml/2006/main" xmlns:r="http://schemas.openxmlformats.org/officeDocument/2006/relationships" xmlns:p="http://schemas.openxmlformats.org/presentationml/2006/main">
-  <p:cSld>
-    <p:spTree>
-      <p:nvGrpSpPr>
-        <p:cNvPr id="1" name=""/>
-        <p:cNvGrpSpPr/>
-        <p:nvPr/>
-      </p:nvGrpSpPr>
-      <p:grpSpPr>
-        <a:xfrm>
-          <a:off x="0" y="0"/>
-          <a:ext cx="0" cy="0"/>
-          <a:chOff x="0" y="0"/>
-          <a:chExt cx="0" cy="0"/>
-        </a:xfrm>
-      </p:grpSpPr>
-      <p:sp>
-        <p:nvSpPr>
-          <p:cNvPr id="2" name="1 Marcador de imagen de diapositiva"/>
-          <p:cNvSpPr>
-            <a:spLocks noGrp="1" noRot="1" noChangeAspect="1"/>
-          </p:cNvSpPr>
-          <p:nvPr>
-            <p:ph type="sldImg"/>
-          </p:nvPr>
-        </p:nvSpPr>
-        <p:spPr/>
-      </p:sp>
-      <p:sp>
-        <p:nvSpPr>
-          <p:cNvPr id="3" name="2 Marcador de notas"/>
-          <p:cNvSpPr>
-            <a:spLocks noGrp="1"/>
-          </p:cNvSpPr>
-          <p:nvPr>
-            <p:ph type="body" idx="1"/>
-          </p:nvPr>
-        </p:nvSpPr>
-        <p:spPr/>
-        <p:txBody>
-          <a:bodyPr/>
-          <a:lstStyle/>
-          <a:p>
-            <a:pPr marL="0" marR="0" indent="0" algn="l" defTabSz="914400" rtl="0" eaLnBrk="1" fontAlgn="auto" latinLnBrk="0" hangingPunct="1">
-              <a:lnSpc>
-                <a:spcPct val="100000"/>
-              </a:lnSpc>
-              <a:spcBef>
-                <a:spcPts val="0"/>
-              </a:spcBef>
-              <a:spcAft>
-                <a:spcPts val="0"/>
-              </a:spcAft>
-              <a:buClrTx/>
-              <a:buSzTx/>
-              <a:buFontTx/>
-              <a:buNone/>
-              <a:tabLst/>
-              <a:defRPr/>
-            </a:pPr>
-            <a:r>
-              <a:rPr lang="es-PE" sz="1200" dirty="0" smtClean="0"/>
-              <a:t>Guide </a:t>
-            </a:r>
-            <a:r>
-              <a:rPr lang="es-PE" sz="1200" dirty="0" err="1" smtClean="0"/>
-              <a:t>Writing</a:t>
-            </a:r>
-            <a:r>
-              <a:rPr lang="es-PE" sz="1200" dirty="0" smtClean="0"/>
-              <a:t> Testeable </a:t>
-            </a:r>
-            <a:r>
-              <a:rPr lang="es-PE" sz="1200" dirty="0" err="1" smtClean="0"/>
-              <a:t>Code</a:t>
-            </a:r>
-            <a:r>
-              <a:rPr lang="es-PE" sz="1200" dirty="0" smtClean="0"/>
-              <a:t>:</a:t>
-            </a:r>
-            <a:br>
-              <a:rPr lang="es-PE" sz="1200" dirty="0" smtClean="0"/>
-            </a:br>
-            <a:r>
-              <a:rPr lang="es-PE" sz="1200" dirty="0" smtClean="0">
-                <a:hlinkClick r:id="rId3"/>
-              </a:rPr>
-              <a:t>http://misko.hevery.com/attachments/Guide-Writing%20Testable%20Code.pdf</a:t>
-            </a:r>
-            <a:endParaRPr lang="es-PE" sz="1200" dirty="0" smtClean="0"/>
-          </a:p>
-          <a:p>
-            <a:endParaRPr lang="es-PE" dirty="0"/>
-          </a:p>
-        </p:txBody>
-      </p:sp>
-      <p:sp>
-        <p:nvSpPr>
-          <p:cNvPr id="4" name="3 Marcador de número de diapositiva"/>
-          <p:cNvSpPr>
-            <a:spLocks noGrp="1"/>
-          </p:cNvSpPr>
-          <p:nvPr>
-            <p:ph type="sldNum" sz="quarter" idx="10"/>
-          </p:nvPr>
-        </p:nvSpPr>
-        <p:spPr/>
-        <p:txBody>
-          <a:bodyPr/>
-          <a:lstStyle/>
-          <a:p>
-            <a:fld id="{80C14895-23C8-45AE-85D5-3B35E5980A68}" type="slidenum">
-              <a:rPr lang="es-PE" smtClean="0"/>
-              <a:t>40</a:t>
-            </a:fld>
-            <a:endParaRPr lang="es-PE"/>
-          </a:p>
-        </p:txBody>
-      </p:sp>
-    </p:spTree>
-    <p:extLst>
-      <p:ext uri="{BB962C8B-B14F-4D97-AF65-F5344CB8AC3E}">
-        <p14:creationId xmlns:p14="http://schemas.microsoft.com/office/powerpoint/2010/main" val="3432092158"/>
-      </p:ext>
-    </p:extLst>
-  </p:cSld>
-  <p:clrMapOvr>
-    <a:masterClrMapping/>
-  </p:clrMapOvr>
-</p:notes>
-</file>
-
 <file path=ppt/notesSlides/notesSlide5.xml><?xml version="1.0" encoding="utf-8"?>
 <p:notes xmlns:a="http://schemas.openxmlformats.org/drawingml/2006/main" xmlns:r="http://schemas.openxmlformats.org/officeDocument/2006/relationships" xmlns:p="http://schemas.openxmlformats.org/presentationml/2006/main">
   <p:cSld>
@@ -8077,7 +7391,7 @@
             <a:fld id="{807CB568-C05F-482F-9F26-AA302B8892DF}" type="datetimeFigureOut">
               <a:rPr lang="es-ES" smtClean="0"/>
               <a:pPr/>
-              <a:t>23/04/2013</a:t>
+              <a:t>24/04/2013</a:t>
             </a:fld>
             <a:endParaRPr lang="es-ES"/>
           </a:p>
@@ -8256,7 +7570,7 @@
             <a:fld id="{807CB568-C05F-482F-9F26-AA302B8892DF}" type="datetimeFigureOut">
               <a:rPr lang="es-ES" smtClean="0"/>
               <a:pPr/>
-              <a:t>23/04/2013</a:t>
+              <a:t>24/04/2013</a:t>
             </a:fld>
             <a:endParaRPr lang="es-ES"/>
           </a:p>
@@ -8445,7 +7759,7 @@
             <a:fld id="{807CB568-C05F-482F-9F26-AA302B8892DF}" type="datetimeFigureOut">
               <a:rPr lang="es-ES" smtClean="0"/>
               <a:pPr/>
-              <a:t>23/04/2013</a:t>
+              <a:t>24/04/2013</a:t>
             </a:fld>
             <a:endParaRPr lang="es-ES"/>
           </a:p>
@@ -8624,7 +7938,7 @@
             <a:fld id="{807CB568-C05F-482F-9F26-AA302B8892DF}" type="datetimeFigureOut">
               <a:rPr lang="es-ES" smtClean="0"/>
               <a:pPr/>
-              <a:t>23/04/2013</a:t>
+              <a:t>24/04/2013</a:t>
             </a:fld>
             <a:endParaRPr lang="es-ES"/>
           </a:p>
@@ -8879,7 +8193,7 @@
             <a:fld id="{807CB568-C05F-482F-9F26-AA302B8892DF}" type="datetimeFigureOut">
               <a:rPr lang="es-ES" smtClean="0"/>
               <a:pPr/>
-              <a:t>23/04/2013</a:t>
+              <a:t>24/04/2013</a:t>
             </a:fld>
             <a:endParaRPr lang="es-ES"/>
           </a:p>
@@ -9176,7 +8490,7 @@
             <a:fld id="{807CB568-C05F-482F-9F26-AA302B8892DF}" type="datetimeFigureOut">
               <a:rPr lang="es-ES" smtClean="0"/>
               <a:pPr/>
-              <a:t>23/04/2013</a:t>
+              <a:t>24/04/2013</a:t>
             </a:fld>
             <a:endParaRPr lang="es-ES"/>
           </a:p>
@@ -9607,7 +8921,7 @@
             <a:fld id="{807CB568-C05F-482F-9F26-AA302B8892DF}" type="datetimeFigureOut">
               <a:rPr lang="es-ES" smtClean="0"/>
               <a:pPr/>
-              <a:t>23/04/2013</a:t>
+              <a:t>24/04/2013</a:t>
             </a:fld>
             <a:endParaRPr lang="es-ES"/>
           </a:p>
@@ -9734,7 +9048,7 @@
             <a:fld id="{807CB568-C05F-482F-9F26-AA302B8892DF}" type="datetimeFigureOut">
               <a:rPr lang="es-ES" smtClean="0"/>
               <a:pPr/>
-              <a:t>23/04/2013</a:t>
+              <a:t>24/04/2013</a:t>
             </a:fld>
             <a:endParaRPr lang="es-ES"/>
           </a:p>
@@ -9838,7 +9152,7 @@
             <a:fld id="{807CB568-C05F-482F-9F26-AA302B8892DF}" type="datetimeFigureOut">
               <a:rPr lang="es-ES" smtClean="0"/>
               <a:pPr/>
-              <a:t>23/04/2013</a:t>
+              <a:t>24/04/2013</a:t>
             </a:fld>
             <a:endParaRPr lang="es-ES"/>
           </a:p>
@@ -10124,7 +9438,7 @@
             <a:fld id="{807CB568-C05F-482F-9F26-AA302B8892DF}" type="datetimeFigureOut">
               <a:rPr lang="es-ES" smtClean="0"/>
               <a:pPr/>
-              <a:t>23/04/2013</a:t>
+              <a:t>24/04/2013</a:t>
             </a:fld>
             <a:endParaRPr lang="es-ES"/>
           </a:p>
@@ -10393,7 +9707,7 @@
             <a:fld id="{807CB568-C05F-482F-9F26-AA302B8892DF}" type="datetimeFigureOut">
               <a:rPr lang="es-ES" smtClean="0"/>
               <a:pPr/>
-              <a:t>23/04/2013</a:t>
+              <a:t>24/04/2013</a:t>
             </a:fld>
             <a:endParaRPr lang="es-ES"/>
           </a:p>
@@ -10644,7 +9958,7 @@
             <a:fld id="{807CB568-C05F-482F-9F26-AA302B8892DF}" type="datetimeFigureOut">
               <a:rPr lang="es-ES" smtClean="0"/>
               <a:pPr/>
-              <a:t>23/04/2013</a:t>
+              <a:t>24/04/2013</a:t>
             </a:fld>
             <a:endParaRPr lang="es-ES"/>
           </a:p>
@@ -15950,28 +15264,12 @@
               <a:t>NET:  </a:t>
             </a:r>
             <a:r>
-              <a:rPr lang="es-PE" sz="2800" dirty="0" err="1" smtClean="0">
-                <a:solidFill>
-                  <a:srgbClr val="FFC000"/>
-                </a:solidFill>
-              </a:rPr>
+              <a:rPr lang="es-PE" sz="2800" dirty="0" err="1" smtClean="0"/>
               <a:t>Moq</a:t>
             </a:r>
             <a:r>
-              <a:rPr lang="es-PE" sz="2800" dirty="0">
-                <a:solidFill>
-                  <a:srgbClr val="FFC000"/>
-                </a:solidFill>
-              </a:rPr>
-              <a:t>,</a:t>
-            </a:r>
-            <a:r>
-              <a:rPr lang="es-PE" sz="2800" dirty="0">
-                <a:solidFill>
-                  <a:srgbClr val="FF0000"/>
-                </a:solidFill>
-              </a:rPr>
-              <a:t> </a:t>
+              <a:rPr lang="es-PE" sz="2800" dirty="0"/>
+              <a:t>, </a:t>
             </a:r>
             <a:r>
               <a:rPr lang="es-PE" sz="2400" dirty="0" err="1"/>
@@ -16005,11 +15303,19 @@
               <a:t>Java:  </a:t>
             </a:r>
             <a:r>
-              <a:rPr lang="es-PE" sz="2800" dirty="0" err="1" smtClean="0"/>
+              <a:rPr lang="es-PE" sz="2800" dirty="0" err="1" smtClean="0">
+                <a:solidFill>
+                  <a:srgbClr val="FFC000"/>
+                </a:solidFill>
+              </a:rPr>
               <a:t>Mockito</a:t>
             </a:r>
             <a:r>
-              <a:rPr lang="es-PE" sz="2800" dirty="0"/>
+              <a:rPr lang="es-PE" sz="2800" dirty="0">
+                <a:solidFill>
+                  <a:srgbClr val="FFC000"/>
+                </a:solidFill>
+              </a:rPr>
               <a:t>, </a:t>
             </a:r>
             <a:r>
@@ -18383,11 +17689,11 @@
   <p:clrMapOvr>
     <a:masterClrMapping/>
   </p:clrMapOvr>
-  <mc:AlternateContent xmlns:mc="http://schemas.openxmlformats.org/markup-compatibility/2006">
-    <mc:Choice xmlns:p14="http://schemas.microsoft.com/office/powerpoint/2010/main" Requires="p14">
+  <mc:AlternateContent xmlns:mc="http://schemas.openxmlformats.org/markup-compatibility/2006" xmlns:p14="http://schemas.microsoft.com/office/powerpoint/2010/main">
+    <mc:Choice Requires="p14">
       <p:transition spd="slow" p14:dur="2000"/>
     </mc:Choice>
-    <mc:Fallback>
+    <mc:Fallback xmlns="">
       <p:transition spd="slow"/>
     </mc:Fallback>
   </mc:AlternateContent>
@@ -19605,37 +18911,24 @@
             </a:r>
             <a:r>
               <a:rPr lang="es-PE" sz="2800" dirty="0" smtClean="0"/>
-              <a:t> para realizar pruebas unitarias a la clase </a:t>
+              <a:t> para realizar pruebas unitarias a la clase "</a:t>
+            </a:r>
+            <a:r>
+              <a:rPr lang="es-PE" sz="2800" dirty="0" err="1" smtClean="0"/>
+              <a:t>CostoEnvioService</a:t>
+            </a:r>
+            <a:r>
+              <a:rPr lang="es-PE" sz="2800" dirty="0" smtClean="0"/>
+              <a:t>" y "</a:t>
+            </a:r>
+            <a:r>
+              <a:rPr lang="es-PE" sz="2800" dirty="0" err="1" smtClean="0"/>
+              <a:t>AlmacenService</a:t>
             </a:r>
             <a:r>
               <a:rPr lang="es-PE" sz="2800" dirty="0" smtClean="0"/>
               <a:t>"</a:t>
             </a:r>
-            <a:r>
-              <a:rPr lang="es-PE" sz="2800" dirty="0" err="1" smtClean="0"/>
-              <a:t>CostoEnvioService</a:t>
-            </a:r>
-            <a:r>
-              <a:rPr lang="es-PE" sz="2800" dirty="0" smtClean="0"/>
-              <a:t>" </a:t>
-            </a:r>
-            <a:r>
-              <a:rPr lang="es-PE" sz="2800" dirty="0" smtClean="0"/>
-              <a:t>y </a:t>
-            </a:r>
-            <a:r>
-              <a:rPr lang="es-PE" sz="2800" dirty="0" smtClean="0"/>
-              <a:t>"</a:t>
-            </a:r>
-            <a:r>
-              <a:rPr lang="es-PE" sz="2800" dirty="0" err="1" smtClean="0"/>
-              <a:t>AlmacenService</a:t>
-            </a:r>
-            <a:r>
-              <a:rPr lang="es-PE" sz="2800" dirty="0" smtClean="0"/>
-              <a:t>"</a:t>
-            </a:r>
-            <a:endParaRPr lang="es-PE" sz="2800" dirty="0" smtClean="0"/>
           </a:p>
         </p:txBody>
       </p:sp>
@@ -20973,7 +20266,6 @@
               <a:rPr lang="es-PE" sz="2400" dirty="0" smtClean="0"/>
               <a:t>.</a:t>
             </a:r>
-            <a:endParaRPr lang="es-PE" sz="2400" dirty="0" smtClean="0"/>
           </a:p>
           <a:p>
             <a:pPr marL="457200" indent="-457200">
@@ -23566,6 +22858,92 @@
       </p:grpSpPr>
       <p:sp>
         <p:nvSpPr>
+          <p:cNvPr id="5" name="4 Rectángulo"/>
+          <p:cNvSpPr/>
+          <p:nvPr/>
+        </p:nvSpPr>
+        <p:spPr>
+          <a:xfrm>
+            <a:off x="539552" y="1484784"/>
+            <a:ext cx="8208912" cy="3970318"/>
+          </a:xfrm>
+          <a:prstGeom prst="rect">
+            <a:avLst/>
+          </a:prstGeom>
+        </p:spPr>
+        <p:txBody>
+          <a:bodyPr wrap="square">
+            <a:spAutoFit/>
+          </a:bodyPr>
+          <a:lstStyle/>
+          <a:p>
+            <a:r>
+              <a:rPr lang="es-PE" sz="3600" dirty="0" smtClean="0"/>
+              <a:t>……. pero no ha sido:</a:t>
+            </a:r>
+          </a:p>
+          <a:p>
+            <a:endParaRPr lang="es-PE" sz="3600" dirty="0" smtClean="0"/>
+          </a:p>
+          <a:p>
+            <a:pPr marL="342900" indent="-342900">
+              <a:buFont typeface="Arial" pitchFamily="34" charset="0"/>
+              <a:buChar char="•"/>
+            </a:pPr>
+            <a:r>
+              <a:rPr lang="es-PE" sz="3600" dirty="0" smtClean="0"/>
+              <a:t>Estructurado</a:t>
+            </a:r>
+          </a:p>
+          <a:p>
+            <a:pPr marL="342900" indent="-342900">
+              <a:buFont typeface="Arial" pitchFamily="34" charset="0"/>
+              <a:buChar char="•"/>
+            </a:pPr>
+            <a:r>
+              <a:rPr lang="es-PE" sz="3600" dirty="0" smtClean="0"/>
+              <a:t>Consistente</a:t>
+            </a:r>
+          </a:p>
+          <a:p>
+            <a:pPr marL="342900" indent="-342900">
+              <a:buFont typeface="Arial" pitchFamily="34" charset="0"/>
+              <a:buChar char="•"/>
+            </a:pPr>
+            <a:r>
+              <a:rPr lang="es-PE" sz="3600" dirty="0" smtClean="0"/>
+              <a:t>Repetible</a:t>
+            </a:r>
+          </a:p>
+          <a:p>
+            <a:pPr marL="342900" indent="-342900">
+              <a:buFont typeface="Arial" pitchFamily="34" charset="0"/>
+              <a:buChar char="•"/>
+            </a:pPr>
+            <a:r>
+              <a:rPr lang="es-PE" sz="3600" dirty="0" smtClean="0"/>
+              <a:t>Fácil</a:t>
+            </a:r>
+          </a:p>
+          <a:p>
+            <a:pPr marL="342900" indent="-342900">
+              <a:buFont typeface="Arial" pitchFamily="34" charset="0"/>
+              <a:buChar char="•"/>
+            </a:pPr>
+            <a:r>
+              <a:rPr lang="es-PE" sz="3600" dirty="0"/>
+              <a:t>En todo el </a:t>
+            </a:r>
+            <a:r>
+              <a:rPr lang="es-PE" sz="3600" dirty="0" smtClean="0"/>
+              <a:t>código</a:t>
+            </a:r>
+            <a:endParaRPr lang="es-PE" sz="3600" dirty="0"/>
+          </a:p>
+        </p:txBody>
+      </p:sp>
+      <p:sp>
+        <p:nvSpPr>
           <p:cNvPr id="6" name="2 Título"/>
           <p:cNvSpPr>
             <a:spLocks noGrp="1"/>
@@ -23576,8 +22954,8 @@
         </p:nvSpPr>
         <p:spPr>
           <a:xfrm>
-            <a:off x="483459" y="260648"/>
-            <a:ext cx="8229600" cy="1224136"/>
+            <a:off x="395536" y="260648"/>
+            <a:ext cx="8461539" cy="936104"/>
           </a:xfrm>
         </p:spPr>
         <p:txBody>
@@ -23590,15 +22968,7 @@
                   <a:srgbClr val="00823B"/>
                 </a:solidFill>
               </a:rPr>
-              <a:t>IBM y Microsoft – Case of </a:t>
-            </a:r>
-            <a:r>
-              <a:rPr lang="es-PE" dirty="0" err="1" smtClean="0">
-                <a:solidFill>
-                  <a:srgbClr val="00823B"/>
-                </a:solidFill>
-              </a:rPr>
-              <a:t>Study</a:t>
+              <a:t>Todos ya lo venimos haciendo</a:t>
             </a:r>
             <a:endParaRPr lang="es-PE" dirty="0">
               <a:solidFill>
@@ -23608,154 +22978,10 @@
           </a:p>
         </p:txBody>
       </p:sp>
-      <p:graphicFrame>
-        <p:nvGraphicFramePr>
-          <p:cNvPr id="7" name="3 Gráfico"/>
-          <p:cNvGraphicFramePr>
-            <a:graphicFrameLocks/>
-          </p:cNvGraphicFramePr>
-          <p:nvPr>
-            <p:extLst>
-              <p:ext uri="{D42A27DB-BD31-4B8C-83A1-F6EECF244321}">
-                <p14:modId xmlns:p14="http://schemas.microsoft.com/office/powerpoint/2010/main" val="4052208735"/>
-              </p:ext>
-            </p:extLst>
-          </p:nvPr>
-        </p:nvGraphicFramePr>
-        <p:xfrm>
-          <a:off x="179512" y="1556792"/>
-          <a:ext cx="8784976" cy="4574455"/>
-        </p:xfrm>
-        <a:graphic>
-          <a:graphicData uri="http://schemas.openxmlformats.org/drawingml/2006/chart">
-            <c:chart xmlns:c="http://schemas.openxmlformats.org/drawingml/2006/chart" xmlns:r="http://schemas.openxmlformats.org/officeDocument/2006/relationships" r:id="rId3"/>
-          </a:graphicData>
-        </a:graphic>
-      </p:graphicFrame>
-      <p:sp>
-        <p:nvSpPr>
-          <p:cNvPr id="8" name="7 CuadroTexto"/>
-          <p:cNvSpPr txBox="1"/>
-          <p:nvPr/>
-        </p:nvSpPr>
-        <p:spPr>
-          <a:xfrm>
-            <a:off x="1537642" y="4941168"/>
-            <a:ext cx="838948" cy="369332"/>
-          </a:xfrm>
-          <a:prstGeom prst="rect">
-            <a:avLst/>
-          </a:prstGeom>
-          <a:noFill/>
-        </p:spPr>
-        <p:txBody>
-          <a:bodyPr wrap="none" rtlCol="0">
-            <a:spAutoFit/>
-          </a:bodyPr>
-          <a:lstStyle/>
-          <a:p>
-            <a:r>
-              <a:rPr lang="es-PE" dirty="0" smtClean="0"/>
-              <a:t>MS: VS</a:t>
-            </a:r>
-            <a:endParaRPr lang="es-PE" dirty="0"/>
-          </a:p>
-        </p:txBody>
-      </p:sp>
-      <p:sp>
-        <p:nvSpPr>
-          <p:cNvPr id="9" name="8 CuadroTexto"/>
-          <p:cNvSpPr txBox="1"/>
-          <p:nvPr/>
-        </p:nvSpPr>
-        <p:spPr>
-          <a:xfrm>
-            <a:off x="3365558" y="4941168"/>
-            <a:ext cx="1055097" cy="369332"/>
-          </a:xfrm>
-          <a:prstGeom prst="rect">
-            <a:avLst/>
-          </a:prstGeom>
-          <a:noFill/>
-        </p:spPr>
-        <p:txBody>
-          <a:bodyPr wrap="none" rtlCol="0">
-            <a:spAutoFit/>
-          </a:bodyPr>
-          <a:lstStyle/>
-          <a:p>
-            <a:r>
-              <a:rPr lang="es-PE" dirty="0" smtClean="0"/>
-              <a:t>MS: MSN</a:t>
-            </a:r>
-            <a:endParaRPr lang="es-PE" dirty="0"/>
-          </a:p>
-        </p:txBody>
-      </p:sp>
-      <p:sp>
-        <p:nvSpPr>
-          <p:cNvPr id="10" name="9 CuadroTexto"/>
-          <p:cNvSpPr txBox="1"/>
-          <p:nvPr/>
-        </p:nvSpPr>
-        <p:spPr>
-          <a:xfrm>
-            <a:off x="5148064" y="4941168"/>
-            <a:ext cx="1478546" cy="369332"/>
-          </a:xfrm>
-          <a:prstGeom prst="rect">
-            <a:avLst/>
-          </a:prstGeom>
-          <a:noFill/>
-        </p:spPr>
-        <p:txBody>
-          <a:bodyPr wrap="none" rtlCol="0">
-            <a:spAutoFit/>
-          </a:bodyPr>
-          <a:lstStyle/>
-          <a:p>
-            <a:r>
-              <a:rPr lang="es-PE" dirty="0" smtClean="0"/>
-              <a:t>MS: Windows</a:t>
-            </a:r>
-            <a:endParaRPr lang="es-PE" dirty="0"/>
-          </a:p>
-        </p:txBody>
-      </p:sp>
-      <p:sp>
-        <p:nvSpPr>
-          <p:cNvPr id="11" name="10 CuadroTexto"/>
-          <p:cNvSpPr txBox="1"/>
-          <p:nvPr/>
-        </p:nvSpPr>
-        <p:spPr>
-          <a:xfrm>
-            <a:off x="7164288" y="4941168"/>
-            <a:ext cx="1339021" cy="369332"/>
-          </a:xfrm>
-          <a:prstGeom prst="rect">
-            <a:avLst/>
-          </a:prstGeom>
-          <a:noFill/>
-        </p:spPr>
-        <p:txBody>
-          <a:bodyPr wrap="none" rtlCol="0">
-            <a:spAutoFit/>
-          </a:bodyPr>
-          <a:lstStyle/>
-          <a:p>
-            <a:r>
-              <a:rPr lang="es-PE" dirty="0" smtClean="0"/>
-              <a:t>IBM: Drivers</a:t>
-            </a:r>
-            <a:endParaRPr lang="es-PE" dirty="0"/>
-          </a:p>
-        </p:txBody>
-      </p:sp>
     </p:spTree>
     <p:extLst>
       <p:ext uri="{BB962C8B-B14F-4D97-AF65-F5344CB8AC3E}">
-        <p14:creationId xmlns:p14="http://schemas.microsoft.com/office/powerpoint/2010/main" val="1482453935"/>
+        <p14:creationId xmlns:p14="http://schemas.microsoft.com/office/powerpoint/2010/main" val="3798265847"/>
       </p:ext>
     </p:extLst>
   </p:cSld>
@@ -23791,165 +23017,6 @@
       </p:grpSpPr>
       <p:sp>
         <p:nvSpPr>
-          <p:cNvPr id="5" name="4 Rectángulo"/>
-          <p:cNvSpPr/>
-          <p:nvPr/>
-        </p:nvSpPr>
-        <p:spPr>
-          <a:xfrm>
-            <a:off x="539552" y="1484784"/>
-            <a:ext cx="8208912" cy="3970318"/>
-          </a:xfrm>
-          <a:prstGeom prst="rect">
-            <a:avLst/>
-          </a:prstGeom>
-        </p:spPr>
-        <p:txBody>
-          <a:bodyPr wrap="square">
-            <a:spAutoFit/>
-          </a:bodyPr>
-          <a:lstStyle/>
-          <a:p>
-            <a:r>
-              <a:rPr lang="es-PE" sz="3600" dirty="0" smtClean="0"/>
-              <a:t>……. pero no ha sido:</a:t>
-            </a:r>
-          </a:p>
-          <a:p>
-            <a:endParaRPr lang="es-PE" sz="3600" dirty="0" smtClean="0"/>
-          </a:p>
-          <a:p>
-            <a:pPr marL="342900" indent="-342900">
-              <a:buFont typeface="Arial" pitchFamily="34" charset="0"/>
-              <a:buChar char="•"/>
-            </a:pPr>
-            <a:r>
-              <a:rPr lang="es-PE" sz="3600" dirty="0" smtClean="0"/>
-              <a:t>Estructurado</a:t>
-            </a:r>
-          </a:p>
-          <a:p>
-            <a:pPr marL="342900" indent="-342900">
-              <a:buFont typeface="Arial" pitchFamily="34" charset="0"/>
-              <a:buChar char="•"/>
-            </a:pPr>
-            <a:r>
-              <a:rPr lang="es-PE" sz="3600" dirty="0" smtClean="0"/>
-              <a:t>Consistente</a:t>
-            </a:r>
-          </a:p>
-          <a:p>
-            <a:pPr marL="342900" indent="-342900">
-              <a:buFont typeface="Arial" pitchFamily="34" charset="0"/>
-              <a:buChar char="•"/>
-            </a:pPr>
-            <a:r>
-              <a:rPr lang="es-PE" sz="3600" dirty="0" smtClean="0"/>
-              <a:t>Repetible</a:t>
-            </a:r>
-          </a:p>
-          <a:p>
-            <a:pPr marL="342900" indent="-342900">
-              <a:buFont typeface="Arial" pitchFamily="34" charset="0"/>
-              <a:buChar char="•"/>
-            </a:pPr>
-            <a:r>
-              <a:rPr lang="es-PE" sz="3600" dirty="0" smtClean="0"/>
-              <a:t>Fácil</a:t>
-            </a:r>
-          </a:p>
-          <a:p>
-            <a:pPr marL="342900" indent="-342900">
-              <a:buFont typeface="Arial" pitchFamily="34" charset="0"/>
-              <a:buChar char="•"/>
-            </a:pPr>
-            <a:r>
-              <a:rPr lang="es-PE" sz="3600" dirty="0"/>
-              <a:t>En todo el </a:t>
-            </a:r>
-            <a:r>
-              <a:rPr lang="es-PE" sz="3600" dirty="0" smtClean="0"/>
-              <a:t>código</a:t>
-            </a:r>
-            <a:endParaRPr lang="es-PE" sz="3600" dirty="0"/>
-          </a:p>
-        </p:txBody>
-      </p:sp>
-      <p:sp>
-        <p:nvSpPr>
-          <p:cNvPr id="6" name="2 Título"/>
-          <p:cNvSpPr>
-            <a:spLocks noGrp="1"/>
-          </p:cNvSpPr>
-          <p:nvPr>
-            <p:ph type="title"/>
-          </p:nvPr>
-        </p:nvSpPr>
-        <p:spPr>
-          <a:xfrm>
-            <a:off x="395536" y="260648"/>
-            <a:ext cx="8461539" cy="936104"/>
-          </a:xfrm>
-        </p:spPr>
-        <p:txBody>
-          <a:bodyPr/>
-          <a:lstStyle/>
-          <a:p>
-            <a:r>
-              <a:rPr lang="es-PE" dirty="0" smtClean="0">
-                <a:solidFill>
-                  <a:srgbClr val="00823B"/>
-                </a:solidFill>
-              </a:rPr>
-              <a:t>Todos ya lo venimos haciendo</a:t>
-            </a:r>
-            <a:endParaRPr lang="es-PE" dirty="0">
-              <a:solidFill>
-                <a:srgbClr val="00823B"/>
-              </a:solidFill>
-            </a:endParaRPr>
-          </a:p>
-        </p:txBody>
-      </p:sp>
-    </p:spTree>
-    <p:extLst>
-      <p:ext uri="{BB962C8B-B14F-4D97-AF65-F5344CB8AC3E}">
-        <p14:creationId xmlns:p14="http://schemas.microsoft.com/office/powerpoint/2010/main" val="3798265847"/>
-      </p:ext>
-    </p:extLst>
-  </p:cSld>
-  <p:clrMapOvr>
-    <a:masterClrMapping/>
-  </p:clrMapOvr>
-  <p:timing>
-    <p:tnLst>
-      <p:par>
-        <p:cTn id="1" dur="indefinite" restart="never" nodeType="tmRoot"/>
-      </p:par>
-    </p:tnLst>
-  </p:timing>
-</p:sld>
-</file>
-
-<file path=ppt/slides/slide37.xml><?xml version="1.0" encoding="utf-8"?>
-<p:sld xmlns:a="http://schemas.openxmlformats.org/drawingml/2006/main" xmlns:r="http://schemas.openxmlformats.org/officeDocument/2006/relationships" xmlns:p="http://schemas.openxmlformats.org/presentationml/2006/main" show="0">
-  <p:cSld>
-    <p:spTree>
-      <p:nvGrpSpPr>
-        <p:cNvPr id="1" name=""/>
-        <p:cNvGrpSpPr/>
-        <p:nvPr/>
-      </p:nvGrpSpPr>
-      <p:grpSpPr>
-        <a:xfrm>
-          <a:off x="0" y="0"/>
-          <a:ext cx="0" cy="0"/>
-          <a:chOff x="0" y="0"/>
-          <a:chExt cx="0" cy="0"/>
-        </a:xfrm>
-      </p:grpSpPr>
-      <p:sp>
-        <p:nvSpPr>
           <p:cNvPr id="5" name="2 Título"/>
           <p:cNvSpPr>
             <a:spLocks noGrp="1"/>
@@ -24252,7 +23319,6 @@
               <a:rPr lang="es-PE" sz="2800" dirty="0" smtClean="0"/>
               <a:t> a su equipo debe estar preparado para responder toda clase de preguntas. </a:t>
             </a:r>
-            <a:endParaRPr lang="es-PE" sz="2800" dirty="0" smtClean="0"/>
           </a:p>
           <a:p>
             <a:pPr marL="0" indent="0" algn="ctr">
@@ -24263,19 +23329,7 @@
           <a:p>
             <a:r>
               <a:rPr lang="es-PE" sz="2800" dirty="0" smtClean="0"/>
-              <a:t>Pensar en preguntas </a:t>
-            </a:r>
-            <a:r>
-              <a:rPr lang="es-PE" sz="2800" dirty="0" smtClean="0"/>
-              <a:t>o argumento </a:t>
-            </a:r>
-            <a:r>
-              <a:rPr lang="es-PE" sz="2800" dirty="0" smtClean="0"/>
-              <a:t>en contra que le podrían hacer </a:t>
-            </a:r>
-            <a:r>
-              <a:rPr lang="es-PE" sz="2800" dirty="0" smtClean="0"/>
-              <a:t>.</a:t>
+              <a:t>Pensar en preguntas o argumento en contra que le podrían hacer .</a:t>
             </a:r>
           </a:p>
           <a:p>
@@ -24297,11 +23351,11 @@
   <p:clrMapOvr>
     <a:masterClrMapping/>
   </p:clrMapOvr>
-  <mc:AlternateContent xmlns:mc="http://schemas.openxmlformats.org/markup-compatibility/2006">
-    <mc:Choice xmlns:p14="http://schemas.microsoft.com/office/powerpoint/2010/main" Requires="p14">
+  <mc:AlternateContent xmlns:mc="http://schemas.openxmlformats.org/markup-compatibility/2006" xmlns:p14="http://schemas.microsoft.com/office/powerpoint/2010/main">
+    <mc:Choice Requires="p14">
       <p:transition spd="slow" p14:dur="2000"/>
     </mc:Choice>
-    <mc:Fallback>
+    <mc:Fallback xmlns="">
       <p:transition spd="slow"/>
     </mc:Fallback>
   </mc:AlternateContent>
@@ -24315,103 +23369,7 @@
 </p:sld>
 </file>
 
-<file path=ppt/slides/slide38.xml><?xml version="1.0" encoding="utf-8"?>
-<p:sld xmlns:a="http://schemas.openxmlformats.org/drawingml/2006/main" xmlns:r="http://schemas.openxmlformats.org/officeDocument/2006/relationships" xmlns:p="http://schemas.openxmlformats.org/presentationml/2006/main">
-  <p:cSld>
-    <p:spTree>
-      <p:nvGrpSpPr>
-        <p:cNvPr id="1" name=""/>
-        <p:cNvGrpSpPr/>
-        <p:nvPr/>
-      </p:nvGrpSpPr>
-      <p:grpSpPr>
-        <a:xfrm>
-          <a:off x="0" y="0"/>
-          <a:ext cx="0" cy="0"/>
-          <a:chOff x="0" y="0"/>
-          <a:chExt cx="0" cy="0"/>
-        </a:xfrm>
-      </p:grpSpPr>
-      <p:sp>
-        <p:nvSpPr>
-          <p:cNvPr id="5" name="2 Título"/>
-          <p:cNvSpPr>
-            <a:spLocks noGrp="1"/>
-          </p:cNvSpPr>
-          <p:nvPr>
-            <p:ph type="title"/>
-          </p:nvPr>
-        </p:nvSpPr>
-        <p:spPr>
-          <a:xfrm>
-            <a:off x="457200" y="2502024"/>
-            <a:ext cx="8229600" cy="1143000"/>
-          </a:xfrm>
-        </p:spPr>
-        <p:txBody>
-          <a:bodyPr/>
-          <a:lstStyle/>
-          <a:p>
-            <a:r>
-              <a:rPr lang="es-PE" sz="6000" dirty="0" smtClean="0">
-                <a:solidFill>
-                  <a:srgbClr val="FFC000"/>
-                </a:solidFill>
-              </a:rPr>
-              <a:t>Ejercicio</a:t>
-            </a:r>
-            <a:r>
-              <a:rPr lang="es-PE" sz="6000" dirty="0" smtClean="0">
-                <a:solidFill>
-                  <a:srgbClr val="FFC000"/>
-                </a:solidFill>
-              </a:rPr>
-              <a:t/>
-            </a:r>
-            <a:br>
-              <a:rPr lang="es-PE" sz="6000" dirty="0" smtClean="0">
-                <a:solidFill>
-                  <a:srgbClr val="FFC000"/>
-                </a:solidFill>
-              </a:rPr>
-            </a:br>
-            <a:r>
-              <a:rPr lang="es-PE" sz="6000" dirty="0" smtClean="0">
-                <a:solidFill>
-                  <a:srgbClr val="00B050"/>
-                </a:solidFill>
-              </a:rPr>
-              <a:t>Preguntas y Beneficios</a:t>
-            </a:r>
-            <a:endParaRPr lang="es-PE" sz="6000" dirty="0">
-              <a:solidFill>
-                <a:srgbClr val="00B050"/>
-              </a:solidFill>
-            </a:endParaRPr>
-          </a:p>
-        </p:txBody>
-      </p:sp>
-    </p:spTree>
-    <p:extLst>
-      <p:ext uri="{BB962C8B-B14F-4D97-AF65-F5344CB8AC3E}">
-        <p14:creationId xmlns:p14="http://schemas.microsoft.com/office/powerpoint/2010/main" val="2577520838"/>
-      </p:ext>
-    </p:extLst>
-  </p:cSld>
-  <p:clrMapOvr>
-    <a:masterClrMapping/>
-  </p:clrMapOvr>
-  <p:timing>
-    <p:tnLst>
-      <p:par>
-        <p:cTn id="1" dur="indefinite" restart="never" nodeType="tmRoot"/>
-      </p:par>
-    </p:tnLst>
-  </p:timing>
-</p:sld>
-</file>
-
-<file path=ppt/slides/slide39.xml><?xml version="1.0" encoding="utf-8"?>
+<file path=ppt/slides/slide37.xml><?xml version="1.0" encoding="utf-8"?>
 <p:sld xmlns:a="http://schemas.openxmlformats.org/drawingml/2006/main" xmlns:r="http://schemas.openxmlformats.org/officeDocument/2006/relationships" xmlns:p="http://schemas.openxmlformats.org/presentationml/2006/main">
   <p:cSld>
     <p:spTree>
@@ -24871,6 +23829,266 @@
 </p:sld>
 </file>
 
+<file path=ppt/slides/slide38.xml><?xml version="1.0" encoding="utf-8"?>
+<p:sld xmlns:a="http://schemas.openxmlformats.org/drawingml/2006/main" xmlns:r="http://schemas.openxmlformats.org/officeDocument/2006/relationships" xmlns:p="http://schemas.openxmlformats.org/presentationml/2006/main">
+  <p:cSld>
+    <p:spTree>
+      <p:nvGrpSpPr>
+        <p:cNvPr id="1" name=""/>
+        <p:cNvGrpSpPr/>
+        <p:nvPr/>
+      </p:nvGrpSpPr>
+      <p:grpSpPr>
+        <a:xfrm>
+          <a:off x="0" y="0"/>
+          <a:ext cx="0" cy="0"/>
+          <a:chOff x="0" y="0"/>
+          <a:chExt cx="0" cy="0"/>
+        </a:xfrm>
+      </p:grpSpPr>
+      <p:sp>
+        <p:nvSpPr>
+          <p:cNvPr id="3" name="2 Título"/>
+          <p:cNvSpPr>
+            <a:spLocks noGrp="1"/>
+          </p:cNvSpPr>
+          <p:nvPr>
+            <p:ph type="title"/>
+          </p:nvPr>
+        </p:nvSpPr>
+        <p:spPr>
+          <a:xfrm>
+            <a:off x="524338" y="216030"/>
+            <a:ext cx="8229600" cy="724942"/>
+          </a:xfrm>
+        </p:spPr>
+        <p:txBody>
+          <a:bodyPr/>
+          <a:lstStyle/>
+          <a:p>
+            <a:r>
+              <a:rPr lang="es-PE" dirty="0" smtClean="0">
+                <a:solidFill>
+                  <a:srgbClr val="00823B"/>
+                </a:solidFill>
+              </a:rPr>
+              <a:t>Información Adicional</a:t>
+            </a:r>
+            <a:endParaRPr lang="es-PE" dirty="0">
+              <a:solidFill>
+                <a:srgbClr val="00823B"/>
+              </a:solidFill>
+            </a:endParaRPr>
+          </a:p>
+        </p:txBody>
+      </p:sp>
+      <p:sp>
+        <p:nvSpPr>
+          <p:cNvPr id="13" name="12 CuadroTexto"/>
+          <p:cNvSpPr txBox="1"/>
+          <p:nvPr/>
+        </p:nvSpPr>
+        <p:spPr>
+          <a:xfrm>
+            <a:off x="209672" y="1124744"/>
+            <a:ext cx="8712968" cy="4893647"/>
+          </a:xfrm>
+          <a:prstGeom prst="rect">
+            <a:avLst/>
+          </a:prstGeom>
+          <a:noFill/>
+        </p:spPr>
+        <p:txBody>
+          <a:bodyPr wrap="square" rtlCol="0">
+            <a:spAutoFit/>
+          </a:bodyPr>
+          <a:lstStyle/>
+          <a:p>
+            <a:pPr marL="352425" indent="-352425">
+              <a:buFont typeface="Arial" pitchFamily="34" charset="0"/>
+              <a:buChar char="•"/>
+            </a:pPr>
+            <a:r>
+              <a:rPr lang="es-PE" sz="2400" dirty="0" err="1" smtClean="0"/>
+              <a:t>Moq</a:t>
+            </a:r>
+            <a:r>
+              <a:rPr lang="es-PE" sz="2400" dirty="0" smtClean="0"/>
+              <a:t>: </a:t>
+            </a:r>
+            <a:br>
+              <a:rPr lang="es-PE" sz="2400" dirty="0" smtClean="0"/>
+            </a:br>
+            <a:r>
+              <a:rPr lang="es-PE" sz="2400" dirty="0" smtClean="0">
+                <a:solidFill>
+                  <a:srgbClr val="FFC000"/>
+                </a:solidFill>
+              </a:rPr>
+              <a:t>https</a:t>
+            </a:r>
+            <a:r>
+              <a:rPr lang="es-PE" sz="2400" dirty="0">
+                <a:solidFill>
+                  <a:srgbClr val="FFC000"/>
+                </a:solidFill>
+              </a:rPr>
+              <a:t>://code.google.com/p/mockito/</a:t>
+            </a:r>
+          </a:p>
+          <a:p>
+            <a:pPr marL="352425" indent="-352425"/>
+            <a:endParaRPr lang="es-PE" sz="2400" dirty="0" smtClean="0"/>
+          </a:p>
+          <a:p>
+            <a:pPr marL="352425" indent="-352425">
+              <a:buFont typeface="Arial" pitchFamily="34" charset="0"/>
+              <a:buChar char="•"/>
+            </a:pPr>
+            <a:r>
+              <a:rPr lang="es-PE" sz="2400" dirty="0" err="1" smtClean="0"/>
+              <a:t>eCobertura</a:t>
+            </a:r>
+            <a:r>
+              <a:rPr lang="es-PE" sz="2400" dirty="0"/>
+              <a:t/>
+            </a:r>
+            <a:br>
+              <a:rPr lang="es-PE" sz="2400" dirty="0"/>
+            </a:br>
+            <a:r>
+              <a:rPr lang="es-PE" sz="2400" dirty="0">
+                <a:solidFill>
+                  <a:srgbClr val="FFC000"/>
+                </a:solidFill>
+              </a:rPr>
+              <a:t>http://ecobertura.johoop.de/</a:t>
+            </a:r>
+          </a:p>
+          <a:p>
+            <a:pPr marL="352425" indent="-352425">
+              <a:buFont typeface="Arial" pitchFamily="34" charset="0"/>
+              <a:buChar char="•"/>
+            </a:pPr>
+            <a:endParaRPr lang="es-PE" sz="2400" dirty="0" smtClean="0"/>
+          </a:p>
+          <a:p>
+            <a:pPr marL="352425" indent="-352425">
+              <a:buFont typeface="Arial" pitchFamily="34" charset="0"/>
+              <a:buChar char="•"/>
+            </a:pPr>
+            <a:r>
+              <a:rPr lang="es-PE" sz="2400" dirty="0" smtClean="0"/>
+              <a:t>Cobertura vs Emma vs </a:t>
+            </a:r>
+            <a:r>
+              <a:rPr lang="es-PE" sz="2400" dirty="0" err="1" smtClean="0"/>
+              <a:t>Clover</a:t>
+            </a:r>
+            <a:r>
+              <a:rPr lang="es-PE" sz="2400" dirty="0" smtClean="0"/>
+              <a:t>:</a:t>
+            </a:r>
+            <a:br>
+              <a:rPr lang="es-PE" sz="2400" dirty="0" smtClean="0"/>
+            </a:br>
+            <a:r>
+              <a:rPr lang="es-PE" sz="2400" dirty="0" smtClean="0">
+                <a:solidFill>
+                  <a:srgbClr val="FFC000"/>
+                </a:solidFill>
+              </a:rPr>
+              <a:t>http</a:t>
+            </a:r>
+            <a:r>
+              <a:rPr lang="es-PE" sz="2400" dirty="0">
+                <a:solidFill>
+                  <a:srgbClr val="FFC000"/>
+                </a:solidFill>
+              </a:rPr>
+              <a:t>://www.copperykeenclaws.com/notes-on-cobertura-vs-emma-vs-clover/</a:t>
+            </a:r>
+          </a:p>
+          <a:p>
+            <a:pPr marL="352425" indent="-352425"/>
+            <a:endParaRPr lang="es-PE" sz="2400" dirty="0" smtClean="0"/>
+          </a:p>
+          <a:p>
+            <a:pPr marL="352425" indent="-352425">
+              <a:buFont typeface="Arial" pitchFamily="34" charset="0"/>
+              <a:buChar char="•"/>
+            </a:pPr>
+            <a:r>
+              <a:rPr lang="es-PE" sz="2400" dirty="0" err="1" smtClean="0"/>
+              <a:t>Mock</a:t>
+            </a:r>
+            <a:r>
+              <a:rPr lang="es-PE" sz="2400" dirty="0" smtClean="0"/>
+              <a:t> </a:t>
+            </a:r>
+            <a:r>
+              <a:rPr lang="es-PE" sz="2400" dirty="0" err="1" smtClean="0"/>
+              <a:t>Static</a:t>
+            </a:r>
+            <a:r>
+              <a:rPr lang="es-PE" sz="2400" dirty="0" smtClean="0"/>
+              <a:t> File </a:t>
+            </a:r>
+            <a:r>
+              <a:rPr lang="es-PE" sz="2400" dirty="0" err="1" smtClean="0"/>
+              <a:t>Class</a:t>
+            </a:r>
+            <a:r>
+              <a:rPr lang="es-PE" sz="2400" dirty="0" smtClean="0"/>
+              <a:t>:</a:t>
+            </a:r>
+            <a:br>
+              <a:rPr lang="es-PE" sz="2400" dirty="0" smtClean="0"/>
+            </a:br>
+            <a:r>
+              <a:rPr lang="es-PE" sz="2400" dirty="0" smtClean="0">
+                <a:solidFill>
+                  <a:srgbClr val="FFC000"/>
+                </a:solidFill>
+              </a:rPr>
+              <a:t>http</a:t>
+            </a:r>
+            <a:r>
+              <a:rPr lang="es-PE" sz="2400" dirty="0">
+                <a:solidFill>
+                  <a:srgbClr val="FFC000"/>
+                </a:solidFill>
+              </a:rPr>
+              <a:t>://stackoverflow.com/questions/6499871/mock-file-io-static-class-in-c-sharp</a:t>
+            </a:r>
+            <a:endParaRPr lang="es-PE" sz="2400" dirty="0" smtClean="0">
+              <a:solidFill>
+                <a:srgbClr val="FFC000"/>
+              </a:solidFill>
+            </a:endParaRPr>
+          </a:p>
+        </p:txBody>
+      </p:sp>
+    </p:spTree>
+    <p:extLst>
+      <p:ext uri="{BB962C8B-B14F-4D97-AF65-F5344CB8AC3E}">
+        <p14:creationId xmlns:p14="http://schemas.microsoft.com/office/powerpoint/2010/main" val="3913151488"/>
+      </p:ext>
+    </p:extLst>
+  </p:cSld>
+  <p:clrMapOvr>
+    <a:masterClrMapping/>
+  </p:clrMapOvr>
+  <p:timing>
+    <p:tnLst>
+      <p:par>
+        <p:cTn id="1" dur="indefinite" restart="never" nodeType="tmRoot"/>
+      </p:par>
+    </p:tnLst>
+  </p:timing>
+</p:sld>
+</file>
+
 <file path=ppt/slides/slide4.xml><?xml version="1.0" encoding="utf-8"?>
 <p:sld xmlns:a="http://schemas.openxmlformats.org/drawingml/2006/main" xmlns:r="http://schemas.openxmlformats.org/officeDocument/2006/relationships" xmlns:p="http://schemas.openxmlformats.org/presentationml/2006/main">
   <p:cSld>
@@ -25143,278 +24361,6 @@
     <p:extLst>
       <p:ext uri="{BB962C8B-B14F-4D97-AF65-F5344CB8AC3E}">
         <p14:creationId xmlns:p14="http://schemas.microsoft.com/office/powerpoint/2010/main" val="3858874753"/>
-      </p:ext>
-    </p:extLst>
-  </p:cSld>
-  <p:clrMapOvr>
-    <a:masterClrMapping/>
-  </p:clrMapOvr>
-  <p:timing>
-    <p:tnLst>
-      <p:par>
-        <p:cTn id="1" dur="indefinite" restart="never" nodeType="tmRoot"/>
-      </p:par>
-    </p:tnLst>
-  </p:timing>
-</p:sld>
-</file>
-
-<file path=ppt/slides/slide40.xml><?xml version="1.0" encoding="utf-8"?>
-<p:sld xmlns:a="http://schemas.openxmlformats.org/drawingml/2006/main" xmlns:r="http://schemas.openxmlformats.org/officeDocument/2006/relationships" xmlns:p="http://schemas.openxmlformats.org/presentationml/2006/main">
-  <p:cSld>
-    <p:spTree>
-      <p:nvGrpSpPr>
-        <p:cNvPr id="1" name=""/>
-        <p:cNvGrpSpPr/>
-        <p:nvPr/>
-      </p:nvGrpSpPr>
-      <p:grpSpPr>
-        <a:xfrm>
-          <a:off x="0" y="0"/>
-          <a:ext cx="0" cy="0"/>
-          <a:chOff x="0" y="0"/>
-          <a:chExt cx="0" cy="0"/>
-        </a:xfrm>
-      </p:grpSpPr>
-      <p:sp>
-        <p:nvSpPr>
-          <p:cNvPr id="3" name="2 Título"/>
-          <p:cNvSpPr>
-            <a:spLocks noGrp="1"/>
-          </p:cNvSpPr>
-          <p:nvPr>
-            <p:ph type="title"/>
-          </p:nvPr>
-        </p:nvSpPr>
-        <p:spPr>
-          <a:xfrm>
-            <a:off x="524338" y="216030"/>
-            <a:ext cx="8229600" cy="724942"/>
-          </a:xfrm>
-        </p:spPr>
-        <p:txBody>
-          <a:bodyPr/>
-          <a:lstStyle/>
-          <a:p>
-            <a:r>
-              <a:rPr lang="es-PE" dirty="0" smtClean="0">
-                <a:solidFill>
-                  <a:srgbClr val="00823B"/>
-                </a:solidFill>
-              </a:rPr>
-              <a:t>Información Adicional</a:t>
-            </a:r>
-            <a:endParaRPr lang="es-PE" dirty="0">
-              <a:solidFill>
-                <a:srgbClr val="00823B"/>
-              </a:solidFill>
-            </a:endParaRPr>
-          </a:p>
-        </p:txBody>
-      </p:sp>
-      <p:sp>
-        <p:nvSpPr>
-          <p:cNvPr id="13" name="12 CuadroTexto"/>
-          <p:cNvSpPr txBox="1"/>
-          <p:nvPr/>
-        </p:nvSpPr>
-        <p:spPr>
-          <a:xfrm>
-            <a:off x="209672" y="1124744"/>
-            <a:ext cx="8712968" cy="4893647"/>
-          </a:xfrm>
-          <a:prstGeom prst="rect">
-            <a:avLst/>
-          </a:prstGeom>
-          <a:noFill/>
-        </p:spPr>
-        <p:txBody>
-          <a:bodyPr wrap="square" rtlCol="0">
-            <a:spAutoFit/>
-          </a:bodyPr>
-          <a:lstStyle/>
-          <a:p>
-            <a:pPr marL="352425" indent="-352425">
-              <a:buFont typeface="Arial" pitchFamily="34" charset="0"/>
-              <a:buChar char="•"/>
-            </a:pPr>
-            <a:r>
-              <a:rPr lang="es-PE" sz="2400" dirty="0" err="1" smtClean="0"/>
-              <a:t>Moq</a:t>
-            </a:r>
-            <a:r>
-              <a:rPr lang="es-PE" sz="2400" dirty="0" smtClean="0"/>
-              <a:t>: </a:t>
-            </a:r>
-            <a:r>
-              <a:rPr lang="es-PE" sz="2400" dirty="0" smtClean="0"/>
-              <a:t/>
-            </a:r>
-            <a:br>
-              <a:rPr lang="es-PE" sz="2400" dirty="0" smtClean="0"/>
-            </a:br>
-            <a:r>
-              <a:rPr lang="es-PE" sz="2400" dirty="0" smtClean="0">
-                <a:solidFill>
-                  <a:srgbClr val="FFC000"/>
-                </a:solidFill>
-              </a:rPr>
-              <a:t>https</a:t>
-            </a:r>
-            <a:r>
-              <a:rPr lang="es-PE" sz="2400" dirty="0">
-                <a:solidFill>
-                  <a:srgbClr val="FFC000"/>
-                </a:solidFill>
-              </a:rPr>
-              <a:t>://code.google.com/p/mockito/</a:t>
-            </a:r>
-          </a:p>
-          <a:p>
-            <a:pPr marL="352425" indent="-352425"/>
-            <a:endParaRPr lang="es-PE" sz="2400" dirty="0" smtClean="0"/>
-          </a:p>
-          <a:p>
-            <a:pPr marL="352425" indent="-352425">
-              <a:buFont typeface="Arial" pitchFamily="34" charset="0"/>
-              <a:buChar char="•"/>
-            </a:pPr>
-            <a:r>
-              <a:rPr lang="es-PE" sz="2400" dirty="0" err="1" smtClean="0"/>
-              <a:t>eCobertura</a:t>
-            </a:r>
-            <a:r>
-              <a:rPr lang="es-PE" sz="2400" dirty="0"/>
-              <a:t/>
-            </a:r>
-            <a:br>
-              <a:rPr lang="es-PE" sz="2400" dirty="0"/>
-            </a:br>
-            <a:r>
-              <a:rPr lang="es-PE" sz="2400" dirty="0">
-                <a:solidFill>
-                  <a:srgbClr val="FFC000"/>
-                </a:solidFill>
-              </a:rPr>
-              <a:t>http://ecobertura.johoop.de</a:t>
-            </a:r>
-            <a:r>
-              <a:rPr lang="es-PE" sz="2400" dirty="0">
-                <a:solidFill>
-                  <a:srgbClr val="FFC000"/>
-                </a:solidFill>
-              </a:rPr>
-              <a:t>/</a:t>
-            </a:r>
-          </a:p>
-          <a:p>
-            <a:pPr marL="352425" indent="-352425">
-              <a:buFont typeface="Arial" pitchFamily="34" charset="0"/>
-              <a:buChar char="•"/>
-            </a:pPr>
-            <a:endParaRPr lang="es-PE" sz="2400" dirty="0" smtClean="0"/>
-          </a:p>
-          <a:p>
-            <a:pPr marL="352425" indent="-352425">
-              <a:buFont typeface="Arial" pitchFamily="34" charset="0"/>
-              <a:buChar char="•"/>
-            </a:pPr>
-            <a:r>
-              <a:rPr lang="es-PE" sz="2400" dirty="0" smtClean="0"/>
-              <a:t>Cobertura vs Emma vs </a:t>
-            </a:r>
-            <a:r>
-              <a:rPr lang="es-PE" sz="2400" dirty="0" err="1" smtClean="0"/>
-              <a:t>Clover</a:t>
-            </a:r>
-            <a:r>
-              <a:rPr lang="es-PE" sz="2400" dirty="0" smtClean="0"/>
-              <a:t>:</a:t>
-            </a:r>
-            <a:br>
-              <a:rPr lang="es-PE" sz="2400" dirty="0" smtClean="0"/>
-            </a:br>
-            <a:r>
-              <a:rPr lang="es-PE" sz="2400" dirty="0" smtClean="0">
-                <a:solidFill>
-                  <a:srgbClr val="FFC000"/>
-                </a:solidFill>
-              </a:rPr>
-              <a:t>http</a:t>
-            </a:r>
-            <a:r>
-              <a:rPr lang="es-PE" sz="2400" dirty="0">
-                <a:solidFill>
-                  <a:srgbClr val="FFC000"/>
-                </a:solidFill>
-              </a:rPr>
-              <a:t>://www.copperykeenclaws.com/notes-on-cobertura-vs-emma-vs-clover/</a:t>
-            </a:r>
-          </a:p>
-          <a:p>
-            <a:pPr marL="352425" indent="-352425"/>
-            <a:endParaRPr lang="es-PE" sz="2400" dirty="0" smtClean="0"/>
-          </a:p>
-          <a:p>
-            <a:pPr marL="352425" indent="-352425">
-              <a:buFont typeface="Arial" pitchFamily="34" charset="0"/>
-              <a:buChar char="•"/>
-            </a:pPr>
-            <a:r>
-              <a:rPr lang="es-PE" sz="2400" dirty="0" err="1" smtClean="0"/>
-              <a:t>Mock</a:t>
-            </a:r>
-            <a:r>
-              <a:rPr lang="es-PE" sz="2400" dirty="0" smtClean="0"/>
-              <a:t> </a:t>
-            </a:r>
-            <a:r>
-              <a:rPr lang="es-PE" sz="2400" dirty="0" err="1" smtClean="0"/>
-              <a:t>Static</a:t>
-            </a:r>
-            <a:r>
-              <a:rPr lang="es-PE" sz="2400" dirty="0" smtClean="0"/>
-              <a:t> File </a:t>
-            </a:r>
-            <a:r>
-              <a:rPr lang="es-PE" sz="2400" dirty="0" err="1" smtClean="0"/>
-              <a:t>Class</a:t>
-            </a:r>
-            <a:r>
-              <a:rPr lang="es-PE" sz="2400" dirty="0" smtClean="0"/>
-              <a:t>:</a:t>
-            </a:r>
-            <a:br>
-              <a:rPr lang="es-PE" sz="2400" dirty="0" smtClean="0"/>
-            </a:br>
-            <a:r>
-              <a:rPr lang="es-PE" sz="2400" dirty="0" smtClean="0">
-                <a:solidFill>
-                  <a:srgbClr val="FFC000"/>
-                </a:solidFill>
-              </a:rPr>
-              <a:t>http</a:t>
-            </a:r>
-            <a:r>
-              <a:rPr lang="es-PE" sz="2400" dirty="0">
-                <a:solidFill>
-                  <a:srgbClr val="FFC000"/>
-                </a:solidFill>
-              </a:rPr>
-              <a:t>://stackoverflow.com/questions/6499871/mock-file-io-static-class-in-c-sharp</a:t>
-            </a:r>
-            <a:endParaRPr lang="es-PE" sz="2400" dirty="0" smtClean="0">
-              <a:solidFill>
-                <a:srgbClr val="FFC000"/>
-              </a:solidFill>
-            </a:endParaRPr>
-          </a:p>
-        </p:txBody>
-      </p:sp>
-    </p:spTree>
-    <p:extLst>
-      <p:ext uri="{BB962C8B-B14F-4D97-AF65-F5344CB8AC3E}">
-        <p14:creationId xmlns:p14="http://schemas.microsoft.com/office/powerpoint/2010/main" val="3913151488"/>
       </p:ext>
     </p:extLst>
   </p:cSld>

--- a/Diapositivas/2. Test Doubles.pptx
+++ b/Diapositivas/2. Test Doubles.pptx
@@ -5,7 +5,7 @@
     <p:sldMasterId id="2147483684" r:id="rId1"/>
   </p:sldMasterIdLst>
   <p:notesMasterIdLst>
-    <p:notesMasterId r:id="rId40"/>
+    <p:notesMasterId r:id="rId41"/>
   </p:notesMasterIdLst>
   <p:sldIdLst>
     <p:sldId id="684" r:id="rId2"/>
@@ -46,6 +46,7 @@
     <p:sldId id="688" r:id="rId37"/>
     <p:sldId id="627" r:id="rId38"/>
     <p:sldId id="586" r:id="rId39"/>
+    <p:sldId id="689" r:id="rId40"/>
   </p:sldIdLst>
   <p:sldSz cx="9144000" cy="6858000" type="screen4x3"/>
   <p:notesSz cx="6858000" cy="9144000"/>
@@ -150,7 +151,7 @@
 
 <file path=ppt/commentAuthors.xml><?xml version="1.0" encoding="utf-8"?>
 <p:cmAuthorLst xmlns:a="http://schemas.openxmlformats.org/drawingml/2006/main" xmlns:r="http://schemas.openxmlformats.org/officeDocument/2006/relationships" xmlns:p="http://schemas.openxmlformats.org/presentationml/2006/main">
-  <p:cmAuthor id="0" name="Snahider" initials="S" lastIdx="20" clrIdx="0"/>
+  <p:cmAuthor id="0" name="Snahider" initials="S" lastIdx="21" clrIdx="0"/>
 </p:cmAuthorLst>
 </file>
 
@@ -166,6 +167,15 @@
 <file path=ppt/comments/comment2.xml><?xml version="1.0" encoding="utf-8"?>
 <p:cmLst xmlns:a="http://schemas.openxmlformats.org/drawingml/2006/main" xmlns:r="http://schemas.openxmlformats.org/officeDocument/2006/relationships" xmlns:p="http://schemas.openxmlformats.org/presentationml/2006/main">
   <p:cm authorId="0" dt="2012-08-22T17:59:56.774" idx="9">
+    <p:pos x="10" y="10"/>
+    <p:text> Organizar mejor esta diapositiva</p:text>
+  </p:cm>
+</p:cmLst>
+</file>
+
+<file path=ppt/comments/comment3.xml><?xml version="1.0" encoding="utf-8"?>
+<p:cmLst xmlns:a="http://schemas.openxmlformats.org/drawingml/2006/main" xmlns:r="http://schemas.openxmlformats.org/officeDocument/2006/relationships" xmlns:p="http://schemas.openxmlformats.org/presentationml/2006/main">
+  <p:cm authorId="0" dt="2012-08-22T17:59:56.774" idx="21">
     <p:pos x="10" y="10"/>
     <p:text> Organizar mejor esta diapositiva</p:text>
   </p:cm>
@@ -254,7 +264,7 @@
           <a:p>
             <a:fld id="{63D5FC4C-9EE1-4746-A368-724F618FC790}" type="datetimeFigureOut">
               <a:rPr lang="es-PE" smtClean="0"/>
-              <a:t>24/04/2013</a:t>
+              <a:t>26/04/2013</a:t>
             </a:fld>
             <a:endParaRPr lang="es-PE"/>
           </a:p>
@@ -6244,6 +6254,90 @@
 </p:notes>
 </file>
 
+<file path=ppt/notesSlides/notesSlide39.xml><?xml version="1.0" encoding="utf-8"?>
+<p:notes xmlns:a="http://schemas.openxmlformats.org/drawingml/2006/main" xmlns:r="http://schemas.openxmlformats.org/officeDocument/2006/relationships" xmlns:p="http://schemas.openxmlformats.org/presentationml/2006/main">
+  <p:cSld>
+    <p:spTree>
+      <p:nvGrpSpPr>
+        <p:cNvPr id="1" name=""/>
+        <p:cNvGrpSpPr/>
+        <p:nvPr/>
+      </p:nvGrpSpPr>
+      <p:grpSpPr>
+        <a:xfrm>
+          <a:off x="0" y="0"/>
+          <a:ext cx="0" cy="0"/>
+          <a:chOff x="0" y="0"/>
+          <a:chExt cx="0" cy="0"/>
+        </a:xfrm>
+      </p:grpSpPr>
+      <p:sp>
+        <p:nvSpPr>
+          <p:cNvPr id="2" name="1 Marcador de imagen de diapositiva"/>
+          <p:cNvSpPr>
+            <a:spLocks noGrp="1" noRot="1" noChangeAspect="1"/>
+          </p:cNvSpPr>
+          <p:nvPr>
+            <p:ph type="sldImg"/>
+          </p:nvPr>
+        </p:nvSpPr>
+        <p:spPr/>
+      </p:sp>
+      <p:sp>
+        <p:nvSpPr>
+          <p:cNvPr id="3" name="2 Marcador de notas"/>
+          <p:cNvSpPr>
+            <a:spLocks noGrp="1"/>
+          </p:cNvSpPr>
+          <p:nvPr>
+            <p:ph type="body" idx="1"/>
+          </p:nvPr>
+        </p:nvSpPr>
+        <p:spPr/>
+        <p:txBody>
+          <a:bodyPr/>
+          <a:lstStyle/>
+          <a:p>
+            <a:endParaRPr lang="es-PE" dirty="0"/>
+          </a:p>
+        </p:txBody>
+      </p:sp>
+      <p:sp>
+        <p:nvSpPr>
+          <p:cNvPr id="4" name="3 Marcador de número de diapositiva"/>
+          <p:cNvSpPr>
+            <a:spLocks noGrp="1"/>
+          </p:cNvSpPr>
+          <p:nvPr>
+            <p:ph type="sldNum" sz="quarter" idx="10"/>
+          </p:nvPr>
+        </p:nvSpPr>
+        <p:spPr/>
+        <p:txBody>
+          <a:bodyPr/>
+          <a:lstStyle/>
+          <a:p>
+            <a:fld id="{80C14895-23C8-45AE-85D5-3B35E5980A68}" type="slidenum">
+              <a:rPr lang="es-PE" smtClean="0"/>
+              <a:t>39</a:t>
+            </a:fld>
+            <a:endParaRPr lang="es-PE"/>
+          </a:p>
+        </p:txBody>
+      </p:sp>
+    </p:spTree>
+    <p:extLst>
+      <p:ext uri="{BB962C8B-B14F-4D97-AF65-F5344CB8AC3E}">
+        <p14:creationId xmlns:p14="http://schemas.microsoft.com/office/powerpoint/2010/main" val="3432092158"/>
+      </p:ext>
+    </p:extLst>
+  </p:cSld>
+  <p:clrMapOvr>
+    <a:masterClrMapping/>
+  </p:clrMapOvr>
+</p:notes>
+</file>
+
 <file path=ppt/notesSlides/notesSlide4.xml><?xml version="1.0" encoding="utf-8"?>
 <p:notes xmlns:a="http://schemas.openxmlformats.org/drawingml/2006/main" xmlns:r="http://schemas.openxmlformats.org/officeDocument/2006/relationships" xmlns:p="http://schemas.openxmlformats.org/presentationml/2006/main">
   <p:cSld>
@@ -7391,7 +7485,7 @@
             <a:fld id="{807CB568-C05F-482F-9F26-AA302B8892DF}" type="datetimeFigureOut">
               <a:rPr lang="es-ES" smtClean="0"/>
               <a:pPr/>
-              <a:t>24/04/2013</a:t>
+              <a:t>26/04/2013</a:t>
             </a:fld>
             <a:endParaRPr lang="es-ES"/>
           </a:p>
@@ -7570,7 +7664,7 @@
             <a:fld id="{807CB568-C05F-482F-9F26-AA302B8892DF}" type="datetimeFigureOut">
               <a:rPr lang="es-ES" smtClean="0"/>
               <a:pPr/>
-              <a:t>24/04/2013</a:t>
+              <a:t>26/04/2013</a:t>
             </a:fld>
             <a:endParaRPr lang="es-ES"/>
           </a:p>
@@ -7759,7 +7853,7 @@
             <a:fld id="{807CB568-C05F-482F-9F26-AA302B8892DF}" type="datetimeFigureOut">
               <a:rPr lang="es-ES" smtClean="0"/>
               <a:pPr/>
-              <a:t>24/04/2013</a:t>
+              <a:t>26/04/2013</a:t>
             </a:fld>
             <a:endParaRPr lang="es-ES"/>
           </a:p>
@@ -7938,7 +8032,7 @@
             <a:fld id="{807CB568-C05F-482F-9F26-AA302B8892DF}" type="datetimeFigureOut">
               <a:rPr lang="es-ES" smtClean="0"/>
               <a:pPr/>
-              <a:t>24/04/2013</a:t>
+              <a:t>26/04/2013</a:t>
             </a:fld>
             <a:endParaRPr lang="es-ES"/>
           </a:p>
@@ -8193,7 +8287,7 @@
             <a:fld id="{807CB568-C05F-482F-9F26-AA302B8892DF}" type="datetimeFigureOut">
               <a:rPr lang="es-ES" smtClean="0"/>
               <a:pPr/>
-              <a:t>24/04/2013</a:t>
+              <a:t>26/04/2013</a:t>
             </a:fld>
             <a:endParaRPr lang="es-ES"/>
           </a:p>
@@ -8490,7 +8584,7 @@
             <a:fld id="{807CB568-C05F-482F-9F26-AA302B8892DF}" type="datetimeFigureOut">
               <a:rPr lang="es-ES" smtClean="0"/>
               <a:pPr/>
-              <a:t>24/04/2013</a:t>
+              <a:t>26/04/2013</a:t>
             </a:fld>
             <a:endParaRPr lang="es-ES"/>
           </a:p>
@@ -8921,7 +9015,7 @@
             <a:fld id="{807CB568-C05F-482F-9F26-AA302B8892DF}" type="datetimeFigureOut">
               <a:rPr lang="es-ES" smtClean="0"/>
               <a:pPr/>
-              <a:t>24/04/2013</a:t>
+              <a:t>26/04/2013</a:t>
             </a:fld>
             <a:endParaRPr lang="es-ES"/>
           </a:p>
@@ -9048,7 +9142,7 @@
             <a:fld id="{807CB568-C05F-482F-9F26-AA302B8892DF}" type="datetimeFigureOut">
               <a:rPr lang="es-ES" smtClean="0"/>
               <a:pPr/>
-              <a:t>24/04/2013</a:t>
+              <a:t>26/04/2013</a:t>
             </a:fld>
             <a:endParaRPr lang="es-ES"/>
           </a:p>
@@ -9152,7 +9246,7 @@
             <a:fld id="{807CB568-C05F-482F-9F26-AA302B8892DF}" type="datetimeFigureOut">
               <a:rPr lang="es-ES" smtClean="0"/>
               <a:pPr/>
-              <a:t>24/04/2013</a:t>
+              <a:t>26/04/2013</a:t>
             </a:fld>
             <a:endParaRPr lang="es-ES"/>
           </a:p>
@@ -9438,7 +9532,7 @@
             <a:fld id="{807CB568-C05F-482F-9F26-AA302B8892DF}" type="datetimeFigureOut">
               <a:rPr lang="es-ES" smtClean="0"/>
               <a:pPr/>
-              <a:t>24/04/2013</a:t>
+              <a:t>26/04/2013</a:t>
             </a:fld>
             <a:endParaRPr lang="es-ES"/>
           </a:p>
@@ -9707,7 +9801,7 @@
             <a:fld id="{807CB568-C05F-482F-9F26-AA302B8892DF}" type="datetimeFigureOut">
               <a:rPr lang="es-ES" smtClean="0"/>
               <a:pPr/>
-              <a:t>24/04/2013</a:t>
+              <a:t>26/04/2013</a:t>
             </a:fld>
             <a:endParaRPr lang="es-ES"/>
           </a:p>
@@ -9958,7 +10052,7 @@
             <a:fld id="{807CB568-C05F-482F-9F26-AA302B8892DF}" type="datetimeFigureOut">
               <a:rPr lang="es-ES" smtClean="0"/>
               <a:pPr/>
-              <a:t>24/04/2013</a:t>
+              <a:t>26/04/2013</a:t>
             </a:fld>
             <a:endParaRPr lang="es-ES"/>
           </a:p>
@@ -24089,6 +24183,185 @@
 </p:sld>
 </file>
 
+<file path=ppt/slides/slide39.xml><?xml version="1.0" encoding="utf-8"?>
+<p:sld xmlns:a="http://schemas.openxmlformats.org/drawingml/2006/main" xmlns:r="http://schemas.openxmlformats.org/officeDocument/2006/relationships" xmlns:p="http://schemas.openxmlformats.org/presentationml/2006/main">
+  <p:cSld>
+    <p:spTree>
+      <p:nvGrpSpPr>
+        <p:cNvPr id="1" name=""/>
+        <p:cNvGrpSpPr/>
+        <p:nvPr/>
+      </p:nvGrpSpPr>
+      <p:grpSpPr>
+        <a:xfrm>
+          <a:off x="0" y="0"/>
+          <a:ext cx="0" cy="0"/>
+          <a:chOff x="0" y="0"/>
+          <a:chExt cx="0" cy="0"/>
+        </a:xfrm>
+      </p:grpSpPr>
+      <p:sp>
+        <p:nvSpPr>
+          <p:cNvPr id="3" name="2 Título"/>
+          <p:cNvSpPr>
+            <a:spLocks noGrp="1"/>
+          </p:cNvSpPr>
+          <p:nvPr>
+            <p:ph type="title"/>
+          </p:nvPr>
+        </p:nvSpPr>
+        <p:spPr>
+          <a:xfrm>
+            <a:off x="524338" y="216030"/>
+            <a:ext cx="8229600" cy="724942"/>
+          </a:xfrm>
+        </p:spPr>
+        <p:txBody>
+          <a:bodyPr/>
+          <a:lstStyle/>
+          <a:p>
+            <a:r>
+              <a:rPr lang="es-PE" dirty="0" smtClean="0">
+                <a:solidFill>
+                  <a:srgbClr val="00823B"/>
+                </a:solidFill>
+              </a:rPr>
+              <a:t>Información Adicional</a:t>
+            </a:r>
+            <a:endParaRPr lang="es-PE" dirty="0">
+              <a:solidFill>
+                <a:srgbClr val="00823B"/>
+              </a:solidFill>
+            </a:endParaRPr>
+          </a:p>
+        </p:txBody>
+      </p:sp>
+      <p:sp>
+        <p:nvSpPr>
+          <p:cNvPr id="13" name="12 CuadroTexto"/>
+          <p:cNvSpPr txBox="1"/>
+          <p:nvPr/>
+        </p:nvSpPr>
+        <p:spPr>
+          <a:xfrm>
+            <a:off x="209672" y="1124744"/>
+            <a:ext cx="8712968" cy="1938992"/>
+          </a:xfrm>
+          <a:prstGeom prst="rect">
+            <a:avLst/>
+          </a:prstGeom>
+          <a:noFill/>
+        </p:spPr>
+        <p:txBody>
+          <a:bodyPr wrap="square" rtlCol="0">
+            <a:spAutoFit/>
+          </a:bodyPr>
+          <a:lstStyle/>
+          <a:p>
+            <a:pPr marL="352425" indent="-352425">
+              <a:buFont typeface="Arial" pitchFamily="34" charset="0"/>
+              <a:buChar char="•"/>
+            </a:pPr>
+            <a:r>
+              <a:rPr lang="es-PE" sz="2400" dirty="0" smtClean="0"/>
+              <a:t>Probar Concurrencia: </a:t>
+            </a:r>
+            <a:r>
+              <a:rPr lang="es-PE" sz="2400" dirty="0" smtClean="0"/>
+              <a:t/>
+            </a:r>
+            <a:br>
+              <a:rPr lang="es-PE" sz="2400" dirty="0" smtClean="0"/>
+            </a:br>
+            <a:r>
+              <a:rPr lang="es-PE" sz="2400" dirty="0">
+                <a:solidFill>
+                  <a:srgbClr val="FFC000"/>
+                </a:solidFill>
+              </a:rPr>
+              <a:t>http://www.cs.rice.edu/~mgricken/research/concutest/concjunit</a:t>
+            </a:r>
+            <a:r>
+              <a:rPr lang="es-PE" sz="2400" dirty="0" smtClean="0">
+                <a:solidFill>
+                  <a:srgbClr val="FFC000"/>
+                </a:solidFill>
+              </a:rPr>
+              <a:t>/</a:t>
+            </a:r>
+            <a:br>
+              <a:rPr lang="es-PE" sz="2400" dirty="0" smtClean="0">
+                <a:solidFill>
+                  <a:srgbClr val="FFC000"/>
+                </a:solidFill>
+              </a:rPr>
+            </a:br>
+            <a:r>
+              <a:rPr lang="es-PE" sz="2400" dirty="0" smtClean="0">
+                <a:solidFill>
+                  <a:srgbClr val="FFC000"/>
+                </a:solidFill>
+              </a:rPr>
+              <a:t/>
+            </a:r>
+            <a:br>
+              <a:rPr lang="es-PE" sz="2400" dirty="0" smtClean="0">
+                <a:solidFill>
+                  <a:srgbClr val="FFC000"/>
+                </a:solidFill>
+              </a:rPr>
+            </a:br>
+            <a:r>
+              <a:rPr lang="es-PE" sz="2400" dirty="0" smtClean="0">
+                <a:solidFill>
+                  <a:srgbClr val="FFC000"/>
+                </a:solidFill>
+              </a:rPr>
+              <a:t>http</a:t>
+            </a:r>
+            <a:r>
+              <a:rPr lang="es-PE" sz="2400" dirty="0">
+                <a:solidFill>
+                  <a:srgbClr val="FFC000"/>
+                </a:solidFill>
+              </a:rPr>
+              <a:t>://java.dzone.com/articles/concurrent-junit-tests</a:t>
+            </a:r>
+            <a:endParaRPr lang="es-PE" sz="2400" dirty="0" smtClean="0">
+              <a:solidFill>
+                <a:srgbClr val="FFC000"/>
+              </a:solidFill>
+            </a:endParaRPr>
+          </a:p>
+          <a:p>
+            <a:pPr marL="352425" indent="-352425">
+              <a:buFont typeface="Arial" pitchFamily="34" charset="0"/>
+              <a:buChar char="•"/>
+            </a:pPr>
+            <a:endParaRPr lang="es-PE" sz="2400" dirty="0" smtClean="0"/>
+          </a:p>
+        </p:txBody>
+      </p:sp>
+    </p:spTree>
+    <p:extLst>
+      <p:ext uri="{BB962C8B-B14F-4D97-AF65-F5344CB8AC3E}">
+        <p14:creationId xmlns:p14="http://schemas.microsoft.com/office/powerpoint/2010/main" val="3784119034"/>
+      </p:ext>
+    </p:extLst>
+  </p:cSld>
+  <p:clrMapOvr>
+    <a:masterClrMapping/>
+  </p:clrMapOvr>
+  <p:timing>
+    <p:tnLst>
+      <p:par>
+        <p:cTn id="1" dur="indefinite" restart="never" nodeType="tmRoot"/>
+      </p:par>
+    </p:tnLst>
+  </p:timing>
+</p:sld>
+</file>
+
 <file path=ppt/slides/slide4.xml><?xml version="1.0" encoding="utf-8"?>
 <p:sld xmlns:a="http://schemas.openxmlformats.org/drawingml/2006/main" xmlns:r="http://schemas.openxmlformats.org/officeDocument/2006/relationships" xmlns:p="http://schemas.openxmlformats.org/presentationml/2006/main">
   <p:cSld>

--- a/Diapositivas/2. Test Doubles.pptx
+++ b/Diapositivas/2. Test Doubles.pptx
@@ -264,7 +264,7 @@
           <a:p>
             <a:fld id="{63D5FC4C-9EE1-4746-A368-724F618FC790}" type="datetimeFigureOut">
               <a:rPr lang="es-PE" smtClean="0"/>
-              <a:t>26/04/2013</a:t>
+              <a:t>26/11/2013</a:t>
             </a:fld>
             <a:endParaRPr lang="es-PE"/>
           </a:p>
@@ -7485,7 +7485,7 @@
             <a:fld id="{807CB568-C05F-482F-9F26-AA302B8892DF}" type="datetimeFigureOut">
               <a:rPr lang="es-ES" smtClean="0"/>
               <a:pPr/>
-              <a:t>26/04/2013</a:t>
+              <a:t>26/11/2013</a:t>
             </a:fld>
             <a:endParaRPr lang="es-ES"/>
           </a:p>
@@ -7664,7 +7664,7 @@
             <a:fld id="{807CB568-C05F-482F-9F26-AA302B8892DF}" type="datetimeFigureOut">
               <a:rPr lang="es-ES" smtClean="0"/>
               <a:pPr/>
-              <a:t>26/04/2013</a:t>
+              <a:t>26/11/2013</a:t>
             </a:fld>
             <a:endParaRPr lang="es-ES"/>
           </a:p>
@@ -7853,7 +7853,7 @@
             <a:fld id="{807CB568-C05F-482F-9F26-AA302B8892DF}" type="datetimeFigureOut">
               <a:rPr lang="es-ES" smtClean="0"/>
               <a:pPr/>
-              <a:t>26/04/2013</a:t>
+              <a:t>26/11/2013</a:t>
             </a:fld>
             <a:endParaRPr lang="es-ES"/>
           </a:p>
@@ -8032,7 +8032,7 @@
             <a:fld id="{807CB568-C05F-482F-9F26-AA302B8892DF}" type="datetimeFigureOut">
               <a:rPr lang="es-ES" smtClean="0"/>
               <a:pPr/>
-              <a:t>26/04/2013</a:t>
+              <a:t>26/11/2013</a:t>
             </a:fld>
             <a:endParaRPr lang="es-ES"/>
           </a:p>
@@ -8287,7 +8287,7 @@
             <a:fld id="{807CB568-C05F-482F-9F26-AA302B8892DF}" type="datetimeFigureOut">
               <a:rPr lang="es-ES" smtClean="0"/>
               <a:pPr/>
-              <a:t>26/04/2013</a:t>
+              <a:t>26/11/2013</a:t>
             </a:fld>
             <a:endParaRPr lang="es-ES"/>
           </a:p>
@@ -8584,7 +8584,7 @@
             <a:fld id="{807CB568-C05F-482F-9F26-AA302B8892DF}" type="datetimeFigureOut">
               <a:rPr lang="es-ES" smtClean="0"/>
               <a:pPr/>
-              <a:t>26/04/2013</a:t>
+              <a:t>26/11/2013</a:t>
             </a:fld>
             <a:endParaRPr lang="es-ES"/>
           </a:p>
@@ -9015,7 +9015,7 @@
             <a:fld id="{807CB568-C05F-482F-9F26-AA302B8892DF}" type="datetimeFigureOut">
               <a:rPr lang="es-ES" smtClean="0"/>
               <a:pPr/>
-              <a:t>26/04/2013</a:t>
+              <a:t>26/11/2013</a:t>
             </a:fld>
             <a:endParaRPr lang="es-ES"/>
           </a:p>
@@ -9142,7 +9142,7 @@
             <a:fld id="{807CB568-C05F-482F-9F26-AA302B8892DF}" type="datetimeFigureOut">
               <a:rPr lang="es-ES" smtClean="0"/>
               <a:pPr/>
-              <a:t>26/04/2013</a:t>
+              <a:t>26/11/2013</a:t>
             </a:fld>
             <a:endParaRPr lang="es-ES"/>
           </a:p>
@@ -9246,7 +9246,7 @@
             <a:fld id="{807CB568-C05F-482F-9F26-AA302B8892DF}" type="datetimeFigureOut">
               <a:rPr lang="es-ES" smtClean="0"/>
               <a:pPr/>
-              <a:t>26/04/2013</a:t>
+              <a:t>26/11/2013</a:t>
             </a:fld>
             <a:endParaRPr lang="es-ES"/>
           </a:p>
@@ -9532,7 +9532,7 @@
             <a:fld id="{807CB568-C05F-482F-9F26-AA302B8892DF}" type="datetimeFigureOut">
               <a:rPr lang="es-ES" smtClean="0"/>
               <a:pPr/>
-              <a:t>26/04/2013</a:t>
+              <a:t>26/11/2013</a:t>
             </a:fld>
             <a:endParaRPr lang="es-ES"/>
           </a:p>
@@ -9801,7 +9801,7 @@
             <a:fld id="{807CB568-C05F-482F-9F26-AA302B8892DF}" type="datetimeFigureOut">
               <a:rPr lang="es-ES" smtClean="0"/>
               <a:pPr/>
-              <a:t>26/04/2013</a:t>
+              <a:t>26/11/2013</a:t>
             </a:fld>
             <a:endParaRPr lang="es-ES"/>
           </a:p>
@@ -10052,7 +10052,7 @@
             <a:fld id="{807CB568-C05F-482F-9F26-AA302B8892DF}" type="datetimeFigureOut">
               <a:rPr lang="es-ES" smtClean="0"/>
               <a:pPr/>
-              <a:t>26/04/2013</a:t>
+              <a:t>26/11/2013</a:t>
             </a:fld>
             <a:endParaRPr lang="es-ES"/>
           </a:p>
@@ -14162,7 +14162,15 @@
             <a:pPr algn="ctr"/>
             <a:r>
               <a:rPr lang="es-PE" sz="2800" dirty="0"/>
-              <a:t>Son todos aquellos objetos que han sido creados para reemplazar a los objetos reales con el propósito de hacer pruebas</a:t>
+              <a:t>Son todos aquellos objetos que </a:t>
+            </a:r>
+            <a:r>
+              <a:rPr lang="es-PE" sz="2800" dirty="0" smtClean="0"/>
+              <a:t>son creados </a:t>
+            </a:r>
+            <a:r>
+              <a:rPr lang="es-PE" sz="2800" dirty="0"/>
+              <a:t>para reemplazar a los objetos reales con el propósito de hacer pruebas</a:t>
             </a:r>
           </a:p>
         </p:txBody>
@@ -16009,7 +16017,15 @@
             </a:pPr>
             <a:r>
               <a:rPr lang="es-ES" sz="2800" dirty="0" smtClean="0"/>
-              <a:t>Son utilizados cuando nuestro método en prueba depende de un valor que es retornado por otro componente.</a:t>
+              <a:t>Son utilizados cuando nuestro </a:t>
+            </a:r>
+            <a:r>
+              <a:rPr lang="es-ES" sz="2800" dirty="0" smtClean="0">
+                <a:solidFill>
+                  <a:srgbClr val="FFC000"/>
+                </a:solidFill>
+              </a:rPr>
+              <a:t>método en prueba depende de un valor que es retornado por otro componente.</a:t>
             </a:r>
           </a:p>
         </p:txBody>
@@ -16656,7 +16672,7 @@
 </file>
 
 <file path=ppt/slides/slide21.xml><?xml version="1.0" encoding="utf-8"?>
-<p:sld xmlns:a="http://schemas.openxmlformats.org/drawingml/2006/main" xmlns:r="http://schemas.openxmlformats.org/officeDocument/2006/relationships" xmlns:p="http://schemas.openxmlformats.org/presentationml/2006/main">
+<p:sld xmlns:a="http://schemas.openxmlformats.org/drawingml/2006/main" xmlns:r="http://schemas.openxmlformats.org/officeDocument/2006/relationships" xmlns:p="http://schemas.openxmlformats.org/presentationml/2006/main" show="0">
   <p:cSld>
     <p:spTree>
       <p:nvGrpSpPr>
@@ -16992,6 +17008,14 @@
   <p:clrMapOvr>
     <a:masterClrMapping/>
   </p:clrMapOvr>
+  <mc:AlternateContent xmlns:mc="http://schemas.openxmlformats.org/markup-compatibility/2006">
+    <mc:Choice xmlns:p14="http://schemas.microsoft.com/office/powerpoint/2010/main" Requires="p14">
+      <p:transition spd="slow" p14:dur="2000"/>
+    </mc:Choice>
+    <mc:Fallback>
+      <p:transition spd="slow"/>
+    </mc:Fallback>
+  </mc:AlternateContent>
   <p:timing>
     <p:tnLst>
       <p:par>
@@ -17235,13 +17259,16 @@
             </a:pPr>
             <a:r>
               <a:rPr lang="es-ES" sz="2800" dirty="0" smtClean="0"/>
-              <a:t>No devuelve resultados predefinidos, sino está pendiente que 2 objetos hayan interactuado de manera esperada.</a:t>
-            </a:r>
-            <a:endParaRPr lang="es-ES" sz="2800" dirty="0" smtClean="0">
-              <a:solidFill>
-                <a:srgbClr val="FF0000"/>
-              </a:solidFill>
-            </a:endParaRPr>
+              <a:t>No devuelve resultados predefinidos, sino está </a:t>
+            </a:r>
+            <a:r>
+              <a:rPr lang="es-ES" sz="2800" dirty="0" smtClean="0">
+                <a:solidFill>
+                  <a:srgbClr val="FFC000"/>
+                </a:solidFill>
+              </a:rPr>
+              <a:t>pendiente que 2 objetos hayan interactuado de manera esperada.</a:t>
+            </a:r>
           </a:p>
           <a:p>
             <a:pPr marL="457200" indent="-457200">
@@ -17256,26 +17283,50 @@
               <a:buChar char="•"/>
             </a:pPr>
             <a:r>
-              <a:rPr lang="es-ES" sz="2800" dirty="0" smtClean="0"/>
+              <a:rPr lang="es-ES" sz="2800" dirty="0" smtClean="0">
+                <a:solidFill>
+                  <a:srgbClr val="FFC000"/>
+                </a:solidFill>
+              </a:rPr>
               <a:t>El </a:t>
             </a:r>
             <a:r>
-              <a:rPr lang="es-ES" sz="2800" dirty="0" err="1" smtClean="0"/>
+              <a:rPr lang="es-ES" sz="2800" dirty="0" err="1" smtClean="0">
+                <a:solidFill>
+                  <a:srgbClr val="FFC000"/>
+                </a:solidFill>
+              </a:rPr>
               <a:t>Assert</a:t>
             </a:r>
             <a:r>
-              <a:rPr lang="es-ES" sz="2800" dirty="0" smtClean="0"/>
+              <a:rPr lang="es-ES" sz="2800" dirty="0" smtClean="0">
+                <a:solidFill>
+                  <a:srgbClr val="FFC000"/>
+                </a:solidFill>
+              </a:rPr>
               <a:t> ya no se ejecuta sobre la clase en prueba sino sobre el </a:t>
             </a:r>
             <a:r>
-              <a:rPr lang="es-ES" sz="2800" dirty="0" err="1" smtClean="0"/>
+              <a:rPr lang="es-ES" sz="2800" dirty="0" err="1" smtClean="0">
+                <a:solidFill>
+                  <a:srgbClr val="FFC000"/>
+                </a:solidFill>
+              </a:rPr>
               <a:t>mock</a:t>
             </a:r>
             <a:r>
-              <a:rPr lang="es-ES" sz="2800" dirty="0" smtClean="0"/>
+              <a:rPr lang="es-ES" sz="2800" dirty="0" smtClean="0">
+                <a:solidFill>
+                  <a:srgbClr val="FFC000"/>
+                </a:solidFill>
+              </a:rPr>
               <a:t>.</a:t>
             </a:r>
-            <a:endParaRPr lang="es-ES" sz="2800" dirty="0"/>
+            <a:endParaRPr lang="es-ES" sz="2800" dirty="0">
+              <a:solidFill>
+                <a:srgbClr val="FFC000"/>
+              </a:solidFill>
+            </a:endParaRPr>
           </a:p>
           <a:p>
             <a:pPr marL="457200" indent="-457200">
@@ -24266,10 +24317,6 @@
               <a:rPr lang="es-PE" sz="2400" dirty="0" smtClean="0"/>
               <a:t>Probar Concurrencia: </a:t>
             </a:r>
-            <a:r>
-              <a:rPr lang="es-PE" sz="2400" dirty="0" smtClean="0"/>
-              <a:t/>
-            </a:r>
             <a:br>
               <a:rPr lang="es-PE" sz="2400" dirty="0" smtClean="0"/>
             </a:br>
@@ -24420,213 +24467,21 @@
                   <a:srgbClr val="00B050"/>
                 </a:solidFill>
               </a:rPr>
-              <a:t>Revisar las pruebas realizadas a un código "no testeable"</a:t>
+              <a:t>Realizar pruebas a </a:t>
+            </a:r>
+            <a:r>
+              <a:rPr lang="es-PE" dirty="0" smtClean="0">
+                <a:solidFill>
+                  <a:srgbClr val="00B050"/>
+                </a:solidFill>
+              </a:rPr>
+              <a:t>un código "no testeable"</a:t>
             </a:r>
             <a:endParaRPr lang="es-PE" dirty="0">
               <a:solidFill>
                 <a:srgbClr val="00B050"/>
               </a:solidFill>
             </a:endParaRPr>
-          </a:p>
-        </p:txBody>
-      </p:sp>
-      <p:sp>
-        <p:nvSpPr>
-          <p:cNvPr id="7" name="5 Marcador de contenido"/>
-          <p:cNvSpPr txBox="1">
-            <a:spLocks/>
-          </p:cNvSpPr>
-          <p:nvPr/>
-        </p:nvSpPr>
-        <p:spPr bwMode="auto">
-          <a:xfrm>
-            <a:off x="611560" y="3923928"/>
-            <a:ext cx="7992888" cy="1080120"/>
-          </a:xfrm>
-          <a:prstGeom prst="rect">
-            <a:avLst/>
-          </a:prstGeom>
-          <a:noFill/>
-          <a:ln w="9525">
-            <a:noFill/>
-            <a:miter lim="800000"/>
-            <a:headEnd/>
-            <a:tailEnd/>
-          </a:ln>
-        </p:spPr>
-        <p:txBody>
-          <a:bodyPr vert="horz" wrap="square" lIns="91440" tIns="45720" rIns="91440" bIns="45720" numCol="1" anchor="t" anchorCtr="0" compatLnSpc="1">
-            <a:prstTxWarp prst="textNoShape">
-              <a:avLst/>
-            </a:prstTxWarp>
-          </a:bodyPr>
-          <a:lstStyle>
-            <a:lvl1pPr marL="342900" indent="-342900" algn="l" rtl="0" eaLnBrk="1" fontAlgn="base" hangingPunct="1">
-              <a:spcBef>
-                <a:spcPct val="20000"/>
-              </a:spcBef>
-              <a:spcAft>
-                <a:spcPct val="0"/>
-              </a:spcAft>
-              <a:buFont typeface="Arial" charset="0"/>
-              <a:buChar char="•"/>
-              <a:defRPr sz="3200" kern="1200">
-                <a:solidFill>
-                  <a:schemeClr val="tx1"/>
-                </a:solidFill>
-                <a:latin typeface="+mn-lt"/>
-                <a:ea typeface="+mn-ea"/>
-                <a:cs typeface="+mn-cs"/>
-              </a:defRPr>
-            </a:lvl1pPr>
-            <a:lvl2pPr marL="742950" indent="-285750" algn="l" rtl="0" eaLnBrk="1" fontAlgn="base" hangingPunct="1">
-              <a:spcBef>
-                <a:spcPct val="20000"/>
-              </a:spcBef>
-              <a:spcAft>
-                <a:spcPct val="0"/>
-              </a:spcAft>
-              <a:buFont typeface="Arial" charset="0"/>
-              <a:buChar char="–"/>
-              <a:defRPr sz="2800" kern="1200">
-                <a:solidFill>
-                  <a:schemeClr val="tx1"/>
-                </a:solidFill>
-                <a:latin typeface="+mn-lt"/>
-                <a:ea typeface="+mn-ea"/>
-                <a:cs typeface="+mn-cs"/>
-              </a:defRPr>
-            </a:lvl2pPr>
-            <a:lvl3pPr marL="1143000" indent="-228600" algn="l" rtl="0" eaLnBrk="1" fontAlgn="base" hangingPunct="1">
-              <a:spcBef>
-                <a:spcPct val="20000"/>
-              </a:spcBef>
-              <a:spcAft>
-                <a:spcPct val="0"/>
-              </a:spcAft>
-              <a:buFont typeface="Arial" charset="0"/>
-              <a:buChar char="•"/>
-              <a:defRPr sz="2400" kern="1200">
-                <a:solidFill>
-                  <a:schemeClr val="tx1"/>
-                </a:solidFill>
-                <a:latin typeface="+mn-lt"/>
-                <a:ea typeface="+mn-ea"/>
-                <a:cs typeface="+mn-cs"/>
-              </a:defRPr>
-            </a:lvl3pPr>
-            <a:lvl4pPr marL="1600200" indent="-228600" algn="l" rtl="0" eaLnBrk="1" fontAlgn="base" hangingPunct="1">
-              <a:spcBef>
-                <a:spcPct val="20000"/>
-              </a:spcBef>
-              <a:spcAft>
-                <a:spcPct val="0"/>
-              </a:spcAft>
-              <a:buFont typeface="Arial" charset="0"/>
-              <a:buChar char="–"/>
-              <a:defRPr sz="2000" kern="1200">
-                <a:solidFill>
-                  <a:schemeClr val="tx1"/>
-                </a:solidFill>
-                <a:latin typeface="+mn-lt"/>
-                <a:ea typeface="+mn-ea"/>
-                <a:cs typeface="+mn-cs"/>
-              </a:defRPr>
-            </a:lvl4pPr>
-            <a:lvl5pPr marL="2057400" indent="-228600" algn="l" rtl="0" eaLnBrk="1" fontAlgn="base" hangingPunct="1">
-              <a:spcBef>
-                <a:spcPct val="20000"/>
-              </a:spcBef>
-              <a:spcAft>
-                <a:spcPct val="0"/>
-              </a:spcAft>
-              <a:buFont typeface="Arial" charset="0"/>
-              <a:buChar char="»"/>
-              <a:defRPr sz="2000" kern="1200">
-                <a:solidFill>
-                  <a:schemeClr val="tx1"/>
-                </a:solidFill>
-                <a:latin typeface="+mn-lt"/>
-                <a:ea typeface="+mn-ea"/>
-                <a:cs typeface="+mn-cs"/>
-              </a:defRPr>
-            </a:lvl5pPr>
-            <a:lvl6pPr marL="2514600" indent="-228600" algn="l" defTabSz="914400" rtl="0" eaLnBrk="1" latinLnBrk="0" hangingPunct="1">
-              <a:spcBef>
-                <a:spcPct val="20000"/>
-              </a:spcBef>
-              <a:buFont typeface="Arial" pitchFamily="34" charset="0"/>
-              <a:buChar char="•"/>
-              <a:defRPr sz="2000" kern="1200">
-                <a:solidFill>
-                  <a:schemeClr val="tx1"/>
-                </a:solidFill>
-                <a:latin typeface="+mn-lt"/>
-                <a:ea typeface="+mn-ea"/>
-                <a:cs typeface="+mn-cs"/>
-              </a:defRPr>
-            </a:lvl6pPr>
-            <a:lvl7pPr marL="2971800" indent="-228600" algn="l" defTabSz="914400" rtl="0" eaLnBrk="1" latinLnBrk="0" hangingPunct="1">
-              <a:spcBef>
-                <a:spcPct val="20000"/>
-              </a:spcBef>
-              <a:buFont typeface="Arial" pitchFamily="34" charset="0"/>
-              <a:buChar char="•"/>
-              <a:defRPr sz="2000" kern="1200">
-                <a:solidFill>
-                  <a:schemeClr val="tx1"/>
-                </a:solidFill>
-                <a:latin typeface="+mn-lt"/>
-                <a:ea typeface="+mn-ea"/>
-                <a:cs typeface="+mn-cs"/>
-              </a:defRPr>
-            </a:lvl7pPr>
-            <a:lvl8pPr marL="3429000" indent="-228600" algn="l" defTabSz="914400" rtl="0" eaLnBrk="1" latinLnBrk="0" hangingPunct="1">
-              <a:spcBef>
-                <a:spcPct val="20000"/>
-              </a:spcBef>
-              <a:buFont typeface="Arial" pitchFamily="34" charset="0"/>
-              <a:buChar char="•"/>
-              <a:defRPr sz="2000" kern="1200">
-                <a:solidFill>
-                  <a:schemeClr val="tx1"/>
-                </a:solidFill>
-                <a:latin typeface="+mn-lt"/>
-                <a:ea typeface="+mn-ea"/>
-                <a:cs typeface="+mn-cs"/>
-              </a:defRPr>
-            </a:lvl8pPr>
-            <a:lvl9pPr marL="3886200" indent="-228600" algn="l" defTabSz="914400" rtl="0" eaLnBrk="1" latinLnBrk="0" hangingPunct="1">
-              <a:spcBef>
-                <a:spcPct val="20000"/>
-              </a:spcBef>
-              <a:buFont typeface="Arial" pitchFamily="34" charset="0"/>
-              <a:buChar char="•"/>
-              <a:defRPr sz="2000" kern="1200">
-                <a:solidFill>
-                  <a:schemeClr val="tx1"/>
-                </a:solidFill>
-                <a:latin typeface="+mn-lt"/>
-                <a:ea typeface="+mn-ea"/>
-                <a:cs typeface="+mn-cs"/>
-              </a:defRPr>
-            </a:lvl9pPr>
-          </a:lstStyle>
-          <a:p>
-            <a:pPr marL="0" indent="0" algn="ctr">
-              <a:buNone/>
-            </a:pPr>
-            <a:r>
-              <a:rPr lang="es-PE" sz="2800" dirty="0" smtClean="0"/>
-              <a:t>¿Cuál es el problema del código de producción?</a:t>
-            </a:r>
-            <a:br>
-              <a:rPr lang="es-PE" sz="2800" dirty="0" smtClean="0"/>
-            </a:br>
-            <a:r>
-              <a:rPr lang="es-PE" sz="2800" dirty="0" smtClean="0"/>
-              <a:t>"Es un código muy acoplado"</a:t>
-            </a:r>
           </a:p>
         </p:txBody>
       </p:sp>
@@ -25923,7 +25778,15 @@
             <a:pPr algn="ctr"/>
             <a:r>
               <a:rPr lang="es-PE" sz="3000" dirty="0" smtClean="0"/>
-              <a:t>Ahora que la clases no depende de una implementación específica, los </a:t>
+              <a:t>Ahora que la clases no </a:t>
+            </a:r>
+            <a:r>
+              <a:rPr lang="es-PE" sz="3000" dirty="0" smtClean="0"/>
+              <a:t>dependen </a:t>
+            </a:r>
+            <a:r>
+              <a:rPr lang="es-PE" sz="3000" dirty="0" smtClean="0"/>
+              <a:t>de una implementación específica, los </a:t>
             </a:r>
             <a:r>
               <a:rPr lang="es-PE" sz="3000" dirty="0" err="1" smtClean="0"/>
